--- a/slides/3_object_oriented_fundamentals.pptx
+++ b/slides/3_object_oriented_fundamentals.pptx
@@ -6,10 +6,10 @@
     <p:sldMasterId id="2147483697" r:id="rId2"/>
   </p:sldMasterIdLst>
   <p:notesMasterIdLst>
-    <p:notesMasterId r:id="rId34"/>
+    <p:notesMasterId r:id="rId43"/>
   </p:notesMasterIdLst>
   <p:handoutMasterIdLst>
-    <p:handoutMasterId r:id="rId35"/>
+    <p:handoutMasterId r:id="rId44"/>
   </p:handoutMasterIdLst>
   <p:sldIdLst>
     <p:sldId id="256" r:id="rId3"/>
@@ -36,13 +36,22 @@
     <p:sldId id="293" r:id="rId24"/>
     <p:sldId id="287" r:id="rId25"/>
     <p:sldId id="260" r:id="rId26"/>
-    <p:sldId id="288" r:id="rId27"/>
-    <p:sldId id="284" r:id="rId28"/>
-    <p:sldId id="289" r:id="rId29"/>
-    <p:sldId id="295" r:id="rId30"/>
-    <p:sldId id="294" r:id="rId31"/>
-    <p:sldId id="296" r:id="rId32"/>
-    <p:sldId id="297" r:id="rId33"/>
+    <p:sldId id="307" r:id="rId27"/>
+    <p:sldId id="308" r:id="rId28"/>
+    <p:sldId id="306" r:id="rId29"/>
+    <p:sldId id="300" r:id="rId30"/>
+    <p:sldId id="301" r:id="rId31"/>
+    <p:sldId id="304" r:id="rId32"/>
+    <p:sldId id="303" r:id="rId33"/>
+    <p:sldId id="305" r:id="rId34"/>
+    <p:sldId id="284" r:id="rId35"/>
+    <p:sldId id="289" r:id="rId36"/>
+    <p:sldId id="302" r:id="rId37"/>
+    <p:sldId id="309" r:id="rId38"/>
+    <p:sldId id="295" r:id="rId39"/>
+    <p:sldId id="294" r:id="rId40"/>
+    <p:sldId id="296" r:id="rId41"/>
+    <p:sldId id="297" r:id="rId42"/>
   </p:sldIdLst>
   <p:sldSz cx="12192000" cy="6858000"/>
   <p:notesSz cx="6858000" cy="9144000"/>
@@ -292,7 +301,7 @@
           <a:p>
             <a:fld id="{E1249EDF-C441-401E-BE19-3A9BC3A020D4}" type="datetimeFigureOut">
               <a:rPr lang="en-US" smtClean="0"/>
-              <a:t>1/10/2025</a:t>
+              <a:t>1/13/2025</a:t>
             </a:fld>
             <a:endParaRPr lang="en-US"/>
           </a:p>
@@ -470,7 +479,7 @@
           <a:p>
             <a:fld id="{EC53C71B-473E-4814-B444-77926C773EE5}" type="datetimeFigureOut">
               <a:rPr lang="en-US" smtClean="0"/>
-              <a:t>1/10/2025</a:t>
+              <a:t>1/13/2025</a:t>
             </a:fld>
             <a:endParaRPr lang="en-US"/>
           </a:p>
@@ -850,7 +859,7 @@
     </p:spTree>
     <p:extLst>
       <p:ext uri="{BB962C8B-B14F-4D97-AF65-F5344CB8AC3E}">
-        <p14:creationId xmlns:p14="http://schemas.microsoft.com/office/powerpoint/2010/main" val="478898920"/>
+        <p14:creationId xmlns:p14="http://schemas.microsoft.com/office/powerpoint/2010/main" val="1783243190"/>
       </p:ext>
     </p:extLst>
   </p:cSld>
@@ -1520,7 +1529,7 @@
               <a:pPr>
                 <a:defRPr/>
               </a:pPr>
-              <a:t>Friday, January 10, 2025</a:t>
+              <a:t>Monday, January 13, 2025</a:t>
             </a:fld>
             <a:endParaRPr lang="en-US" dirty="0"/>
           </a:p>
@@ -1776,7 +1785,7 @@
               <a:pPr>
                 <a:defRPr/>
               </a:pPr>
-              <a:t>Friday, January 10, 2025</a:t>
+              <a:t>Monday, January 13, 2025</a:t>
             </a:fld>
             <a:endParaRPr lang="en-US" dirty="0"/>
           </a:p>
@@ -2731,7 +2740,7 @@
               <a:pPr>
                 <a:defRPr/>
               </a:pPr>
-              <a:t>Friday, January 10, 2025</a:t>
+              <a:t>Monday, January 13, 2025</a:t>
             </a:fld>
             <a:endParaRPr lang="en-US" dirty="0"/>
           </a:p>
@@ -3092,7 +3101,7 @@
               <a:pPr>
                 <a:defRPr/>
               </a:pPr>
-              <a:t>Friday, January 10, 2025</a:t>
+              <a:t>Monday, January 13, 2025</a:t>
             </a:fld>
             <a:endParaRPr lang="en-US" dirty="0"/>
           </a:p>
@@ -3361,7 +3370,7 @@
               <a:pPr>
                 <a:defRPr/>
               </a:pPr>
-              <a:t>Friday, January 10, 2025</a:t>
+              <a:t>Monday, January 13, 2025</a:t>
             </a:fld>
             <a:endParaRPr lang="en-US" dirty="0"/>
           </a:p>
@@ -3630,7 +3639,7 @@
               <a:pPr>
                 <a:defRPr/>
               </a:pPr>
-              <a:t>Friday, January 10, 2025</a:t>
+              <a:t>Monday, January 13, 2025</a:t>
             </a:fld>
             <a:endParaRPr lang="en-US" dirty="0"/>
           </a:p>
@@ -3874,7 +3883,7 @@
               <a:pPr>
                 <a:defRPr/>
               </a:pPr>
-              <a:t>Friday, January 10, 2025</a:t>
+              <a:t>Monday, January 13, 2025</a:t>
             </a:fld>
             <a:endParaRPr lang="en-US" dirty="0"/>
           </a:p>
@@ -4222,7 +4231,7 @@
               <a:pPr>
                 <a:defRPr/>
               </a:pPr>
-              <a:t>Friday, January 10, 2025</a:t>
+              <a:t>Monday, January 13, 2025</a:t>
             </a:fld>
             <a:endParaRPr lang="en-US" dirty="0"/>
           </a:p>
@@ -4492,7 +4501,7 @@
               <a:pPr>
                 <a:defRPr/>
               </a:pPr>
-              <a:t>Friday, January 10, 2025</a:t>
+              <a:t>Monday, January 13, 2025</a:t>
             </a:fld>
             <a:endParaRPr lang="en-US" dirty="0"/>
           </a:p>
@@ -4762,7 +4771,7 @@
               <a:pPr>
                 <a:defRPr/>
               </a:pPr>
-              <a:t>Friday, January 10, 2025</a:t>
+              <a:t>Monday, January 13, 2025</a:t>
             </a:fld>
             <a:endParaRPr lang="en-US" dirty="0"/>
           </a:p>
@@ -5007,7 +5016,7 @@
               <a:pPr>
                 <a:defRPr/>
               </a:pPr>
-              <a:t>Friday, January 10, 2025</a:t>
+              <a:t>Monday, January 13, 2025</a:t>
             </a:fld>
             <a:endParaRPr lang="en-US" dirty="0"/>
           </a:p>
@@ -5405,7 +5414,7 @@
               <a:pPr>
                 <a:defRPr/>
               </a:pPr>
-              <a:t>Friday, January 10, 2025</a:t>
+              <a:t>Monday, January 13, 2025</a:t>
             </a:fld>
             <a:endParaRPr lang="en-US" dirty="0"/>
           </a:p>
@@ -6459,7 +6468,7 @@
               <a:pPr>
                 <a:defRPr/>
               </a:pPr>
-              <a:t>Friday, January 10, 2025</a:t>
+              <a:t>Monday, January 13, 2025</a:t>
             </a:fld>
             <a:endParaRPr lang="en-US" dirty="0"/>
           </a:p>
@@ -7279,7 +7288,7 @@
               <a:pPr>
                 <a:defRPr/>
               </a:pPr>
-              <a:t>Friday, January 10, 2025</a:t>
+              <a:t>Monday, January 13, 2025</a:t>
             </a:fld>
             <a:endParaRPr lang="en-US" dirty="0"/>
           </a:p>
@@ -21341,54 +21350,66 @@
           <a:lstStyle/>
           <a:p>
             <a:r>
-              <a:rPr lang="en-US"/>
+              <a:rPr lang="en-US" dirty="0"/>
               <a:t>Allows the programmer to restrict the types that can be used in a generic class or method using “bounds”</a:t>
             </a:r>
             <a:br>
-              <a:rPr lang="en-US"/>
+              <a:rPr lang="en-US" dirty="0"/>
             </a:br>
-            <a:endParaRPr lang="en-US"/>
-          </a:p>
-          <a:p>
-            <a:r>
-              <a:rPr lang="en-US"/>
+            <a:endParaRPr lang="en-US" dirty="0"/>
+          </a:p>
+          <a:p>
+            <a:r>
+              <a:rPr lang="en-US" dirty="0"/>
               <a:t>Enforce constraints while maintaining flexibility</a:t>
             </a:r>
             <a:br>
-              <a:rPr lang="en-US"/>
+              <a:rPr lang="en-US" dirty="0"/>
             </a:br>
-            <a:endParaRPr lang="en-US"/>
-          </a:p>
-          <a:p>
-            <a:r>
-              <a:rPr lang="en-US"/>
+            <a:endParaRPr lang="en-US" dirty="0"/>
+          </a:p>
+          <a:p>
+            <a:r>
+              <a:rPr lang="en-US" dirty="0"/>
               <a:t>Upper Bound: </a:t>
             </a:r>
             <a:r>
-              <a:rPr lang="en-US">
-                <a:latin typeface="Consolas" panose="020B0609020204030204" pitchFamily="49" charset="0"/>
-              </a:rPr>
-              <a:t>T extends ClassName</a:t>
+              <a:rPr lang="en-US" dirty="0">
+                <a:latin typeface="Consolas" panose="020B0609020204030204" pitchFamily="49" charset="0"/>
+              </a:rPr>
+              <a:t>T extends </a:t>
+            </a:r>
+            <a:r>
+              <a:rPr lang="en-US" dirty="0" err="1">
+                <a:latin typeface="Consolas" panose="020B0609020204030204" pitchFamily="49" charset="0"/>
+              </a:rPr>
+              <a:t>ClassName</a:t>
             </a:r>
             <a:br>
-              <a:rPr lang="en-US">
+              <a:rPr lang="en-US" dirty="0">
                 <a:latin typeface="Consolas" panose="020B0609020204030204" pitchFamily="49" charset="0"/>
               </a:rPr>
             </a:br>
-            <a:endParaRPr lang="en-US">
+            <a:endParaRPr lang="en-US" dirty="0">
               <a:latin typeface="Consolas" panose="020B0609020204030204" pitchFamily="49" charset="0"/>
             </a:endParaRPr>
           </a:p>
           <a:p>
             <a:r>
-              <a:rPr lang="en-US"/>
+              <a:rPr lang="en-US" dirty="0"/>
               <a:t>Lower Bound: </a:t>
             </a:r>
             <a:r>
-              <a:rPr lang="en-US">
-                <a:latin typeface="Consolas" panose="020B0609020204030204" pitchFamily="49" charset="0"/>
-              </a:rPr>
-              <a:t>? super ClassName</a:t>
+              <a:rPr lang="en-US" dirty="0">
+                <a:latin typeface="Consolas" panose="020B0609020204030204" pitchFamily="49" charset="0"/>
+              </a:rPr>
+              <a:t>? super </a:t>
+            </a:r>
+            <a:r>
+              <a:rPr lang="en-US" dirty="0" err="1">
+                <a:latin typeface="Consolas" panose="020B0609020204030204" pitchFamily="49" charset="0"/>
+              </a:rPr>
+              <a:t>ClassName</a:t>
             </a:r>
             <a:endParaRPr lang="en-US" dirty="0">
               <a:latin typeface="Consolas" panose="020B0609020204030204" pitchFamily="49" charset="0"/>
@@ -21903,10 +21924,1015 @@
   <p:cSld>
     <p:spTree>
       <p:nvGrpSpPr>
+        <p:cNvPr id="1" name=""/>
+        <p:cNvGrpSpPr/>
+        <p:nvPr/>
+      </p:nvGrpSpPr>
+      <p:grpSpPr>
+        <a:xfrm>
+          <a:off x="0" y="0"/>
+          <a:ext cx="0" cy="0"/>
+          <a:chOff x="0" y="0"/>
+          <a:chExt cx="0" cy="0"/>
+        </a:xfrm>
+      </p:grpSpPr>
+      <p:sp>
+        <p:nvSpPr>
+          <p:cNvPr id="5" name="Content Placeholder 4">
+            <a:extLst>
+              <a:ext uri="{FF2B5EF4-FFF2-40B4-BE49-F238E27FC236}">
+                <a16:creationId xmlns:a16="http://schemas.microsoft.com/office/drawing/2014/main" id="{8B4818D1-3C81-3947-69EC-35735216E5D0}"/>
+              </a:ext>
+            </a:extLst>
+          </p:cNvPr>
+          <p:cNvSpPr>
+            <a:spLocks noGrp="1"/>
+          </p:cNvSpPr>
+          <p:nvPr>
+            <p:ph idx="1"/>
+          </p:nvPr>
+        </p:nvSpPr>
+        <p:spPr/>
+        <p:txBody>
+          <a:bodyPr/>
+          <a:lstStyle/>
+          <a:p>
+            <a:r>
+              <a:rPr lang="en-US" dirty="0"/>
+              <a:t>Tapti Palit</a:t>
+            </a:r>
+          </a:p>
+        </p:txBody>
+      </p:sp>
+      <p:sp>
+        <p:nvSpPr>
+          <p:cNvPr id="6" name="Text Placeholder 5">
+            <a:extLst>
+              <a:ext uri="{FF2B5EF4-FFF2-40B4-BE49-F238E27FC236}">
+                <a16:creationId xmlns:a16="http://schemas.microsoft.com/office/drawing/2014/main" id="{58266CEA-97D5-6C26-1F74-4D15C71CCBF3}"/>
+              </a:ext>
+            </a:extLst>
+          </p:cNvPr>
+          <p:cNvSpPr>
+            <a:spLocks noGrp="1"/>
+          </p:cNvSpPr>
+          <p:nvPr>
+            <p:ph type="body" sz="quarter" idx="13"/>
+          </p:nvPr>
+        </p:nvSpPr>
+        <p:spPr/>
+        <p:txBody>
+          <a:bodyPr/>
+          <a:lstStyle/>
+          <a:p>
+            <a:r>
+              <a:rPr lang="en-US" dirty="0"/>
+              <a:t>OO fundamentals in Java (contd.)</a:t>
+            </a:r>
+          </a:p>
+        </p:txBody>
+      </p:sp>
+    </p:spTree>
+    <p:extLst>
+      <p:ext uri="{BB962C8B-B14F-4D97-AF65-F5344CB8AC3E}">
+        <p14:creationId xmlns:p14="http://schemas.microsoft.com/office/powerpoint/2010/main" val="3776796477"/>
+      </p:ext>
+    </p:extLst>
+  </p:cSld>
+  <p:clrMapOvr>
+    <a:masterClrMapping/>
+  </p:clrMapOvr>
+</p:sld>
+</file>
+
+<file path=ppt/slides/slide26.xml><?xml version="1.0" encoding="utf-8"?>
+<p:sld xmlns:a="http://schemas.openxmlformats.org/drawingml/2006/main" xmlns:r="http://schemas.openxmlformats.org/officeDocument/2006/relationships" xmlns:p="http://schemas.openxmlformats.org/presentationml/2006/main">
+  <p:cSld>
+    <p:spTree>
+      <p:nvGrpSpPr>
+        <p:cNvPr id="1" name=""/>
+        <p:cNvGrpSpPr/>
+        <p:nvPr/>
+      </p:nvGrpSpPr>
+      <p:grpSpPr>
+        <a:xfrm>
+          <a:off x="0" y="0"/>
+          <a:ext cx="0" cy="0"/>
+          <a:chOff x="0" y="0"/>
+          <a:chExt cx="0" cy="0"/>
+        </a:xfrm>
+      </p:grpSpPr>
+      <p:sp>
+        <p:nvSpPr>
+          <p:cNvPr id="5" name="Content Placeholder 4">
+            <a:extLst>
+              <a:ext uri="{FF2B5EF4-FFF2-40B4-BE49-F238E27FC236}">
+                <a16:creationId xmlns:a16="http://schemas.microsoft.com/office/drawing/2014/main" id="{1BD7A926-4552-A367-622B-7EF0A7418E7B}"/>
+              </a:ext>
+            </a:extLst>
+          </p:cNvPr>
+          <p:cNvSpPr>
+            <a:spLocks noGrp="1"/>
+          </p:cNvSpPr>
+          <p:nvPr>
+            <p:ph idx="1"/>
+          </p:nvPr>
+        </p:nvSpPr>
+        <p:spPr/>
+        <p:txBody>
+          <a:bodyPr/>
+          <a:lstStyle/>
+          <a:p>
+            <a:pPr marL="457200" indent="-457200">
+              <a:buFont typeface="Arial" panose="020B0604020202020204" pitchFamily="34" charset="0"/>
+              <a:buChar char="•"/>
+            </a:pPr>
+            <a:r>
+              <a:rPr lang="en-US" dirty="0"/>
+              <a:t>Still waiting to hear back about class enrollment expansion</a:t>
+            </a:r>
+          </a:p>
+          <a:p>
+            <a:pPr marL="457200" indent="-457200">
+              <a:buFont typeface="Arial" panose="020B0604020202020204" pitchFamily="34" charset="0"/>
+              <a:buChar char="•"/>
+            </a:pPr>
+            <a:r>
+              <a:rPr lang="en-US" dirty="0"/>
+              <a:t>HW1 has been updated (will be discussed today)</a:t>
+            </a:r>
+          </a:p>
+          <a:p>
+            <a:pPr marL="457200" indent="-457200">
+              <a:buFont typeface="Arial" panose="020B0604020202020204" pitchFamily="34" charset="0"/>
+              <a:buChar char="•"/>
+            </a:pPr>
+            <a:r>
+              <a:rPr lang="en-US" dirty="0"/>
+              <a:t>Please post any questions on Piazza</a:t>
+            </a:r>
+          </a:p>
+        </p:txBody>
+      </p:sp>
+      <p:sp>
+        <p:nvSpPr>
+          <p:cNvPr id="4" name="Title 3">
+            <a:extLst>
+              <a:ext uri="{FF2B5EF4-FFF2-40B4-BE49-F238E27FC236}">
+                <a16:creationId xmlns:a16="http://schemas.microsoft.com/office/drawing/2014/main" id="{D7193D1F-8A1D-0DBA-D8CD-52AFBEB600E8}"/>
+              </a:ext>
+            </a:extLst>
+          </p:cNvPr>
+          <p:cNvSpPr>
+            <a:spLocks noGrp="1"/>
+          </p:cNvSpPr>
+          <p:nvPr>
+            <p:ph type="title"/>
+          </p:nvPr>
+        </p:nvSpPr>
+        <p:spPr/>
+        <p:txBody>
+          <a:bodyPr/>
+          <a:lstStyle/>
+          <a:p>
+            <a:r>
+              <a:rPr lang="en-US" dirty="0"/>
+              <a:t>Announcements</a:t>
+            </a:r>
+          </a:p>
+        </p:txBody>
+      </p:sp>
+      <p:sp>
+        <p:nvSpPr>
+          <p:cNvPr id="6" name="Subtitle 5">
+            <a:extLst>
+              <a:ext uri="{FF2B5EF4-FFF2-40B4-BE49-F238E27FC236}">
+                <a16:creationId xmlns:a16="http://schemas.microsoft.com/office/drawing/2014/main" id="{9F821A32-84F7-2C28-F707-B35C47900F1F}"/>
+              </a:ext>
+            </a:extLst>
+          </p:cNvPr>
+          <p:cNvSpPr>
+            <a:spLocks noGrp="1"/>
+          </p:cNvSpPr>
+          <p:nvPr>
+            <p:ph type="subTitle" idx="13"/>
+          </p:nvPr>
+        </p:nvSpPr>
+        <p:spPr/>
+        <p:txBody>
+          <a:bodyPr/>
+          <a:lstStyle/>
+          <a:p>
+            <a:endParaRPr lang="en-US"/>
+          </a:p>
+        </p:txBody>
+      </p:sp>
+    </p:spTree>
+    <p:extLst>
+      <p:ext uri="{BB962C8B-B14F-4D97-AF65-F5344CB8AC3E}">
+        <p14:creationId xmlns:p14="http://schemas.microsoft.com/office/powerpoint/2010/main" val="2995862563"/>
+      </p:ext>
+    </p:extLst>
+  </p:cSld>
+  <p:clrMapOvr>
+    <a:masterClrMapping/>
+  </p:clrMapOvr>
+</p:sld>
+</file>
+
+<file path=ppt/slides/slide27.xml><?xml version="1.0" encoding="utf-8"?>
+<p:sld xmlns:a="http://schemas.openxmlformats.org/drawingml/2006/main" xmlns:r="http://schemas.openxmlformats.org/officeDocument/2006/relationships" xmlns:p="http://schemas.openxmlformats.org/presentationml/2006/main">
+  <p:cSld>
+    <p:spTree>
+      <p:nvGrpSpPr>
+        <p:cNvPr id="1" name=""/>
+        <p:cNvGrpSpPr/>
+        <p:nvPr/>
+      </p:nvGrpSpPr>
+      <p:grpSpPr>
+        <a:xfrm>
+          <a:off x="0" y="0"/>
+          <a:ext cx="0" cy="0"/>
+          <a:chOff x="0" y="0"/>
+          <a:chExt cx="0" cy="0"/>
+        </a:xfrm>
+      </p:grpSpPr>
+      <p:sp>
+        <p:nvSpPr>
+          <p:cNvPr id="2" name="Content Placeholder 1">
+            <a:extLst>
+              <a:ext uri="{FF2B5EF4-FFF2-40B4-BE49-F238E27FC236}">
+                <a16:creationId xmlns:a16="http://schemas.microsoft.com/office/drawing/2014/main" id="{ABD989D8-30A9-C6FC-7D2F-2F9E01AEE4A4}"/>
+              </a:ext>
+            </a:extLst>
+          </p:cNvPr>
+          <p:cNvSpPr>
+            <a:spLocks noGrp="1"/>
+          </p:cNvSpPr>
+          <p:nvPr>
+            <p:ph idx="1"/>
+          </p:nvPr>
+        </p:nvSpPr>
+        <p:spPr/>
+        <p:txBody>
+          <a:bodyPr/>
+          <a:lstStyle/>
+          <a:p>
+            <a:pPr marL="457200" indent="-457200">
+              <a:buFont typeface="Arial" panose="020B0604020202020204" pitchFamily="34" charset="0"/>
+              <a:buChar char="•"/>
+            </a:pPr>
+            <a:r>
+              <a:rPr lang="en-US" dirty="0">
+                <a:latin typeface="Helvetica" panose="020B0604020202020204" pitchFamily="34" charset="0"/>
+                <a:cs typeface="Helvetica" panose="020B0604020202020204" pitchFamily="34" charset="0"/>
+              </a:rPr>
+              <a:t>Java provides wrapper classes that are subclasses of </a:t>
+            </a:r>
+            <a:r>
+              <a:rPr lang="en-US" dirty="0">
+                <a:latin typeface="Consolas" panose="020B0609020204030204" pitchFamily="49" charset="0"/>
+                <a:cs typeface="Helvetica" panose="020B0604020202020204" pitchFamily="34" charset="0"/>
+              </a:rPr>
+              <a:t>Number</a:t>
+            </a:r>
+            <a:r>
+              <a:rPr lang="en-US" dirty="0">
+                <a:latin typeface="Helvetica" panose="020B0604020202020204" pitchFamily="34" charset="0"/>
+                <a:cs typeface="Helvetica" panose="020B0604020202020204" pitchFamily="34" charset="0"/>
+              </a:rPr>
+              <a:t> to wrap numeric primitives as </a:t>
+            </a:r>
+            <a:r>
+              <a:rPr lang="en-US" dirty="0">
+                <a:latin typeface="Consolas" panose="020B0609020204030204" pitchFamily="49" charset="0"/>
+                <a:cs typeface="Helvetica" panose="020B0604020202020204" pitchFamily="34" charset="0"/>
+              </a:rPr>
+              <a:t>Objects</a:t>
+            </a:r>
+          </a:p>
+          <a:p>
+            <a:pPr marL="457200" indent="-457200">
+              <a:buFont typeface="Arial" panose="020B0604020202020204" pitchFamily="34" charset="0"/>
+              <a:buChar char="•"/>
+            </a:pPr>
+            <a:r>
+              <a:rPr lang="en-US" dirty="0">
+                <a:latin typeface="Helvetica" panose="020B0604020202020204" pitchFamily="34" charset="0"/>
+                <a:cs typeface="Helvetica" panose="020B0604020202020204" pitchFamily="34" charset="0"/>
+              </a:rPr>
+              <a:t>Use: Java collections can operate only on </a:t>
+            </a:r>
+            <a:r>
+              <a:rPr lang="en-US" dirty="0">
+                <a:latin typeface="Consolas" panose="020B0609020204030204" pitchFamily="49" charset="0"/>
+                <a:cs typeface="Helvetica" panose="020B0604020202020204" pitchFamily="34" charset="0"/>
+              </a:rPr>
+              <a:t>Object</a:t>
+            </a:r>
+            <a:r>
+              <a:rPr lang="en-US" dirty="0">
+                <a:latin typeface="Helvetica" panose="020B0604020202020204" pitchFamily="34" charset="0"/>
+                <a:cs typeface="Helvetica" panose="020B0604020202020204" pitchFamily="34" charset="0"/>
+              </a:rPr>
+              <a:t> subclasses</a:t>
+            </a:r>
+          </a:p>
+          <a:p>
+            <a:pPr marL="457200" indent="-457200">
+              <a:buFont typeface="Arial" panose="020B0604020202020204" pitchFamily="34" charset="0"/>
+              <a:buChar char="•"/>
+            </a:pPr>
+            <a:r>
+              <a:rPr lang="en-US" dirty="0">
+                <a:latin typeface="Consolas" panose="020B0609020204030204" pitchFamily="49" charset="0"/>
+                <a:cs typeface="Helvetica" panose="020B0604020202020204" pitchFamily="34" charset="0"/>
+              </a:rPr>
+              <a:t>List&lt;int&gt; </a:t>
+            </a:r>
+            <a:r>
+              <a:rPr lang="en-US" dirty="0" err="1">
+                <a:latin typeface="Consolas" panose="020B0609020204030204" pitchFamily="49" charset="0"/>
+                <a:cs typeface="Helvetica" panose="020B0604020202020204" pitchFamily="34" charset="0"/>
+              </a:rPr>
+              <a:t>myIntegers</a:t>
+            </a:r>
+            <a:r>
+              <a:rPr lang="en-US" dirty="0">
+                <a:latin typeface="Consolas" panose="020B0609020204030204" pitchFamily="49" charset="0"/>
+                <a:cs typeface="Helvetica" panose="020B0604020202020204" pitchFamily="34" charset="0"/>
+              </a:rPr>
+              <a:t> = new </a:t>
+            </a:r>
+            <a:r>
+              <a:rPr lang="en-US" dirty="0" err="1">
+                <a:latin typeface="Consolas" panose="020B0609020204030204" pitchFamily="49" charset="0"/>
+                <a:cs typeface="Helvetica" panose="020B0604020202020204" pitchFamily="34" charset="0"/>
+              </a:rPr>
+              <a:t>ArrayList</a:t>
+            </a:r>
+            <a:r>
+              <a:rPr lang="en-US" dirty="0">
+                <a:latin typeface="Consolas" panose="020B0609020204030204" pitchFamily="49" charset="0"/>
+                <a:cs typeface="Helvetica" panose="020B0604020202020204" pitchFamily="34" charset="0"/>
+              </a:rPr>
+              <a:t>&lt;&gt;();</a:t>
+            </a:r>
+          </a:p>
+          <a:p>
+            <a:pPr marL="457200" indent="-457200">
+              <a:buFont typeface="Arial" panose="020B0604020202020204" pitchFamily="34" charset="0"/>
+              <a:buChar char="•"/>
+            </a:pPr>
+            <a:endParaRPr lang="en-US" dirty="0"/>
+          </a:p>
+        </p:txBody>
+      </p:sp>
+      <p:sp>
+        <p:nvSpPr>
+          <p:cNvPr id="3" name="Title 2">
+            <a:extLst>
+              <a:ext uri="{FF2B5EF4-FFF2-40B4-BE49-F238E27FC236}">
+                <a16:creationId xmlns:a16="http://schemas.microsoft.com/office/drawing/2014/main" id="{B7B81BCE-C73B-D0ED-D650-4EEF47F57A76}"/>
+              </a:ext>
+            </a:extLst>
+          </p:cNvPr>
+          <p:cNvSpPr>
+            <a:spLocks noGrp="1"/>
+          </p:cNvSpPr>
+          <p:nvPr>
+            <p:ph type="title"/>
+          </p:nvPr>
+        </p:nvSpPr>
+        <p:spPr/>
+        <p:txBody>
+          <a:bodyPr/>
+          <a:lstStyle/>
+          <a:p>
+            <a:r>
+              <a:rPr lang="en-US" dirty="0"/>
+              <a:t>Uses of boxing and unboxing</a:t>
+            </a:r>
+          </a:p>
+        </p:txBody>
+      </p:sp>
+      <p:sp>
+        <p:nvSpPr>
+          <p:cNvPr id="4" name="Subtitle 3">
+            <a:extLst>
+              <a:ext uri="{FF2B5EF4-FFF2-40B4-BE49-F238E27FC236}">
+                <a16:creationId xmlns:a16="http://schemas.microsoft.com/office/drawing/2014/main" id="{C3680278-642B-0914-C606-BC03B8F86A36}"/>
+              </a:ext>
+            </a:extLst>
+          </p:cNvPr>
+          <p:cNvSpPr>
+            <a:spLocks noGrp="1"/>
+          </p:cNvSpPr>
+          <p:nvPr>
+            <p:ph type="subTitle" idx="13"/>
+          </p:nvPr>
+        </p:nvSpPr>
+        <p:spPr/>
+        <p:txBody>
+          <a:bodyPr/>
+          <a:lstStyle/>
+          <a:p>
+            <a:endParaRPr lang="en-US"/>
+          </a:p>
+        </p:txBody>
+      </p:sp>
+    </p:spTree>
+    <p:extLst>
+      <p:ext uri="{BB962C8B-B14F-4D97-AF65-F5344CB8AC3E}">
+        <p14:creationId xmlns:p14="http://schemas.microsoft.com/office/powerpoint/2010/main" val="1715395217"/>
+      </p:ext>
+    </p:extLst>
+  </p:cSld>
+  <p:clrMapOvr>
+    <a:masterClrMapping/>
+  </p:clrMapOvr>
+</p:sld>
+</file>
+
+<file path=ppt/slides/slide28.xml><?xml version="1.0" encoding="utf-8"?>
+<p:sld xmlns:a="http://schemas.openxmlformats.org/drawingml/2006/main" xmlns:r="http://schemas.openxmlformats.org/officeDocument/2006/relationships" xmlns:p="http://schemas.openxmlformats.org/presentationml/2006/main">
+  <p:cSld>
+    <p:spTree>
+      <p:nvGrpSpPr>
+        <p:cNvPr id="1" name=""/>
+        <p:cNvGrpSpPr/>
+        <p:nvPr/>
+      </p:nvGrpSpPr>
+      <p:grpSpPr>
+        <a:xfrm>
+          <a:off x="0" y="0"/>
+          <a:ext cx="0" cy="0"/>
+          <a:chOff x="0" y="0"/>
+          <a:chExt cx="0" cy="0"/>
+        </a:xfrm>
+      </p:grpSpPr>
+      <p:sp>
+        <p:nvSpPr>
+          <p:cNvPr id="2" name="Content Placeholder 1">
+            <a:extLst>
+              <a:ext uri="{FF2B5EF4-FFF2-40B4-BE49-F238E27FC236}">
+                <a16:creationId xmlns:a16="http://schemas.microsoft.com/office/drawing/2014/main" id="{6809E4FC-8F16-0FF7-0D37-05131E3444E6}"/>
+              </a:ext>
+            </a:extLst>
+          </p:cNvPr>
+          <p:cNvSpPr>
+            <a:spLocks noGrp="1"/>
+          </p:cNvSpPr>
+          <p:nvPr>
+            <p:ph idx="1"/>
+          </p:nvPr>
+        </p:nvSpPr>
+        <p:spPr>
+          <a:xfrm>
+            <a:off x="360607" y="785004"/>
+            <a:ext cx="5735393" cy="5046453"/>
+          </a:xfrm>
+        </p:spPr>
+        <p:txBody>
+          <a:bodyPr/>
+          <a:lstStyle/>
+          <a:p>
+            <a:r>
+              <a:rPr lang="en-US" dirty="0"/>
+              <a:t>Generic type parameter must be replaced uniquely</a:t>
+            </a:r>
+          </a:p>
+          <a:p>
+            <a:r>
+              <a:rPr lang="en-US" dirty="0">
+                <a:latin typeface="Consolas" panose="020B0609020204030204" pitchFamily="49" charset="0"/>
+              </a:rPr>
+              <a:t>Point</a:t>
+            </a:r>
+            <a:r>
+              <a:rPr lang="en-US" dirty="0"/>
+              <a:t> class can have X and Y coordinate, both of which must be </a:t>
+            </a:r>
+            <a:r>
+              <a:rPr lang="en-US" dirty="0">
+                <a:latin typeface="Consolas" panose="020B0609020204030204" pitchFamily="49" charset="0"/>
+              </a:rPr>
+              <a:t>Integer</a:t>
+            </a:r>
+            <a:r>
+              <a:rPr lang="en-US" dirty="0"/>
+              <a:t>, or </a:t>
+            </a:r>
+            <a:r>
+              <a:rPr lang="en-US" dirty="0">
+                <a:latin typeface="Consolas" panose="020B0609020204030204" pitchFamily="49" charset="0"/>
+              </a:rPr>
+              <a:t>Float</a:t>
+            </a:r>
+            <a:r>
+              <a:rPr lang="en-US" dirty="0"/>
+              <a:t>, or </a:t>
+            </a:r>
+            <a:r>
+              <a:rPr lang="en-US" dirty="0">
+                <a:latin typeface="Consolas" panose="020B0609020204030204" pitchFamily="49" charset="0"/>
+              </a:rPr>
+              <a:t>Double</a:t>
+            </a:r>
+            <a:r>
+              <a:rPr lang="en-US" dirty="0"/>
+              <a:t>, and so on</a:t>
+            </a:r>
+          </a:p>
+        </p:txBody>
+      </p:sp>
+      <p:sp>
+        <p:nvSpPr>
+          <p:cNvPr id="3" name="Title 2">
+            <a:extLst>
+              <a:ext uri="{FF2B5EF4-FFF2-40B4-BE49-F238E27FC236}">
+                <a16:creationId xmlns:a16="http://schemas.microsoft.com/office/drawing/2014/main" id="{E88268E9-D9EC-180D-E615-BF444822C4CD}"/>
+              </a:ext>
+            </a:extLst>
+          </p:cNvPr>
+          <p:cNvSpPr>
+            <a:spLocks noGrp="1"/>
+          </p:cNvSpPr>
+          <p:nvPr>
+            <p:ph type="title"/>
+          </p:nvPr>
+        </p:nvSpPr>
+        <p:spPr/>
+        <p:txBody>
+          <a:bodyPr/>
+          <a:lstStyle/>
+          <a:p>
+            <a:r>
+              <a:rPr lang="en-US" dirty="0"/>
+              <a:t>Generics example</a:t>
+            </a:r>
+          </a:p>
+        </p:txBody>
+      </p:sp>
+      <p:sp>
+        <p:nvSpPr>
+          <p:cNvPr id="4" name="Subtitle 3">
+            <a:extLst>
+              <a:ext uri="{FF2B5EF4-FFF2-40B4-BE49-F238E27FC236}">
+                <a16:creationId xmlns:a16="http://schemas.microsoft.com/office/drawing/2014/main" id="{9BDFEEC9-10F2-938F-1778-FC56708564B4}"/>
+              </a:ext>
+            </a:extLst>
+          </p:cNvPr>
+          <p:cNvSpPr>
+            <a:spLocks noGrp="1"/>
+          </p:cNvSpPr>
+          <p:nvPr>
+            <p:ph type="subTitle" idx="13"/>
+          </p:nvPr>
+        </p:nvSpPr>
+        <p:spPr/>
+        <p:txBody>
+          <a:bodyPr/>
+          <a:lstStyle/>
+          <a:p>
+            <a:endParaRPr lang="en-US"/>
+          </a:p>
+        </p:txBody>
+      </p:sp>
+      <p:sp>
+        <p:nvSpPr>
+          <p:cNvPr id="5" name="Content Placeholder 1">
+            <a:extLst>
+              <a:ext uri="{FF2B5EF4-FFF2-40B4-BE49-F238E27FC236}">
+                <a16:creationId xmlns:a16="http://schemas.microsoft.com/office/drawing/2014/main" id="{0F1FCFAB-802D-F358-E6D3-3662EDC16F41}"/>
+              </a:ext>
+            </a:extLst>
+          </p:cNvPr>
+          <p:cNvSpPr txBox="1">
+            <a:spLocks/>
+          </p:cNvSpPr>
+          <p:nvPr/>
+        </p:nvSpPr>
+        <p:spPr>
+          <a:xfrm>
+            <a:off x="6401235" y="785003"/>
+            <a:ext cx="5430158" cy="5046453"/>
+          </a:xfrm>
+          <a:prstGeom prst="rect">
+            <a:avLst/>
+          </a:prstGeom>
+        </p:spPr>
+        <p:txBody>
+          <a:bodyPr vert="horz" lIns="91440" tIns="45720" rIns="91440" bIns="45720" rtlCol="0">
+            <a:normAutofit/>
+          </a:bodyPr>
+          <a:lstStyle>
+            <a:lvl1pPr marL="228600" indent="-228600" algn="l" defTabSz="914400" rtl="0" eaLnBrk="1" latinLnBrk="0" hangingPunct="1">
+              <a:lnSpc>
+                <a:spcPct val="90000"/>
+              </a:lnSpc>
+              <a:spcBef>
+                <a:spcPts val="1000"/>
+              </a:spcBef>
+              <a:buFont typeface="Arial" panose="020B0604020202020204" pitchFamily="34" charset="0"/>
+              <a:buChar char="•"/>
+              <a:defRPr sz="2800" kern="1200">
+                <a:solidFill>
+                  <a:schemeClr val="tx1"/>
+                </a:solidFill>
+                <a:latin typeface="+mn-lt"/>
+                <a:ea typeface="+mn-ea"/>
+                <a:cs typeface="Arial" panose="020B0604020202020204" pitchFamily="34" charset="0"/>
+              </a:defRPr>
+            </a:lvl1pPr>
+            <a:lvl2pPr marL="685800" indent="-228600" algn="l" defTabSz="914400" rtl="0" eaLnBrk="1" latinLnBrk="0" hangingPunct="1">
+              <a:lnSpc>
+                <a:spcPct val="90000"/>
+              </a:lnSpc>
+              <a:spcBef>
+                <a:spcPts val="500"/>
+              </a:spcBef>
+              <a:buFont typeface="Arial" panose="020B0604020202020204" pitchFamily="34" charset="0"/>
+              <a:buChar char="•"/>
+              <a:defRPr sz="2400" kern="1200">
+                <a:solidFill>
+                  <a:schemeClr val="tx1"/>
+                </a:solidFill>
+                <a:latin typeface="+mn-lt"/>
+                <a:ea typeface="+mn-ea"/>
+                <a:cs typeface="Arial" panose="020B0604020202020204" pitchFamily="34" charset="0"/>
+              </a:defRPr>
+            </a:lvl2pPr>
+            <a:lvl3pPr marL="1143000" indent="-228600" algn="l" defTabSz="914400" rtl="0" eaLnBrk="1" latinLnBrk="0" hangingPunct="1">
+              <a:lnSpc>
+                <a:spcPct val="90000"/>
+              </a:lnSpc>
+              <a:spcBef>
+                <a:spcPts val="500"/>
+              </a:spcBef>
+              <a:buFont typeface="Arial" panose="020B0604020202020204" pitchFamily="34" charset="0"/>
+              <a:buChar char="•"/>
+              <a:defRPr sz="2000" kern="1200">
+                <a:solidFill>
+                  <a:schemeClr val="tx1"/>
+                </a:solidFill>
+                <a:latin typeface="+mn-lt"/>
+                <a:ea typeface="+mn-ea"/>
+                <a:cs typeface="Arial" panose="020B0604020202020204" pitchFamily="34" charset="0"/>
+              </a:defRPr>
+            </a:lvl3pPr>
+            <a:lvl4pPr marL="1600200" indent="-228600" algn="l" defTabSz="914400" rtl="0" eaLnBrk="1" latinLnBrk="0" hangingPunct="1">
+              <a:lnSpc>
+                <a:spcPct val="90000"/>
+              </a:lnSpc>
+              <a:spcBef>
+                <a:spcPts val="500"/>
+              </a:spcBef>
+              <a:buFont typeface="Arial" panose="020B0604020202020204" pitchFamily="34" charset="0"/>
+              <a:buChar char="•"/>
+              <a:defRPr sz="1800" kern="1200">
+                <a:solidFill>
+                  <a:schemeClr val="tx1"/>
+                </a:solidFill>
+                <a:latin typeface="+mn-lt"/>
+                <a:ea typeface="+mn-ea"/>
+                <a:cs typeface="Arial" panose="020B0604020202020204" pitchFamily="34" charset="0"/>
+              </a:defRPr>
+            </a:lvl4pPr>
+            <a:lvl5pPr marL="2057400" indent="-228600" algn="l" defTabSz="914400" rtl="0" eaLnBrk="1" latinLnBrk="0" hangingPunct="1">
+              <a:lnSpc>
+                <a:spcPct val="90000"/>
+              </a:lnSpc>
+              <a:spcBef>
+                <a:spcPts val="500"/>
+              </a:spcBef>
+              <a:buFont typeface="Arial" panose="020B0604020202020204" pitchFamily="34" charset="0"/>
+              <a:buChar char="•"/>
+              <a:defRPr sz="1800" kern="1200">
+                <a:solidFill>
+                  <a:schemeClr val="tx1"/>
+                </a:solidFill>
+                <a:latin typeface="+mn-lt"/>
+                <a:ea typeface="+mn-ea"/>
+                <a:cs typeface="Arial" panose="020B0604020202020204" pitchFamily="34" charset="0"/>
+              </a:defRPr>
+            </a:lvl5pPr>
+            <a:lvl6pPr marL="2514600" indent="-228600" algn="l" defTabSz="914400" rtl="0" eaLnBrk="1" latinLnBrk="0" hangingPunct="1">
+              <a:lnSpc>
+                <a:spcPct val="90000"/>
+              </a:lnSpc>
+              <a:spcBef>
+                <a:spcPts val="500"/>
+              </a:spcBef>
+              <a:buFont typeface="Arial" panose="020B0604020202020204" pitchFamily="34" charset="0"/>
+              <a:buChar char="•"/>
+              <a:defRPr sz="1800" kern="1200">
+                <a:solidFill>
+                  <a:schemeClr val="tx1"/>
+                </a:solidFill>
+                <a:latin typeface="+mn-lt"/>
+                <a:ea typeface="+mn-ea"/>
+                <a:cs typeface="+mn-cs"/>
+              </a:defRPr>
+            </a:lvl6pPr>
+            <a:lvl7pPr marL="2971800" indent="-228600" algn="l" defTabSz="914400" rtl="0" eaLnBrk="1" latinLnBrk="0" hangingPunct="1">
+              <a:lnSpc>
+                <a:spcPct val="90000"/>
+              </a:lnSpc>
+              <a:spcBef>
+                <a:spcPts val="500"/>
+              </a:spcBef>
+              <a:buFont typeface="Arial" panose="020B0604020202020204" pitchFamily="34" charset="0"/>
+              <a:buChar char="•"/>
+              <a:defRPr sz="1800" kern="1200">
+                <a:solidFill>
+                  <a:schemeClr val="tx1"/>
+                </a:solidFill>
+                <a:latin typeface="+mn-lt"/>
+                <a:ea typeface="+mn-ea"/>
+                <a:cs typeface="+mn-cs"/>
+              </a:defRPr>
+            </a:lvl7pPr>
+            <a:lvl8pPr marL="3429000" indent="-228600" algn="l" defTabSz="914400" rtl="0" eaLnBrk="1" latinLnBrk="0" hangingPunct="1">
+              <a:lnSpc>
+                <a:spcPct val="90000"/>
+              </a:lnSpc>
+              <a:spcBef>
+                <a:spcPts val="500"/>
+              </a:spcBef>
+              <a:buFont typeface="Arial" panose="020B0604020202020204" pitchFamily="34" charset="0"/>
+              <a:buChar char="•"/>
+              <a:defRPr sz="1800" kern="1200">
+                <a:solidFill>
+                  <a:schemeClr val="tx1"/>
+                </a:solidFill>
+                <a:latin typeface="+mn-lt"/>
+                <a:ea typeface="+mn-ea"/>
+                <a:cs typeface="+mn-cs"/>
+              </a:defRPr>
+            </a:lvl8pPr>
+            <a:lvl9pPr marL="3886200" indent="-228600" algn="l" defTabSz="914400" rtl="0" eaLnBrk="1" latinLnBrk="0" hangingPunct="1">
+              <a:lnSpc>
+                <a:spcPct val="90000"/>
+              </a:lnSpc>
+              <a:spcBef>
+                <a:spcPts val="500"/>
+              </a:spcBef>
+              <a:buFont typeface="Arial" panose="020B0604020202020204" pitchFamily="34" charset="0"/>
+              <a:buChar char="•"/>
+              <a:defRPr sz="1800" kern="1200">
+                <a:solidFill>
+                  <a:schemeClr val="tx1"/>
+                </a:solidFill>
+                <a:latin typeface="+mn-lt"/>
+                <a:ea typeface="+mn-ea"/>
+                <a:cs typeface="+mn-cs"/>
+              </a:defRPr>
+            </a:lvl9pPr>
+          </a:lstStyle>
+          <a:p>
+            <a:pPr marL="0" indent="0">
+              <a:buFont typeface="Arial" panose="020B0604020202020204" pitchFamily="34" charset="0"/>
+              <a:buNone/>
+            </a:pPr>
+            <a:r>
+              <a:rPr lang="en-US" sz="1600" dirty="0">
+                <a:latin typeface="Consolas" panose="020B0609020204030204" pitchFamily="49" charset="0"/>
+              </a:rPr>
+              <a:t>public class Point&lt;T extends Number&gt; {</a:t>
+            </a:r>
+          </a:p>
+          <a:p>
+            <a:pPr marL="0" indent="0">
+              <a:buFont typeface="Arial" panose="020B0604020202020204" pitchFamily="34" charset="0"/>
+              <a:buNone/>
+            </a:pPr>
+            <a:r>
+              <a:rPr lang="en-US" sz="1600" dirty="0">
+                <a:latin typeface="Consolas" panose="020B0609020204030204" pitchFamily="49" charset="0"/>
+              </a:rPr>
+              <a:t>  private T </a:t>
+            </a:r>
+            <a:r>
+              <a:rPr lang="en-US" sz="1600" dirty="0" err="1">
+                <a:latin typeface="Consolas" panose="020B0609020204030204" pitchFamily="49" charset="0"/>
+              </a:rPr>
+              <a:t>xCoordinate</a:t>
+            </a:r>
+            <a:r>
+              <a:rPr lang="en-US" sz="1600" dirty="0">
+                <a:latin typeface="Consolas" panose="020B0609020204030204" pitchFamily="49" charset="0"/>
+              </a:rPr>
+              <a:t>;</a:t>
+            </a:r>
+          </a:p>
+          <a:p>
+            <a:pPr marL="0" indent="0">
+              <a:buFont typeface="Arial" panose="020B0604020202020204" pitchFamily="34" charset="0"/>
+              <a:buNone/>
+            </a:pPr>
+            <a:r>
+              <a:rPr lang="en-US" sz="1600" dirty="0">
+                <a:latin typeface="Consolas" panose="020B0609020204030204" pitchFamily="49" charset="0"/>
+              </a:rPr>
+              <a:t>  private T </a:t>
+            </a:r>
+            <a:r>
+              <a:rPr lang="en-US" sz="1600" dirty="0" err="1">
+                <a:latin typeface="Consolas" panose="020B0609020204030204" pitchFamily="49" charset="0"/>
+              </a:rPr>
+              <a:t>yCoordinate</a:t>
+            </a:r>
+            <a:r>
+              <a:rPr lang="en-US" sz="1600" dirty="0">
+                <a:latin typeface="Consolas" panose="020B0609020204030204" pitchFamily="49" charset="0"/>
+              </a:rPr>
+              <a:t>;</a:t>
+            </a:r>
+          </a:p>
+          <a:p>
+            <a:pPr marL="0" indent="0">
+              <a:buFont typeface="Arial" panose="020B0604020202020204" pitchFamily="34" charset="0"/>
+              <a:buNone/>
+            </a:pPr>
+            <a:r>
+              <a:rPr lang="en-US" sz="1600" dirty="0">
+                <a:latin typeface="Consolas" panose="020B0609020204030204" pitchFamily="49" charset="0"/>
+              </a:rPr>
+              <a:t>  public Point(T x, T y) {</a:t>
+            </a:r>
+          </a:p>
+          <a:p>
+            <a:pPr marL="0" indent="0">
+              <a:buFont typeface="Arial" panose="020B0604020202020204" pitchFamily="34" charset="0"/>
+              <a:buNone/>
+            </a:pPr>
+            <a:r>
+              <a:rPr lang="en-US" sz="1600" dirty="0">
+                <a:latin typeface="Consolas" panose="020B0609020204030204" pitchFamily="49" charset="0"/>
+              </a:rPr>
+              <a:t>    </a:t>
+            </a:r>
+            <a:r>
+              <a:rPr lang="en-US" sz="1600" dirty="0" err="1">
+                <a:latin typeface="Consolas" panose="020B0609020204030204" pitchFamily="49" charset="0"/>
+              </a:rPr>
+              <a:t>xCoordinate</a:t>
+            </a:r>
+            <a:r>
+              <a:rPr lang="en-US" sz="1600" dirty="0">
+                <a:latin typeface="Consolas" panose="020B0609020204030204" pitchFamily="49" charset="0"/>
+              </a:rPr>
+              <a:t> = x;</a:t>
+            </a:r>
+          </a:p>
+          <a:p>
+            <a:pPr marL="0" indent="0">
+              <a:buFont typeface="Arial" panose="020B0604020202020204" pitchFamily="34" charset="0"/>
+              <a:buNone/>
+            </a:pPr>
+            <a:r>
+              <a:rPr lang="en-US" sz="1600" dirty="0">
+                <a:latin typeface="Consolas" panose="020B0609020204030204" pitchFamily="49" charset="0"/>
+              </a:rPr>
+              <a:t>    </a:t>
+            </a:r>
+            <a:r>
+              <a:rPr lang="en-US" sz="1600" dirty="0" err="1">
+                <a:latin typeface="Consolas" panose="020B0609020204030204" pitchFamily="49" charset="0"/>
+              </a:rPr>
+              <a:t>yCoordinate</a:t>
+            </a:r>
+            <a:r>
+              <a:rPr lang="en-US" sz="1600" dirty="0">
+                <a:latin typeface="Consolas" panose="020B0609020204030204" pitchFamily="49" charset="0"/>
+              </a:rPr>
+              <a:t> = y;</a:t>
+            </a:r>
+          </a:p>
+          <a:p>
+            <a:pPr marL="0" indent="0">
+              <a:buFont typeface="Arial" panose="020B0604020202020204" pitchFamily="34" charset="0"/>
+              <a:buNone/>
+            </a:pPr>
+            <a:r>
+              <a:rPr lang="en-US" sz="1600" dirty="0">
+                <a:latin typeface="Consolas" panose="020B0609020204030204" pitchFamily="49" charset="0"/>
+              </a:rPr>
+              <a:t>  } </a:t>
+            </a:r>
+          </a:p>
+          <a:p>
+            <a:pPr marL="0" indent="0">
+              <a:buFont typeface="Arial" panose="020B0604020202020204" pitchFamily="34" charset="0"/>
+              <a:buNone/>
+            </a:pPr>
+            <a:r>
+              <a:rPr lang="en-US" sz="1600" dirty="0">
+                <a:latin typeface="Consolas" panose="020B0609020204030204" pitchFamily="49" charset="0"/>
+              </a:rPr>
+              <a:t>  // getters and setters</a:t>
+            </a:r>
+          </a:p>
+          <a:p>
+            <a:pPr marL="0" indent="0">
+              <a:buFont typeface="Arial" panose="020B0604020202020204" pitchFamily="34" charset="0"/>
+              <a:buNone/>
+            </a:pPr>
+            <a:r>
+              <a:rPr lang="en-US" sz="1600" dirty="0">
+                <a:latin typeface="Consolas" panose="020B0609020204030204" pitchFamily="49" charset="0"/>
+              </a:rPr>
+              <a:t>}</a:t>
+            </a:r>
+          </a:p>
+          <a:p>
+            <a:pPr marL="0" indent="0">
+              <a:buFont typeface="Arial" panose="020B0604020202020204" pitchFamily="34" charset="0"/>
+              <a:buNone/>
+            </a:pPr>
+            <a:endParaRPr lang="en-US" sz="1600" b="1" dirty="0">
+              <a:latin typeface="Consolas" panose="020B0609020204030204" pitchFamily="49" charset="0"/>
+            </a:endParaRPr>
+          </a:p>
+          <a:p>
+            <a:pPr marL="0" indent="0">
+              <a:buFont typeface="Arial" panose="020B0604020202020204" pitchFamily="34" charset="0"/>
+              <a:buNone/>
+            </a:pPr>
+            <a:r>
+              <a:rPr lang="en-US" sz="1600" dirty="0">
+                <a:latin typeface="Consolas" panose="020B0609020204030204" pitchFamily="49" charset="0"/>
+              </a:rPr>
+              <a:t>Point&lt;Integer&gt; point1 = new Point&lt;&gt;(10, 20);</a:t>
+            </a:r>
+          </a:p>
+          <a:p>
+            <a:pPr marL="0" indent="0">
+              <a:buFont typeface="Arial" panose="020B0604020202020204" pitchFamily="34" charset="0"/>
+              <a:buNone/>
+            </a:pPr>
+            <a:r>
+              <a:rPr lang="en-US" sz="1600" dirty="0">
+                <a:latin typeface="Consolas" panose="020B0609020204030204" pitchFamily="49" charset="0"/>
+              </a:rPr>
+              <a:t>Point&lt;Double&gt; point2 = new Point&lt;&gt;(10.0, 20.0);</a:t>
+            </a:r>
+          </a:p>
+          <a:p>
+            <a:pPr marL="0" indent="0">
+              <a:buFont typeface="Arial" panose="020B0604020202020204" pitchFamily="34" charset="0"/>
+              <a:buNone/>
+            </a:pPr>
+            <a:r>
+              <a:rPr lang="en-US" sz="1600" dirty="0">
+                <a:latin typeface="Consolas" panose="020B0609020204030204" pitchFamily="49" charset="0"/>
+              </a:rPr>
+              <a:t>Point&lt;Integer&gt; point3 = new Point(10, 20.0); </a:t>
+            </a:r>
+          </a:p>
+          <a:p>
+            <a:pPr marL="0" indent="0">
+              <a:buFont typeface="Arial" panose="020B0604020202020204" pitchFamily="34" charset="0"/>
+              <a:buNone/>
+            </a:pPr>
+            <a:r>
+              <a:rPr lang="en-US" sz="1600" dirty="0">
+                <a:latin typeface="Consolas" panose="020B0609020204030204" pitchFamily="49" charset="0"/>
+              </a:rPr>
+              <a:t>		// </a:t>
+            </a:r>
+            <a:r>
+              <a:rPr lang="en-US" sz="1600" b="1" dirty="0">
+                <a:latin typeface="Consolas" panose="020B0609020204030204" pitchFamily="49" charset="0"/>
+              </a:rPr>
+              <a:t>COMPILER ERROR</a:t>
+            </a:r>
+          </a:p>
+        </p:txBody>
+      </p:sp>
+    </p:spTree>
+    <p:extLst>
+      <p:ext uri="{BB962C8B-B14F-4D97-AF65-F5344CB8AC3E}">
+        <p14:creationId xmlns:p14="http://schemas.microsoft.com/office/powerpoint/2010/main" val="3185812580"/>
+      </p:ext>
+    </p:extLst>
+  </p:cSld>
+  <p:clrMapOvr>
+    <a:masterClrMapping/>
+  </p:clrMapOvr>
+</p:sld>
+</file>
+
+<file path=ppt/slides/slide29.xml><?xml version="1.0" encoding="utf-8"?>
+<p:sld xmlns:a="http://schemas.openxmlformats.org/drawingml/2006/main" xmlns:r="http://schemas.openxmlformats.org/officeDocument/2006/relationships" xmlns:p="http://schemas.openxmlformats.org/presentationml/2006/main">
+  <p:cSld>
+    <p:spTree>
+      <p:nvGrpSpPr>
         <p:cNvPr id="1" name="">
           <a:extLst>
             <a:ext uri="{FF2B5EF4-FFF2-40B4-BE49-F238E27FC236}">
-              <a16:creationId xmlns:a16="http://schemas.microsoft.com/office/drawing/2014/main" id="{1FD95E5D-372E-97B5-6CBA-D48441D6D266}"/>
+              <a16:creationId xmlns:a16="http://schemas.microsoft.com/office/drawing/2014/main" id="{3C6D4FC2-9D8B-A60E-2426-6BF99D94152D}"/>
             </a:ext>
           </a:extLst>
         </p:cNvPr>
@@ -21926,7 +22952,7 @@
           <p:cNvPr id="2" name="Content Placeholder 1">
             <a:extLst>
               <a:ext uri="{FF2B5EF4-FFF2-40B4-BE49-F238E27FC236}">
-                <a16:creationId xmlns:a16="http://schemas.microsoft.com/office/drawing/2014/main" id="{DC70F5CB-C9C2-911D-1FBF-6BE3C1F5F3B6}"/>
+                <a16:creationId xmlns:a16="http://schemas.microsoft.com/office/drawing/2014/main" id="{503ACF1B-A02B-A166-CEAB-B5825DE76DCB}"/>
               </a:ext>
             </a:extLst>
           </p:cNvPr>
@@ -21939,69 +22965,27 @@
         </p:nvSpPr>
         <p:spPr>
           <a:xfrm>
-            <a:off x="360608" y="785004"/>
-            <a:ext cx="6333704" cy="5046453"/>
+            <a:off x="360607" y="785004"/>
+            <a:ext cx="5735393" cy="5046453"/>
           </a:xfrm>
         </p:spPr>
         <p:txBody>
-          <a:bodyPr>
-            <a:normAutofit fontScale="92500" lnSpcReduction="10000"/>
-          </a:bodyPr>
+          <a:bodyPr/>
           <a:lstStyle/>
           <a:p>
             <a:r>
-              <a:rPr lang="en-US"/>
-              <a:t>Allows the programmer to restrict the types that can be used in a generic class or method using “bounds”</a:t>
-            </a:r>
-            <a:br>
-              <a:rPr lang="en-US"/>
-            </a:br>
-            <a:endParaRPr lang="en-US"/>
-          </a:p>
-          <a:p>
-            <a:r>
-              <a:rPr lang="en-US"/>
-              <a:t>Enforce constraints while maintaining flexibility</a:t>
-            </a:r>
-            <a:br>
-              <a:rPr lang="en-US"/>
-            </a:br>
-            <a:endParaRPr lang="en-US"/>
-          </a:p>
-          <a:p>
-            <a:r>
-              <a:rPr lang="en-US"/>
-              <a:t>Upper Bound: </a:t>
-            </a:r>
-            <a:r>
-              <a:rPr lang="en-US">
-                <a:latin typeface="Consolas" panose="020B0609020204030204" pitchFamily="49" charset="0"/>
-              </a:rPr>
-              <a:t>T extends ClassName</a:t>
-            </a:r>
-            <a:br>
-              <a:rPr lang="en-US">
-                <a:latin typeface="Consolas" panose="020B0609020204030204" pitchFamily="49" charset="0"/>
-              </a:rPr>
-            </a:br>
-            <a:endParaRPr lang="en-US">
-              <a:latin typeface="Consolas" panose="020B0609020204030204" pitchFamily="49" charset="0"/>
-            </a:endParaRPr>
-          </a:p>
-          <a:p>
-            <a:r>
-              <a:rPr lang="en-US"/>
-              <a:t>Lower Bound: </a:t>
-            </a:r>
-            <a:r>
-              <a:rPr lang="en-US">
-                <a:latin typeface="Consolas" panose="020B0609020204030204" pitchFamily="49" charset="0"/>
-              </a:rPr>
-              <a:t>? super ClassName</a:t>
-            </a:r>
-            <a:endParaRPr lang="en-US" dirty="0">
-              <a:latin typeface="Consolas" panose="020B0609020204030204" pitchFamily="49" charset="0"/>
-            </a:endParaRPr>
+              <a:rPr lang="en-US" dirty="0">
+                <a:latin typeface="Consolas" panose="020B0609020204030204" pitchFamily="49" charset="0"/>
+              </a:rPr>
+              <a:t>Point</a:t>
+            </a:r>
+            <a:r>
+              <a:rPr lang="en-US" dirty="0"/>
+              <a:t> class can have X and Y coordinates of different types as long as both types extend Number</a:t>
+            </a:r>
+          </a:p>
+          <a:p>
+            <a:endParaRPr lang="en-US" dirty="0"/>
           </a:p>
         </p:txBody>
       </p:sp>
@@ -22010,7 +22994,7 @@
           <p:cNvPr id="3" name="Title 2">
             <a:extLst>
               <a:ext uri="{FF2B5EF4-FFF2-40B4-BE49-F238E27FC236}">
-                <a16:creationId xmlns:a16="http://schemas.microsoft.com/office/drawing/2014/main" id="{F5651D71-FEC7-46E3-D4FB-86A606D81264}"/>
+                <a16:creationId xmlns:a16="http://schemas.microsoft.com/office/drawing/2014/main" id="{ADF77F49-6F60-93C6-5686-66D47296A78E}"/>
               </a:ext>
             </a:extLst>
           </p:cNvPr>
@@ -22027,10 +23011,9 @@
           <a:lstStyle/>
           <a:p>
             <a:r>
-              <a:rPr lang="en-US"/>
-              <a:t>Bounded polymorphism</a:t>
-            </a:r>
-            <a:endParaRPr lang="en-US" dirty="0"/>
+              <a:rPr lang="en-US" dirty="0"/>
+              <a:t>Without generic types</a:t>
+            </a:r>
           </a:p>
         </p:txBody>
       </p:sp>
@@ -22039,7 +23022,7 @@
           <p:cNvPr id="4" name="Subtitle 3">
             <a:extLst>
               <a:ext uri="{FF2B5EF4-FFF2-40B4-BE49-F238E27FC236}">
-                <a16:creationId xmlns:a16="http://schemas.microsoft.com/office/drawing/2014/main" id="{9C3A0286-0063-A6BE-E26F-F66FEA9F6D67}"/>
+                <a16:creationId xmlns:a16="http://schemas.microsoft.com/office/drawing/2014/main" id="{99EB3C97-BD67-3AB0-5BAE-C563620DD362}"/>
               </a:ext>
             </a:extLst>
           </p:cNvPr>
@@ -22061,10 +23044,10 @@
       </p:sp>
       <p:sp>
         <p:nvSpPr>
-          <p:cNvPr id="6" name="Content Placeholder 1">
+          <p:cNvPr id="5" name="Content Placeholder 1">
             <a:extLst>
               <a:ext uri="{FF2B5EF4-FFF2-40B4-BE49-F238E27FC236}">
-                <a16:creationId xmlns:a16="http://schemas.microsoft.com/office/drawing/2014/main" id="{474E6466-DE1F-0256-E623-51C89D680705}"/>
+                <a16:creationId xmlns:a16="http://schemas.microsoft.com/office/drawing/2014/main" id="{E3D79928-1BC9-D10E-D4F7-F4E4EA02877B}"/>
               </a:ext>
             </a:extLst>
           </p:cNvPr>
@@ -22075,8 +23058,8 @@
         </p:nvSpPr>
         <p:spPr>
           <a:xfrm>
-            <a:off x="6694312" y="916762"/>
-            <a:ext cx="5582992" cy="5046453"/>
+            <a:off x="6401235" y="785003"/>
+            <a:ext cx="5430158" cy="5046453"/>
           </a:xfrm>
           <a:prstGeom prst="rect">
             <a:avLst/>
@@ -22084,7 +23067,7 @@
         </p:spPr>
         <p:txBody>
           <a:bodyPr vert="horz" lIns="91440" tIns="45720" rIns="91440" bIns="45720" rtlCol="0">
-            <a:normAutofit fontScale="92500" lnSpcReduction="20000"/>
+            <a:normAutofit/>
           </a:bodyPr>
           <a:lstStyle>
             <a:lvl1pPr marL="228600" indent="-228600" algn="l" defTabSz="914400" rtl="0" eaLnBrk="1" latinLnBrk="0" hangingPunct="1">
@@ -22259,19 +23242,31 @@
               <a:rPr lang="en-US" sz="1600" dirty="0">
                 <a:latin typeface="Consolas" panose="020B0609020204030204" pitchFamily="49" charset="0"/>
               </a:rPr>
-              <a:t>void </a:t>
+              <a:t>public class Point {</a:t>
+            </a:r>
+          </a:p>
+          <a:p>
+            <a:pPr marL="0" indent="0">
+              <a:buFont typeface="Arial" panose="020B0604020202020204" pitchFamily="34" charset="0"/>
+              <a:buNone/>
+            </a:pPr>
+            <a:r>
+              <a:rPr lang="en-US" sz="1600" dirty="0">
+                <a:latin typeface="Consolas" panose="020B0609020204030204" pitchFamily="49" charset="0"/>
+              </a:rPr>
+              <a:t>  private Number </a:t>
             </a:r>
             <a:r>
               <a:rPr lang="en-US" sz="1600" dirty="0" err="1">
                 <a:latin typeface="Consolas" panose="020B0609020204030204" pitchFamily="49" charset="0"/>
               </a:rPr>
-              <a:t>printNumbers</a:t>
-            </a:r>
-            <a:r>
-              <a:rPr lang="en-US" sz="1600" dirty="0">
-                <a:latin typeface="Consolas" panose="020B0609020204030204" pitchFamily="49" charset="0"/>
-              </a:rPr>
-              <a:t>(List&lt;? super Number&gt; list) {</a:t>
+              <a:t>xCoordinate</a:t>
+            </a:r>
+            <a:r>
+              <a:rPr lang="en-US" sz="1600" dirty="0">
+                <a:latin typeface="Consolas" panose="020B0609020204030204" pitchFamily="49" charset="0"/>
+              </a:rPr>
+              <a:t>;</a:t>
             </a:r>
           </a:p>
           <a:p>
@@ -22283,7 +23278,19 @@
               <a:rPr lang="en-US" sz="1600" dirty="0">
                 <a:latin typeface="Consolas" panose="020B0609020204030204" pitchFamily="49" charset="0"/>
               </a:rPr>
-              <a:t>  for (Object obj: list) {</a:t>
+              <a:t>  private Number </a:t>
+            </a:r>
+            <a:r>
+              <a:rPr lang="en-US" sz="1600" dirty="0" err="1">
+                <a:latin typeface="Consolas" panose="020B0609020204030204" pitchFamily="49" charset="0"/>
+              </a:rPr>
+              <a:t>yCoordinate</a:t>
+            </a:r>
+            <a:r>
+              <a:rPr lang="en-US" sz="1600" dirty="0">
+                <a:latin typeface="Consolas" panose="020B0609020204030204" pitchFamily="49" charset="0"/>
+              </a:rPr>
+              <a:t>;</a:t>
             </a:r>
           </a:p>
           <a:p>
@@ -22295,19 +23302,31 @@
               <a:rPr lang="en-US" sz="1600" dirty="0">
                 <a:latin typeface="Consolas" panose="020B0609020204030204" pitchFamily="49" charset="0"/>
               </a:rPr>
-              <a:t>     </a:t>
+              <a:t>  public Point(Number x, Number y) {</a:t>
+            </a:r>
+          </a:p>
+          <a:p>
+            <a:pPr marL="0" indent="0">
+              <a:buFont typeface="Arial" panose="020B0604020202020204" pitchFamily="34" charset="0"/>
+              <a:buNone/>
+            </a:pPr>
+            <a:r>
+              <a:rPr lang="en-US" sz="1600" dirty="0">
+                <a:latin typeface="Consolas" panose="020B0609020204030204" pitchFamily="49" charset="0"/>
+              </a:rPr>
+              <a:t>    </a:t>
             </a:r>
             <a:r>
               <a:rPr lang="en-US" sz="1600" dirty="0" err="1">
                 <a:latin typeface="Consolas" panose="020B0609020204030204" pitchFamily="49" charset="0"/>
               </a:rPr>
-              <a:t>System.out.println</a:t>
-            </a:r>
-            <a:r>
-              <a:rPr lang="en-US" sz="1600" dirty="0">
-                <a:latin typeface="Consolas" panose="020B0609020204030204" pitchFamily="49" charset="0"/>
-              </a:rPr>
-              <a:t>(obj);</a:t>
+              <a:t>xCoordinate</a:t>
+            </a:r>
+            <a:r>
+              <a:rPr lang="en-US" sz="1600" dirty="0">
+                <a:latin typeface="Consolas" panose="020B0609020204030204" pitchFamily="49" charset="0"/>
+              </a:rPr>
+              <a:t> = x;</a:t>
             </a:r>
           </a:p>
           <a:p>
@@ -22319,7 +23338,19 @@
               <a:rPr lang="en-US" sz="1600" dirty="0">
                 <a:latin typeface="Consolas" panose="020B0609020204030204" pitchFamily="49" charset="0"/>
               </a:rPr>
-              <a:t>  }</a:t>
+              <a:t>    </a:t>
+            </a:r>
+            <a:r>
+              <a:rPr lang="en-US" sz="1600" dirty="0" err="1">
+                <a:latin typeface="Consolas" panose="020B0609020204030204" pitchFamily="49" charset="0"/>
+              </a:rPr>
+              <a:t>yCoordinate</a:t>
+            </a:r>
+            <a:r>
+              <a:rPr lang="en-US" sz="1600" dirty="0">
+                <a:latin typeface="Consolas" panose="020B0609020204030204" pitchFamily="49" charset="0"/>
+              </a:rPr>
+              <a:t> = y;</a:t>
             </a:r>
           </a:p>
           <a:p>
@@ -22331,7 +23362,7 @@
               <a:rPr lang="en-US" sz="1600" dirty="0">
                 <a:latin typeface="Consolas" panose="020B0609020204030204" pitchFamily="49" charset="0"/>
               </a:rPr>
-              <a:t>} </a:t>
+              <a:t>  } </a:t>
             </a:r>
           </a:p>
           <a:p>
@@ -22339,7 +23370,31 @@
               <a:buFont typeface="Arial" panose="020B0604020202020204" pitchFamily="34" charset="0"/>
               <a:buNone/>
             </a:pPr>
-            <a:endParaRPr lang="en-US" sz="1600" dirty="0">
+            <a:r>
+              <a:rPr lang="en-US" sz="1600" dirty="0">
+                <a:latin typeface="Consolas" panose="020B0609020204030204" pitchFamily="49" charset="0"/>
+              </a:rPr>
+              <a:t>  // getters and setters</a:t>
+            </a:r>
+          </a:p>
+          <a:p>
+            <a:pPr marL="0" indent="0">
+              <a:buFont typeface="Arial" panose="020B0604020202020204" pitchFamily="34" charset="0"/>
+              <a:buNone/>
+            </a:pPr>
+            <a:r>
+              <a:rPr lang="en-US" sz="1600" dirty="0">
+                <a:latin typeface="Consolas" panose="020B0609020204030204" pitchFamily="49" charset="0"/>
+              </a:rPr>
+              <a:t>}</a:t>
+            </a:r>
+          </a:p>
+          <a:p>
+            <a:pPr marL="0" indent="0">
+              <a:buFont typeface="Arial" panose="020B0604020202020204" pitchFamily="34" charset="0"/>
+              <a:buNone/>
+            </a:pPr>
+            <a:endParaRPr lang="en-US" sz="1600" b="1" dirty="0">
               <a:latin typeface="Consolas" panose="020B0609020204030204" pitchFamily="49" charset="0"/>
             </a:endParaRPr>
           </a:p>
@@ -22352,7 +23407,7 @@
               <a:rPr lang="en-US" sz="1600" dirty="0">
                 <a:latin typeface="Consolas" panose="020B0609020204030204" pitchFamily="49" charset="0"/>
               </a:rPr>
-              <a:t>// Usage</a:t>
+              <a:t>Point point1 = new Point&lt;&gt;(10, 20);</a:t>
             </a:r>
           </a:p>
           <a:p>
@@ -22364,19 +23419,7 @@
               <a:rPr lang="en-US" sz="1600" dirty="0">
                 <a:latin typeface="Consolas" panose="020B0609020204030204" pitchFamily="49" charset="0"/>
               </a:rPr>
-              <a:t>List&lt;Number&gt; numbers = new </a:t>
-            </a:r>
-            <a:r>
-              <a:rPr lang="en-US" sz="1600" dirty="0" err="1">
-                <a:latin typeface="Consolas" panose="020B0609020204030204" pitchFamily="49" charset="0"/>
-              </a:rPr>
-              <a:t>ArrayList</a:t>
-            </a:r>
-            <a:r>
-              <a:rPr lang="en-US" sz="1600" dirty="0">
-                <a:latin typeface="Consolas" panose="020B0609020204030204" pitchFamily="49" charset="0"/>
-              </a:rPr>
-              <a:t>&lt;&gt;();</a:t>
+              <a:t>Point point2 = new Point&lt;&gt;(10.0, 20.0);</a:t>
             </a:r>
           </a:p>
           <a:p>
@@ -22385,16 +23428,10 @@
               <a:buNone/>
             </a:pPr>
             <a:r>
-              <a:rPr lang="en-US" sz="1600" dirty="0" err="1">
-                <a:latin typeface="Consolas" panose="020B0609020204030204" pitchFamily="49" charset="0"/>
-              </a:rPr>
-              <a:t>numbers.push</a:t>
-            </a:r>
-            <a:r>
-              <a:rPr lang="en-US" sz="1600" dirty="0">
-                <a:latin typeface="Consolas" panose="020B0609020204030204" pitchFamily="49" charset="0"/>
-              </a:rPr>
-              <a:t>(100);</a:t>
+              <a:rPr lang="en-US" sz="1600" dirty="0">
+                <a:latin typeface="Consolas" panose="020B0609020204030204" pitchFamily="49" charset="0"/>
+              </a:rPr>
+              <a:t>Point point3 = new Point(10, 20.0); </a:t>
             </a:r>
           </a:p>
           <a:p>
@@ -22403,166 +23440,16 @@
               <a:buNone/>
             </a:pPr>
             <a:r>
-              <a:rPr lang="en-US" sz="1600" dirty="0" err="1">
-                <a:latin typeface="Consolas" panose="020B0609020204030204" pitchFamily="49" charset="0"/>
-              </a:rPr>
-              <a:t>printNumbers</a:t>
-            </a:r>
-            <a:r>
-              <a:rPr lang="en-US" sz="1600" dirty="0">
-                <a:latin typeface="Consolas" panose="020B0609020204030204" pitchFamily="49" charset="0"/>
-              </a:rPr>
-              <a:t>(numbers); 	// Works!</a:t>
-            </a:r>
-          </a:p>
-          <a:p>
-            <a:pPr marL="0" indent="0">
-              <a:buFont typeface="Arial" panose="020B0604020202020204" pitchFamily="34" charset="0"/>
-              <a:buNone/>
-            </a:pPr>
-            <a:endParaRPr lang="en-US" sz="1600" dirty="0">
-              <a:latin typeface="Consolas" panose="020B0609020204030204" pitchFamily="49" charset="0"/>
-            </a:endParaRPr>
-          </a:p>
-          <a:p>
-            <a:pPr marL="0" indent="0">
-              <a:buFont typeface="Arial" panose="020B0604020202020204" pitchFamily="34" charset="0"/>
-              <a:buNone/>
-            </a:pPr>
-            <a:r>
-              <a:rPr lang="en-US" sz="1600" dirty="0">
-                <a:latin typeface="Consolas" panose="020B0609020204030204" pitchFamily="49" charset="0"/>
-              </a:rPr>
-              <a:t>List&lt;Object&gt; </a:t>
-            </a:r>
-            <a:r>
-              <a:rPr lang="en-US" sz="1600" dirty="0" err="1">
-                <a:latin typeface="Consolas" panose="020B0609020204030204" pitchFamily="49" charset="0"/>
-              </a:rPr>
-              <a:t>objs</a:t>
-            </a:r>
-            <a:r>
-              <a:rPr lang="en-US" sz="1600" dirty="0">
-                <a:latin typeface="Consolas" panose="020B0609020204030204" pitchFamily="49" charset="0"/>
-              </a:rPr>
-              <a:t> = new </a:t>
-            </a:r>
-            <a:r>
-              <a:rPr lang="en-US" sz="1600" dirty="0" err="1">
-                <a:latin typeface="Consolas" panose="020B0609020204030204" pitchFamily="49" charset="0"/>
-              </a:rPr>
-              <a:t>ArrayList</a:t>
-            </a:r>
-            <a:r>
-              <a:rPr lang="en-US" sz="1600" dirty="0">
-                <a:latin typeface="Consolas" panose="020B0609020204030204" pitchFamily="49" charset="0"/>
-              </a:rPr>
-              <a:t>&lt;&gt;();</a:t>
-            </a:r>
-          </a:p>
-          <a:p>
-            <a:pPr marL="0" indent="0">
-              <a:buFont typeface="Arial" panose="020B0604020202020204" pitchFamily="34" charset="0"/>
-              <a:buNone/>
-            </a:pPr>
-            <a:r>
-              <a:rPr lang="en-US" sz="1600" dirty="0" err="1">
-                <a:latin typeface="Consolas" panose="020B0609020204030204" pitchFamily="49" charset="0"/>
-              </a:rPr>
-              <a:t>printNumbers</a:t>
-            </a:r>
-            <a:r>
-              <a:rPr lang="en-US" sz="1600" dirty="0">
-                <a:latin typeface="Consolas" panose="020B0609020204030204" pitchFamily="49" charset="0"/>
-              </a:rPr>
-              <a:t>(</a:t>
-            </a:r>
-            <a:r>
-              <a:rPr lang="en-US" sz="1600" dirty="0" err="1">
-                <a:latin typeface="Consolas" panose="020B0609020204030204" pitchFamily="49" charset="0"/>
-              </a:rPr>
-              <a:t>objs</a:t>
-            </a:r>
-            <a:r>
-              <a:rPr lang="en-US" sz="1600" dirty="0">
-                <a:latin typeface="Consolas" panose="020B0609020204030204" pitchFamily="49" charset="0"/>
-              </a:rPr>
-              <a:t>); 		// Works!</a:t>
-            </a:r>
-          </a:p>
-          <a:p>
-            <a:pPr marL="0" indent="0">
-              <a:buFont typeface="Arial" panose="020B0604020202020204" pitchFamily="34" charset="0"/>
-              <a:buNone/>
-            </a:pPr>
-            <a:endParaRPr lang="en-US" sz="1600" dirty="0">
-              <a:latin typeface="Consolas" panose="020B0609020204030204" pitchFamily="49" charset="0"/>
-            </a:endParaRPr>
-          </a:p>
-          <a:p>
-            <a:pPr marL="0" indent="0">
-              <a:buFont typeface="Arial" panose="020B0604020202020204" pitchFamily="34" charset="0"/>
-              <a:buNone/>
-            </a:pPr>
-            <a:r>
-              <a:rPr lang="en-US" sz="1600" dirty="0">
-                <a:latin typeface="Consolas" panose="020B0609020204030204" pitchFamily="49" charset="0"/>
-              </a:rPr>
-              <a:t>List&lt;String&gt; names = new </a:t>
-            </a:r>
-            <a:r>
-              <a:rPr lang="en-US" sz="1600" dirty="0" err="1">
-                <a:latin typeface="Consolas" panose="020B0609020204030204" pitchFamily="49" charset="0"/>
-              </a:rPr>
-              <a:t>ArrayList</a:t>
-            </a:r>
-            <a:r>
-              <a:rPr lang="en-US" sz="1600" dirty="0">
-                <a:latin typeface="Consolas" panose="020B0609020204030204" pitchFamily="49" charset="0"/>
-              </a:rPr>
-              <a:t>&lt;&gt;();</a:t>
-            </a:r>
-          </a:p>
-          <a:p>
-            <a:pPr marL="0" indent="0">
-              <a:buFont typeface="Arial" panose="020B0604020202020204" pitchFamily="34" charset="0"/>
-              <a:buNone/>
-            </a:pPr>
-            <a:r>
-              <a:rPr lang="en-US" sz="1600" dirty="0" err="1">
-                <a:latin typeface="Consolas" panose="020B0609020204030204" pitchFamily="49" charset="0"/>
-              </a:rPr>
-              <a:t>names.push</a:t>
-            </a:r>
-            <a:r>
-              <a:rPr lang="en-US" sz="1600" dirty="0">
-                <a:latin typeface="Consolas" panose="020B0609020204030204" pitchFamily="49" charset="0"/>
-              </a:rPr>
-              <a:t>(“ecs160”);</a:t>
-            </a:r>
-          </a:p>
-          <a:p>
-            <a:pPr marL="0" indent="0">
-              <a:buFont typeface="Arial" panose="020B0604020202020204" pitchFamily="34" charset="0"/>
-              <a:buNone/>
-            </a:pPr>
-            <a:r>
-              <a:rPr lang="en-US" sz="1600" dirty="0" err="1">
-                <a:latin typeface="Consolas" panose="020B0609020204030204" pitchFamily="49" charset="0"/>
-              </a:rPr>
-              <a:t>printNumbers</a:t>
-            </a:r>
-            <a:r>
-              <a:rPr lang="en-US" sz="1600" dirty="0">
-                <a:latin typeface="Consolas" panose="020B0609020204030204" pitchFamily="49" charset="0"/>
-              </a:rPr>
-              <a:t>(names); 	</a:t>
+              <a:rPr lang="en-US" sz="1600" dirty="0">
+                <a:latin typeface="Consolas" panose="020B0609020204030204" pitchFamily="49" charset="0"/>
+              </a:rPr>
+              <a:t>		// </a:t>
             </a:r>
             <a:r>
               <a:rPr lang="en-US" sz="1600" b="1" dirty="0">
                 <a:latin typeface="Consolas" panose="020B0609020204030204" pitchFamily="49" charset="0"/>
               </a:rPr>
-              <a:t>// Compiler error!</a:t>
+              <a:t>NO COMPILER ERROR</a:t>
             </a:r>
           </a:p>
         </p:txBody>
@@ -22570,7 +23457,7 @@
     </p:spTree>
     <p:extLst>
       <p:ext uri="{BB962C8B-B14F-4D97-AF65-F5344CB8AC3E}">
-        <p14:creationId xmlns:p14="http://schemas.microsoft.com/office/powerpoint/2010/main" val="1164973869"/>
+        <p14:creationId xmlns:p14="http://schemas.microsoft.com/office/powerpoint/2010/main" val="641012305"/>
       </p:ext>
     </p:extLst>
   </p:cSld>
@@ -22580,7 +23467,2184 @@
 </p:sld>
 </file>
 
-<file path=ppt/slides/slide26.xml><?xml version="1.0" encoding="utf-8"?>
+<file path=ppt/slides/slide3.xml><?xml version="1.0" encoding="utf-8"?>
+<p:sld xmlns:a="http://schemas.openxmlformats.org/drawingml/2006/main" xmlns:r="http://schemas.openxmlformats.org/officeDocument/2006/relationships" xmlns:p="http://schemas.openxmlformats.org/presentationml/2006/main">
+  <p:cSld>
+    <p:spTree>
+      <p:nvGrpSpPr>
+        <p:cNvPr id="1" name=""/>
+        <p:cNvGrpSpPr/>
+        <p:nvPr/>
+      </p:nvGrpSpPr>
+      <p:grpSpPr>
+        <a:xfrm>
+          <a:off x="0" y="0"/>
+          <a:ext cx="0" cy="0"/>
+          <a:chOff x="0" y="0"/>
+          <a:chExt cx="0" cy="0"/>
+        </a:xfrm>
+      </p:grpSpPr>
+      <p:sp>
+        <p:nvSpPr>
+          <p:cNvPr id="2" name="Content Placeholder 1">
+            <a:extLst>
+              <a:ext uri="{FF2B5EF4-FFF2-40B4-BE49-F238E27FC236}">
+                <a16:creationId xmlns:a16="http://schemas.microsoft.com/office/drawing/2014/main" id="{8ACF9742-3350-1D65-AB1F-E445C30B36DE}"/>
+              </a:ext>
+            </a:extLst>
+          </p:cNvPr>
+          <p:cNvSpPr>
+            <a:spLocks noGrp="1"/>
+          </p:cNvSpPr>
+          <p:nvPr>
+            <p:ph idx="1"/>
+          </p:nvPr>
+        </p:nvSpPr>
+        <p:spPr/>
+        <p:txBody>
+          <a:bodyPr/>
+          <a:lstStyle/>
+          <a:p>
+            <a:pPr marL="0" indent="0">
+              <a:buNone/>
+            </a:pPr>
+            <a:r>
+              <a:rPr lang="en-US"/>
+              <a:t>Objects have properties and functions</a:t>
+            </a:r>
+            <a:endParaRPr lang="en-US" dirty="0"/>
+          </a:p>
+        </p:txBody>
+      </p:sp>
+      <p:sp>
+        <p:nvSpPr>
+          <p:cNvPr id="3" name="Title 2">
+            <a:extLst>
+              <a:ext uri="{FF2B5EF4-FFF2-40B4-BE49-F238E27FC236}">
+                <a16:creationId xmlns:a16="http://schemas.microsoft.com/office/drawing/2014/main" id="{6BE0EAE0-FAB3-33AA-DB3C-DDC2394A80CD}"/>
+              </a:ext>
+            </a:extLst>
+          </p:cNvPr>
+          <p:cNvSpPr>
+            <a:spLocks noGrp="1"/>
+          </p:cNvSpPr>
+          <p:nvPr>
+            <p:ph type="title"/>
+          </p:nvPr>
+        </p:nvSpPr>
+        <p:spPr/>
+        <p:txBody>
+          <a:bodyPr/>
+          <a:lstStyle/>
+          <a:p>
+            <a:r>
+              <a:rPr lang="en-US"/>
+              <a:t>What is an object?</a:t>
+            </a:r>
+            <a:endParaRPr lang="en-US" dirty="0"/>
+          </a:p>
+        </p:txBody>
+      </p:sp>
+      <p:sp>
+        <p:nvSpPr>
+          <p:cNvPr id="4" name="Subtitle 3">
+            <a:extLst>
+              <a:ext uri="{FF2B5EF4-FFF2-40B4-BE49-F238E27FC236}">
+                <a16:creationId xmlns:a16="http://schemas.microsoft.com/office/drawing/2014/main" id="{2822CE88-B1CE-8912-0A76-F5DB3B904762}"/>
+              </a:ext>
+            </a:extLst>
+          </p:cNvPr>
+          <p:cNvSpPr>
+            <a:spLocks noGrp="1"/>
+          </p:cNvSpPr>
+          <p:nvPr>
+            <p:ph type="subTitle" idx="13"/>
+          </p:nvPr>
+        </p:nvSpPr>
+        <p:spPr/>
+        <p:txBody>
+          <a:bodyPr/>
+          <a:lstStyle/>
+          <a:p>
+            <a:endParaRPr lang="en-US"/>
+          </a:p>
+        </p:txBody>
+      </p:sp>
+      <p:pic>
+        <p:nvPicPr>
+          <p:cNvPr id="1026" name="Picture 2" descr="Best Cars of 2024 and 2025 - Top-Rated New Cars Ranked | KBB.com">
+            <a:extLst>
+              <a:ext uri="{FF2B5EF4-FFF2-40B4-BE49-F238E27FC236}">
+                <a16:creationId xmlns:a16="http://schemas.microsoft.com/office/drawing/2014/main" id="{D0B3A394-D3F6-ACDF-9E4D-40D79040B9C8}"/>
+              </a:ext>
+            </a:extLst>
+          </p:cNvPr>
+          <p:cNvPicPr>
+            <a:picLocks noChangeAspect="1" noChangeArrowheads="1"/>
+          </p:cNvPicPr>
+          <p:nvPr/>
+        </p:nvPicPr>
+        <p:blipFill>
+          <a:blip r:embed="rId3" cstate="print">
+            <a:extLst>
+              <a:ext uri="{28A0092B-C50C-407E-A947-70E740481C1C}">
+                <a14:useLocalDpi xmlns:a14="http://schemas.microsoft.com/office/drawing/2010/main" val="0"/>
+              </a:ext>
+            </a:extLst>
+          </a:blip>
+          <a:srcRect/>
+          <a:stretch>
+            <a:fillRect/>
+          </a:stretch>
+        </p:blipFill>
+        <p:spPr bwMode="auto">
+          <a:xfrm>
+            <a:off x="529940" y="1598124"/>
+            <a:ext cx="3330859" cy="1347957"/>
+          </a:xfrm>
+          <a:prstGeom prst="rect">
+            <a:avLst/>
+          </a:prstGeom>
+          <a:noFill/>
+          <a:extLst>
+            <a:ext uri="{909E8E84-426E-40DD-AFC4-6F175D3DCCD1}">
+              <a14:hiddenFill xmlns:a14="http://schemas.microsoft.com/office/drawing/2010/main">
+                <a:solidFill>
+                  <a:srgbClr val="FFFFFF"/>
+                </a:solidFill>
+              </a14:hiddenFill>
+            </a:ext>
+          </a:extLst>
+        </p:spPr>
+      </p:pic>
+      <p:pic>
+        <p:nvPicPr>
+          <p:cNvPr id="1028" name="Picture 4" descr="Understanding Behavioral Changes in Senior Dogs | Dog Aging Project">
+            <a:extLst>
+              <a:ext uri="{FF2B5EF4-FFF2-40B4-BE49-F238E27FC236}">
+                <a16:creationId xmlns:a16="http://schemas.microsoft.com/office/drawing/2014/main" id="{5812A8B1-EF6D-9DC6-4052-4E8A1E1A83C7}"/>
+              </a:ext>
+            </a:extLst>
+          </p:cNvPr>
+          <p:cNvPicPr>
+            <a:picLocks noChangeAspect="1" noChangeArrowheads="1"/>
+          </p:cNvPicPr>
+          <p:nvPr/>
+        </p:nvPicPr>
+        <p:blipFill>
+          <a:blip r:embed="rId4" cstate="print">
+            <a:extLst>
+              <a:ext uri="{28A0092B-C50C-407E-A947-70E740481C1C}">
+                <a14:useLocalDpi xmlns:a14="http://schemas.microsoft.com/office/drawing/2010/main" val="0"/>
+              </a:ext>
+            </a:extLst>
+          </a:blip>
+          <a:srcRect/>
+          <a:stretch>
+            <a:fillRect/>
+          </a:stretch>
+        </p:blipFill>
+        <p:spPr bwMode="auto">
+          <a:xfrm>
+            <a:off x="827897" y="3831255"/>
+            <a:ext cx="2575454" cy="1717234"/>
+          </a:xfrm>
+          <a:prstGeom prst="rect">
+            <a:avLst/>
+          </a:prstGeom>
+          <a:noFill/>
+          <a:extLst>
+            <a:ext uri="{909E8E84-426E-40DD-AFC4-6F175D3DCCD1}">
+              <a14:hiddenFill xmlns:a14="http://schemas.microsoft.com/office/drawing/2010/main">
+                <a:solidFill>
+                  <a:srgbClr val="FFFFFF"/>
+                </a:solidFill>
+              </a14:hiddenFill>
+            </a:ext>
+          </a:extLst>
+        </p:spPr>
+      </p:pic>
+      <p:pic>
+        <p:nvPicPr>
+          <p:cNvPr id="1030" name="Picture 6" descr="Professional Woman Stock Photos, Images and Backgrounds for Free Download">
+            <a:extLst>
+              <a:ext uri="{FF2B5EF4-FFF2-40B4-BE49-F238E27FC236}">
+                <a16:creationId xmlns:a16="http://schemas.microsoft.com/office/drawing/2014/main" id="{C5D996F2-8637-3CFD-2B62-E4DDFD288786}"/>
+              </a:ext>
+            </a:extLst>
+          </p:cNvPr>
+          <p:cNvPicPr>
+            <a:picLocks noChangeAspect="1" noChangeArrowheads="1"/>
+          </p:cNvPicPr>
+          <p:nvPr/>
+        </p:nvPicPr>
+        <p:blipFill>
+          <a:blip r:embed="rId5" cstate="print">
+            <a:extLst>
+              <a:ext uri="{28A0092B-C50C-407E-A947-70E740481C1C}">
+                <a14:useLocalDpi xmlns:a14="http://schemas.microsoft.com/office/drawing/2010/main" val="0"/>
+              </a:ext>
+            </a:extLst>
+          </a:blip>
+          <a:srcRect/>
+          <a:stretch>
+            <a:fillRect/>
+          </a:stretch>
+        </p:blipFill>
+        <p:spPr bwMode="auto">
+          <a:xfrm>
+            <a:off x="4797539" y="1357433"/>
+            <a:ext cx="2575454" cy="1931255"/>
+          </a:xfrm>
+          <a:prstGeom prst="rect">
+            <a:avLst/>
+          </a:prstGeom>
+          <a:noFill/>
+          <a:extLst>
+            <a:ext uri="{909E8E84-426E-40DD-AFC4-6F175D3DCCD1}">
+              <a14:hiddenFill xmlns:a14="http://schemas.microsoft.com/office/drawing/2010/main">
+                <a:solidFill>
+                  <a:srgbClr val="FFFFFF"/>
+                </a:solidFill>
+              </a14:hiddenFill>
+            </a:ext>
+          </a:extLst>
+        </p:spPr>
+      </p:pic>
+      <p:pic>
+        <p:nvPicPr>
+          <p:cNvPr id="1032" name="Picture 8" descr="Roll: Bicycle Company A:1 Adventure Bike">
+            <a:extLst>
+              <a:ext uri="{FF2B5EF4-FFF2-40B4-BE49-F238E27FC236}">
+                <a16:creationId xmlns:a16="http://schemas.microsoft.com/office/drawing/2014/main" id="{A6DEBE71-9A16-E558-68CA-3DBB9959789B}"/>
+              </a:ext>
+            </a:extLst>
+          </p:cNvPr>
+          <p:cNvPicPr>
+            <a:picLocks noChangeAspect="1" noChangeArrowheads="1"/>
+          </p:cNvPicPr>
+          <p:nvPr/>
+        </p:nvPicPr>
+        <p:blipFill>
+          <a:blip r:embed="rId6" cstate="print">
+            <a:extLst>
+              <a:ext uri="{28A0092B-C50C-407E-A947-70E740481C1C}">
+                <a14:useLocalDpi xmlns:a14="http://schemas.microsoft.com/office/drawing/2010/main" val="0"/>
+              </a:ext>
+            </a:extLst>
+          </a:blip>
+          <a:srcRect/>
+          <a:stretch>
+            <a:fillRect/>
+          </a:stretch>
+        </p:blipFill>
+        <p:spPr bwMode="auto">
+          <a:xfrm>
+            <a:off x="8267644" y="3503877"/>
+            <a:ext cx="3527778" cy="2116667"/>
+          </a:xfrm>
+          <a:prstGeom prst="rect">
+            <a:avLst/>
+          </a:prstGeom>
+          <a:noFill/>
+          <a:extLst>
+            <a:ext uri="{909E8E84-426E-40DD-AFC4-6F175D3DCCD1}">
+              <a14:hiddenFill xmlns:a14="http://schemas.microsoft.com/office/drawing/2010/main">
+                <a:solidFill>
+                  <a:srgbClr val="FFFFFF"/>
+                </a:solidFill>
+              </a14:hiddenFill>
+            </a:ext>
+          </a:extLst>
+        </p:spPr>
+      </p:pic>
+      <p:pic>
+        <p:nvPicPr>
+          <p:cNvPr id="1034" name="Picture 10" descr="True Fine 16.5-in Brushed Steel LED Touch Table Lamp with Fabric Shade  20080T-BN at Lowes.com">
+            <a:extLst>
+              <a:ext uri="{FF2B5EF4-FFF2-40B4-BE49-F238E27FC236}">
+                <a16:creationId xmlns:a16="http://schemas.microsoft.com/office/drawing/2014/main" id="{B33B9FBE-636D-877F-1CA6-7513A4E829B6}"/>
+              </a:ext>
+            </a:extLst>
+          </p:cNvPr>
+          <p:cNvPicPr>
+            <a:picLocks noChangeAspect="1" noChangeArrowheads="1"/>
+          </p:cNvPicPr>
+          <p:nvPr/>
+        </p:nvPicPr>
+        <p:blipFill>
+          <a:blip r:embed="rId7" cstate="print">
+            <a:extLst>
+              <a:ext uri="{28A0092B-C50C-407E-A947-70E740481C1C}">
+                <a14:useLocalDpi xmlns:a14="http://schemas.microsoft.com/office/drawing/2010/main" val="0"/>
+              </a:ext>
+            </a:extLst>
+          </a:blip>
+          <a:srcRect/>
+          <a:stretch>
+            <a:fillRect/>
+          </a:stretch>
+        </p:blipFill>
+        <p:spPr bwMode="auto">
+          <a:xfrm>
+            <a:off x="9033822" y="1344072"/>
+            <a:ext cx="1995422" cy="1995422"/>
+          </a:xfrm>
+          <a:prstGeom prst="rect">
+            <a:avLst/>
+          </a:prstGeom>
+          <a:noFill/>
+          <a:extLst>
+            <a:ext uri="{909E8E84-426E-40DD-AFC4-6F175D3DCCD1}">
+              <a14:hiddenFill xmlns:a14="http://schemas.microsoft.com/office/drawing/2010/main">
+                <a:solidFill>
+                  <a:srgbClr val="FFFFFF"/>
+                </a:solidFill>
+              </a14:hiddenFill>
+            </a:ext>
+          </a:extLst>
+        </p:spPr>
+      </p:pic>
+      <p:pic>
+        <p:nvPicPr>
+          <p:cNvPr id="1036" name="Picture 12" descr="Twinkle Twinkle Little Firefly - Humane Gardener">
+            <a:extLst>
+              <a:ext uri="{FF2B5EF4-FFF2-40B4-BE49-F238E27FC236}">
+                <a16:creationId xmlns:a16="http://schemas.microsoft.com/office/drawing/2014/main" id="{DA3A625C-BA86-22D3-9AF0-985AA2A6F3A0}"/>
+              </a:ext>
+            </a:extLst>
+          </p:cNvPr>
+          <p:cNvPicPr>
+            <a:picLocks noChangeAspect="1" noChangeArrowheads="1"/>
+          </p:cNvPicPr>
+          <p:nvPr/>
+        </p:nvPicPr>
+        <p:blipFill>
+          <a:blip r:embed="rId8" cstate="print">
+            <a:extLst>
+              <a:ext uri="{28A0092B-C50C-407E-A947-70E740481C1C}">
+                <a14:useLocalDpi xmlns:a14="http://schemas.microsoft.com/office/drawing/2010/main" val="0"/>
+              </a:ext>
+            </a:extLst>
+          </a:blip>
+          <a:srcRect/>
+          <a:stretch>
+            <a:fillRect/>
+          </a:stretch>
+        </p:blipFill>
+        <p:spPr bwMode="auto">
+          <a:xfrm>
+            <a:off x="4606579" y="3677531"/>
+            <a:ext cx="3330859" cy="1873175"/>
+          </a:xfrm>
+          <a:prstGeom prst="rect">
+            <a:avLst/>
+          </a:prstGeom>
+          <a:noFill/>
+          <a:extLst>
+            <a:ext uri="{909E8E84-426E-40DD-AFC4-6F175D3DCCD1}">
+              <a14:hiddenFill xmlns:a14="http://schemas.microsoft.com/office/drawing/2010/main">
+                <a:solidFill>
+                  <a:srgbClr val="FFFFFF"/>
+                </a:solidFill>
+              </a14:hiddenFill>
+            </a:ext>
+          </a:extLst>
+        </p:spPr>
+      </p:pic>
+    </p:spTree>
+    <p:extLst>
+      <p:ext uri="{BB962C8B-B14F-4D97-AF65-F5344CB8AC3E}">
+        <p14:creationId xmlns:p14="http://schemas.microsoft.com/office/powerpoint/2010/main" val="270900983"/>
+      </p:ext>
+    </p:extLst>
+  </p:cSld>
+  <p:clrMapOvr>
+    <a:masterClrMapping/>
+  </p:clrMapOvr>
+</p:sld>
+</file>
+
+<file path=ppt/slides/slide30.xml><?xml version="1.0" encoding="utf-8"?>
+<p:sld xmlns:a="http://schemas.openxmlformats.org/drawingml/2006/main" xmlns:r="http://schemas.openxmlformats.org/officeDocument/2006/relationships" xmlns:p="http://schemas.openxmlformats.org/presentationml/2006/main">
+  <p:cSld>
+    <p:spTree>
+      <p:nvGrpSpPr>
+        <p:cNvPr id="1" name="">
+          <a:extLst>
+            <a:ext uri="{FF2B5EF4-FFF2-40B4-BE49-F238E27FC236}">
+              <a16:creationId xmlns:a16="http://schemas.microsoft.com/office/drawing/2014/main" id="{207D8861-F3CF-FD6C-C17C-67AF7AE03836}"/>
+            </a:ext>
+          </a:extLst>
+        </p:cNvPr>
+        <p:cNvGrpSpPr/>
+        <p:nvPr/>
+      </p:nvGrpSpPr>
+      <p:grpSpPr>
+        <a:xfrm>
+          <a:off x="0" y="0"/>
+          <a:ext cx="0" cy="0"/>
+          <a:chOff x="0" y="0"/>
+          <a:chExt cx="0" cy="0"/>
+        </a:xfrm>
+      </p:grpSpPr>
+      <p:sp>
+        <p:nvSpPr>
+          <p:cNvPr id="2" name="Content Placeholder 1">
+            <a:extLst>
+              <a:ext uri="{FF2B5EF4-FFF2-40B4-BE49-F238E27FC236}">
+                <a16:creationId xmlns:a16="http://schemas.microsoft.com/office/drawing/2014/main" id="{187D01B6-EC60-C281-9FEB-BEC7BADD242F}"/>
+              </a:ext>
+            </a:extLst>
+          </p:cNvPr>
+          <p:cNvSpPr>
+            <a:spLocks noGrp="1"/>
+          </p:cNvSpPr>
+          <p:nvPr>
+            <p:ph idx="1"/>
+          </p:nvPr>
+        </p:nvSpPr>
+        <p:spPr>
+          <a:xfrm>
+            <a:off x="360607" y="785004"/>
+            <a:ext cx="5735393" cy="5046453"/>
+          </a:xfrm>
+        </p:spPr>
+        <p:txBody>
+          <a:bodyPr/>
+          <a:lstStyle/>
+          <a:p>
+            <a:r>
+              <a:rPr lang="en-US" dirty="0"/>
+              <a:t>Can have any number of type parameters</a:t>
+            </a:r>
+          </a:p>
+          <a:p>
+            <a:endParaRPr lang="en-US" dirty="0"/>
+          </a:p>
+          <a:p>
+            <a:r>
+              <a:rPr lang="en-US" dirty="0"/>
+              <a:t>E.g. allow mismatched coordinate types using generic type parameters</a:t>
+            </a:r>
+          </a:p>
+        </p:txBody>
+      </p:sp>
+      <p:sp>
+        <p:nvSpPr>
+          <p:cNvPr id="3" name="Title 2">
+            <a:extLst>
+              <a:ext uri="{FF2B5EF4-FFF2-40B4-BE49-F238E27FC236}">
+                <a16:creationId xmlns:a16="http://schemas.microsoft.com/office/drawing/2014/main" id="{EF4713FB-4BD8-EC86-D9F7-CF1AC5C180F3}"/>
+              </a:ext>
+            </a:extLst>
+          </p:cNvPr>
+          <p:cNvSpPr>
+            <a:spLocks noGrp="1"/>
+          </p:cNvSpPr>
+          <p:nvPr>
+            <p:ph type="title"/>
+          </p:nvPr>
+        </p:nvSpPr>
+        <p:spPr/>
+        <p:txBody>
+          <a:bodyPr/>
+          <a:lstStyle/>
+          <a:p>
+            <a:r>
+              <a:rPr lang="en-US" dirty="0"/>
+              <a:t>Generics example with two type parameters</a:t>
+            </a:r>
+          </a:p>
+        </p:txBody>
+      </p:sp>
+      <p:sp>
+        <p:nvSpPr>
+          <p:cNvPr id="4" name="Subtitle 3">
+            <a:extLst>
+              <a:ext uri="{FF2B5EF4-FFF2-40B4-BE49-F238E27FC236}">
+                <a16:creationId xmlns:a16="http://schemas.microsoft.com/office/drawing/2014/main" id="{B59F478D-5197-6604-99A8-8527E180FA6A}"/>
+              </a:ext>
+            </a:extLst>
+          </p:cNvPr>
+          <p:cNvSpPr>
+            <a:spLocks noGrp="1"/>
+          </p:cNvSpPr>
+          <p:nvPr>
+            <p:ph type="subTitle" idx="13"/>
+          </p:nvPr>
+        </p:nvSpPr>
+        <p:spPr/>
+        <p:txBody>
+          <a:bodyPr/>
+          <a:lstStyle/>
+          <a:p>
+            <a:endParaRPr lang="en-US"/>
+          </a:p>
+        </p:txBody>
+      </p:sp>
+      <p:sp>
+        <p:nvSpPr>
+          <p:cNvPr id="5" name="Content Placeholder 1">
+            <a:extLst>
+              <a:ext uri="{FF2B5EF4-FFF2-40B4-BE49-F238E27FC236}">
+                <a16:creationId xmlns:a16="http://schemas.microsoft.com/office/drawing/2014/main" id="{4DA63931-45C8-37D9-E935-A897D23B2591}"/>
+              </a:ext>
+            </a:extLst>
+          </p:cNvPr>
+          <p:cNvSpPr txBox="1">
+            <a:spLocks/>
+          </p:cNvSpPr>
+          <p:nvPr/>
+        </p:nvSpPr>
+        <p:spPr>
+          <a:xfrm>
+            <a:off x="6401235" y="785003"/>
+            <a:ext cx="5430158" cy="5046453"/>
+          </a:xfrm>
+          <a:prstGeom prst="rect">
+            <a:avLst/>
+          </a:prstGeom>
+        </p:spPr>
+        <p:txBody>
+          <a:bodyPr vert="horz" lIns="91440" tIns="45720" rIns="91440" bIns="45720" rtlCol="0">
+            <a:normAutofit fontScale="92500" lnSpcReduction="10000"/>
+          </a:bodyPr>
+          <a:lstStyle>
+            <a:lvl1pPr marL="228600" indent="-228600" algn="l" defTabSz="914400" rtl="0" eaLnBrk="1" latinLnBrk="0" hangingPunct="1">
+              <a:lnSpc>
+                <a:spcPct val="90000"/>
+              </a:lnSpc>
+              <a:spcBef>
+                <a:spcPts val="1000"/>
+              </a:spcBef>
+              <a:buFont typeface="Arial" panose="020B0604020202020204" pitchFamily="34" charset="0"/>
+              <a:buChar char="•"/>
+              <a:defRPr sz="2800" kern="1200">
+                <a:solidFill>
+                  <a:schemeClr val="tx1"/>
+                </a:solidFill>
+                <a:latin typeface="+mn-lt"/>
+                <a:ea typeface="+mn-ea"/>
+                <a:cs typeface="Arial" panose="020B0604020202020204" pitchFamily="34" charset="0"/>
+              </a:defRPr>
+            </a:lvl1pPr>
+            <a:lvl2pPr marL="685800" indent="-228600" algn="l" defTabSz="914400" rtl="0" eaLnBrk="1" latinLnBrk="0" hangingPunct="1">
+              <a:lnSpc>
+                <a:spcPct val="90000"/>
+              </a:lnSpc>
+              <a:spcBef>
+                <a:spcPts val="500"/>
+              </a:spcBef>
+              <a:buFont typeface="Arial" panose="020B0604020202020204" pitchFamily="34" charset="0"/>
+              <a:buChar char="•"/>
+              <a:defRPr sz="2400" kern="1200">
+                <a:solidFill>
+                  <a:schemeClr val="tx1"/>
+                </a:solidFill>
+                <a:latin typeface="+mn-lt"/>
+                <a:ea typeface="+mn-ea"/>
+                <a:cs typeface="Arial" panose="020B0604020202020204" pitchFamily="34" charset="0"/>
+              </a:defRPr>
+            </a:lvl2pPr>
+            <a:lvl3pPr marL="1143000" indent="-228600" algn="l" defTabSz="914400" rtl="0" eaLnBrk="1" latinLnBrk="0" hangingPunct="1">
+              <a:lnSpc>
+                <a:spcPct val="90000"/>
+              </a:lnSpc>
+              <a:spcBef>
+                <a:spcPts val="500"/>
+              </a:spcBef>
+              <a:buFont typeface="Arial" panose="020B0604020202020204" pitchFamily="34" charset="0"/>
+              <a:buChar char="•"/>
+              <a:defRPr sz="2000" kern="1200">
+                <a:solidFill>
+                  <a:schemeClr val="tx1"/>
+                </a:solidFill>
+                <a:latin typeface="+mn-lt"/>
+                <a:ea typeface="+mn-ea"/>
+                <a:cs typeface="Arial" panose="020B0604020202020204" pitchFamily="34" charset="0"/>
+              </a:defRPr>
+            </a:lvl3pPr>
+            <a:lvl4pPr marL="1600200" indent="-228600" algn="l" defTabSz="914400" rtl="0" eaLnBrk="1" latinLnBrk="0" hangingPunct="1">
+              <a:lnSpc>
+                <a:spcPct val="90000"/>
+              </a:lnSpc>
+              <a:spcBef>
+                <a:spcPts val="500"/>
+              </a:spcBef>
+              <a:buFont typeface="Arial" panose="020B0604020202020204" pitchFamily="34" charset="0"/>
+              <a:buChar char="•"/>
+              <a:defRPr sz="1800" kern="1200">
+                <a:solidFill>
+                  <a:schemeClr val="tx1"/>
+                </a:solidFill>
+                <a:latin typeface="+mn-lt"/>
+                <a:ea typeface="+mn-ea"/>
+                <a:cs typeface="Arial" panose="020B0604020202020204" pitchFamily="34" charset="0"/>
+              </a:defRPr>
+            </a:lvl4pPr>
+            <a:lvl5pPr marL="2057400" indent="-228600" algn="l" defTabSz="914400" rtl="0" eaLnBrk="1" latinLnBrk="0" hangingPunct="1">
+              <a:lnSpc>
+                <a:spcPct val="90000"/>
+              </a:lnSpc>
+              <a:spcBef>
+                <a:spcPts val="500"/>
+              </a:spcBef>
+              <a:buFont typeface="Arial" panose="020B0604020202020204" pitchFamily="34" charset="0"/>
+              <a:buChar char="•"/>
+              <a:defRPr sz="1800" kern="1200">
+                <a:solidFill>
+                  <a:schemeClr val="tx1"/>
+                </a:solidFill>
+                <a:latin typeface="+mn-lt"/>
+                <a:ea typeface="+mn-ea"/>
+                <a:cs typeface="Arial" panose="020B0604020202020204" pitchFamily="34" charset="0"/>
+              </a:defRPr>
+            </a:lvl5pPr>
+            <a:lvl6pPr marL="2514600" indent="-228600" algn="l" defTabSz="914400" rtl="0" eaLnBrk="1" latinLnBrk="0" hangingPunct="1">
+              <a:lnSpc>
+                <a:spcPct val="90000"/>
+              </a:lnSpc>
+              <a:spcBef>
+                <a:spcPts val="500"/>
+              </a:spcBef>
+              <a:buFont typeface="Arial" panose="020B0604020202020204" pitchFamily="34" charset="0"/>
+              <a:buChar char="•"/>
+              <a:defRPr sz="1800" kern="1200">
+                <a:solidFill>
+                  <a:schemeClr val="tx1"/>
+                </a:solidFill>
+                <a:latin typeface="+mn-lt"/>
+                <a:ea typeface="+mn-ea"/>
+                <a:cs typeface="+mn-cs"/>
+              </a:defRPr>
+            </a:lvl6pPr>
+            <a:lvl7pPr marL="2971800" indent="-228600" algn="l" defTabSz="914400" rtl="0" eaLnBrk="1" latinLnBrk="0" hangingPunct="1">
+              <a:lnSpc>
+                <a:spcPct val="90000"/>
+              </a:lnSpc>
+              <a:spcBef>
+                <a:spcPts val="500"/>
+              </a:spcBef>
+              <a:buFont typeface="Arial" panose="020B0604020202020204" pitchFamily="34" charset="0"/>
+              <a:buChar char="•"/>
+              <a:defRPr sz="1800" kern="1200">
+                <a:solidFill>
+                  <a:schemeClr val="tx1"/>
+                </a:solidFill>
+                <a:latin typeface="+mn-lt"/>
+                <a:ea typeface="+mn-ea"/>
+                <a:cs typeface="+mn-cs"/>
+              </a:defRPr>
+            </a:lvl7pPr>
+            <a:lvl8pPr marL="3429000" indent="-228600" algn="l" defTabSz="914400" rtl="0" eaLnBrk="1" latinLnBrk="0" hangingPunct="1">
+              <a:lnSpc>
+                <a:spcPct val="90000"/>
+              </a:lnSpc>
+              <a:spcBef>
+                <a:spcPts val="500"/>
+              </a:spcBef>
+              <a:buFont typeface="Arial" panose="020B0604020202020204" pitchFamily="34" charset="0"/>
+              <a:buChar char="•"/>
+              <a:defRPr sz="1800" kern="1200">
+                <a:solidFill>
+                  <a:schemeClr val="tx1"/>
+                </a:solidFill>
+                <a:latin typeface="+mn-lt"/>
+                <a:ea typeface="+mn-ea"/>
+                <a:cs typeface="+mn-cs"/>
+              </a:defRPr>
+            </a:lvl8pPr>
+            <a:lvl9pPr marL="3886200" indent="-228600" algn="l" defTabSz="914400" rtl="0" eaLnBrk="1" latinLnBrk="0" hangingPunct="1">
+              <a:lnSpc>
+                <a:spcPct val="90000"/>
+              </a:lnSpc>
+              <a:spcBef>
+                <a:spcPts val="500"/>
+              </a:spcBef>
+              <a:buFont typeface="Arial" panose="020B0604020202020204" pitchFamily="34" charset="0"/>
+              <a:buChar char="•"/>
+              <a:defRPr sz="1800" kern="1200">
+                <a:solidFill>
+                  <a:schemeClr val="tx1"/>
+                </a:solidFill>
+                <a:latin typeface="+mn-lt"/>
+                <a:ea typeface="+mn-ea"/>
+                <a:cs typeface="+mn-cs"/>
+              </a:defRPr>
+            </a:lvl9pPr>
+          </a:lstStyle>
+          <a:p>
+            <a:pPr marL="0" indent="0">
+              <a:buFont typeface="Arial" panose="020B0604020202020204" pitchFamily="34" charset="0"/>
+              <a:buNone/>
+            </a:pPr>
+            <a:r>
+              <a:rPr lang="en-US" sz="1600" dirty="0">
+                <a:latin typeface="Consolas" panose="020B0609020204030204" pitchFamily="49" charset="0"/>
+              </a:rPr>
+              <a:t>public class Point&lt;T extends Number, U extends Number&gt; {</a:t>
+            </a:r>
+          </a:p>
+          <a:p>
+            <a:pPr marL="0" indent="0">
+              <a:buFont typeface="Arial" panose="020B0604020202020204" pitchFamily="34" charset="0"/>
+              <a:buNone/>
+            </a:pPr>
+            <a:r>
+              <a:rPr lang="en-US" sz="1600" dirty="0">
+                <a:latin typeface="Consolas" panose="020B0609020204030204" pitchFamily="49" charset="0"/>
+              </a:rPr>
+              <a:t>  private T </a:t>
+            </a:r>
+            <a:r>
+              <a:rPr lang="en-US" sz="1600" dirty="0" err="1">
+                <a:latin typeface="Consolas" panose="020B0609020204030204" pitchFamily="49" charset="0"/>
+              </a:rPr>
+              <a:t>xCoordinate</a:t>
+            </a:r>
+            <a:r>
+              <a:rPr lang="en-US" sz="1600" dirty="0">
+                <a:latin typeface="Consolas" panose="020B0609020204030204" pitchFamily="49" charset="0"/>
+              </a:rPr>
+              <a:t>;</a:t>
+            </a:r>
+          </a:p>
+          <a:p>
+            <a:pPr marL="0" indent="0">
+              <a:buFont typeface="Arial" panose="020B0604020202020204" pitchFamily="34" charset="0"/>
+              <a:buNone/>
+            </a:pPr>
+            <a:r>
+              <a:rPr lang="en-US" sz="1600" dirty="0">
+                <a:latin typeface="Consolas" panose="020B0609020204030204" pitchFamily="49" charset="0"/>
+              </a:rPr>
+              <a:t>  private U </a:t>
+            </a:r>
+            <a:r>
+              <a:rPr lang="en-US" sz="1600" dirty="0" err="1">
+                <a:latin typeface="Consolas" panose="020B0609020204030204" pitchFamily="49" charset="0"/>
+              </a:rPr>
+              <a:t>yCoordinate</a:t>
+            </a:r>
+            <a:r>
+              <a:rPr lang="en-US" sz="1600" dirty="0">
+                <a:latin typeface="Consolas" panose="020B0609020204030204" pitchFamily="49" charset="0"/>
+              </a:rPr>
+              <a:t>;</a:t>
+            </a:r>
+          </a:p>
+          <a:p>
+            <a:pPr marL="0" indent="0">
+              <a:buFont typeface="Arial" panose="020B0604020202020204" pitchFamily="34" charset="0"/>
+              <a:buNone/>
+            </a:pPr>
+            <a:r>
+              <a:rPr lang="en-US" sz="1600" dirty="0">
+                <a:latin typeface="Consolas" panose="020B0609020204030204" pitchFamily="49" charset="0"/>
+              </a:rPr>
+              <a:t>  public Point(T x, U y) {</a:t>
+            </a:r>
+          </a:p>
+          <a:p>
+            <a:pPr marL="0" indent="0">
+              <a:buFont typeface="Arial" panose="020B0604020202020204" pitchFamily="34" charset="0"/>
+              <a:buNone/>
+            </a:pPr>
+            <a:r>
+              <a:rPr lang="en-US" sz="1600" dirty="0">
+                <a:latin typeface="Consolas" panose="020B0609020204030204" pitchFamily="49" charset="0"/>
+              </a:rPr>
+              <a:t>    </a:t>
+            </a:r>
+            <a:r>
+              <a:rPr lang="en-US" sz="1600" dirty="0" err="1">
+                <a:latin typeface="Consolas" panose="020B0609020204030204" pitchFamily="49" charset="0"/>
+              </a:rPr>
+              <a:t>xCoordinate</a:t>
+            </a:r>
+            <a:r>
+              <a:rPr lang="en-US" sz="1600" dirty="0">
+                <a:latin typeface="Consolas" panose="020B0609020204030204" pitchFamily="49" charset="0"/>
+              </a:rPr>
+              <a:t> = x;</a:t>
+            </a:r>
+          </a:p>
+          <a:p>
+            <a:pPr marL="0" indent="0">
+              <a:buFont typeface="Arial" panose="020B0604020202020204" pitchFamily="34" charset="0"/>
+              <a:buNone/>
+            </a:pPr>
+            <a:r>
+              <a:rPr lang="en-US" sz="1600" dirty="0">
+                <a:latin typeface="Consolas" panose="020B0609020204030204" pitchFamily="49" charset="0"/>
+              </a:rPr>
+              <a:t>    </a:t>
+            </a:r>
+            <a:r>
+              <a:rPr lang="en-US" sz="1600" dirty="0" err="1">
+                <a:latin typeface="Consolas" panose="020B0609020204030204" pitchFamily="49" charset="0"/>
+              </a:rPr>
+              <a:t>yCoordinate</a:t>
+            </a:r>
+            <a:r>
+              <a:rPr lang="en-US" sz="1600" dirty="0">
+                <a:latin typeface="Consolas" panose="020B0609020204030204" pitchFamily="49" charset="0"/>
+              </a:rPr>
+              <a:t> = y;</a:t>
+            </a:r>
+          </a:p>
+          <a:p>
+            <a:pPr marL="0" indent="0">
+              <a:buFont typeface="Arial" panose="020B0604020202020204" pitchFamily="34" charset="0"/>
+              <a:buNone/>
+            </a:pPr>
+            <a:r>
+              <a:rPr lang="en-US" sz="1600" dirty="0">
+                <a:latin typeface="Consolas" panose="020B0609020204030204" pitchFamily="49" charset="0"/>
+              </a:rPr>
+              <a:t>  } </a:t>
+            </a:r>
+          </a:p>
+          <a:p>
+            <a:pPr marL="0" indent="0">
+              <a:buFont typeface="Arial" panose="020B0604020202020204" pitchFamily="34" charset="0"/>
+              <a:buNone/>
+            </a:pPr>
+            <a:r>
+              <a:rPr lang="en-US" sz="1600" dirty="0">
+                <a:latin typeface="Consolas" panose="020B0609020204030204" pitchFamily="49" charset="0"/>
+              </a:rPr>
+              <a:t>  // getters and setters</a:t>
+            </a:r>
+          </a:p>
+          <a:p>
+            <a:pPr marL="0" indent="0">
+              <a:buFont typeface="Arial" panose="020B0604020202020204" pitchFamily="34" charset="0"/>
+              <a:buNone/>
+            </a:pPr>
+            <a:r>
+              <a:rPr lang="en-US" sz="1600" dirty="0">
+                <a:latin typeface="Consolas" panose="020B0609020204030204" pitchFamily="49" charset="0"/>
+              </a:rPr>
+              <a:t>}</a:t>
+            </a:r>
+          </a:p>
+          <a:p>
+            <a:pPr marL="0" indent="0">
+              <a:buFont typeface="Arial" panose="020B0604020202020204" pitchFamily="34" charset="0"/>
+              <a:buNone/>
+            </a:pPr>
+            <a:endParaRPr lang="en-US" sz="1600" b="1" dirty="0">
+              <a:latin typeface="Consolas" panose="020B0609020204030204" pitchFamily="49" charset="0"/>
+            </a:endParaRPr>
+          </a:p>
+          <a:p>
+            <a:pPr marL="0" indent="0">
+              <a:buFont typeface="Arial" panose="020B0604020202020204" pitchFamily="34" charset="0"/>
+              <a:buNone/>
+            </a:pPr>
+            <a:r>
+              <a:rPr lang="en-US" sz="1600" dirty="0">
+                <a:latin typeface="Consolas" panose="020B0609020204030204" pitchFamily="49" charset="0"/>
+              </a:rPr>
+              <a:t>Point&lt;Integer, Integer&gt; point1 = new Point&lt;&gt;(10, 20);</a:t>
+            </a:r>
+          </a:p>
+          <a:p>
+            <a:pPr marL="0" indent="0">
+              <a:buFont typeface="Arial" panose="020B0604020202020204" pitchFamily="34" charset="0"/>
+              <a:buNone/>
+            </a:pPr>
+            <a:r>
+              <a:rPr lang="en-US" sz="1600" dirty="0">
+                <a:latin typeface="Consolas" panose="020B0609020204030204" pitchFamily="49" charset="0"/>
+              </a:rPr>
+              <a:t>Point&lt;Double, Double&gt; point2 = new Point&lt;&gt;(10.0, 20.0);</a:t>
+            </a:r>
+          </a:p>
+          <a:p>
+            <a:pPr marL="0" indent="0">
+              <a:buFont typeface="Arial" panose="020B0604020202020204" pitchFamily="34" charset="0"/>
+              <a:buNone/>
+            </a:pPr>
+            <a:r>
+              <a:rPr lang="en-US" sz="1600" dirty="0">
+                <a:latin typeface="Consolas" panose="020B0609020204030204" pitchFamily="49" charset="0"/>
+              </a:rPr>
+              <a:t>Point&lt;Integer, Double&gt; point3 = new Point(10, 20.0); </a:t>
+            </a:r>
+          </a:p>
+          <a:p>
+            <a:pPr marL="0" indent="0">
+              <a:buFont typeface="Arial" panose="020B0604020202020204" pitchFamily="34" charset="0"/>
+              <a:buNone/>
+            </a:pPr>
+            <a:r>
+              <a:rPr lang="en-US" sz="1600" dirty="0">
+                <a:latin typeface="Consolas" panose="020B0609020204030204" pitchFamily="49" charset="0"/>
+              </a:rPr>
+              <a:t>		// </a:t>
+            </a:r>
+            <a:r>
+              <a:rPr lang="en-US" sz="1600" b="1" dirty="0">
+                <a:latin typeface="Consolas" panose="020B0609020204030204" pitchFamily="49" charset="0"/>
+              </a:rPr>
+              <a:t>NO COMPILER ERROR</a:t>
+            </a:r>
+          </a:p>
+        </p:txBody>
+      </p:sp>
+    </p:spTree>
+    <p:extLst>
+      <p:ext uri="{BB962C8B-B14F-4D97-AF65-F5344CB8AC3E}">
+        <p14:creationId xmlns:p14="http://schemas.microsoft.com/office/powerpoint/2010/main" val="2425301369"/>
+      </p:ext>
+    </p:extLst>
+  </p:cSld>
+  <p:clrMapOvr>
+    <a:masterClrMapping/>
+  </p:clrMapOvr>
+</p:sld>
+</file>
+
+<file path=ppt/slides/slide31.xml><?xml version="1.0" encoding="utf-8"?>
+<p:sld xmlns:a="http://schemas.openxmlformats.org/drawingml/2006/main" xmlns:r="http://schemas.openxmlformats.org/officeDocument/2006/relationships" xmlns:p="http://schemas.openxmlformats.org/presentationml/2006/main">
+  <p:cSld>
+    <p:spTree>
+      <p:nvGrpSpPr>
+        <p:cNvPr id="1" name=""/>
+        <p:cNvGrpSpPr/>
+        <p:nvPr/>
+      </p:nvGrpSpPr>
+      <p:grpSpPr>
+        <a:xfrm>
+          <a:off x="0" y="0"/>
+          <a:ext cx="0" cy="0"/>
+          <a:chOff x="0" y="0"/>
+          <a:chExt cx="0" cy="0"/>
+        </a:xfrm>
+      </p:grpSpPr>
+      <p:sp>
+        <p:nvSpPr>
+          <p:cNvPr id="2" name="Content Placeholder 1">
+            <a:extLst>
+              <a:ext uri="{FF2B5EF4-FFF2-40B4-BE49-F238E27FC236}">
+                <a16:creationId xmlns:a16="http://schemas.microsoft.com/office/drawing/2014/main" id="{9CD9ADFF-E941-D963-3F0F-D7363093A07F}"/>
+              </a:ext>
+            </a:extLst>
+          </p:cNvPr>
+          <p:cNvSpPr>
+            <a:spLocks noGrp="1"/>
+          </p:cNvSpPr>
+          <p:nvPr>
+            <p:ph idx="1"/>
+          </p:nvPr>
+        </p:nvSpPr>
+        <p:spPr>
+          <a:xfrm>
+            <a:off x="360607" y="785004"/>
+            <a:ext cx="5735393" cy="5046453"/>
+          </a:xfrm>
+        </p:spPr>
+        <p:txBody>
+          <a:bodyPr/>
+          <a:lstStyle/>
+          <a:p>
+            <a:r>
+              <a:rPr lang="en-US" dirty="0"/>
+              <a:t>Declaring a field static ensures exactly a single copy of that field is created and shared among all instances of that class</a:t>
+            </a:r>
+          </a:p>
+        </p:txBody>
+      </p:sp>
+      <p:sp>
+        <p:nvSpPr>
+          <p:cNvPr id="3" name="Title 2">
+            <a:extLst>
+              <a:ext uri="{FF2B5EF4-FFF2-40B4-BE49-F238E27FC236}">
+                <a16:creationId xmlns:a16="http://schemas.microsoft.com/office/drawing/2014/main" id="{89D0C1D2-9ED5-9292-842A-38F1CA9C567C}"/>
+              </a:ext>
+            </a:extLst>
+          </p:cNvPr>
+          <p:cNvSpPr>
+            <a:spLocks noGrp="1"/>
+          </p:cNvSpPr>
+          <p:nvPr>
+            <p:ph type="title"/>
+          </p:nvPr>
+        </p:nvSpPr>
+        <p:spPr/>
+        <p:txBody>
+          <a:bodyPr/>
+          <a:lstStyle/>
+          <a:p>
+            <a:r>
+              <a:rPr lang="en-US" dirty="0"/>
+              <a:t>Static class members</a:t>
+            </a:r>
+          </a:p>
+        </p:txBody>
+      </p:sp>
+      <p:sp>
+        <p:nvSpPr>
+          <p:cNvPr id="4" name="Subtitle 3">
+            <a:extLst>
+              <a:ext uri="{FF2B5EF4-FFF2-40B4-BE49-F238E27FC236}">
+                <a16:creationId xmlns:a16="http://schemas.microsoft.com/office/drawing/2014/main" id="{7EF14E73-8A78-2DE7-1913-6E7B72241F50}"/>
+              </a:ext>
+            </a:extLst>
+          </p:cNvPr>
+          <p:cNvSpPr>
+            <a:spLocks noGrp="1"/>
+          </p:cNvSpPr>
+          <p:nvPr>
+            <p:ph type="subTitle" idx="13"/>
+          </p:nvPr>
+        </p:nvSpPr>
+        <p:spPr/>
+        <p:txBody>
+          <a:bodyPr/>
+          <a:lstStyle/>
+          <a:p>
+            <a:endParaRPr lang="en-US"/>
+          </a:p>
+        </p:txBody>
+      </p:sp>
+      <p:sp>
+        <p:nvSpPr>
+          <p:cNvPr id="5" name="Content Placeholder 1">
+            <a:extLst>
+              <a:ext uri="{FF2B5EF4-FFF2-40B4-BE49-F238E27FC236}">
+                <a16:creationId xmlns:a16="http://schemas.microsoft.com/office/drawing/2014/main" id="{8E863309-B2A2-8BEB-E5DE-968C32937003}"/>
+              </a:ext>
+            </a:extLst>
+          </p:cNvPr>
+          <p:cNvSpPr txBox="1">
+            <a:spLocks/>
+          </p:cNvSpPr>
+          <p:nvPr/>
+        </p:nvSpPr>
+        <p:spPr>
+          <a:xfrm>
+            <a:off x="6401235" y="785003"/>
+            <a:ext cx="5430158" cy="5046453"/>
+          </a:xfrm>
+          <a:prstGeom prst="rect">
+            <a:avLst/>
+          </a:prstGeom>
+        </p:spPr>
+        <p:txBody>
+          <a:bodyPr vert="horz" lIns="91440" tIns="45720" rIns="91440" bIns="45720" rtlCol="0">
+            <a:normAutofit fontScale="47500" lnSpcReduction="20000"/>
+          </a:bodyPr>
+          <a:lstStyle>
+            <a:lvl1pPr marL="228600" indent="-228600" algn="l" defTabSz="914400" rtl="0" eaLnBrk="1" latinLnBrk="0" hangingPunct="1">
+              <a:lnSpc>
+                <a:spcPct val="90000"/>
+              </a:lnSpc>
+              <a:spcBef>
+                <a:spcPts val="1000"/>
+              </a:spcBef>
+              <a:buFont typeface="Arial" panose="020B0604020202020204" pitchFamily="34" charset="0"/>
+              <a:buChar char="•"/>
+              <a:defRPr sz="2800" kern="1200">
+                <a:solidFill>
+                  <a:schemeClr val="tx1"/>
+                </a:solidFill>
+                <a:latin typeface="+mn-lt"/>
+                <a:ea typeface="+mn-ea"/>
+                <a:cs typeface="Arial" panose="020B0604020202020204" pitchFamily="34" charset="0"/>
+              </a:defRPr>
+            </a:lvl1pPr>
+            <a:lvl2pPr marL="685800" indent="-228600" algn="l" defTabSz="914400" rtl="0" eaLnBrk="1" latinLnBrk="0" hangingPunct="1">
+              <a:lnSpc>
+                <a:spcPct val="90000"/>
+              </a:lnSpc>
+              <a:spcBef>
+                <a:spcPts val="500"/>
+              </a:spcBef>
+              <a:buFont typeface="Arial" panose="020B0604020202020204" pitchFamily="34" charset="0"/>
+              <a:buChar char="•"/>
+              <a:defRPr sz="2400" kern="1200">
+                <a:solidFill>
+                  <a:schemeClr val="tx1"/>
+                </a:solidFill>
+                <a:latin typeface="+mn-lt"/>
+                <a:ea typeface="+mn-ea"/>
+                <a:cs typeface="Arial" panose="020B0604020202020204" pitchFamily="34" charset="0"/>
+              </a:defRPr>
+            </a:lvl2pPr>
+            <a:lvl3pPr marL="1143000" indent="-228600" algn="l" defTabSz="914400" rtl="0" eaLnBrk="1" latinLnBrk="0" hangingPunct="1">
+              <a:lnSpc>
+                <a:spcPct val="90000"/>
+              </a:lnSpc>
+              <a:spcBef>
+                <a:spcPts val="500"/>
+              </a:spcBef>
+              <a:buFont typeface="Arial" panose="020B0604020202020204" pitchFamily="34" charset="0"/>
+              <a:buChar char="•"/>
+              <a:defRPr sz="2000" kern="1200">
+                <a:solidFill>
+                  <a:schemeClr val="tx1"/>
+                </a:solidFill>
+                <a:latin typeface="+mn-lt"/>
+                <a:ea typeface="+mn-ea"/>
+                <a:cs typeface="Arial" panose="020B0604020202020204" pitchFamily="34" charset="0"/>
+              </a:defRPr>
+            </a:lvl3pPr>
+            <a:lvl4pPr marL="1600200" indent="-228600" algn="l" defTabSz="914400" rtl="0" eaLnBrk="1" latinLnBrk="0" hangingPunct="1">
+              <a:lnSpc>
+                <a:spcPct val="90000"/>
+              </a:lnSpc>
+              <a:spcBef>
+                <a:spcPts val="500"/>
+              </a:spcBef>
+              <a:buFont typeface="Arial" panose="020B0604020202020204" pitchFamily="34" charset="0"/>
+              <a:buChar char="•"/>
+              <a:defRPr sz="1800" kern="1200">
+                <a:solidFill>
+                  <a:schemeClr val="tx1"/>
+                </a:solidFill>
+                <a:latin typeface="+mn-lt"/>
+                <a:ea typeface="+mn-ea"/>
+                <a:cs typeface="Arial" panose="020B0604020202020204" pitchFamily="34" charset="0"/>
+              </a:defRPr>
+            </a:lvl4pPr>
+            <a:lvl5pPr marL="2057400" indent="-228600" algn="l" defTabSz="914400" rtl="0" eaLnBrk="1" latinLnBrk="0" hangingPunct="1">
+              <a:lnSpc>
+                <a:spcPct val="90000"/>
+              </a:lnSpc>
+              <a:spcBef>
+                <a:spcPts val="500"/>
+              </a:spcBef>
+              <a:buFont typeface="Arial" panose="020B0604020202020204" pitchFamily="34" charset="0"/>
+              <a:buChar char="•"/>
+              <a:defRPr sz="1800" kern="1200">
+                <a:solidFill>
+                  <a:schemeClr val="tx1"/>
+                </a:solidFill>
+                <a:latin typeface="+mn-lt"/>
+                <a:ea typeface="+mn-ea"/>
+                <a:cs typeface="Arial" panose="020B0604020202020204" pitchFamily="34" charset="0"/>
+              </a:defRPr>
+            </a:lvl5pPr>
+            <a:lvl6pPr marL="2514600" indent="-228600" algn="l" defTabSz="914400" rtl="0" eaLnBrk="1" latinLnBrk="0" hangingPunct="1">
+              <a:lnSpc>
+                <a:spcPct val="90000"/>
+              </a:lnSpc>
+              <a:spcBef>
+                <a:spcPts val="500"/>
+              </a:spcBef>
+              <a:buFont typeface="Arial" panose="020B0604020202020204" pitchFamily="34" charset="0"/>
+              <a:buChar char="•"/>
+              <a:defRPr sz="1800" kern="1200">
+                <a:solidFill>
+                  <a:schemeClr val="tx1"/>
+                </a:solidFill>
+                <a:latin typeface="+mn-lt"/>
+                <a:ea typeface="+mn-ea"/>
+                <a:cs typeface="+mn-cs"/>
+              </a:defRPr>
+            </a:lvl6pPr>
+            <a:lvl7pPr marL="2971800" indent="-228600" algn="l" defTabSz="914400" rtl="0" eaLnBrk="1" latinLnBrk="0" hangingPunct="1">
+              <a:lnSpc>
+                <a:spcPct val="90000"/>
+              </a:lnSpc>
+              <a:spcBef>
+                <a:spcPts val="500"/>
+              </a:spcBef>
+              <a:buFont typeface="Arial" panose="020B0604020202020204" pitchFamily="34" charset="0"/>
+              <a:buChar char="•"/>
+              <a:defRPr sz="1800" kern="1200">
+                <a:solidFill>
+                  <a:schemeClr val="tx1"/>
+                </a:solidFill>
+                <a:latin typeface="+mn-lt"/>
+                <a:ea typeface="+mn-ea"/>
+                <a:cs typeface="+mn-cs"/>
+              </a:defRPr>
+            </a:lvl7pPr>
+            <a:lvl8pPr marL="3429000" indent="-228600" algn="l" defTabSz="914400" rtl="0" eaLnBrk="1" latinLnBrk="0" hangingPunct="1">
+              <a:lnSpc>
+                <a:spcPct val="90000"/>
+              </a:lnSpc>
+              <a:spcBef>
+                <a:spcPts val="500"/>
+              </a:spcBef>
+              <a:buFont typeface="Arial" panose="020B0604020202020204" pitchFamily="34" charset="0"/>
+              <a:buChar char="•"/>
+              <a:defRPr sz="1800" kern="1200">
+                <a:solidFill>
+                  <a:schemeClr val="tx1"/>
+                </a:solidFill>
+                <a:latin typeface="+mn-lt"/>
+                <a:ea typeface="+mn-ea"/>
+                <a:cs typeface="+mn-cs"/>
+              </a:defRPr>
+            </a:lvl8pPr>
+            <a:lvl9pPr marL="3886200" indent="-228600" algn="l" defTabSz="914400" rtl="0" eaLnBrk="1" latinLnBrk="0" hangingPunct="1">
+              <a:lnSpc>
+                <a:spcPct val="90000"/>
+              </a:lnSpc>
+              <a:spcBef>
+                <a:spcPts val="500"/>
+              </a:spcBef>
+              <a:buFont typeface="Arial" panose="020B0604020202020204" pitchFamily="34" charset="0"/>
+              <a:buChar char="•"/>
+              <a:defRPr sz="1800" kern="1200">
+                <a:solidFill>
+                  <a:schemeClr val="tx1"/>
+                </a:solidFill>
+                <a:latin typeface="+mn-lt"/>
+                <a:ea typeface="+mn-ea"/>
+                <a:cs typeface="+mn-cs"/>
+              </a:defRPr>
+            </a:lvl9pPr>
+          </a:lstStyle>
+          <a:p>
+            <a:pPr marL="0" indent="0">
+              <a:buFont typeface="Arial" panose="020B0604020202020204" pitchFamily="34" charset="0"/>
+              <a:buNone/>
+            </a:pPr>
+            <a:r>
+              <a:rPr lang="en-US" sz="1600" dirty="0">
+                <a:latin typeface="Consolas" panose="020B0609020204030204" pitchFamily="49" charset="0"/>
+              </a:rPr>
+              <a:t>public class Car {</a:t>
+            </a:r>
+          </a:p>
+          <a:p>
+            <a:pPr marL="0" indent="0">
+              <a:buFont typeface="Arial" panose="020B0604020202020204" pitchFamily="34" charset="0"/>
+              <a:buNone/>
+            </a:pPr>
+            <a:r>
+              <a:rPr lang="en-US" sz="1600" dirty="0">
+                <a:latin typeface="Consolas" panose="020B0609020204030204" pitchFamily="49" charset="0"/>
+              </a:rPr>
+              <a:t>    private String name;</a:t>
+            </a:r>
+          </a:p>
+          <a:p>
+            <a:pPr marL="0" indent="0">
+              <a:buFont typeface="Arial" panose="020B0604020202020204" pitchFamily="34" charset="0"/>
+              <a:buNone/>
+            </a:pPr>
+            <a:r>
+              <a:rPr lang="en-US" sz="1600" dirty="0">
+                <a:latin typeface="Consolas" panose="020B0609020204030204" pitchFamily="49" charset="0"/>
+              </a:rPr>
+              <a:t>    private String engine;</a:t>
+            </a:r>
+          </a:p>
+          <a:p>
+            <a:pPr marL="0" indent="0">
+              <a:buFont typeface="Arial" panose="020B0604020202020204" pitchFamily="34" charset="0"/>
+              <a:buNone/>
+            </a:pPr>
+            <a:r>
+              <a:rPr lang="en-US" sz="1600" dirty="0">
+                <a:latin typeface="Consolas" panose="020B0609020204030204" pitchFamily="49" charset="0"/>
+              </a:rPr>
+              <a:t>    </a:t>
+            </a:r>
+          </a:p>
+          <a:p>
+            <a:pPr marL="0" indent="0">
+              <a:buFont typeface="Arial" panose="020B0604020202020204" pitchFamily="34" charset="0"/>
+              <a:buNone/>
+            </a:pPr>
+            <a:r>
+              <a:rPr lang="en-US" sz="1600" dirty="0">
+                <a:latin typeface="Consolas" panose="020B0609020204030204" pitchFamily="49" charset="0"/>
+              </a:rPr>
+              <a:t>    public static int </a:t>
+            </a:r>
+            <a:r>
+              <a:rPr lang="en-US" sz="1600" dirty="0" err="1">
+                <a:latin typeface="Consolas" panose="020B0609020204030204" pitchFamily="49" charset="0"/>
+              </a:rPr>
+              <a:t>numberOfCars</a:t>
+            </a:r>
+            <a:r>
+              <a:rPr lang="en-US" sz="1600" dirty="0">
+                <a:latin typeface="Consolas" panose="020B0609020204030204" pitchFamily="49" charset="0"/>
+              </a:rPr>
+              <a:t>;</a:t>
+            </a:r>
+          </a:p>
+          <a:p>
+            <a:pPr marL="0" indent="0">
+              <a:buFont typeface="Arial" panose="020B0604020202020204" pitchFamily="34" charset="0"/>
+              <a:buNone/>
+            </a:pPr>
+            <a:r>
+              <a:rPr lang="en-US" sz="1600" dirty="0">
+                <a:latin typeface="Consolas" panose="020B0609020204030204" pitchFamily="49" charset="0"/>
+              </a:rPr>
+              <a:t>    static {</a:t>
+            </a:r>
+          </a:p>
+          <a:p>
+            <a:pPr marL="0" indent="0">
+              <a:buFont typeface="Arial" panose="020B0604020202020204" pitchFamily="34" charset="0"/>
+              <a:buNone/>
+            </a:pPr>
+            <a:r>
+              <a:rPr lang="en-US" sz="1600" dirty="0">
+                <a:latin typeface="Consolas" panose="020B0609020204030204" pitchFamily="49" charset="0"/>
+              </a:rPr>
+              <a:t>      </a:t>
+            </a:r>
+            <a:r>
+              <a:rPr lang="en-US" sz="1600" dirty="0" err="1">
+                <a:latin typeface="Consolas" panose="020B0609020204030204" pitchFamily="49" charset="0"/>
+              </a:rPr>
+              <a:t>numberOfCars</a:t>
+            </a:r>
+            <a:r>
+              <a:rPr lang="en-US" sz="1600" dirty="0">
+                <a:latin typeface="Consolas" panose="020B0609020204030204" pitchFamily="49" charset="0"/>
+              </a:rPr>
+              <a:t> = 0;</a:t>
+            </a:r>
+          </a:p>
+          <a:p>
+            <a:pPr marL="0" indent="0">
+              <a:buFont typeface="Arial" panose="020B0604020202020204" pitchFamily="34" charset="0"/>
+              <a:buNone/>
+            </a:pPr>
+            <a:r>
+              <a:rPr lang="en-US" sz="1600" dirty="0">
+                <a:latin typeface="Consolas" panose="020B0609020204030204" pitchFamily="49" charset="0"/>
+              </a:rPr>
+              <a:t>    }</a:t>
+            </a:r>
+          </a:p>
+          <a:p>
+            <a:pPr marL="0" indent="0">
+              <a:buFont typeface="Arial" panose="020B0604020202020204" pitchFamily="34" charset="0"/>
+              <a:buNone/>
+            </a:pPr>
+            <a:r>
+              <a:rPr lang="en-US" sz="1600" dirty="0">
+                <a:latin typeface="Consolas" panose="020B0609020204030204" pitchFamily="49" charset="0"/>
+              </a:rPr>
+              <a:t>    public Car(String name, String engine) {</a:t>
+            </a:r>
+          </a:p>
+          <a:p>
+            <a:pPr marL="0" indent="0">
+              <a:buFont typeface="Arial" panose="020B0604020202020204" pitchFamily="34" charset="0"/>
+              <a:buNone/>
+            </a:pPr>
+            <a:r>
+              <a:rPr lang="en-US" sz="1600" dirty="0">
+                <a:latin typeface="Consolas" panose="020B0609020204030204" pitchFamily="49" charset="0"/>
+              </a:rPr>
+              <a:t>this.name = name;</a:t>
+            </a:r>
+          </a:p>
+          <a:p>
+            <a:pPr marL="0" indent="0">
+              <a:buFont typeface="Arial" panose="020B0604020202020204" pitchFamily="34" charset="0"/>
+              <a:buNone/>
+            </a:pPr>
+            <a:r>
+              <a:rPr lang="en-US" sz="1600" dirty="0">
+                <a:latin typeface="Consolas" panose="020B0609020204030204" pitchFamily="49" charset="0"/>
+              </a:rPr>
+              <a:t>        </a:t>
+            </a:r>
+            <a:r>
+              <a:rPr lang="en-US" sz="1600" dirty="0" err="1">
+                <a:latin typeface="Consolas" panose="020B0609020204030204" pitchFamily="49" charset="0"/>
+              </a:rPr>
+              <a:t>this.engine</a:t>
+            </a:r>
+            <a:r>
+              <a:rPr lang="en-US" sz="1600" dirty="0">
+                <a:latin typeface="Consolas" panose="020B0609020204030204" pitchFamily="49" charset="0"/>
+              </a:rPr>
+              <a:t> = engine;</a:t>
+            </a:r>
+          </a:p>
+          <a:p>
+            <a:pPr marL="0" indent="0">
+              <a:buFont typeface="Arial" panose="020B0604020202020204" pitchFamily="34" charset="0"/>
+              <a:buNone/>
+            </a:pPr>
+            <a:r>
+              <a:rPr lang="en-US" sz="1600" dirty="0">
+                <a:latin typeface="Consolas" panose="020B0609020204030204" pitchFamily="49" charset="0"/>
+              </a:rPr>
+              <a:t>        </a:t>
+            </a:r>
+            <a:r>
+              <a:rPr lang="en-US" sz="1600" dirty="0" err="1">
+                <a:latin typeface="Consolas" panose="020B0609020204030204" pitchFamily="49" charset="0"/>
+              </a:rPr>
+              <a:t>numberOfCars</a:t>
+            </a:r>
+            <a:r>
+              <a:rPr lang="en-US" sz="1600" dirty="0">
+                <a:latin typeface="Consolas" panose="020B0609020204030204" pitchFamily="49" charset="0"/>
+              </a:rPr>
+              <a:t>++;</a:t>
+            </a:r>
+          </a:p>
+          <a:p>
+            <a:pPr marL="0" indent="0">
+              <a:buFont typeface="Arial" panose="020B0604020202020204" pitchFamily="34" charset="0"/>
+              <a:buNone/>
+            </a:pPr>
+            <a:r>
+              <a:rPr lang="en-US" sz="1600" dirty="0">
+                <a:latin typeface="Consolas" panose="020B0609020204030204" pitchFamily="49" charset="0"/>
+              </a:rPr>
+              <a:t>    }</a:t>
+            </a:r>
+          </a:p>
+          <a:p>
+            <a:pPr marL="0" indent="0">
+              <a:buFont typeface="Arial" panose="020B0604020202020204" pitchFamily="34" charset="0"/>
+              <a:buNone/>
+            </a:pPr>
+            <a:endParaRPr lang="en-US" sz="1600" dirty="0">
+              <a:latin typeface="Consolas" panose="020B0609020204030204" pitchFamily="49" charset="0"/>
+            </a:endParaRPr>
+          </a:p>
+          <a:p>
+            <a:pPr marL="0" indent="0">
+              <a:buFont typeface="Arial" panose="020B0604020202020204" pitchFamily="34" charset="0"/>
+              <a:buNone/>
+            </a:pPr>
+            <a:r>
+              <a:rPr lang="en-US" sz="1600" dirty="0">
+                <a:latin typeface="Consolas" panose="020B0609020204030204" pitchFamily="49" charset="0"/>
+              </a:rPr>
+              <a:t>    // getters and setters</a:t>
+            </a:r>
+          </a:p>
+          <a:p>
+            <a:pPr marL="0" indent="0">
+              <a:buFont typeface="Arial" panose="020B0604020202020204" pitchFamily="34" charset="0"/>
+              <a:buNone/>
+            </a:pPr>
+            <a:r>
+              <a:rPr lang="en-US" sz="1600" dirty="0">
+                <a:latin typeface="Consolas" panose="020B0609020204030204" pitchFamily="49" charset="0"/>
+              </a:rPr>
+              <a:t>}</a:t>
+            </a:r>
+          </a:p>
+          <a:p>
+            <a:pPr marL="0" indent="0">
+              <a:buFont typeface="Arial" panose="020B0604020202020204" pitchFamily="34" charset="0"/>
+              <a:buNone/>
+            </a:pPr>
+            <a:endParaRPr lang="en-US" sz="1600" dirty="0">
+              <a:latin typeface="Consolas" panose="020B0609020204030204" pitchFamily="49" charset="0"/>
+            </a:endParaRPr>
+          </a:p>
+          <a:p>
+            <a:pPr marL="0" indent="0">
+              <a:buFont typeface="Arial" panose="020B0604020202020204" pitchFamily="34" charset="0"/>
+              <a:buNone/>
+            </a:pPr>
+            <a:r>
+              <a:rPr lang="en-US" sz="1600" dirty="0">
+                <a:latin typeface="Consolas" panose="020B0609020204030204" pitchFamily="49" charset="0"/>
+              </a:rPr>
+              <a:t>public static void main(..) {</a:t>
+            </a:r>
+          </a:p>
+          <a:p>
+            <a:pPr marL="0" indent="0">
+              <a:buFont typeface="Arial" panose="020B0604020202020204" pitchFamily="34" charset="0"/>
+              <a:buNone/>
+            </a:pPr>
+            <a:r>
+              <a:rPr lang="en-US" sz="1600" dirty="0">
+                <a:latin typeface="Consolas" panose="020B0609020204030204" pitchFamily="49" charset="0"/>
+              </a:rPr>
+              <a:t>    Car c1 = new Car(“Jaguar, “V8”);</a:t>
+            </a:r>
+          </a:p>
+          <a:p>
+            <a:pPr marL="0" indent="0">
+              <a:buFont typeface="Arial" panose="020B0604020202020204" pitchFamily="34" charset="0"/>
+              <a:buNone/>
+            </a:pPr>
+            <a:r>
+              <a:rPr lang="en-US" sz="1600" dirty="0">
+                <a:latin typeface="Consolas" panose="020B0609020204030204" pitchFamily="49" charset="0"/>
+              </a:rPr>
+              <a:t>    Car c2 = new Car(“Bugatti”, “W16”);</a:t>
+            </a:r>
+          </a:p>
+          <a:p>
+            <a:pPr marL="0" indent="0">
+              <a:buFont typeface="Arial" panose="020B0604020202020204" pitchFamily="34" charset="0"/>
+              <a:buNone/>
+            </a:pPr>
+            <a:r>
+              <a:rPr lang="en-US" sz="1600" dirty="0">
+                <a:latin typeface="Consolas" panose="020B0609020204030204" pitchFamily="49" charset="0"/>
+              </a:rPr>
+              <a:t>    </a:t>
+            </a:r>
+            <a:r>
+              <a:rPr lang="en-US" sz="1600" dirty="0" err="1">
+                <a:latin typeface="Consolas" panose="020B0609020204030204" pitchFamily="49" charset="0"/>
+              </a:rPr>
+              <a:t>System.out.println</a:t>
+            </a:r>
+            <a:r>
+              <a:rPr lang="en-US" sz="1600" dirty="0">
+                <a:latin typeface="Consolas" panose="020B0609020204030204" pitchFamily="49" charset="0"/>
+              </a:rPr>
+              <a:t>(“Total number of cars: “ + </a:t>
+            </a:r>
+            <a:r>
+              <a:rPr lang="en-US" sz="1600" dirty="0" err="1">
+                <a:latin typeface="Consolas" panose="020B0609020204030204" pitchFamily="49" charset="0"/>
+              </a:rPr>
+              <a:t>Car.numberOfCars</a:t>
+            </a:r>
+            <a:r>
+              <a:rPr lang="en-US" sz="1600" dirty="0">
+                <a:latin typeface="Consolas" panose="020B0609020204030204" pitchFamily="49" charset="0"/>
+              </a:rPr>
+              <a:t>);</a:t>
+            </a:r>
+          </a:p>
+          <a:p>
+            <a:pPr marL="0" indent="0">
+              <a:buFont typeface="Arial" panose="020B0604020202020204" pitchFamily="34" charset="0"/>
+              <a:buNone/>
+            </a:pPr>
+            <a:r>
+              <a:rPr lang="en-US" sz="1600" dirty="0">
+                <a:latin typeface="Consolas" panose="020B0609020204030204" pitchFamily="49" charset="0"/>
+              </a:rPr>
+              <a:t>     // Prints 2</a:t>
+            </a:r>
+          </a:p>
+          <a:p>
+            <a:pPr marL="0" indent="0">
+              <a:buFont typeface="Arial" panose="020B0604020202020204" pitchFamily="34" charset="0"/>
+              <a:buNone/>
+            </a:pPr>
+            <a:r>
+              <a:rPr lang="en-US" sz="1600" dirty="0">
+                <a:latin typeface="Consolas" panose="020B0609020204030204" pitchFamily="49" charset="0"/>
+              </a:rPr>
+              <a:t>}</a:t>
+            </a:r>
+          </a:p>
+        </p:txBody>
+      </p:sp>
+    </p:spTree>
+    <p:extLst>
+      <p:ext uri="{BB962C8B-B14F-4D97-AF65-F5344CB8AC3E}">
+        <p14:creationId xmlns:p14="http://schemas.microsoft.com/office/powerpoint/2010/main" val="1814769695"/>
+      </p:ext>
+    </p:extLst>
+  </p:cSld>
+  <p:clrMapOvr>
+    <a:masterClrMapping/>
+  </p:clrMapOvr>
+</p:sld>
+</file>
+
+<file path=ppt/slides/slide32.xml><?xml version="1.0" encoding="utf-8"?>
+<p:sld xmlns:a="http://schemas.openxmlformats.org/drawingml/2006/main" xmlns:r="http://schemas.openxmlformats.org/officeDocument/2006/relationships" xmlns:p="http://schemas.openxmlformats.org/presentationml/2006/main">
+  <p:cSld>
+    <p:spTree>
+      <p:nvGrpSpPr>
+        <p:cNvPr id="1" name="">
+          <a:extLst>
+            <a:ext uri="{FF2B5EF4-FFF2-40B4-BE49-F238E27FC236}">
+              <a16:creationId xmlns:a16="http://schemas.microsoft.com/office/drawing/2014/main" id="{3E87C375-BC8A-31DC-7B51-D1909986434C}"/>
+            </a:ext>
+          </a:extLst>
+        </p:cNvPr>
+        <p:cNvGrpSpPr/>
+        <p:nvPr/>
+      </p:nvGrpSpPr>
+      <p:grpSpPr>
+        <a:xfrm>
+          <a:off x="0" y="0"/>
+          <a:ext cx="0" cy="0"/>
+          <a:chOff x="0" y="0"/>
+          <a:chExt cx="0" cy="0"/>
+        </a:xfrm>
+      </p:grpSpPr>
+      <p:sp>
+        <p:nvSpPr>
+          <p:cNvPr id="2" name="Content Placeholder 1">
+            <a:extLst>
+              <a:ext uri="{FF2B5EF4-FFF2-40B4-BE49-F238E27FC236}">
+                <a16:creationId xmlns:a16="http://schemas.microsoft.com/office/drawing/2014/main" id="{020038C1-75FC-67BF-8CDA-C0EB0CDB97B5}"/>
+              </a:ext>
+            </a:extLst>
+          </p:cNvPr>
+          <p:cNvSpPr>
+            <a:spLocks noGrp="1"/>
+          </p:cNvSpPr>
+          <p:nvPr>
+            <p:ph idx="1"/>
+          </p:nvPr>
+        </p:nvSpPr>
+        <p:spPr>
+          <a:xfrm>
+            <a:off x="360607" y="785004"/>
+            <a:ext cx="5735393" cy="5046453"/>
+          </a:xfrm>
+        </p:spPr>
+        <p:txBody>
+          <a:bodyPr/>
+          <a:lstStyle/>
+          <a:p>
+            <a:r>
+              <a:rPr lang="en-US" dirty="0"/>
+              <a:t>A static class method does not need an object to invoke it</a:t>
+            </a:r>
+          </a:p>
+        </p:txBody>
+      </p:sp>
+      <p:sp>
+        <p:nvSpPr>
+          <p:cNvPr id="3" name="Title 2">
+            <a:extLst>
+              <a:ext uri="{FF2B5EF4-FFF2-40B4-BE49-F238E27FC236}">
+                <a16:creationId xmlns:a16="http://schemas.microsoft.com/office/drawing/2014/main" id="{A82C6369-A707-D298-0E69-EA81B390DACD}"/>
+              </a:ext>
+            </a:extLst>
+          </p:cNvPr>
+          <p:cNvSpPr>
+            <a:spLocks noGrp="1"/>
+          </p:cNvSpPr>
+          <p:nvPr>
+            <p:ph type="title"/>
+          </p:nvPr>
+        </p:nvSpPr>
+        <p:spPr/>
+        <p:txBody>
+          <a:bodyPr/>
+          <a:lstStyle/>
+          <a:p>
+            <a:r>
+              <a:rPr lang="en-US" dirty="0"/>
+              <a:t>Static class methods</a:t>
+            </a:r>
+          </a:p>
+        </p:txBody>
+      </p:sp>
+      <p:sp>
+        <p:nvSpPr>
+          <p:cNvPr id="4" name="Subtitle 3">
+            <a:extLst>
+              <a:ext uri="{FF2B5EF4-FFF2-40B4-BE49-F238E27FC236}">
+                <a16:creationId xmlns:a16="http://schemas.microsoft.com/office/drawing/2014/main" id="{DF17F682-065A-1244-E582-6A7246CA932D}"/>
+              </a:ext>
+            </a:extLst>
+          </p:cNvPr>
+          <p:cNvSpPr>
+            <a:spLocks noGrp="1"/>
+          </p:cNvSpPr>
+          <p:nvPr>
+            <p:ph type="subTitle" idx="13"/>
+          </p:nvPr>
+        </p:nvSpPr>
+        <p:spPr/>
+        <p:txBody>
+          <a:bodyPr/>
+          <a:lstStyle/>
+          <a:p>
+            <a:endParaRPr lang="en-US"/>
+          </a:p>
+        </p:txBody>
+      </p:sp>
+      <p:sp>
+        <p:nvSpPr>
+          <p:cNvPr id="5" name="Content Placeholder 1">
+            <a:extLst>
+              <a:ext uri="{FF2B5EF4-FFF2-40B4-BE49-F238E27FC236}">
+                <a16:creationId xmlns:a16="http://schemas.microsoft.com/office/drawing/2014/main" id="{C1C439C5-A33F-C902-D807-883D7758C685}"/>
+              </a:ext>
+            </a:extLst>
+          </p:cNvPr>
+          <p:cNvSpPr txBox="1">
+            <a:spLocks/>
+          </p:cNvSpPr>
+          <p:nvPr/>
+        </p:nvSpPr>
+        <p:spPr>
+          <a:xfrm>
+            <a:off x="6401235" y="785003"/>
+            <a:ext cx="5430158" cy="5046453"/>
+          </a:xfrm>
+          <a:prstGeom prst="rect">
+            <a:avLst/>
+          </a:prstGeom>
+        </p:spPr>
+        <p:txBody>
+          <a:bodyPr vert="horz" lIns="91440" tIns="45720" rIns="91440" bIns="45720" rtlCol="0">
+            <a:normAutofit fontScale="77500" lnSpcReduction="20000"/>
+          </a:bodyPr>
+          <a:lstStyle>
+            <a:lvl1pPr marL="228600" indent="-228600" algn="l" defTabSz="914400" rtl="0" eaLnBrk="1" latinLnBrk="0" hangingPunct="1">
+              <a:lnSpc>
+                <a:spcPct val="90000"/>
+              </a:lnSpc>
+              <a:spcBef>
+                <a:spcPts val="1000"/>
+              </a:spcBef>
+              <a:buFont typeface="Arial" panose="020B0604020202020204" pitchFamily="34" charset="0"/>
+              <a:buChar char="•"/>
+              <a:defRPr sz="2800" kern="1200">
+                <a:solidFill>
+                  <a:schemeClr val="tx1"/>
+                </a:solidFill>
+                <a:latin typeface="+mn-lt"/>
+                <a:ea typeface="+mn-ea"/>
+                <a:cs typeface="Arial" panose="020B0604020202020204" pitchFamily="34" charset="0"/>
+              </a:defRPr>
+            </a:lvl1pPr>
+            <a:lvl2pPr marL="685800" indent="-228600" algn="l" defTabSz="914400" rtl="0" eaLnBrk="1" latinLnBrk="0" hangingPunct="1">
+              <a:lnSpc>
+                <a:spcPct val="90000"/>
+              </a:lnSpc>
+              <a:spcBef>
+                <a:spcPts val="500"/>
+              </a:spcBef>
+              <a:buFont typeface="Arial" panose="020B0604020202020204" pitchFamily="34" charset="0"/>
+              <a:buChar char="•"/>
+              <a:defRPr sz="2400" kern="1200">
+                <a:solidFill>
+                  <a:schemeClr val="tx1"/>
+                </a:solidFill>
+                <a:latin typeface="+mn-lt"/>
+                <a:ea typeface="+mn-ea"/>
+                <a:cs typeface="Arial" panose="020B0604020202020204" pitchFamily="34" charset="0"/>
+              </a:defRPr>
+            </a:lvl2pPr>
+            <a:lvl3pPr marL="1143000" indent="-228600" algn="l" defTabSz="914400" rtl="0" eaLnBrk="1" latinLnBrk="0" hangingPunct="1">
+              <a:lnSpc>
+                <a:spcPct val="90000"/>
+              </a:lnSpc>
+              <a:spcBef>
+                <a:spcPts val="500"/>
+              </a:spcBef>
+              <a:buFont typeface="Arial" panose="020B0604020202020204" pitchFamily="34" charset="0"/>
+              <a:buChar char="•"/>
+              <a:defRPr sz="2000" kern="1200">
+                <a:solidFill>
+                  <a:schemeClr val="tx1"/>
+                </a:solidFill>
+                <a:latin typeface="+mn-lt"/>
+                <a:ea typeface="+mn-ea"/>
+                <a:cs typeface="Arial" panose="020B0604020202020204" pitchFamily="34" charset="0"/>
+              </a:defRPr>
+            </a:lvl3pPr>
+            <a:lvl4pPr marL="1600200" indent="-228600" algn="l" defTabSz="914400" rtl="0" eaLnBrk="1" latinLnBrk="0" hangingPunct="1">
+              <a:lnSpc>
+                <a:spcPct val="90000"/>
+              </a:lnSpc>
+              <a:spcBef>
+                <a:spcPts val="500"/>
+              </a:spcBef>
+              <a:buFont typeface="Arial" panose="020B0604020202020204" pitchFamily="34" charset="0"/>
+              <a:buChar char="•"/>
+              <a:defRPr sz="1800" kern="1200">
+                <a:solidFill>
+                  <a:schemeClr val="tx1"/>
+                </a:solidFill>
+                <a:latin typeface="+mn-lt"/>
+                <a:ea typeface="+mn-ea"/>
+                <a:cs typeface="Arial" panose="020B0604020202020204" pitchFamily="34" charset="0"/>
+              </a:defRPr>
+            </a:lvl4pPr>
+            <a:lvl5pPr marL="2057400" indent="-228600" algn="l" defTabSz="914400" rtl="0" eaLnBrk="1" latinLnBrk="0" hangingPunct="1">
+              <a:lnSpc>
+                <a:spcPct val="90000"/>
+              </a:lnSpc>
+              <a:spcBef>
+                <a:spcPts val="500"/>
+              </a:spcBef>
+              <a:buFont typeface="Arial" panose="020B0604020202020204" pitchFamily="34" charset="0"/>
+              <a:buChar char="•"/>
+              <a:defRPr sz="1800" kern="1200">
+                <a:solidFill>
+                  <a:schemeClr val="tx1"/>
+                </a:solidFill>
+                <a:latin typeface="+mn-lt"/>
+                <a:ea typeface="+mn-ea"/>
+                <a:cs typeface="Arial" panose="020B0604020202020204" pitchFamily="34" charset="0"/>
+              </a:defRPr>
+            </a:lvl5pPr>
+            <a:lvl6pPr marL="2514600" indent="-228600" algn="l" defTabSz="914400" rtl="0" eaLnBrk="1" latinLnBrk="0" hangingPunct="1">
+              <a:lnSpc>
+                <a:spcPct val="90000"/>
+              </a:lnSpc>
+              <a:spcBef>
+                <a:spcPts val="500"/>
+              </a:spcBef>
+              <a:buFont typeface="Arial" panose="020B0604020202020204" pitchFamily="34" charset="0"/>
+              <a:buChar char="•"/>
+              <a:defRPr sz="1800" kern="1200">
+                <a:solidFill>
+                  <a:schemeClr val="tx1"/>
+                </a:solidFill>
+                <a:latin typeface="+mn-lt"/>
+                <a:ea typeface="+mn-ea"/>
+                <a:cs typeface="+mn-cs"/>
+              </a:defRPr>
+            </a:lvl6pPr>
+            <a:lvl7pPr marL="2971800" indent="-228600" algn="l" defTabSz="914400" rtl="0" eaLnBrk="1" latinLnBrk="0" hangingPunct="1">
+              <a:lnSpc>
+                <a:spcPct val="90000"/>
+              </a:lnSpc>
+              <a:spcBef>
+                <a:spcPts val="500"/>
+              </a:spcBef>
+              <a:buFont typeface="Arial" panose="020B0604020202020204" pitchFamily="34" charset="0"/>
+              <a:buChar char="•"/>
+              <a:defRPr sz="1800" kern="1200">
+                <a:solidFill>
+                  <a:schemeClr val="tx1"/>
+                </a:solidFill>
+                <a:latin typeface="+mn-lt"/>
+                <a:ea typeface="+mn-ea"/>
+                <a:cs typeface="+mn-cs"/>
+              </a:defRPr>
+            </a:lvl7pPr>
+            <a:lvl8pPr marL="3429000" indent="-228600" algn="l" defTabSz="914400" rtl="0" eaLnBrk="1" latinLnBrk="0" hangingPunct="1">
+              <a:lnSpc>
+                <a:spcPct val="90000"/>
+              </a:lnSpc>
+              <a:spcBef>
+                <a:spcPts val="500"/>
+              </a:spcBef>
+              <a:buFont typeface="Arial" panose="020B0604020202020204" pitchFamily="34" charset="0"/>
+              <a:buChar char="•"/>
+              <a:defRPr sz="1800" kern="1200">
+                <a:solidFill>
+                  <a:schemeClr val="tx1"/>
+                </a:solidFill>
+                <a:latin typeface="+mn-lt"/>
+                <a:ea typeface="+mn-ea"/>
+                <a:cs typeface="+mn-cs"/>
+              </a:defRPr>
+            </a:lvl8pPr>
+            <a:lvl9pPr marL="3886200" indent="-228600" algn="l" defTabSz="914400" rtl="0" eaLnBrk="1" latinLnBrk="0" hangingPunct="1">
+              <a:lnSpc>
+                <a:spcPct val="90000"/>
+              </a:lnSpc>
+              <a:spcBef>
+                <a:spcPts val="500"/>
+              </a:spcBef>
+              <a:buFont typeface="Arial" panose="020B0604020202020204" pitchFamily="34" charset="0"/>
+              <a:buChar char="•"/>
+              <a:defRPr sz="1800" kern="1200">
+                <a:solidFill>
+                  <a:schemeClr val="tx1"/>
+                </a:solidFill>
+                <a:latin typeface="+mn-lt"/>
+                <a:ea typeface="+mn-ea"/>
+                <a:cs typeface="+mn-cs"/>
+              </a:defRPr>
+            </a:lvl9pPr>
+          </a:lstStyle>
+          <a:p>
+            <a:pPr marL="0" indent="0">
+              <a:buFont typeface="Arial" panose="020B0604020202020204" pitchFamily="34" charset="0"/>
+              <a:buNone/>
+            </a:pPr>
+            <a:r>
+              <a:rPr lang="en-US" sz="1600" dirty="0">
+                <a:latin typeface="Consolas" panose="020B0609020204030204" pitchFamily="49" charset="0"/>
+              </a:rPr>
+              <a:t>public class Car {</a:t>
+            </a:r>
+          </a:p>
+          <a:p>
+            <a:pPr marL="0" indent="0">
+              <a:buFont typeface="Arial" panose="020B0604020202020204" pitchFamily="34" charset="0"/>
+              <a:buNone/>
+            </a:pPr>
+            <a:r>
+              <a:rPr lang="en-US" sz="1600" dirty="0">
+                <a:latin typeface="Consolas" panose="020B0609020204030204" pitchFamily="49" charset="0"/>
+              </a:rPr>
+              <a:t>    private String name;</a:t>
+            </a:r>
+          </a:p>
+          <a:p>
+            <a:pPr marL="0" indent="0">
+              <a:buFont typeface="Arial" panose="020B0604020202020204" pitchFamily="34" charset="0"/>
+              <a:buNone/>
+            </a:pPr>
+            <a:r>
+              <a:rPr lang="en-US" sz="1600" dirty="0">
+                <a:latin typeface="Consolas" panose="020B0609020204030204" pitchFamily="49" charset="0"/>
+              </a:rPr>
+              <a:t>    private String engine;</a:t>
+            </a:r>
+          </a:p>
+          <a:p>
+            <a:pPr marL="0" indent="0">
+              <a:buFont typeface="Arial" panose="020B0604020202020204" pitchFamily="34" charset="0"/>
+              <a:buNone/>
+            </a:pPr>
+            <a:r>
+              <a:rPr lang="en-US" sz="1600" dirty="0">
+                <a:latin typeface="Consolas" panose="020B0609020204030204" pitchFamily="49" charset="0"/>
+              </a:rPr>
+              <a:t>    </a:t>
+            </a:r>
+          </a:p>
+          <a:p>
+            <a:pPr marL="0" indent="0">
+              <a:buFont typeface="Arial" panose="020B0604020202020204" pitchFamily="34" charset="0"/>
+              <a:buNone/>
+            </a:pPr>
+            <a:r>
+              <a:rPr lang="en-US" sz="1600" dirty="0">
+                <a:latin typeface="Consolas" panose="020B0609020204030204" pitchFamily="49" charset="0"/>
+              </a:rPr>
+              <a:t>    private static int </a:t>
+            </a:r>
+            <a:r>
+              <a:rPr lang="en-US" sz="1600" dirty="0" err="1">
+                <a:latin typeface="Consolas" panose="020B0609020204030204" pitchFamily="49" charset="0"/>
+              </a:rPr>
+              <a:t>numberOfCars</a:t>
+            </a:r>
+            <a:r>
+              <a:rPr lang="en-US" sz="1600" dirty="0">
+                <a:latin typeface="Consolas" panose="020B0609020204030204" pitchFamily="49" charset="0"/>
+              </a:rPr>
+              <a:t>;</a:t>
+            </a:r>
+          </a:p>
+          <a:p>
+            <a:pPr marL="0" indent="0">
+              <a:buFont typeface="Arial" panose="020B0604020202020204" pitchFamily="34" charset="0"/>
+              <a:buNone/>
+            </a:pPr>
+            <a:endParaRPr lang="en-US" sz="1600" dirty="0">
+              <a:latin typeface="Consolas" panose="020B0609020204030204" pitchFamily="49" charset="0"/>
+            </a:endParaRPr>
+          </a:p>
+          <a:p>
+            <a:pPr marL="0" indent="0">
+              <a:buFont typeface="Arial" panose="020B0604020202020204" pitchFamily="34" charset="0"/>
+              <a:buNone/>
+            </a:pPr>
+            <a:r>
+              <a:rPr lang="en-US" sz="1600" dirty="0">
+                <a:latin typeface="Consolas" panose="020B0609020204030204" pitchFamily="49" charset="0"/>
+              </a:rPr>
+              <a:t>    // .. Constructors</a:t>
+            </a:r>
+          </a:p>
+          <a:p>
+            <a:pPr marL="0" indent="0">
+              <a:buFont typeface="Arial" panose="020B0604020202020204" pitchFamily="34" charset="0"/>
+              <a:buNone/>
+            </a:pPr>
+            <a:r>
+              <a:rPr lang="en-US" sz="1600" dirty="0">
+                <a:latin typeface="Consolas" panose="020B0609020204030204" pitchFamily="49" charset="0"/>
+              </a:rPr>
+              <a:t>    public static int </a:t>
+            </a:r>
+            <a:r>
+              <a:rPr lang="en-US" sz="1600" dirty="0" err="1">
+                <a:latin typeface="Consolas" panose="020B0609020204030204" pitchFamily="49" charset="0"/>
+              </a:rPr>
+              <a:t>getNumberOfCars</a:t>
+            </a:r>
+            <a:r>
+              <a:rPr lang="en-US" sz="1600" dirty="0">
+                <a:latin typeface="Consolas" panose="020B0609020204030204" pitchFamily="49" charset="0"/>
+              </a:rPr>
+              <a:t>() {</a:t>
+            </a:r>
+          </a:p>
+          <a:p>
+            <a:pPr marL="0" indent="0">
+              <a:buFont typeface="Arial" panose="020B0604020202020204" pitchFamily="34" charset="0"/>
+              <a:buNone/>
+            </a:pPr>
+            <a:r>
+              <a:rPr lang="en-US" sz="1600" dirty="0">
+                <a:latin typeface="Consolas" panose="020B0609020204030204" pitchFamily="49" charset="0"/>
+              </a:rPr>
+              <a:t>	return </a:t>
+            </a:r>
+            <a:r>
+              <a:rPr lang="en-US" sz="1600" dirty="0" err="1">
+                <a:latin typeface="Consolas" panose="020B0609020204030204" pitchFamily="49" charset="0"/>
+              </a:rPr>
+              <a:t>numberOfCars</a:t>
+            </a:r>
+            <a:r>
+              <a:rPr lang="en-US" sz="1600" dirty="0">
+                <a:latin typeface="Consolas" panose="020B0609020204030204" pitchFamily="49" charset="0"/>
+              </a:rPr>
+              <a:t>;</a:t>
+            </a:r>
+          </a:p>
+          <a:p>
+            <a:pPr marL="0" indent="0">
+              <a:buFont typeface="Arial" panose="020B0604020202020204" pitchFamily="34" charset="0"/>
+              <a:buNone/>
+            </a:pPr>
+            <a:r>
+              <a:rPr lang="en-US" sz="1600" dirty="0">
+                <a:latin typeface="Consolas" panose="020B0609020204030204" pitchFamily="49" charset="0"/>
+              </a:rPr>
+              <a:t>    }    </a:t>
+            </a:r>
+          </a:p>
+          <a:p>
+            <a:pPr marL="0" indent="0">
+              <a:buFont typeface="Arial" panose="020B0604020202020204" pitchFamily="34" charset="0"/>
+              <a:buNone/>
+            </a:pPr>
+            <a:r>
+              <a:rPr lang="en-US" sz="1600" dirty="0">
+                <a:latin typeface="Consolas" panose="020B0609020204030204" pitchFamily="49" charset="0"/>
+              </a:rPr>
+              <a:t>}</a:t>
+            </a:r>
+          </a:p>
+          <a:p>
+            <a:pPr marL="0" indent="0">
+              <a:buFont typeface="Arial" panose="020B0604020202020204" pitchFamily="34" charset="0"/>
+              <a:buNone/>
+            </a:pPr>
+            <a:endParaRPr lang="en-US" sz="1600" dirty="0">
+              <a:latin typeface="Consolas" panose="020B0609020204030204" pitchFamily="49" charset="0"/>
+            </a:endParaRPr>
+          </a:p>
+          <a:p>
+            <a:pPr marL="0" indent="0">
+              <a:buFont typeface="Arial" panose="020B0604020202020204" pitchFamily="34" charset="0"/>
+              <a:buNone/>
+            </a:pPr>
+            <a:r>
+              <a:rPr lang="en-US" sz="1600" dirty="0">
+                <a:latin typeface="Consolas" panose="020B0609020204030204" pitchFamily="49" charset="0"/>
+              </a:rPr>
+              <a:t>public static void main(..) {</a:t>
+            </a:r>
+          </a:p>
+          <a:p>
+            <a:pPr marL="0" indent="0">
+              <a:buFont typeface="Arial" panose="020B0604020202020204" pitchFamily="34" charset="0"/>
+              <a:buNone/>
+            </a:pPr>
+            <a:r>
+              <a:rPr lang="en-US" sz="1600" dirty="0">
+                <a:latin typeface="Consolas" panose="020B0609020204030204" pitchFamily="49" charset="0"/>
+              </a:rPr>
+              <a:t>    Car c1 = new Car(“Jaguar, “V8”);</a:t>
+            </a:r>
+          </a:p>
+          <a:p>
+            <a:pPr marL="0" indent="0">
+              <a:buFont typeface="Arial" panose="020B0604020202020204" pitchFamily="34" charset="0"/>
+              <a:buNone/>
+            </a:pPr>
+            <a:r>
+              <a:rPr lang="en-US" sz="1600" dirty="0">
+                <a:latin typeface="Consolas" panose="020B0609020204030204" pitchFamily="49" charset="0"/>
+              </a:rPr>
+              <a:t>    Car c2 = new Car(“Bugatti”, “W16”);</a:t>
+            </a:r>
+          </a:p>
+          <a:p>
+            <a:pPr marL="0" indent="0">
+              <a:buFont typeface="Arial" panose="020B0604020202020204" pitchFamily="34" charset="0"/>
+              <a:buNone/>
+            </a:pPr>
+            <a:r>
+              <a:rPr lang="en-US" sz="1600" dirty="0">
+                <a:latin typeface="Consolas" panose="020B0609020204030204" pitchFamily="49" charset="0"/>
+              </a:rPr>
+              <a:t>    </a:t>
+            </a:r>
+            <a:r>
+              <a:rPr lang="en-US" sz="1600" dirty="0" err="1">
+                <a:latin typeface="Consolas" panose="020B0609020204030204" pitchFamily="49" charset="0"/>
+              </a:rPr>
+              <a:t>System.out.println</a:t>
+            </a:r>
+            <a:r>
+              <a:rPr lang="en-US" sz="1600" dirty="0">
+                <a:latin typeface="Consolas" panose="020B0609020204030204" pitchFamily="49" charset="0"/>
+              </a:rPr>
+              <a:t>(“Total number of cars: “ + </a:t>
+            </a:r>
+            <a:r>
+              <a:rPr lang="en-US" sz="1600" dirty="0" err="1">
+                <a:latin typeface="Consolas" panose="020B0609020204030204" pitchFamily="49" charset="0"/>
+              </a:rPr>
+              <a:t>Car.getNumberOfCars</a:t>
+            </a:r>
+            <a:r>
+              <a:rPr lang="en-US" sz="1600" dirty="0">
+                <a:latin typeface="Consolas" panose="020B0609020204030204" pitchFamily="49" charset="0"/>
+              </a:rPr>
+              <a:t>());</a:t>
+            </a:r>
+          </a:p>
+          <a:p>
+            <a:pPr marL="0" indent="0">
+              <a:buFont typeface="Arial" panose="020B0604020202020204" pitchFamily="34" charset="0"/>
+              <a:buNone/>
+            </a:pPr>
+            <a:r>
+              <a:rPr lang="en-US" sz="1600" dirty="0">
+                <a:latin typeface="Consolas" panose="020B0609020204030204" pitchFamily="49" charset="0"/>
+              </a:rPr>
+              <a:t>     // Prints 2</a:t>
+            </a:r>
+          </a:p>
+          <a:p>
+            <a:pPr marL="0" indent="0">
+              <a:buFont typeface="Arial" panose="020B0604020202020204" pitchFamily="34" charset="0"/>
+              <a:buNone/>
+            </a:pPr>
+            <a:r>
+              <a:rPr lang="en-US" sz="1600" dirty="0">
+                <a:latin typeface="Consolas" panose="020B0609020204030204" pitchFamily="49" charset="0"/>
+              </a:rPr>
+              <a:t>}</a:t>
+            </a:r>
+          </a:p>
+        </p:txBody>
+      </p:sp>
+    </p:spTree>
+    <p:extLst>
+      <p:ext uri="{BB962C8B-B14F-4D97-AF65-F5344CB8AC3E}">
+        <p14:creationId xmlns:p14="http://schemas.microsoft.com/office/powerpoint/2010/main" val="973988085"/>
+      </p:ext>
+    </p:extLst>
+  </p:cSld>
+  <p:clrMapOvr>
+    <a:masterClrMapping/>
+  </p:clrMapOvr>
+</p:sld>
+</file>
+
+<file path=ppt/slides/slide33.xml><?xml version="1.0" encoding="utf-8"?>
 <p:sld xmlns:a="http://schemas.openxmlformats.org/drawingml/2006/main" xmlns:r="http://schemas.openxmlformats.org/officeDocument/2006/relationships" xmlns:p="http://schemas.openxmlformats.org/presentationml/2006/main">
   <p:cSld>
     <p:spTree>
@@ -22739,7 +25803,7 @@
 </p:sld>
 </file>
 
-<file path=ppt/slides/slide27.xml><?xml version="1.0" encoding="utf-8"?>
+<file path=ppt/slides/slide34.xml><?xml version="1.0" encoding="utf-8"?>
 <p:sld xmlns:a="http://schemas.openxmlformats.org/drawingml/2006/main" xmlns:r="http://schemas.openxmlformats.org/officeDocument/2006/relationships" xmlns:p="http://schemas.openxmlformats.org/presentationml/2006/main">
   <p:cSld>
     <p:spTree>
@@ -22842,10 +25906,9 @@
           <a:lstStyle/>
           <a:p>
             <a:r>
-              <a:rPr lang="en-US"/>
+              <a:rPr lang="en-US" dirty="0"/>
               <a:t>Try-catch block</a:t>
             </a:r>
-            <a:endParaRPr lang="en-US" dirty="0"/>
           </a:p>
         </p:txBody>
       </p:sp>
@@ -23186,7 +26249,398 @@
 </p:sld>
 </file>
 
-<file path=ppt/slides/slide28.xml><?xml version="1.0" encoding="utf-8"?>
+<file path=ppt/slides/slide35.xml><?xml version="1.0" encoding="utf-8"?>
+<p:sld xmlns:a="http://schemas.openxmlformats.org/drawingml/2006/main" xmlns:r="http://schemas.openxmlformats.org/officeDocument/2006/relationships" xmlns:p="http://schemas.openxmlformats.org/presentationml/2006/main">
+  <p:cSld>
+    <p:spTree>
+      <p:nvGrpSpPr>
+        <p:cNvPr id="1" name=""/>
+        <p:cNvGrpSpPr/>
+        <p:nvPr/>
+      </p:nvGrpSpPr>
+      <p:grpSpPr>
+        <a:xfrm>
+          <a:off x="0" y="0"/>
+          <a:ext cx="0" cy="0"/>
+          <a:chOff x="0" y="0"/>
+          <a:chExt cx="0" cy="0"/>
+        </a:xfrm>
+      </p:grpSpPr>
+      <p:sp>
+        <p:nvSpPr>
+          <p:cNvPr id="2" name="Content Placeholder 1">
+            <a:extLst>
+              <a:ext uri="{FF2B5EF4-FFF2-40B4-BE49-F238E27FC236}">
+                <a16:creationId xmlns:a16="http://schemas.microsoft.com/office/drawing/2014/main" id="{377C4234-40BC-42E6-DDE8-3CF78CCAD94A}"/>
+              </a:ext>
+            </a:extLst>
+          </p:cNvPr>
+          <p:cNvSpPr>
+            <a:spLocks noGrp="1"/>
+          </p:cNvSpPr>
+          <p:nvPr>
+            <p:ph idx="1"/>
+          </p:nvPr>
+        </p:nvSpPr>
+        <p:spPr>
+          <a:xfrm>
+            <a:off x="360607" y="785004"/>
+            <a:ext cx="5735393" cy="5046453"/>
+          </a:xfrm>
+        </p:spPr>
+        <p:txBody>
+          <a:bodyPr/>
+          <a:lstStyle/>
+          <a:p>
+            <a:r>
+              <a:rPr lang="en-US" dirty="0"/>
+              <a:t>All exceptions except </a:t>
+            </a:r>
+            <a:r>
+              <a:rPr lang="en-US" dirty="0" err="1">
+                <a:latin typeface="Consolas" panose="020B0609020204030204" pitchFamily="49" charset="0"/>
+              </a:rPr>
+              <a:t>RuntimeExceptions</a:t>
+            </a:r>
+            <a:r>
+              <a:rPr lang="en-US" dirty="0"/>
+              <a:t> must be explicitly handled</a:t>
+            </a:r>
+          </a:p>
+          <a:p>
+            <a:r>
+              <a:rPr lang="en-US" dirty="0"/>
+              <a:t>Uncaught exceptions extend </a:t>
+            </a:r>
+            <a:r>
+              <a:rPr lang="en-US" dirty="0" err="1">
+                <a:latin typeface="Consolas" panose="020B0609020204030204" pitchFamily="49" charset="0"/>
+              </a:rPr>
+              <a:t>RuntimeException</a:t>
+            </a:r>
+            <a:endParaRPr lang="en-US" dirty="0">
+              <a:latin typeface="Consolas" panose="020B0609020204030204" pitchFamily="49" charset="0"/>
+            </a:endParaRPr>
+          </a:p>
+          <a:p>
+            <a:r>
+              <a:rPr lang="en-US" dirty="0"/>
+              <a:t>Can also catch Errors, but it is generally not useful</a:t>
+            </a:r>
+          </a:p>
+        </p:txBody>
+      </p:sp>
+      <p:sp>
+        <p:nvSpPr>
+          <p:cNvPr id="3" name="Title 2">
+            <a:extLst>
+              <a:ext uri="{FF2B5EF4-FFF2-40B4-BE49-F238E27FC236}">
+                <a16:creationId xmlns:a16="http://schemas.microsoft.com/office/drawing/2014/main" id="{5FC4CE7D-2A2C-E242-3F0E-31D4ADC26BBF}"/>
+              </a:ext>
+            </a:extLst>
+          </p:cNvPr>
+          <p:cNvSpPr>
+            <a:spLocks noGrp="1"/>
+          </p:cNvSpPr>
+          <p:nvPr>
+            <p:ph type="title"/>
+          </p:nvPr>
+        </p:nvSpPr>
+        <p:spPr/>
+        <p:txBody>
+          <a:bodyPr/>
+          <a:lstStyle/>
+          <a:p>
+            <a:r>
+              <a:rPr lang="en-US" dirty="0"/>
+              <a:t>Java exception hierarchy</a:t>
+            </a:r>
+          </a:p>
+        </p:txBody>
+      </p:sp>
+      <p:sp>
+        <p:nvSpPr>
+          <p:cNvPr id="4" name="Subtitle 3">
+            <a:extLst>
+              <a:ext uri="{FF2B5EF4-FFF2-40B4-BE49-F238E27FC236}">
+                <a16:creationId xmlns:a16="http://schemas.microsoft.com/office/drawing/2014/main" id="{511BD9F1-2ABE-9E7A-83BA-6B679ADCF049}"/>
+              </a:ext>
+            </a:extLst>
+          </p:cNvPr>
+          <p:cNvSpPr>
+            <a:spLocks noGrp="1"/>
+          </p:cNvSpPr>
+          <p:nvPr>
+            <p:ph type="subTitle" idx="13"/>
+          </p:nvPr>
+        </p:nvSpPr>
+        <p:spPr/>
+        <p:txBody>
+          <a:bodyPr/>
+          <a:lstStyle/>
+          <a:p>
+            <a:endParaRPr lang="en-US"/>
+          </a:p>
+        </p:txBody>
+      </p:sp>
+      <p:pic>
+        <p:nvPicPr>
+          <p:cNvPr id="1026" name="Picture 2">
+            <a:extLst>
+              <a:ext uri="{FF2B5EF4-FFF2-40B4-BE49-F238E27FC236}">
+                <a16:creationId xmlns:a16="http://schemas.microsoft.com/office/drawing/2014/main" id="{A95E7F13-9CF6-6F77-8BB8-2D7035B48A29}"/>
+              </a:ext>
+            </a:extLst>
+          </p:cNvPr>
+          <p:cNvPicPr>
+            <a:picLocks noChangeAspect="1" noChangeArrowheads="1"/>
+          </p:cNvPicPr>
+          <p:nvPr/>
+        </p:nvPicPr>
+        <p:blipFill>
+          <a:blip r:embed="rId2">
+            <a:extLst>
+              <a:ext uri="{28A0092B-C50C-407E-A947-70E740481C1C}">
+                <a14:useLocalDpi xmlns:a14="http://schemas.microsoft.com/office/drawing/2010/main" val="0"/>
+              </a:ext>
+            </a:extLst>
+          </a:blip>
+          <a:srcRect/>
+          <a:stretch>
+            <a:fillRect/>
+          </a:stretch>
+        </p:blipFill>
+        <p:spPr bwMode="auto">
+          <a:xfrm>
+            <a:off x="6834945" y="785004"/>
+            <a:ext cx="4974981" cy="4825732"/>
+          </a:xfrm>
+          <a:prstGeom prst="rect">
+            <a:avLst/>
+          </a:prstGeom>
+          <a:noFill/>
+          <a:extLst>
+            <a:ext uri="{909E8E84-426E-40DD-AFC4-6F175D3DCCD1}">
+              <a14:hiddenFill xmlns:a14="http://schemas.microsoft.com/office/drawing/2010/main">
+                <a:solidFill>
+                  <a:srgbClr val="FFFFFF"/>
+                </a:solidFill>
+              </a14:hiddenFill>
+            </a:ext>
+          </a:extLst>
+        </p:spPr>
+      </p:pic>
+    </p:spTree>
+    <p:extLst>
+      <p:ext uri="{BB962C8B-B14F-4D97-AF65-F5344CB8AC3E}">
+        <p14:creationId xmlns:p14="http://schemas.microsoft.com/office/powerpoint/2010/main" val="4041144664"/>
+      </p:ext>
+    </p:extLst>
+  </p:cSld>
+  <p:clrMapOvr>
+    <a:masterClrMapping/>
+  </p:clrMapOvr>
+</p:sld>
+</file>
+
+<file path=ppt/slides/slide36.xml><?xml version="1.0" encoding="utf-8"?>
+<p:sld xmlns:a="http://schemas.openxmlformats.org/drawingml/2006/main" xmlns:r="http://schemas.openxmlformats.org/officeDocument/2006/relationships" xmlns:p="http://schemas.openxmlformats.org/presentationml/2006/main">
+  <p:cSld>
+    <p:spTree>
+      <p:nvGrpSpPr>
+        <p:cNvPr id="1" name=""/>
+        <p:cNvGrpSpPr/>
+        <p:nvPr/>
+      </p:nvGrpSpPr>
+      <p:grpSpPr>
+        <a:xfrm>
+          <a:off x="0" y="0"/>
+          <a:ext cx="0" cy="0"/>
+          <a:chOff x="0" y="0"/>
+          <a:chExt cx="0" cy="0"/>
+        </a:xfrm>
+      </p:grpSpPr>
+      <p:sp>
+        <p:nvSpPr>
+          <p:cNvPr id="2" name="Content Placeholder 1">
+            <a:extLst>
+              <a:ext uri="{FF2B5EF4-FFF2-40B4-BE49-F238E27FC236}">
+                <a16:creationId xmlns:a16="http://schemas.microsoft.com/office/drawing/2014/main" id="{CBFD632B-DD79-5CE0-C2EB-CD1774B37C98}"/>
+              </a:ext>
+            </a:extLst>
+          </p:cNvPr>
+          <p:cNvSpPr>
+            <a:spLocks noGrp="1"/>
+          </p:cNvSpPr>
+          <p:nvPr>
+            <p:ph idx="1"/>
+          </p:nvPr>
+        </p:nvSpPr>
+        <p:spPr/>
+        <p:txBody>
+          <a:bodyPr>
+            <a:normAutofit fontScale="92500"/>
+          </a:bodyPr>
+          <a:lstStyle/>
+          <a:p>
+            <a:pPr marL="457200" indent="-457200">
+              <a:buFont typeface="Arial" panose="020B0604020202020204" pitchFamily="34" charset="0"/>
+              <a:buChar char="•"/>
+            </a:pPr>
+            <a:r>
+              <a:rPr lang="en-US" dirty="0"/>
+              <a:t>Compiler requires a try-catch block for caught exceptions</a:t>
+            </a:r>
+          </a:p>
+          <a:p>
+            <a:pPr marL="1141413" lvl="1" indent="-457200"/>
+            <a:r>
+              <a:rPr lang="en-US" dirty="0" err="1"/>
+              <a:t>IOException</a:t>
+            </a:r>
+            <a:r>
+              <a:rPr lang="en-US" dirty="0"/>
+              <a:t>, </a:t>
+            </a:r>
+            <a:r>
+              <a:rPr lang="en-US" dirty="0" err="1"/>
+              <a:t>FileNotFoundException</a:t>
+            </a:r>
+            <a:r>
+              <a:rPr lang="en-US" dirty="0"/>
+              <a:t>, and so on…</a:t>
+            </a:r>
+          </a:p>
+          <a:p>
+            <a:pPr marL="1141413" lvl="1" indent="-457200"/>
+            <a:r>
+              <a:rPr lang="en-US" dirty="0"/>
+              <a:t>A missing try-catch block for a caught exception, </a:t>
+            </a:r>
+            <a:r>
+              <a:rPr lang="en-US" u="sng" dirty="0"/>
+              <a:t>the code will not compile</a:t>
+            </a:r>
+          </a:p>
+          <a:p>
+            <a:pPr marL="457200" indent="-457200">
+              <a:buFont typeface="Arial" panose="020B0604020202020204" pitchFamily="34" charset="0"/>
+              <a:buChar char="•"/>
+            </a:pPr>
+            <a:r>
+              <a:rPr lang="en-US" dirty="0"/>
+              <a:t>Compiler does not require a try-catch block for uncaught exceptions</a:t>
+            </a:r>
+          </a:p>
+          <a:p>
+            <a:pPr marL="1141413" lvl="1" indent="-457200"/>
+            <a:r>
+              <a:rPr lang="en-US" dirty="0"/>
+              <a:t>You still </a:t>
+            </a:r>
+            <a:r>
+              <a:rPr lang="en-US" i="1" dirty="0"/>
+              <a:t>may </a:t>
+            </a:r>
+            <a:r>
+              <a:rPr lang="en-US" dirty="0"/>
+              <a:t>specify a try-catch block for these exceptions</a:t>
+            </a:r>
+          </a:p>
+          <a:p>
+            <a:pPr marL="1141413" lvl="1" indent="-457200"/>
+            <a:r>
+              <a:rPr lang="en-US" dirty="0" err="1"/>
+              <a:t>RuntimeException</a:t>
+            </a:r>
+            <a:r>
+              <a:rPr lang="en-US" dirty="0"/>
+              <a:t> or subclass</a:t>
+            </a:r>
+          </a:p>
+          <a:p>
+            <a:pPr marL="1141413" lvl="1" indent="-457200"/>
+            <a:r>
+              <a:rPr lang="en-US" dirty="0"/>
+              <a:t>Compiler will not throw a compilation error if you don’t specify a try-catch block</a:t>
+            </a:r>
+          </a:p>
+          <a:p>
+            <a:pPr marL="1141413" lvl="1" indent="-457200"/>
+            <a:r>
+              <a:rPr lang="en-US" dirty="0"/>
+              <a:t>If no try-catch specified and the code raises the exception, application will terminate</a:t>
+            </a:r>
+          </a:p>
+        </p:txBody>
+      </p:sp>
+      <p:sp>
+        <p:nvSpPr>
+          <p:cNvPr id="3" name="Title 2">
+            <a:extLst>
+              <a:ext uri="{FF2B5EF4-FFF2-40B4-BE49-F238E27FC236}">
+                <a16:creationId xmlns:a16="http://schemas.microsoft.com/office/drawing/2014/main" id="{7E474EC2-0CF3-A679-C09B-4EAC50E2CE0A}"/>
+              </a:ext>
+            </a:extLst>
+          </p:cNvPr>
+          <p:cNvSpPr>
+            <a:spLocks noGrp="1"/>
+          </p:cNvSpPr>
+          <p:nvPr>
+            <p:ph type="title"/>
+          </p:nvPr>
+        </p:nvSpPr>
+        <p:spPr/>
+        <p:txBody>
+          <a:bodyPr/>
+          <a:lstStyle/>
+          <a:p>
+            <a:r>
+              <a:rPr lang="en-US" dirty="0"/>
+              <a:t>Caught and uncaught exceptions</a:t>
+            </a:r>
+          </a:p>
+        </p:txBody>
+      </p:sp>
+      <p:sp>
+        <p:nvSpPr>
+          <p:cNvPr id="4" name="Subtitle 3">
+            <a:extLst>
+              <a:ext uri="{FF2B5EF4-FFF2-40B4-BE49-F238E27FC236}">
+                <a16:creationId xmlns:a16="http://schemas.microsoft.com/office/drawing/2014/main" id="{FEA8C197-8710-E98A-1457-26F2D667F52C}"/>
+              </a:ext>
+            </a:extLst>
+          </p:cNvPr>
+          <p:cNvSpPr>
+            <a:spLocks noGrp="1"/>
+          </p:cNvSpPr>
+          <p:nvPr>
+            <p:ph type="subTitle" idx="13"/>
+          </p:nvPr>
+        </p:nvSpPr>
+        <p:spPr/>
+        <p:txBody>
+          <a:bodyPr/>
+          <a:lstStyle/>
+          <a:p>
+            <a:endParaRPr lang="en-US"/>
+          </a:p>
+        </p:txBody>
+      </p:sp>
+    </p:spTree>
+    <p:extLst>
+      <p:ext uri="{BB962C8B-B14F-4D97-AF65-F5344CB8AC3E}">
+        <p14:creationId xmlns:p14="http://schemas.microsoft.com/office/powerpoint/2010/main" val="2735298472"/>
+      </p:ext>
+    </p:extLst>
+  </p:cSld>
+  <p:clrMapOvr>
+    <a:masterClrMapping/>
+  </p:clrMapOvr>
+</p:sld>
+</file>
+
+<file path=ppt/slides/slide37.xml><?xml version="1.0" encoding="utf-8"?>
 <p:sld xmlns:a="http://schemas.openxmlformats.org/drawingml/2006/main" xmlns:r="http://schemas.openxmlformats.org/officeDocument/2006/relationships" xmlns:p="http://schemas.openxmlformats.org/presentationml/2006/main">
   <p:cSld>
     <p:spTree>
@@ -23295,10 +26749,9 @@
           <a:lstStyle/>
           <a:p>
             <a:r>
-              <a:rPr lang="en-US"/>
+              <a:rPr lang="en-US" dirty="0"/>
               <a:t>Try-catch block</a:t>
             </a:r>
-            <a:endParaRPr lang="en-US" dirty="0"/>
           </a:p>
         </p:txBody>
       </p:sp>
@@ -23854,7 +27307,7 @@
 </p:sld>
 </file>
 
-<file path=ppt/slides/slide29.xml><?xml version="1.0" encoding="utf-8"?>
+<file path=ppt/slides/slide38.xml><?xml version="1.0" encoding="utf-8"?>
 <p:sld xmlns:a="http://schemas.openxmlformats.org/drawingml/2006/main" xmlns:r="http://schemas.openxmlformats.org/officeDocument/2006/relationships" xmlns:p="http://schemas.openxmlformats.org/presentationml/2006/main">
   <p:cSld>
     <p:spTree>
@@ -23950,10 +27403,9 @@
           <a:lstStyle/>
           <a:p>
             <a:r>
-              <a:rPr lang="en-US"/>
+              <a:rPr lang="en-US" dirty="0"/>
               <a:t>Try-catch block</a:t>
             </a:r>
-            <a:endParaRPr lang="en-US" dirty="0"/>
           </a:p>
         </p:txBody>
       </p:sp>
@@ -24530,405 +27982,7 @@
 </p:sld>
 </file>
 
-<file path=ppt/slides/slide3.xml><?xml version="1.0" encoding="utf-8"?>
-<p:sld xmlns:a="http://schemas.openxmlformats.org/drawingml/2006/main" xmlns:r="http://schemas.openxmlformats.org/officeDocument/2006/relationships" xmlns:p="http://schemas.openxmlformats.org/presentationml/2006/main">
-  <p:cSld>
-    <p:spTree>
-      <p:nvGrpSpPr>
-        <p:cNvPr id="1" name=""/>
-        <p:cNvGrpSpPr/>
-        <p:nvPr/>
-      </p:nvGrpSpPr>
-      <p:grpSpPr>
-        <a:xfrm>
-          <a:off x="0" y="0"/>
-          <a:ext cx="0" cy="0"/>
-          <a:chOff x="0" y="0"/>
-          <a:chExt cx="0" cy="0"/>
-        </a:xfrm>
-      </p:grpSpPr>
-      <p:sp>
-        <p:nvSpPr>
-          <p:cNvPr id="2" name="Content Placeholder 1">
-            <a:extLst>
-              <a:ext uri="{FF2B5EF4-FFF2-40B4-BE49-F238E27FC236}">
-                <a16:creationId xmlns:a16="http://schemas.microsoft.com/office/drawing/2014/main" id="{8ACF9742-3350-1D65-AB1F-E445C30B36DE}"/>
-              </a:ext>
-            </a:extLst>
-          </p:cNvPr>
-          <p:cNvSpPr>
-            <a:spLocks noGrp="1"/>
-          </p:cNvSpPr>
-          <p:nvPr>
-            <p:ph idx="1"/>
-          </p:nvPr>
-        </p:nvSpPr>
-        <p:spPr/>
-        <p:txBody>
-          <a:bodyPr/>
-          <a:lstStyle/>
-          <a:p>
-            <a:pPr marL="0" indent="0">
-              <a:buNone/>
-            </a:pPr>
-            <a:r>
-              <a:rPr lang="en-US"/>
-              <a:t>Objects have properties and functions</a:t>
-            </a:r>
-            <a:endParaRPr lang="en-US" dirty="0"/>
-          </a:p>
-        </p:txBody>
-      </p:sp>
-      <p:sp>
-        <p:nvSpPr>
-          <p:cNvPr id="3" name="Title 2">
-            <a:extLst>
-              <a:ext uri="{FF2B5EF4-FFF2-40B4-BE49-F238E27FC236}">
-                <a16:creationId xmlns:a16="http://schemas.microsoft.com/office/drawing/2014/main" id="{6BE0EAE0-FAB3-33AA-DB3C-DDC2394A80CD}"/>
-              </a:ext>
-            </a:extLst>
-          </p:cNvPr>
-          <p:cNvSpPr>
-            <a:spLocks noGrp="1"/>
-          </p:cNvSpPr>
-          <p:nvPr>
-            <p:ph type="title"/>
-          </p:nvPr>
-        </p:nvSpPr>
-        <p:spPr/>
-        <p:txBody>
-          <a:bodyPr/>
-          <a:lstStyle/>
-          <a:p>
-            <a:r>
-              <a:rPr lang="en-US"/>
-              <a:t>What is an object?</a:t>
-            </a:r>
-            <a:endParaRPr lang="en-US" dirty="0"/>
-          </a:p>
-        </p:txBody>
-      </p:sp>
-      <p:sp>
-        <p:nvSpPr>
-          <p:cNvPr id="4" name="Subtitle 3">
-            <a:extLst>
-              <a:ext uri="{FF2B5EF4-FFF2-40B4-BE49-F238E27FC236}">
-                <a16:creationId xmlns:a16="http://schemas.microsoft.com/office/drawing/2014/main" id="{2822CE88-B1CE-8912-0A76-F5DB3B904762}"/>
-              </a:ext>
-            </a:extLst>
-          </p:cNvPr>
-          <p:cNvSpPr>
-            <a:spLocks noGrp="1"/>
-          </p:cNvSpPr>
-          <p:nvPr>
-            <p:ph type="subTitle" idx="13"/>
-          </p:nvPr>
-        </p:nvSpPr>
-        <p:spPr/>
-        <p:txBody>
-          <a:bodyPr/>
-          <a:lstStyle/>
-          <a:p>
-            <a:endParaRPr lang="en-US"/>
-          </a:p>
-        </p:txBody>
-      </p:sp>
-      <p:pic>
-        <p:nvPicPr>
-          <p:cNvPr id="1026" name="Picture 2" descr="Best Cars of 2024 and 2025 - Top-Rated New Cars Ranked | KBB.com">
-            <a:extLst>
-              <a:ext uri="{FF2B5EF4-FFF2-40B4-BE49-F238E27FC236}">
-                <a16:creationId xmlns:a16="http://schemas.microsoft.com/office/drawing/2014/main" id="{D0B3A394-D3F6-ACDF-9E4D-40D79040B9C8}"/>
-              </a:ext>
-            </a:extLst>
-          </p:cNvPr>
-          <p:cNvPicPr>
-            <a:picLocks noChangeAspect="1" noChangeArrowheads="1"/>
-          </p:cNvPicPr>
-          <p:nvPr/>
-        </p:nvPicPr>
-        <p:blipFill>
-          <a:blip r:embed="rId3" cstate="print">
-            <a:extLst>
-              <a:ext uri="{28A0092B-C50C-407E-A947-70E740481C1C}">
-                <a14:useLocalDpi xmlns:a14="http://schemas.microsoft.com/office/drawing/2010/main" val="0"/>
-              </a:ext>
-            </a:extLst>
-          </a:blip>
-          <a:srcRect/>
-          <a:stretch>
-            <a:fillRect/>
-          </a:stretch>
-        </p:blipFill>
-        <p:spPr bwMode="auto">
-          <a:xfrm>
-            <a:off x="529940" y="1598124"/>
-            <a:ext cx="3330859" cy="1347957"/>
-          </a:xfrm>
-          <a:prstGeom prst="rect">
-            <a:avLst/>
-          </a:prstGeom>
-          <a:noFill/>
-          <a:extLst>
-            <a:ext uri="{909E8E84-426E-40DD-AFC4-6F175D3DCCD1}">
-              <a14:hiddenFill xmlns:a14="http://schemas.microsoft.com/office/drawing/2010/main">
-                <a:solidFill>
-                  <a:srgbClr val="FFFFFF"/>
-                </a:solidFill>
-              </a14:hiddenFill>
-            </a:ext>
-          </a:extLst>
-        </p:spPr>
-      </p:pic>
-      <p:pic>
-        <p:nvPicPr>
-          <p:cNvPr id="1028" name="Picture 4" descr="Understanding Behavioral Changes in Senior Dogs | Dog Aging Project">
-            <a:extLst>
-              <a:ext uri="{FF2B5EF4-FFF2-40B4-BE49-F238E27FC236}">
-                <a16:creationId xmlns:a16="http://schemas.microsoft.com/office/drawing/2014/main" id="{5812A8B1-EF6D-9DC6-4052-4E8A1E1A83C7}"/>
-              </a:ext>
-            </a:extLst>
-          </p:cNvPr>
-          <p:cNvPicPr>
-            <a:picLocks noChangeAspect="1" noChangeArrowheads="1"/>
-          </p:cNvPicPr>
-          <p:nvPr/>
-        </p:nvPicPr>
-        <p:blipFill>
-          <a:blip r:embed="rId4" cstate="print">
-            <a:extLst>
-              <a:ext uri="{28A0092B-C50C-407E-A947-70E740481C1C}">
-                <a14:useLocalDpi xmlns:a14="http://schemas.microsoft.com/office/drawing/2010/main" val="0"/>
-              </a:ext>
-            </a:extLst>
-          </a:blip>
-          <a:srcRect/>
-          <a:stretch>
-            <a:fillRect/>
-          </a:stretch>
-        </p:blipFill>
-        <p:spPr bwMode="auto">
-          <a:xfrm>
-            <a:off x="827897" y="3831255"/>
-            <a:ext cx="2575454" cy="1717234"/>
-          </a:xfrm>
-          <a:prstGeom prst="rect">
-            <a:avLst/>
-          </a:prstGeom>
-          <a:noFill/>
-          <a:extLst>
-            <a:ext uri="{909E8E84-426E-40DD-AFC4-6F175D3DCCD1}">
-              <a14:hiddenFill xmlns:a14="http://schemas.microsoft.com/office/drawing/2010/main">
-                <a:solidFill>
-                  <a:srgbClr val="FFFFFF"/>
-                </a:solidFill>
-              </a14:hiddenFill>
-            </a:ext>
-          </a:extLst>
-        </p:spPr>
-      </p:pic>
-      <p:pic>
-        <p:nvPicPr>
-          <p:cNvPr id="1030" name="Picture 6" descr="Professional Woman Stock Photos, Images and Backgrounds for Free Download">
-            <a:extLst>
-              <a:ext uri="{FF2B5EF4-FFF2-40B4-BE49-F238E27FC236}">
-                <a16:creationId xmlns:a16="http://schemas.microsoft.com/office/drawing/2014/main" id="{C5D996F2-8637-3CFD-2B62-E4DDFD288786}"/>
-              </a:ext>
-            </a:extLst>
-          </p:cNvPr>
-          <p:cNvPicPr>
-            <a:picLocks noChangeAspect="1" noChangeArrowheads="1"/>
-          </p:cNvPicPr>
-          <p:nvPr/>
-        </p:nvPicPr>
-        <p:blipFill>
-          <a:blip r:embed="rId5" cstate="print">
-            <a:extLst>
-              <a:ext uri="{28A0092B-C50C-407E-A947-70E740481C1C}">
-                <a14:useLocalDpi xmlns:a14="http://schemas.microsoft.com/office/drawing/2010/main" val="0"/>
-              </a:ext>
-            </a:extLst>
-          </a:blip>
-          <a:srcRect/>
-          <a:stretch>
-            <a:fillRect/>
-          </a:stretch>
-        </p:blipFill>
-        <p:spPr bwMode="auto">
-          <a:xfrm>
-            <a:off x="4797539" y="1357433"/>
-            <a:ext cx="2575454" cy="1931255"/>
-          </a:xfrm>
-          <a:prstGeom prst="rect">
-            <a:avLst/>
-          </a:prstGeom>
-          <a:noFill/>
-          <a:extLst>
-            <a:ext uri="{909E8E84-426E-40DD-AFC4-6F175D3DCCD1}">
-              <a14:hiddenFill xmlns:a14="http://schemas.microsoft.com/office/drawing/2010/main">
-                <a:solidFill>
-                  <a:srgbClr val="FFFFFF"/>
-                </a:solidFill>
-              </a14:hiddenFill>
-            </a:ext>
-          </a:extLst>
-        </p:spPr>
-      </p:pic>
-      <p:pic>
-        <p:nvPicPr>
-          <p:cNvPr id="1032" name="Picture 8" descr="Roll: Bicycle Company A:1 Adventure Bike">
-            <a:extLst>
-              <a:ext uri="{FF2B5EF4-FFF2-40B4-BE49-F238E27FC236}">
-                <a16:creationId xmlns:a16="http://schemas.microsoft.com/office/drawing/2014/main" id="{A6DEBE71-9A16-E558-68CA-3DBB9959789B}"/>
-              </a:ext>
-            </a:extLst>
-          </p:cNvPr>
-          <p:cNvPicPr>
-            <a:picLocks noChangeAspect="1" noChangeArrowheads="1"/>
-          </p:cNvPicPr>
-          <p:nvPr/>
-        </p:nvPicPr>
-        <p:blipFill>
-          <a:blip r:embed="rId6" cstate="print">
-            <a:extLst>
-              <a:ext uri="{28A0092B-C50C-407E-A947-70E740481C1C}">
-                <a14:useLocalDpi xmlns:a14="http://schemas.microsoft.com/office/drawing/2010/main" val="0"/>
-              </a:ext>
-            </a:extLst>
-          </a:blip>
-          <a:srcRect/>
-          <a:stretch>
-            <a:fillRect/>
-          </a:stretch>
-        </p:blipFill>
-        <p:spPr bwMode="auto">
-          <a:xfrm>
-            <a:off x="8267644" y="3503877"/>
-            <a:ext cx="3527778" cy="2116667"/>
-          </a:xfrm>
-          <a:prstGeom prst="rect">
-            <a:avLst/>
-          </a:prstGeom>
-          <a:noFill/>
-          <a:extLst>
-            <a:ext uri="{909E8E84-426E-40DD-AFC4-6F175D3DCCD1}">
-              <a14:hiddenFill xmlns:a14="http://schemas.microsoft.com/office/drawing/2010/main">
-                <a:solidFill>
-                  <a:srgbClr val="FFFFFF"/>
-                </a:solidFill>
-              </a14:hiddenFill>
-            </a:ext>
-          </a:extLst>
-        </p:spPr>
-      </p:pic>
-      <p:pic>
-        <p:nvPicPr>
-          <p:cNvPr id="1034" name="Picture 10" descr="True Fine 16.5-in Brushed Steel LED Touch Table Lamp with Fabric Shade  20080T-BN at Lowes.com">
-            <a:extLst>
-              <a:ext uri="{FF2B5EF4-FFF2-40B4-BE49-F238E27FC236}">
-                <a16:creationId xmlns:a16="http://schemas.microsoft.com/office/drawing/2014/main" id="{B33B9FBE-636D-877F-1CA6-7513A4E829B6}"/>
-              </a:ext>
-            </a:extLst>
-          </p:cNvPr>
-          <p:cNvPicPr>
-            <a:picLocks noChangeAspect="1" noChangeArrowheads="1"/>
-          </p:cNvPicPr>
-          <p:nvPr/>
-        </p:nvPicPr>
-        <p:blipFill>
-          <a:blip r:embed="rId7" cstate="print">
-            <a:extLst>
-              <a:ext uri="{28A0092B-C50C-407E-A947-70E740481C1C}">
-                <a14:useLocalDpi xmlns:a14="http://schemas.microsoft.com/office/drawing/2010/main" val="0"/>
-              </a:ext>
-            </a:extLst>
-          </a:blip>
-          <a:srcRect/>
-          <a:stretch>
-            <a:fillRect/>
-          </a:stretch>
-        </p:blipFill>
-        <p:spPr bwMode="auto">
-          <a:xfrm>
-            <a:off x="9033822" y="1344072"/>
-            <a:ext cx="1995422" cy="1995422"/>
-          </a:xfrm>
-          <a:prstGeom prst="rect">
-            <a:avLst/>
-          </a:prstGeom>
-          <a:noFill/>
-          <a:extLst>
-            <a:ext uri="{909E8E84-426E-40DD-AFC4-6F175D3DCCD1}">
-              <a14:hiddenFill xmlns:a14="http://schemas.microsoft.com/office/drawing/2010/main">
-                <a:solidFill>
-                  <a:srgbClr val="FFFFFF"/>
-                </a:solidFill>
-              </a14:hiddenFill>
-            </a:ext>
-          </a:extLst>
-        </p:spPr>
-      </p:pic>
-      <p:pic>
-        <p:nvPicPr>
-          <p:cNvPr id="1036" name="Picture 12" descr="Twinkle Twinkle Little Firefly - Humane Gardener">
-            <a:extLst>
-              <a:ext uri="{FF2B5EF4-FFF2-40B4-BE49-F238E27FC236}">
-                <a16:creationId xmlns:a16="http://schemas.microsoft.com/office/drawing/2014/main" id="{DA3A625C-BA86-22D3-9AF0-985AA2A6F3A0}"/>
-              </a:ext>
-            </a:extLst>
-          </p:cNvPr>
-          <p:cNvPicPr>
-            <a:picLocks noChangeAspect="1" noChangeArrowheads="1"/>
-          </p:cNvPicPr>
-          <p:nvPr/>
-        </p:nvPicPr>
-        <p:blipFill>
-          <a:blip r:embed="rId8" cstate="print">
-            <a:extLst>
-              <a:ext uri="{28A0092B-C50C-407E-A947-70E740481C1C}">
-                <a14:useLocalDpi xmlns:a14="http://schemas.microsoft.com/office/drawing/2010/main" val="0"/>
-              </a:ext>
-            </a:extLst>
-          </a:blip>
-          <a:srcRect/>
-          <a:stretch>
-            <a:fillRect/>
-          </a:stretch>
-        </p:blipFill>
-        <p:spPr bwMode="auto">
-          <a:xfrm>
-            <a:off x="4606579" y="3677531"/>
-            <a:ext cx="3330859" cy="1873175"/>
-          </a:xfrm>
-          <a:prstGeom prst="rect">
-            <a:avLst/>
-          </a:prstGeom>
-          <a:noFill/>
-          <a:extLst>
-            <a:ext uri="{909E8E84-426E-40DD-AFC4-6F175D3DCCD1}">
-              <a14:hiddenFill xmlns:a14="http://schemas.microsoft.com/office/drawing/2010/main">
-                <a:solidFill>
-                  <a:srgbClr val="FFFFFF"/>
-                </a:solidFill>
-              </a14:hiddenFill>
-            </a:ext>
-          </a:extLst>
-        </p:spPr>
-      </p:pic>
-    </p:spTree>
-    <p:extLst>
-      <p:ext uri="{BB962C8B-B14F-4D97-AF65-F5344CB8AC3E}">
-        <p14:creationId xmlns:p14="http://schemas.microsoft.com/office/powerpoint/2010/main" val="270900983"/>
-      </p:ext>
-    </p:extLst>
-  </p:cSld>
-  <p:clrMapOvr>
-    <a:masterClrMapping/>
-  </p:clrMapOvr>
-</p:sld>
-</file>
-
-<file path=ppt/slides/slide30.xml><?xml version="1.0" encoding="utf-8"?>
+<file path=ppt/slides/slide39.xml><?xml version="1.0" encoding="utf-8"?>
 <p:sld xmlns:a="http://schemas.openxmlformats.org/drawingml/2006/main" xmlns:r="http://schemas.openxmlformats.org/officeDocument/2006/relationships" xmlns:p="http://schemas.openxmlformats.org/presentationml/2006/main">
   <p:cSld>
     <p:spTree>
@@ -25071,7 +28125,7 @@
         </p:spPr>
         <p:txBody>
           <a:bodyPr vert="horz" lIns="91440" tIns="45720" rIns="91440" bIns="45720" rtlCol="0">
-            <a:normAutofit/>
+            <a:normAutofit fontScale="92500" lnSpcReduction="20000"/>
           </a:bodyPr>
           <a:lstStyle>
             <a:lvl1pPr marL="228600" indent="-228600" algn="l" defTabSz="914400" rtl="0" eaLnBrk="1" latinLnBrk="0" hangingPunct="1">
@@ -25266,9 +28320,12 @@
               <a:buFont typeface="Arial" panose="020B0604020202020204" pitchFamily="34" charset="0"/>
               <a:buNone/>
             </a:pPr>
-            <a:endParaRPr lang="en-US" sz="1600" dirty="0">
-              <a:latin typeface="Consolas" panose="020B0609020204030204" pitchFamily="49" charset="0"/>
-            </a:endParaRPr>
+            <a:r>
+              <a:rPr lang="en-US" sz="1600" dirty="0">
+                <a:latin typeface="Consolas" panose="020B0609020204030204" pitchFamily="49" charset="0"/>
+              </a:rPr>
+              <a:t>try {</a:t>
+            </a:r>
           </a:p>
           <a:p>
             <a:pPr marL="0" indent="0">
@@ -25279,7 +28336,7 @@
               <a:rPr lang="en-US" sz="1600" dirty="0">
                 <a:latin typeface="Consolas" panose="020B0609020204030204" pitchFamily="49" charset="0"/>
               </a:rPr>
-              <a:t>try {</a:t>
+              <a:t> try {</a:t>
             </a:r>
           </a:p>
           <a:p>
@@ -25327,7 +28384,7 @@
               <a:rPr lang="en-US" sz="1600" dirty="0">
                 <a:latin typeface="Consolas" panose="020B0609020204030204" pitchFamily="49" charset="0"/>
               </a:rPr>
-              <a:t>(new </a:t>
+              <a:t>(new   </a:t>
             </a:r>
             <a:r>
               <a:rPr lang="en-US" sz="1600" dirty="0" err="1">
@@ -25459,6 +28516,60 @@
               <a:rPr lang="en-US" sz="1600" dirty="0">
                 <a:latin typeface="Consolas" panose="020B0609020204030204" pitchFamily="49" charset="0"/>
               </a:rPr>
+              <a:t> } catch (</a:t>
+            </a:r>
+            <a:r>
+              <a:rPr lang="en-US" sz="1600" dirty="0" err="1">
+                <a:latin typeface="Consolas" panose="020B0609020204030204" pitchFamily="49" charset="0"/>
+              </a:rPr>
+              <a:t>IOException</a:t>
+            </a:r>
+            <a:r>
+              <a:rPr lang="en-US" sz="1600" dirty="0">
+                <a:latin typeface="Consolas" panose="020B0609020204030204" pitchFamily="49" charset="0"/>
+              </a:rPr>
+              <a:t> e) { </a:t>
+            </a:r>
+          </a:p>
+          <a:p>
+            <a:pPr marL="0" indent="0">
+              <a:buFont typeface="Arial" panose="020B0604020202020204" pitchFamily="34" charset="0"/>
+              <a:buNone/>
+            </a:pPr>
+            <a:r>
+              <a:rPr lang="en-US" sz="1600" dirty="0">
+                <a:latin typeface="Consolas" panose="020B0609020204030204" pitchFamily="49" charset="0"/>
+              </a:rPr>
+              <a:t>  </a:t>
+            </a:r>
+            <a:r>
+              <a:rPr lang="en-US" sz="1600" b="1" dirty="0">
+                <a:latin typeface="Consolas" panose="020B0609020204030204" pitchFamily="49" charset="0"/>
+              </a:rPr>
+              <a:t>throw e;</a:t>
+            </a:r>
+          </a:p>
+          <a:p>
+            <a:pPr marL="0" indent="0">
+              <a:buFont typeface="Arial" panose="020B0604020202020204" pitchFamily="34" charset="0"/>
+              <a:buNone/>
+            </a:pPr>
+            <a:r>
+              <a:rPr lang="en-US" sz="1600" dirty="0">
+                <a:latin typeface="Consolas" panose="020B0609020204030204" pitchFamily="49" charset="0"/>
+              </a:rPr>
+              <a:t> }</a:t>
+            </a:r>
+          </a:p>
+          <a:p>
+            <a:pPr marL="0" indent="0">
+              <a:buFont typeface="Arial" panose="020B0604020202020204" pitchFamily="34" charset="0"/>
+              <a:buNone/>
+            </a:pPr>
+            <a:r>
+              <a:rPr lang="en-US" sz="1600" dirty="0">
+                <a:latin typeface="Consolas" panose="020B0609020204030204" pitchFamily="49" charset="0"/>
+              </a:rPr>
               <a:t>} catch (</a:t>
             </a:r>
             <a:r>
@@ -25471,7 +28582,7 @@
               <a:rPr lang="en-US" sz="1600" dirty="0">
                 <a:latin typeface="Consolas" panose="020B0609020204030204" pitchFamily="49" charset="0"/>
               </a:rPr>
-              <a:t> e) { </a:t>
+              <a:t> e) {</a:t>
             </a:r>
           </a:p>
           <a:p>
@@ -25486,10 +28597,28 @@
               <a:t>  </a:t>
             </a:r>
             <a:r>
-              <a:rPr lang="en-US" sz="1600" b="1" dirty="0">
-                <a:latin typeface="Consolas" panose="020B0609020204030204" pitchFamily="49" charset="0"/>
-              </a:rPr>
-              <a:t>throw e;</a:t>
+              <a:rPr lang="en-US" sz="1600" dirty="0" err="1">
+                <a:latin typeface="Consolas" panose="020B0609020204030204" pitchFamily="49" charset="0"/>
+              </a:rPr>
+              <a:t>System.out.println</a:t>
+            </a:r>
+            <a:r>
+              <a:rPr lang="en-US" sz="1600" dirty="0">
+                <a:latin typeface="Consolas" panose="020B0609020204030204" pitchFamily="49" charset="0"/>
+              </a:rPr>
+              <a:t>(e); // e handled in outer try-catch </a:t>
+            </a:r>
+          </a:p>
+          <a:p>
+            <a:pPr marL="0" indent="0">
+              <a:buFont typeface="Arial" panose="020B0604020202020204" pitchFamily="34" charset="0"/>
+              <a:buNone/>
+            </a:pPr>
+            <a:r>
+              <a:rPr lang="en-US" sz="1600" dirty="0">
+                <a:latin typeface="Consolas" panose="020B0609020204030204" pitchFamily="49" charset="0"/>
+              </a:rPr>
+              <a:t>		       // block</a:t>
             </a:r>
           </a:p>
           <a:p>
@@ -25510,526 +28639,6 @@
     <p:extLst>
       <p:ext uri="{BB962C8B-B14F-4D97-AF65-F5344CB8AC3E}">
         <p14:creationId xmlns:p14="http://schemas.microsoft.com/office/powerpoint/2010/main" val="2293780844"/>
-      </p:ext>
-    </p:extLst>
-  </p:cSld>
-  <p:clrMapOvr>
-    <a:masterClrMapping/>
-  </p:clrMapOvr>
-</p:sld>
-</file>
-
-<file path=ppt/slides/slide31.xml><?xml version="1.0" encoding="utf-8"?>
-<p:sld xmlns:a="http://schemas.openxmlformats.org/drawingml/2006/main" xmlns:r="http://schemas.openxmlformats.org/officeDocument/2006/relationships" xmlns:p="http://schemas.openxmlformats.org/presentationml/2006/main">
-  <p:cSld>
-    <p:spTree>
-      <p:nvGrpSpPr>
-        <p:cNvPr id="1" name="">
-          <a:extLst>
-            <a:ext uri="{FF2B5EF4-FFF2-40B4-BE49-F238E27FC236}">
-              <a16:creationId xmlns:a16="http://schemas.microsoft.com/office/drawing/2014/main" id="{5C5FCE7E-B12A-3AC3-B1EB-619D99077B49}"/>
-            </a:ext>
-          </a:extLst>
-        </p:cNvPr>
-        <p:cNvGrpSpPr/>
-        <p:nvPr/>
-      </p:nvGrpSpPr>
-      <p:grpSpPr>
-        <a:xfrm>
-          <a:off x="0" y="0"/>
-          <a:ext cx="0" cy="0"/>
-          <a:chOff x="0" y="0"/>
-          <a:chExt cx="0" cy="0"/>
-        </a:xfrm>
-      </p:grpSpPr>
-      <p:sp>
-        <p:nvSpPr>
-          <p:cNvPr id="2" name="Content Placeholder 1">
-            <a:extLst>
-              <a:ext uri="{FF2B5EF4-FFF2-40B4-BE49-F238E27FC236}">
-                <a16:creationId xmlns:a16="http://schemas.microsoft.com/office/drawing/2014/main" id="{4A470CB0-6B2A-4D54-FACA-947353B3EBC6}"/>
-              </a:ext>
-            </a:extLst>
-          </p:cNvPr>
-          <p:cNvSpPr>
-            <a:spLocks noGrp="1"/>
-          </p:cNvSpPr>
-          <p:nvPr>
-            <p:ph idx="1"/>
-          </p:nvPr>
-        </p:nvSpPr>
-        <p:spPr>
-          <a:xfrm>
-            <a:off x="360607" y="785004"/>
-            <a:ext cx="5735393" cy="5046453"/>
-          </a:xfrm>
-        </p:spPr>
-        <p:txBody>
-          <a:bodyPr/>
-          <a:lstStyle/>
-          <a:p>
-            <a:r>
-              <a:rPr lang="en-US" dirty="0"/>
-              <a:t>Functions can throw exceptions</a:t>
-            </a:r>
-            <a:br>
-              <a:rPr lang="en-US" dirty="0"/>
-            </a:br>
-            <a:endParaRPr lang="en-US" dirty="0"/>
-          </a:p>
-          <a:p>
-            <a:r>
-              <a:rPr lang="en-US" dirty="0"/>
-              <a:t>If no one catches it, then the application terminates</a:t>
-            </a:r>
-          </a:p>
-          <a:p>
-            <a:endParaRPr lang="en-US" dirty="0"/>
-          </a:p>
-          <a:p>
-            <a:endParaRPr lang="en-US" dirty="0"/>
-          </a:p>
-        </p:txBody>
-      </p:sp>
-      <p:sp>
-        <p:nvSpPr>
-          <p:cNvPr id="3" name="Title 2">
-            <a:extLst>
-              <a:ext uri="{FF2B5EF4-FFF2-40B4-BE49-F238E27FC236}">
-                <a16:creationId xmlns:a16="http://schemas.microsoft.com/office/drawing/2014/main" id="{AE1D2DDC-9449-8439-50B0-EE61F08DC6A3}"/>
-              </a:ext>
-            </a:extLst>
-          </p:cNvPr>
-          <p:cNvSpPr>
-            <a:spLocks noGrp="1"/>
-          </p:cNvSpPr>
-          <p:nvPr>
-            <p:ph type="title"/>
-          </p:nvPr>
-        </p:nvSpPr>
-        <p:spPr/>
-        <p:txBody>
-          <a:bodyPr/>
-          <a:lstStyle/>
-          <a:p>
-            <a:r>
-              <a:rPr lang="en-US" dirty="0"/>
-              <a:t>Functions that throw exceptions</a:t>
-            </a:r>
-          </a:p>
-        </p:txBody>
-      </p:sp>
-      <p:sp>
-        <p:nvSpPr>
-          <p:cNvPr id="4" name="Subtitle 3">
-            <a:extLst>
-              <a:ext uri="{FF2B5EF4-FFF2-40B4-BE49-F238E27FC236}">
-                <a16:creationId xmlns:a16="http://schemas.microsoft.com/office/drawing/2014/main" id="{722EC8A5-CC75-6157-2D6B-C16CE64E1314}"/>
-              </a:ext>
-            </a:extLst>
-          </p:cNvPr>
-          <p:cNvSpPr>
-            <a:spLocks noGrp="1"/>
-          </p:cNvSpPr>
-          <p:nvPr>
-            <p:ph type="subTitle" idx="13"/>
-          </p:nvPr>
-        </p:nvSpPr>
-        <p:spPr/>
-        <p:txBody>
-          <a:bodyPr/>
-          <a:lstStyle/>
-          <a:p>
-            <a:endParaRPr lang="en-US"/>
-          </a:p>
-        </p:txBody>
-      </p:sp>
-      <p:sp>
-        <p:nvSpPr>
-          <p:cNvPr id="5" name="Content Placeholder 1">
-            <a:extLst>
-              <a:ext uri="{FF2B5EF4-FFF2-40B4-BE49-F238E27FC236}">
-                <a16:creationId xmlns:a16="http://schemas.microsoft.com/office/drawing/2014/main" id="{D1A0D5CE-0C24-2630-CAA5-2B1226F2E6B3}"/>
-              </a:ext>
-            </a:extLst>
-          </p:cNvPr>
-          <p:cNvSpPr txBox="1">
-            <a:spLocks/>
-          </p:cNvSpPr>
-          <p:nvPr/>
-        </p:nvSpPr>
-        <p:spPr>
-          <a:xfrm>
-            <a:off x="5826369" y="844741"/>
-            <a:ext cx="6213230" cy="5046453"/>
-          </a:xfrm>
-          <a:prstGeom prst="rect">
-            <a:avLst/>
-          </a:prstGeom>
-        </p:spPr>
-        <p:txBody>
-          <a:bodyPr vert="horz" lIns="91440" tIns="45720" rIns="91440" bIns="45720" rtlCol="0">
-            <a:normAutofit/>
-          </a:bodyPr>
-          <a:lstStyle>
-            <a:lvl1pPr marL="228600" indent="-228600" algn="l" defTabSz="914400" rtl="0" eaLnBrk="1" latinLnBrk="0" hangingPunct="1">
-              <a:lnSpc>
-                <a:spcPct val="90000"/>
-              </a:lnSpc>
-              <a:spcBef>
-                <a:spcPts val="1000"/>
-              </a:spcBef>
-              <a:buFont typeface="Arial" panose="020B0604020202020204" pitchFamily="34" charset="0"/>
-              <a:buChar char="•"/>
-              <a:defRPr sz="2800" kern="1200">
-                <a:solidFill>
-                  <a:schemeClr val="tx1"/>
-                </a:solidFill>
-                <a:latin typeface="+mn-lt"/>
-                <a:ea typeface="+mn-ea"/>
-                <a:cs typeface="Arial" panose="020B0604020202020204" pitchFamily="34" charset="0"/>
-              </a:defRPr>
-            </a:lvl1pPr>
-            <a:lvl2pPr marL="685800" indent="-228600" algn="l" defTabSz="914400" rtl="0" eaLnBrk="1" latinLnBrk="0" hangingPunct="1">
-              <a:lnSpc>
-                <a:spcPct val="90000"/>
-              </a:lnSpc>
-              <a:spcBef>
-                <a:spcPts val="500"/>
-              </a:spcBef>
-              <a:buFont typeface="Arial" panose="020B0604020202020204" pitchFamily="34" charset="0"/>
-              <a:buChar char="•"/>
-              <a:defRPr sz="2400" kern="1200">
-                <a:solidFill>
-                  <a:schemeClr val="tx1"/>
-                </a:solidFill>
-                <a:latin typeface="+mn-lt"/>
-                <a:ea typeface="+mn-ea"/>
-                <a:cs typeface="Arial" panose="020B0604020202020204" pitchFamily="34" charset="0"/>
-              </a:defRPr>
-            </a:lvl2pPr>
-            <a:lvl3pPr marL="1143000" indent="-228600" algn="l" defTabSz="914400" rtl="0" eaLnBrk="1" latinLnBrk="0" hangingPunct="1">
-              <a:lnSpc>
-                <a:spcPct val="90000"/>
-              </a:lnSpc>
-              <a:spcBef>
-                <a:spcPts val="500"/>
-              </a:spcBef>
-              <a:buFont typeface="Arial" panose="020B0604020202020204" pitchFamily="34" charset="0"/>
-              <a:buChar char="•"/>
-              <a:defRPr sz="2000" kern="1200">
-                <a:solidFill>
-                  <a:schemeClr val="tx1"/>
-                </a:solidFill>
-                <a:latin typeface="+mn-lt"/>
-                <a:ea typeface="+mn-ea"/>
-                <a:cs typeface="Arial" panose="020B0604020202020204" pitchFamily="34" charset="0"/>
-              </a:defRPr>
-            </a:lvl3pPr>
-            <a:lvl4pPr marL="1600200" indent="-228600" algn="l" defTabSz="914400" rtl="0" eaLnBrk="1" latinLnBrk="0" hangingPunct="1">
-              <a:lnSpc>
-                <a:spcPct val="90000"/>
-              </a:lnSpc>
-              <a:spcBef>
-                <a:spcPts val="500"/>
-              </a:spcBef>
-              <a:buFont typeface="Arial" panose="020B0604020202020204" pitchFamily="34" charset="0"/>
-              <a:buChar char="•"/>
-              <a:defRPr sz="1800" kern="1200">
-                <a:solidFill>
-                  <a:schemeClr val="tx1"/>
-                </a:solidFill>
-                <a:latin typeface="+mn-lt"/>
-                <a:ea typeface="+mn-ea"/>
-                <a:cs typeface="Arial" panose="020B0604020202020204" pitchFamily="34" charset="0"/>
-              </a:defRPr>
-            </a:lvl4pPr>
-            <a:lvl5pPr marL="2057400" indent="-228600" algn="l" defTabSz="914400" rtl="0" eaLnBrk="1" latinLnBrk="0" hangingPunct="1">
-              <a:lnSpc>
-                <a:spcPct val="90000"/>
-              </a:lnSpc>
-              <a:spcBef>
-                <a:spcPts val="500"/>
-              </a:spcBef>
-              <a:buFont typeface="Arial" panose="020B0604020202020204" pitchFamily="34" charset="0"/>
-              <a:buChar char="•"/>
-              <a:defRPr sz="1800" kern="1200">
-                <a:solidFill>
-                  <a:schemeClr val="tx1"/>
-                </a:solidFill>
-                <a:latin typeface="+mn-lt"/>
-                <a:ea typeface="+mn-ea"/>
-                <a:cs typeface="Arial" panose="020B0604020202020204" pitchFamily="34" charset="0"/>
-              </a:defRPr>
-            </a:lvl5pPr>
-            <a:lvl6pPr marL="2514600" indent="-228600" algn="l" defTabSz="914400" rtl="0" eaLnBrk="1" latinLnBrk="0" hangingPunct="1">
-              <a:lnSpc>
-                <a:spcPct val="90000"/>
-              </a:lnSpc>
-              <a:spcBef>
-                <a:spcPts val="500"/>
-              </a:spcBef>
-              <a:buFont typeface="Arial" panose="020B0604020202020204" pitchFamily="34" charset="0"/>
-              <a:buChar char="•"/>
-              <a:defRPr sz="1800" kern="1200">
-                <a:solidFill>
-                  <a:schemeClr val="tx1"/>
-                </a:solidFill>
-                <a:latin typeface="+mn-lt"/>
-                <a:ea typeface="+mn-ea"/>
-                <a:cs typeface="+mn-cs"/>
-              </a:defRPr>
-            </a:lvl6pPr>
-            <a:lvl7pPr marL="2971800" indent="-228600" algn="l" defTabSz="914400" rtl="0" eaLnBrk="1" latinLnBrk="0" hangingPunct="1">
-              <a:lnSpc>
-                <a:spcPct val="90000"/>
-              </a:lnSpc>
-              <a:spcBef>
-                <a:spcPts val="500"/>
-              </a:spcBef>
-              <a:buFont typeface="Arial" panose="020B0604020202020204" pitchFamily="34" charset="0"/>
-              <a:buChar char="•"/>
-              <a:defRPr sz="1800" kern="1200">
-                <a:solidFill>
-                  <a:schemeClr val="tx1"/>
-                </a:solidFill>
-                <a:latin typeface="+mn-lt"/>
-                <a:ea typeface="+mn-ea"/>
-                <a:cs typeface="+mn-cs"/>
-              </a:defRPr>
-            </a:lvl7pPr>
-            <a:lvl8pPr marL="3429000" indent="-228600" algn="l" defTabSz="914400" rtl="0" eaLnBrk="1" latinLnBrk="0" hangingPunct="1">
-              <a:lnSpc>
-                <a:spcPct val="90000"/>
-              </a:lnSpc>
-              <a:spcBef>
-                <a:spcPts val="500"/>
-              </a:spcBef>
-              <a:buFont typeface="Arial" panose="020B0604020202020204" pitchFamily="34" charset="0"/>
-              <a:buChar char="•"/>
-              <a:defRPr sz="1800" kern="1200">
-                <a:solidFill>
-                  <a:schemeClr val="tx1"/>
-                </a:solidFill>
-                <a:latin typeface="+mn-lt"/>
-                <a:ea typeface="+mn-ea"/>
-                <a:cs typeface="+mn-cs"/>
-              </a:defRPr>
-            </a:lvl8pPr>
-            <a:lvl9pPr marL="3886200" indent="-228600" algn="l" defTabSz="914400" rtl="0" eaLnBrk="1" latinLnBrk="0" hangingPunct="1">
-              <a:lnSpc>
-                <a:spcPct val="90000"/>
-              </a:lnSpc>
-              <a:spcBef>
-                <a:spcPts val="500"/>
-              </a:spcBef>
-              <a:buFont typeface="Arial" panose="020B0604020202020204" pitchFamily="34" charset="0"/>
-              <a:buChar char="•"/>
-              <a:defRPr sz="1800" kern="1200">
-                <a:solidFill>
-                  <a:schemeClr val="tx1"/>
-                </a:solidFill>
-                <a:latin typeface="+mn-lt"/>
-                <a:ea typeface="+mn-ea"/>
-                <a:cs typeface="+mn-cs"/>
-              </a:defRPr>
-            </a:lvl9pPr>
-          </a:lstStyle>
-          <a:p>
-            <a:pPr marL="0" indent="0">
-              <a:buFont typeface="Arial" panose="020B0604020202020204" pitchFamily="34" charset="0"/>
-              <a:buNone/>
-            </a:pPr>
-            <a:r>
-              <a:rPr lang="en-US" sz="1600" dirty="0">
-                <a:latin typeface="Consolas" panose="020B0609020204030204" pitchFamily="49" charset="0"/>
-              </a:rPr>
-              <a:t>public void </a:t>
-            </a:r>
-            <a:r>
-              <a:rPr lang="en-US" sz="1600" dirty="0" err="1">
-                <a:latin typeface="Consolas" panose="020B0609020204030204" pitchFamily="49" charset="0"/>
-              </a:rPr>
-              <a:t>readFile</a:t>
-            </a:r>
-            <a:r>
-              <a:rPr lang="en-US" sz="1600" dirty="0">
-                <a:latin typeface="Consolas" panose="020B0609020204030204" pitchFamily="49" charset="0"/>
-              </a:rPr>
-              <a:t>(…) </a:t>
-            </a:r>
-            <a:r>
-              <a:rPr lang="en-US" sz="1600" b="1" dirty="0">
-                <a:latin typeface="Consolas" panose="020B0609020204030204" pitchFamily="49" charset="0"/>
-              </a:rPr>
-              <a:t>throws </a:t>
-            </a:r>
-            <a:r>
-              <a:rPr lang="en-US" sz="1600" b="1" dirty="0" err="1">
-                <a:latin typeface="Consolas" panose="020B0609020204030204" pitchFamily="49" charset="0"/>
-              </a:rPr>
-              <a:t>IOException</a:t>
-            </a:r>
-            <a:r>
-              <a:rPr lang="en-US" sz="1600" b="1" dirty="0">
-                <a:latin typeface="Consolas" panose="020B0609020204030204" pitchFamily="49" charset="0"/>
-              </a:rPr>
-              <a:t> </a:t>
-            </a:r>
-            <a:r>
-              <a:rPr lang="en-US" sz="1600" dirty="0">
-                <a:latin typeface="Consolas" panose="020B0609020204030204" pitchFamily="49" charset="0"/>
-              </a:rPr>
-              <a:t>{</a:t>
-            </a:r>
-          </a:p>
-          <a:p>
-            <a:pPr marL="0" indent="0">
-              <a:buFont typeface="Arial" panose="020B0604020202020204" pitchFamily="34" charset="0"/>
-              <a:buNone/>
-            </a:pPr>
-            <a:r>
-              <a:rPr lang="en-US" sz="1600" dirty="0">
-                <a:latin typeface="Consolas" panose="020B0609020204030204" pitchFamily="49" charset="0"/>
-              </a:rPr>
-              <a:t>   … </a:t>
-            </a:r>
-          </a:p>
-          <a:p>
-            <a:pPr marL="0" indent="0">
-              <a:buFont typeface="Arial" panose="020B0604020202020204" pitchFamily="34" charset="0"/>
-              <a:buNone/>
-            </a:pPr>
-            <a:r>
-              <a:rPr lang="en-US" sz="1600" dirty="0">
-                <a:latin typeface="Consolas" panose="020B0609020204030204" pitchFamily="49" charset="0"/>
-              </a:rPr>
-              <a:t>}</a:t>
-            </a:r>
-          </a:p>
-          <a:p>
-            <a:pPr marL="0" indent="0">
-              <a:buFont typeface="Arial" panose="020B0604020202020204" pitchFamily="34" charset="0"/>
-              <a:buNone/>
-            </a:pPr>
-            <a:endParaRPr lang="en-US" sz="1600" dirty="0">
-              <a:latin typeface="Consolas" panose="020B0609020204030204" pitchFamily="49" charset="0"/>
-            </a:endParaRPr>
-          </a:p>
-          <a:p>
-            <a:pPr marL="0" indent="0">
-              <a:buFont typeface="Arial" panose="020B0604020202020204" pitchFamily="34" charset="0"/>
-              <a:buNone/>
-            </a:pPr>
-            <a:r>
-              <a:rPr lang="en-US" sz="1600" dirty="0">
-                <a:latin typeface="Consolas" panose="020B0609020204030204" pitchFamily="49" charset="0"/>
-              </a:rPr>
-              <a:t>public static void main(String[] </a:t>
-            </a:r>
-            <a:r>
-              <a:rPr lang="en-US" sz="1600" dirty="0" err="1">
-                <a:latin typeface="Consolas" panose="020B0609020204030204" pitchFamily="49" charset="0"/>
-              </a:rPr>
-              <a:t>args</a:t>
-            </a:r>
-            <a:r>
-              <a:rPr lang="en-US" sz="1600" dirty="0">
-                <a:latin typeface="Consolas" panose="020B0609020204030204" pitchFamily="49" charset="0"/>
-              </a:rPr>
-              <a:t>) {</a:t>
-            </a:r>
-          </a:p>
-          <a:p>
-            <a:pPr marL="0" indent="0">
-              <a:buFont typeface="Arial" panose="020B0604020202020204" pitchFamily="34" charset="0"/>
-              <a:buNone/>
-            </a:pPr>
-            <a:r>
-              <a:rPr lang="en-US" sz="1600" dirty="0">
-                <a:latin typeface="Consolas" panose="020B0609020204030204" pitchFamily="49" charset="0"/>
-              </a:rPr>
-              <a:t>  try {</a:t>
-            </a:r>
-          </a:p>
-          <a:p>
-            <a:pPr marL="0" indent="0">
-              <a:buFont typeface="Arial" panose="020B0604020202020204" pitchFamily="34" charset="0"/>
-              <a:buNone/>
-            </a:pPr>
-            <a:r>
-              <a:rPr lang="en-US" sz="1600" dirty="0">
-                <a:latin typeface="Consolas" panose="020B0609020204030204" pitchFamily="49" charset="0"/>
-              </a:rPr>
-              <a:t>    </a:t>
-            </a:r>
-            <a:r>
-              <a:rPr lang="en-US" sz="1600" dirty="0" err="1">
-                <a:latin typeface="Consolas" panose="020B0609020204030204" pitchFamily="49" charset="0"/>
-              </a:rPr>
-              <a:t>readFile</a:t>
-            </a:r>
-            <a:r>
-              <a:rPr lang="en-US" sz="1600" dirty="0">
-                <a:latin typeface="Consolas" panose="020B0609020204030204" pitchFamily="49" charset="0"/>
-              </a:rPr>
-              <a:t>(…);</a:t>
-            </a:r>
-          </a:p>
-          <a:p>
-            <a:pPr marL="0" indent="0">
-              <a:buFont typeface="Arial" panose="020B0604020202020204" pitchFamily="34" charset="0"/>
-              <a:buNone/>
-            </a:pPr>
-            <a:r>
-              <a:rPr lang="en-US" sz="1600" dirty="0">
-                <a:latin typeface="Consolas" panose="020B0609020204030204" pitchFamily="49" charset="0"/>
-              </a:rPr>
-              <a:t>  } catch (Exception e) {</a:t>
-            </a:r>
-          </a:p>
-          <a:p>
-            <a:pPr marL="0" indent="0">
-              <a:buFont typeface="Arial" panose="020B0604020202020204" pitchFamily="34" charset="0"/>
-              <a:buNone/>
-            </a:pPr>
-            <a:r>
-              <a:rPr lang="en-US" sz="1600" dirty="0">
-                <a:latin typeface="Consolas" panose="020B0609020204030204" pitchFamily="49" charset="0"/>
-              </a:rPr>
-              <a:t>      // handle it</a:t>
-            </a:r>
-          </a:p>
-          <a:p>
-            <a:pPr marL="0" indent="0">
-              <a:buFont typeface="Arial" panose="020B0604020202020204" pitchFamily="34" charset="0"/>
-              <a:buNone/>
-            </a:pPr>
-            <a:r>
-              <a:rPr lang="en-US" sz="1600" dirty="0">
-                <a:latin typeface="Consolas" panose="020B0609020204030204" pitchFamily="49" charset="0"/>
-              </a:rPr>
-              <a:t>  }</a:t>
-            </a:r>
-          </a:p>
-          <a:p>
-            <a:pPr marL="0" indent="0">
-              <a:buFont typeface="Arial" panose="020B0604020202020204" pitchFamily="34" charset="0"/>
-              <a:buNone/>
-            </a:pPr>
-            <a:r>
-              <a:rPr lang="en-US" sz="1600" dirty="0">
-                <a:latin typeface="Consolas" panose="020B0609020204030204" pitchFamily="49" charset="0"/>
-              </a:rPr>
-              <a:t>}</a:t>
-            </a:r>
-          </a:p>
-        </p:txBody>
-      </p:sp>
-    </p:spTree>
-    <p:extLst>
-      <p:ext uri="{BB962C8B-B14F-4D97-AF65-F5344CB8AC3E}">
-        <p14:creationId xmlns:p14="http://schemas.microsoft.com/office/powerpoint/2010/main" val="3070449154"/>
       </p:ext>
     </p:extLst>
   </p:cSld>
@@ -26465,6 +29074,526 @@
     <p:extLst>
       <p:ext uri="{BB962C8B-B14F-4D97-AF65-F5344CB8AC3E}">
         <p14:creationId xmlns:p14="http://schemas.microsoft.com/office/powerpoint/2010/main" val="2405068582"/>
+      </p:ext>
+    </p:extLst>
+  </p:cSld>
+  <p:clrMapOvr>
+    <a:masterClrMapping/>
+  </p:clrMapOvr>
+</p:sld>
+</file>
+
+<file path=ppt/slides/slide40.xml><?xml version="1.0" encoding="utf-8"?>
+<p:sld xmlns:a="http://schemas.openxmlformats.org/drawingml/2006/main" xmlns:r="http://schemas.openxmlformats.org/officeDocument/2006/relationships" xmlns:p="http://schemas.openxmlformats.org/presentationml/2006/main">
+  <p:cSld>
+    <p:spTree>
+      <p:nvGrpSpPr>
+        <p:cNvPr id="1" name="">
+          <a:extLst>
+            <a:ext uri="{FF2B5EF4-FFF2-40B4-BE49-F238E27FC236}">
+              <a16:creationId xmlns:a16="http://schemas.microsoft.com/office/drawing/2014/main" id="{5C5FCE7E-B12A-3AC3-B1EB-619D99077B49}"/>
+            </a:ext>
+          </a:extLst>
+        </p:cNvPr>
+        <p:cNvGrpSpPr/>
+        <p:nvPr/>
+      </p:nvGrpSpPr>
+      <p:grpSpPr>
+        <a:xfrm>
+          <a:off x="0" y="0"/>
+          <a:ext cx="0" cy="0"/>
+          <a:chOff x="0" y="0"/>
+          <a:chExt cx="0" cy="0"/>
+        </a:xfrm>
+      </p:grpSpPr>
+      <p:sp>
+        <p:nvSpPr>
+          <p:cNvPr id="2" name="Content Placeholder 1">
+            <a:extLst>
+              <a:ext uri="{FF2B5EF4-FFF2-40B4-BE49-F238E27FC236}">
+                <a16:creationId xmlns:a16="http://schemas.microsoft.com/office/drawing/2014/main" id="{4A470CB0-6B2A-4D54-FACA-947353B3EBC6}"/>
+              </a:ext>
+            </a:extLst>
+          </p:cNvPr>
+          <p:cNvSpPr>
+            <a:spLocks noGrp="1"/>
+          </p:cNvSpPr>
+          <p:nvPr>
+            <p:ph idx="1"/>
+          </p:nvPr>
+        </p:nvSpPr>
+        <p:spPr>
+          <a:xfrm>
+            <a:off x="360607" y="785004"/>
+            <a:ext cx="5735393" cy="5046453"/>
+          </a:xfrm>
+        </p:spPr>
+        <p:txBody>
+          <a:bodyPr/>
+          <a:lstStyle/>
+          <a:p>
+            <a:r>
+              <a:rPr lang="en-US" dirty="0"/>
+              <a:t>Functions can throw exceptions</a:t>
+            </a:r>
+            <a:br>
+              <a:rPr lang="en-US" dirty="0"/>
+            </a:br>
+            <a:endParaRPr lang="en-US" dirty="0"/>
+          </a:p>
+          <a:p>
+            <a:r>
+              <a:rPr lang="en-US" dirty="0"/>
+              <a:t>If no one catches it, then the application terminates</a:t>
+            </a:r>
+          </a:p>
+          <a:p>
+            <a:endParaRPr lang="en-US" dirty="0"/>
+          </a:p>
+          <a:p>
+            <a:endParaRPr lang="en-US" dirty="0"/>
+          </a:p>
+        </p:txBody>
+      </p:sp>
+      <p:sp>
+        <p:nvSpPr>
+          <p:cNvPr id="3" name="Title 2">
+            <a:extLst>
+              <a:ext uri="{FF2B5EF4-FFF2-40B4-BE49-F238E27FC236}">
+                <a16:creationId xmlns:a16="http://schemas.microsoft.com/office/drawing/2014/main" id="{AE1D2DDC-9449-8439-50B0-EE61F08DC6A3}"/>
+              </a:ext>
+            </a:extLst>
+          </p:cNvPr>
+          <p:cNvSpPr>
+            <a:spLocks noGrp="1"/>
+          </p:cNvSpPr>
+          <p:nvPr>
+            <p:ph type="title"/>
+          </p:nvPr>
+        </p:nvSpPr>
+        <p:spPr/>
+        <p:txBody>
+          <a:bodyPr/>
+          <a:lstStyle/>
+          <a:p>
+            <a:r>
+              <a:rPr lang="en-US" dirty="0"/>
+              <a:t>Functions that throw exceptions</a:t>
+            </a:r>
+          </a:p>
+        </p:txBody>
+      </p:sp>
+      <p:sp>
+        <p:nvSpPr>
+          <p:cNvPr id="4" name="Subtitle 3">
+            <a:extLst>
+              <a:ext uri="{FF2B5EF4-FFF2-40B4-BE49-F238E27FC236}">
+                <a16:creationId xmlns:a16="http://schemas.microsoft.com/office/drawing/2014/main" id="{722EC8A5-CC75-6157-2D6B-C16CE64E1314}"/>
+              </a:ext>
+            </a:extLst>
+          </p:cNvPr>
+          <p:cNvSpPr>
+            <a:spLocks noGrp="1"/>
+          </p:cNvSpPr>
+          <p:nvPr>
+            <p:ph type="subTitle" idx="13"/>
+          </p:nvPr>
+        </p:nvSpPr>
+        <p:spPr/>
+        <p:txBody>
+          <a:bodyPr/>
+          <a:lstStyle/>
+          <a:p>
+            <a:endParaRPr lang="en-US"/>
+          </a:p>
+        </p:txBody>
+      </p:sp>
+      <p:sp>
+        <p:nvSpPr>
+          <p:cNvPr id="5" name="Content Placeholder 1">
+            <a:extLst>
+              <a:ext uri="{FF2B5EF4-FFF2-40B4-BE49-F238E27FC236}">
+                <a16:creationId xmlns:a16="http://schemas.microsoft.com/office/drawing/2014/main" id="{D1A0D5CE-0C24-2630-CAA5-2B1226F2E6B3}"/>
+              </a:ext>
+            </a:extLst>
+          </p:cNvPr>
+          <p:cNvSpPr txBox="1">
+            <a:spLocks/>
+          </p:cNvSpPr>
+          <p:nvPr/>
+        </p:nvSpPr>
+        <p:spPr>
+          <a:xfrm>
+            <a:off x="5826369" y="844741"/>
+            <a:ext cx="6213230" cy="5046453"/>
+          </a:xfrm>
+          <a:prstGeom prst="rect">
+            <a:avLst/>
+          </a:prstGeom>
+        </p:spPr>
+        <p:txBody>
+          <a:bodyPr vert="horz" lIns="91440" tIns="45720" rIns="91440" bIns="45720" rtlCol="0">
+            <a:normAutofit/>
+          </a:bodyPr>
+          <a:lstStyle>
+            <a:lvl1pPr marL="228600" indent="-228600" algn="l" defTabSz="914400" rtl="0" eaLnBrk="1" latinLnBrk="0" hangingPunct="1">
+              <a:lnSpc>
+                <a:spcPct val="90000"/>
+              </a:lnSpc>
+              <a:spcBef>
+                <a:spcPts val="1000"/>
+              </a:spcBef>
+              <a:buFont typeface="Arial" panose="020B0604020202020204" pitchFamily="34" charset="0"/>
+              <a:buChar char="•"/>
+              <a:defRPr sz="2800" kern="1200">
+                <a:solidFill>
+                  <a:schemeClr val="tx1"/>
+                </a:solidFill>
+                <a:latin typeface="+mn-lt"/>
+                <a:ea typeface="+mn-ea"/>
+                <a:cs typeface="Arial" panose="020B0604020202020204" pitchFamily="34" charset="0"/>
+              </a:defRPr>
+            </a:lvl1pPr>
+            <a:lvl2pPr marL="685800" indent="-228600" algn="l" defTabSz="914400" rtl="0" eaLnBrk="1" latinLnBrk="0" hangingPunct="1">
+              <a:lnSpc>
+                <a:spcPct val="90000"/>
+              </a:lnSpc>
+              <a:spcBef>
+                <a:spcPts val="500"/>
+              </a:spcBef>
+              <a:buFont typeface="Arial" panose="020B0604020202020204" pitchFamily="34" charset="0"/>
+              <a:buChar char="•"/>
+              <a:defRPr sz="2400" kern="1200">
+                <a:solidFill>
+                  <a:schemeClr val="tx1"/>
+                </a:solidFill>
+                <a:latin typeface="+mn-lt"/>
+                <a:ea typeface="+mn-ea"/>
+                <a:cs typeface="Arial" panose="020B0604020202020204" pitchFamily="34" charset="0"/>
+              </a:defRPr>
+            </a:lvl2pPr>
+            <a:lvl3pPr marL="1143000" indent="-228600" algn="l" defTabSz="914400" rtl="0" eaLnBrk="1" latinLnBrk="0" hangingPunct="1">
+              <a:lnSpc>
+                <a:spcPct val="90000"/>
+              </a:lnSpc>
+              <a:spcBef>
+                <a:spcPts val="500"/>
+              </a:spcBef>
+              <a:buFont typeface="Arial" panose="020B0604020202020204" pitchFamily="34" charset="0"/>
+              <a:buChar char="•"/>
+              <a:defRPr sz="2000" kern="1200">
+                <a:solidFill>
+                  <a:schemeClr val="tx1"/>
+                </a:solidFill>
+                <a:latin typeface="+mn-lt"/>
+                <a:ea typeface="+mn-ea"/>
+                <a:cs typeface="Arial" panose="020B0604020202020204" pitchFamily="34" charset="0"/>
+              </a:defRPr>
+            </a:lvl3pPr>
+            <a:lvl4pPr marL="1600200" indent="-228600" algn="l" defTabSz="914400" rtl="0" eaLnBrk="1" latinLnBrk="0" hangingPunct="1">
+              <a:lnSpc>
+                <a:spcPct val="90000"/>
+              </a:lnSpc>
+              <a:spcBef>
+                <a:spcPts val="500"/>
+              </a:spcBef>
+              <a:buFont typeface="Arial" panose="020B0604020202020204" pitchFamily="34" charset="0"/>
+              <a:buChar char="•"/>
+              <a:defRPr sz="1800" kern="1200">
+                <a:solidFill>
+                  <a:schemeClr val="tx1"/>
+                </a:solidFill>
+                <a:latin typeface="+mn-lt"/>
+                <a:ea typeface="+mn-ea"/>
+                <a:cs typeface="Arial" panose="020B0604020202020204" pitchFamily="34" charset="0"/>
+              </a:defRPr>
+            </a:lvl4pPr>
+            <a:lvl5pPr marL="2057400" indent="-228600" algn="l" defTabSz="914400" rtl="0" eaLnBrk="1" latinLnBrk="0" hangingPunct="1">
+              <a:lnSpc>
+                <a:spcPct val="90000"/>
+              </a:lnSpc>
+              <a:spcBef>
+                <a:spcPts val="500"/>
+              </a:spcBef>
+              <a:buFont typeface="Arial" panose="020B0604020202020204" pitchFamily="34" charset="0"/>
+              <a:buChar char="•"/>
+              <a:defRPr sz="1800" kern="1200">
+                <a:solidFill>
+                  <a:schemeClr val="tx1"/>
+                </a:solidFill>
+                <a:latin typeface="+mn-lt"/>
+                <a:ea typeface="+mn-ea"/>
+                <a:cs typeface="Arial" panose="020B0604020202020204" pitchFamily="34" charset="0"/>
+              </a:defRPr>
+            </a:lvl5pPr>
+            <a:lvl6pPr marL="2514600" indent="-228600" algn="l" defTabSz="914400" rtl="0" eaLnBrk="1" latinLnBrk="0" hangingPunct="1">
+              <a:lnSpc>
+                <a:spcPct val="90000"/>
+              </a:lnSpc>
+              <a:spcBef>
+                <a:spcPts val="500"/>
+              </a:spcBef>
+              <a:buFont typeface="Arial" panose="020B0604020202020204" pitchFamily="34" charset="0"/>
+              <a:buChar char="•"/>
+              <a:defRPr sz="1800" kern="1200">
+                <a:solidFill>
+                  <a:schemeClr val="tx1"/>
+                </a:solidFill>
+                <a:latin typeface="+mn-lt"/>
+                <a:ea typeface="+mn-ea"/>
+                <a:cs typeface="+mn-cs"/>
+              </a:defRPr>
+            </a:lvl6pPr>
+            <a:lvl7pPr marL="2971800" indent="-228600" algn="l" defTabSz="914400" rtl="0" eaLnBrk="1" latinLnBrk="0" hangingPunct="1">
+              <a:lnSpc>
+                <a:spcPct val="90000"/>
+              </a:lnSpc>
+              <a:spcBef>
+                <a:spcPts val="500"/>
+              </a:spcBef>
+              <a:buFont typeface="Arial" panose="020B0604020202020204" pitchFamily="34" charset="0"/>
+              <a:buChar char="•"/>
+              <a:defRPr sz="1800" kern="1200">
+                <a:solidFill>
+                  <a:schemeClr val="tx1"/>
+                </a:solidFill>
+                <a:latin typeface="+mn-lt"/>
+                <a:ea typeface="+mn-ea"/>
+                <a:cs typeface="+mn-cs"/>
+              </a:defRPr>
+            </a:lvl7pPr>
+            <a:lvl8pPr marL="3429000" indent="-228600" algn="l" defTabSz="914400" rtl="0" eaLnBrk="1" latinLnBrk="0" hangingPunct="1">
+              <a:lnSpc>
+                <a:spcPct val="90000"/>
+              </a:lnSpc>
+              <a:spcBef>
+                <a:spcPts val="500"/>
+              </a:spcBef>
+              <a:buFont typeface="Arial" panose="020B0604020202020204" pitchFamily="34" charset="0"/>
+              <a:buChar char="•"/>
+              <a:defRPr sz="1800" kern="1200">
+                <a:solidFill>
+                  <a:schemeClr val="tx1"/>
+                </a:solidFill>
+                <a:latin typeface="+mn-lt"/>
+                <a:ea typeface="+mn-ea"/>
+                <a:cs typeface="+mn-cs"/>
+              </a:defRPr>
+            </a:lvl8pPr>
+            <a:lvl9pPr marL="3886200" indent="-228600" algn="l" defTabSz="914400" rtl="0" eaLnBrk="1" latinLnBrk="0" hangingPunct="1">
+              <a:lnSpc>
+                <a:spcPct val="90000"/>
+              </a:lnSpc>
+              <a:spcBef>
+                <a:spcPts val="500"/>
+              </a:spcBef>
+              <a:buFont typeface="Arial" panose="020B0604020202020204" pitchFamily="34" charset="0"/>
+              <a:buChar char="•"/>
+              <a:defRPr sz="1800" kern="1200">
+                <a:solidFill>
+                  <a:schemeClr val="tx1"/>
+                </a:solidFill>
+                <a:latin typeface="+mn-lt"/>
+                <a:ea typeface="+mn-ea"/>
+                <a:cs typeface="+mn-cs"/>
+              </a:defRPr>
+            </a:lvl9pPr>
+          </a:lstStyle>
+          <a:p>
+            <a:pPr marL="0" indent="0">
+              <a:buFont typeface="Arial" panose="020B0604020202020204" pitchFamily="34" charset="0"/>
+              <a:buNone/>
+            </a:pPr>
+            <a:r>
+              <a:rPr lang="en-US" sz="1600" dirty="0">
+                <a:latin typeface="Consolas" panose="020B0609020204030204" pitchFamily="49" charset="0"/>
+              </a:rPr>
+              <a:t>public void </a:t>
+            </a:r>
+            <a:r>
+              <a:rPr lang="en-US" sz="1600" dirty="0" err="1">
+                <a:latin typeface="Consolas" panose="020B0609020204030204" pitchFamily="49" charset="0"/>
+              </a:rPr>
+              <a:t>readFile</a:t>
+            </a:r>
+            <a:r>
+              <a:rPr lang="en-US" sz="1600" dirty="0">
+                <a:latin typeface="Consolas" panose="020B0609020204030204" pitchFamily="49" charset="0"/>
+              </a:rPr>
+              <a:t>(…) </a:t>
+            </a:r>
+            <a:r>
+              <a:rPr lang="en-US" sz="1600" b="1" dirty="0">
+                <a:latin typeface="Consolas" panose="020B0609020204030204" pitchFamily="49" charset="0"/>
+              </a:rPr>
+              <a:t>throws </a:t>
+            </a:r>
+            <a:r>
+              <a:rPr lang="en-US" sz="1600" b="1" dirty="0" err="1">
+                <a:latin typeface="Consolas" panose="020B0609020204030204" pitchFamily="49" charset="0"/>
+              </a:rPr>
+              <a:t>IOException</a:t>
+            </a:r>
+            <a:r>
+              <a:rPr lang="en-US" sz="1600" b="1" dirty="0">
+                <a:latin typeface="Consolas" panose="020B0609020204030204" pitchFamily="49" charset="0"/>
+              </a:rPr>
+              <a:t> </a:t>
+            </a:r>
+            <a:r>
+              <a:rPr lang="en-US" sz="1600" dirty="0">
+                <a:latin typeface="Consolas" panose="020B0609020204030204" pitchFamily="49" charset="0"/>
+              </a:rPr>
+              <a:t>{</a:t>
+            </a:r>
+          </a:p>
+          <a:p>
+            <a:pPr marL="0" indent="0">
+              <a:buFont typeface="Arial" panose="020B0604020202020204" pitchFamily="34" charset="0"/>
+              <a:buNone/>
+            </a:pPr>
+            <a:r>
+              <a:rPr lang="en-US" sz="1600" dirty="0">
+                <a:latin typeface="Consolas" panose="020B0609020204030204" pitchFamily="49" charset="0"/>
+              </a:rPr>
+              <a:t>   … </a:t>
+            </a:r>
+          </a:p>
+          <a:p>
+            <a:pPr marL="0" indent="0">
+              <a:buFont typeface="Arial" panose="020B0604020202020204" pitchFamily="34" charset="0"/>
+              <a:buNone/>
+            </a:pPr>
+            <a:r>
+              <a:rPr lang="en-US" sz="1600" dirty="0">
+                <a:latin typeface="Consolas" panose="020B0609020204030204" pitchFamily="49" charset="0"/>
+              </a:rPr>
+              <a:t>}</a:t>
+            </a:r>
+          </a:p>
+          <a:p>
+            <a:pPr marL="0" indent="0">
+              <a:buFont typeface="Arial" panose="020B0604020202020204" pitchFamily="34" charset="0"/>
+              <a:buNone/>
+            </a:pPr>
+            <a:endParaRPr lang="en-US" sz="1600" dirty="0">
+              <a:latin typeface="Consolas" panose="020B0609020204030204" pitchFamily="49" charset="0"/>
+            </a:endParaRPr>
+          </a:p>
+          <a:p>
+            <a:pPr marL="0" indent="0">
+              <a:buFont typeface="Arial" panose="020B0604020202020204" pitchFamily="34" charset="0"/>
+              <a:buNone/>
+            </a:pPr>
+            <a:r>
+              <a:rPr lang="en-US" sz="1600" dirty="0">
+                <a:latin typeface="Consolas" panose="020B0609020204030204" pitchFamily="49" charset="0"/>
+              </a:rPr>
+              <a:t>public static void main(String[] </a:t>
+            </a:r>
+            <a:r>
+              <a:rPr lang="en-US" sz="1600" dirty="0" err="1">
+                <a:latin typeface="Consolas" panose="020B0609020204030204" pitchFamily="49" charset="0"/>
+              </a:rPr>
+              <a:t>args</a:t>
+            </a:r>
+            <a:r>
+              <a:rPr lang="en-US" sz="1600" dirty="0">
+                <a:latin typeface="Consolas" panose="020B0609020204030204" pitchFamily="49" charset="0"/>
+              </a:rPr>
+              <a:t>) {</a:t>
+            </a:r>
+          </a:p>
+          <a:p>
+            <a:pPr marL="0" indent="0">
+              <a:buFont typeface="Arial" panose="020B0604020202020204" pitchFamily="34" charset="0"/>
+              <a:buNone/>
+            </a:pPr>
+            <a:r>
+              <a:rPr lang="en-US" sz="1600" dirty="0">
+                <a:latin typeface="Consolas" panose="020B0609020204030204" pitchFamily="49" charset="0"/>
+              </a:rPr>
+              <a:t>  try {</a:t>
+            </a:r>
+          </a:p>
+          <a:p>
+            <a:pPr marL="0" indent="0">
+              <a:buFont typeface="Arial" panose="020B0604020202020204" pitchFamily="34" charset="0"/>
+              <a:buNone/>
+            </a:pPr>
+            <a:r>
+              <a:rPr lang="en-US" sz="1600" dirty="0">
+                <a:latin typeface="Consolas" panose="020B0609020204030204" pitchFamily="49" charset="0"/>
+              </a:rPr>
+              <a:t>    </a:t>
+            </a:r>
+            <a:r>
+              <a:rPr lang="en-US" sz="1600" dirty="0" err="1">
+                <a:latin typeface="Consolas" panose="020B0609020204030204" pitchFamily="49" charset="0"/>
+              </a:rPr>
+              <a:t>readFile</a:t>
+            </a:r>
+            <a:r>
+              <a:rPr lang="en-US" sz="1600" dirty="0">
+                <a:latin typeface="Consolas" panose="020B0609020204030204" pitchFamily="49" charset="0"/>
+              </a:rPr>
+              <a:t>(…);</a:t>
+            </a:r>
+          </a:p>
+          <a:p>
+            <a:pPr marL="0" indent="0">
+              <a:buFont typeface="Arial" panose="020B0604020202020204" pitchFamily="34" charset="0"/>
+              <a:buNone/>
+            </a:pPr>
+            <a:r>
+              <a:rPr lang="en-US" sz="1600" dirty="0">
+                <a:latin typeface="Consolas" panose="020B0609020204030204" pitchFamily="49" charset="0"/>
+              </a:rPr>
+              <a:t>  } catch (Exception e) {</a:t>
+            </a:r>
+          </a:p>
+          <a:p>
+            <a:pPr marL="0" indent="0">
+              <a:buFont typeface="Arial" panose="020B0604020202020204" pitchFamily="34" charset="0"/>
+              <a:buNone/>
+            </a:pPr>
+            <a:r>
+              <a:rPr lang="en-US" sz="1600" dirty="0">
+                <a:latin typeface="Consolas" panose="020B0609020204030204" pitchFamily="49" charset="0"/>
+              </a:rPr>
+              <a:t>      // handle it</a:t>
+            </a:r>
+          </a:p>
+          <a:p>
+            <a:pPr marL="0" indent="0">
+              <a:buFont typeface="Arial" panose="020B0604020202020204" pitchFamily="34" charset="0"/>
+              <a:buNone/>
+            </a:pPr>
+            <a:r>
+              <a:rPr lang="en-US" sz="1600" dirty="0">
+                <a:latin typeface="Consolas" panose="020B0609020204030204" pitchFamily="49" charset="0"/>
+              </a:rPr>
+              <a:t>  }</a:t>
+            </a:r>
+          </a:p>
+          <a:p>
+            <a:pPr marL="0" indent="0">
+              <a:buFont typeface="Arial" panose="020B0604020202020204" pitchFamily="34" charset="0"/>
+              <a:buNone/>
+            </a:pPr>
+            <a:r>
+              <a:rPr lang="en-US" sz="1600" dirty="0">
+                <a:latin typeface="Consolas" panose="020B0609020204030204" pitchFamily="49" charset="0"/>
+              </a:rPr>
+              <a:t>}</a:t>
+            </a:r>
+          </a:p>
+        </p:txBody>
+      </p:sp>
+    </p:spTree>
+    <p:extLst>
+      <p:ext uri="{BB962C8B-B14F-4D97-AF65-F5344CB8AC3E}">
+        <p14:creationId xmlns:p14="http://schemas.microsoft.com/office/powerpoint/2010/main" val="3070449154"/>
       </p:ext>
     </p:extLst>
   </p:cSld>

--- a/slides/3_object_oriented_fundamentals.pptx
+++ b/slides/3_object_oriented_fundamentals.pptx
@@ -6,10 +6,10 @@
     <p:sldMasterId id="2147483697" r:id="rId2"/>
   </p:sldMasterIdLst>
   <p:notesMasterIdLst>
-    <p:notesMasterId r:id="rId43"/>
+    <p:notesMasterId r:id="rId57"/>
   </p:notesMasterIdLst>
   <p:handoutMasterIdLst>
-    <p:handoutMasterId r:id="rId44"/>
+    <p:handoutMasterId r:id="rId58"/>
   </p:handoutMasterIdLst>
   <p:sldIdLst>
     <p:sldId id="256" r:id="rId3"/>
@@ -52,6 +52,20 @@
     <p:sldId id="294" r:id="rId40"/>
     <p:sldId id="296" r:id="rId41"/>
     <p:sldId id="297" r:id="rId42"/>
+    <p:sldId id="310" r:id="rId43"/>
+    <p:sldId id="314" r:id="rId44"/>
+    <p:sldId id="311" r:id="rId45"/>
+    <p:sldId id="312" r:id="rId46"/>
+    <p:sldId id="313" r:id="rId47"/>
+    <p:sldId id="315" r:id="rId48"/>
+    <p:sldId id="316" r:id="rId49"/>
+    <p:sldId id="317" r:id="rId50"/>
+    <p:sldId id="318" r:id="rId51"/>
+    <p:sldId id="321" r:id="rId52"/>
+    <p:sldId id="320" r:id="rId53"/>
+    <p:sldId id="319" r:id="rId54"/>
+    <p:sldId id="322" r:id="rId55"/>
+    <p:sldId id="323" r:id="rId56"/>
   </p:sldIdLst>
   <p:sldSz cx="12192000" cy="6858000"/>
   <p:notesSz cx="6858000" cy="9144000"/>
@@ -301,7 +315,7 @@
           <a:p>
             <a:fld id="{E1249EDF-C441-401E-BE19-3A9BC3A020D4}" type="datetimeFigureOut">
               <a:rPr lang="en-US" smtClean="0"/>
-              <a:t>1/13/2025</a:t>
+              <a:t>1/15/2025</a:t>
             </a:fld>
             <a:endParaRPr lang="en-US"/>
           </a:p>
@@ -479,7 +493,7 @@
           <a:p>
             <a:fld id="{EC53C71B-473E-4814-B444-77926C773EE5}" type="datetimeFigureOut">
               <a:rPr lang="en-US" smtClean="0"/>
-              <a:t>1/13/2025</a:t>
+              <a:t>1/15/2025</a:t>
             </a:fld>
             <a:endParaRPr lang="en-US"/>
           </a:p>
@@ -930,6 +944,213 @@
 </p:notes>
 </file>
 
+<file path=ppt/notesSlides/notesSlide12.xml><?xml version="1.0" encoding="utf-8"?>
+<p:notes xmlns:a="http://schemas.openxmlformats.org/drawingml/2006/main" xmlns:r="http://schemas.openxmlformats.org/officeDocument/2006/relationships" xmlns:p="http://schemas.openxmlformats.org/presentationml/2006/main">
+  <p:cSld>
+    <p:spTree>
+      <p:nvGrpSpPr>
+        <p:cNvPr id="1" name=""/>
+        <p:cNvGrpSpPr/>
+        <p:nvPr/>
+      </p:nvGrpSpPr>
+      <p:grpSpPr>
+        <a:xfrm>
+          <a:off x="0" y="0"/>
+          <a:ext cx="0" cy="0"/>
+          <a:chOff x="0" y="0"/>
+          <a:chExt cx="0" cy="0"/>
+        </a:xfrm>
+      </p:grpSpPr>
+      <p:sp>
+        <p:nvSpPr>
+          <p:cNvPr id="2" name="Slide Image Placeholder 1"/>
+          <p:cNvSpPr>
+            <a:spLocks noGrp="1" noRot="1" noChangeAspect="1"/>
+          </p:cNvSpPr>
+          <p:nvPr>
+            <p:ph type="sldImg"/>
+          </p:nvPr>
+        </p:nvSpPr>
+        <p:spPr/>
+      </p:sp>
+      <p:sp>
+        <p:nvSpPr>
+          <p:cNvPr id="3" name="Notes Placeholder 2"/>
+          <p:cNvSpPr>
+            <a:spLocks noGrp="1"/>
+          </p:cNvSpPr>
+          <p:nvPr>
+            <p:ph type="body" idx="1"/>
+          </p:nvPr>
+        </p:nvSpPr>
+        <p:spPr/>
+        <p:txBody>
+          <a:bodyPr/>
+          <a:lstStyle/>
+          <a:p>
+            <a:endParaRPr lang="en-US" dirty="0"/>
+          </a:p>
+        </p:txBody>
+      </p:sp>
+    </p:spTree>
+    <p:extLst>
+      <p:ext uri="{BB962C8B-B14F-4D97-AF65-F5344CB8AC3E}">
+        <p14:creationId xmlns:p14="http://schemas.microsoft.com/office/powerpoint/2010/main" val="3198060135"/>
+      </p:ext>
+    </p:extLst>
+  </p:cSld>
+  <p:clrMapOvr>
+    <a:masterClrMapping/>
+  </p:clrMapOvr>
+</p:notes>
+</file>
+
+<file path=ppt/notesSlides/notesSlide13.xml><?xml version="1.0" encoding="utf-8"?>
+<p:notes xmlns:a="http://schemas.openxmlformats.org/drawingml/2006/main" xmlns:r="http://schemas.openxmlformats.org/officeDocument/2006/relationships" xmlns:p="http://schemas.openxmlformats.org/presentationml/2006/main">
+  <p:cSld>
+    <p:spTree>
+      <p:nvGrpSpPr>
+        <p:cNvPr id="1" name=""/>
+        <p:cNvGrpSpPr/>
+        <p:nvPr/>
+      </p:nvGrpSpPr>
+      <p:grpSpPr>
+        <a:xfrm>
+          <a:off x="0" y="0"/>
+          <a:ext cx="0" cy="0"/>
+          <a:chOff x="0" y="0"/>
+          <a:chExt cx="0" cy="0"/>
+        </a:xfrm>
+      </p:grpSpPr>
+      <p:sp>
+        <p:nvSpPr>
+          <p:cNvPr id="2" name="Slide Image Placeholder 1"/>
+          <p:cNvSpPr>
+            <a:spLocks noGrp="1" noRot="1" noChangeAspect="1"/>
+          </p:cNvSpPr>
+          <p:nvPr>
+            <p:ph type="sldImg"/>
+          </p:nvPr>
+        </p:nvSpPr>
+        <p:spPr/>
+      </p:sp>
+      <p:sp>
+        <p:nvSpPr>
+          <p:cNvPr id="3" name="Notes Placeholder 2"/>
+          <p:cNvSpPr>
+            <a:spLocks noGrp="1"/>
+          </p:cNvSpPr>
+          <p:nvPr>
+            <p:ph type="body" idx="1"/>
+          </p:nvPr>
+        </p:nvSpPr>
+        <p:spPr/>
+        <p:txBody>
+          <a:bodyPr/>
+          <a:lstStyle/>
+          <a:p>
+            <a:r>
+              <a:rPr lang="en-US" dirty="0"/>
+              <a:t>java –cp . Test</a:t>
+            </a:r>
+          </a:p>
+        </p:txBody>
+      </p:sp>
+    </p:spTree>
+    <p:extLst>
+      <p:ext uri="{BB962C8B-B14F-4D97-AF65-F5344CB8AC3E}">
+        <p14:creationId xmlns:p14="http://schemas.microsoft.com/office/powerpoint/2010/main" val="317435143"/>
+      </p:ext>
+    </p:extLst>
+  </p:cSld>
+  <p:clrMapOvr>
+    <a:masterClrMapping/>
+  </p:clrMapOvr>
+</p:notes>
+</file>
+
+<file path=ppt/notesSlides/notesSlide14.xml><?xml version="1.0" encoding="utf-8"?>
+<p:notes xmlns:a="http://schemas.openxmlformats.org/drawingml/2006/main" xmlns:r="http://schemas.openxmlformats.org/officeDocument/2006/relationships" xmlns:p="http://schemas.openxmlformats.org/presentationml/2006/main">
+  <p:cSld>
+    <p:spTree>
+      <p:nvGrpSpPr>
+        <p:cNvPr id="1" name="">
+          <a:extLst>
+            <a:ext uri="{FF2B5EF4-FFF2-40B4-BE49-F238E27FC236}">
+              <a16:creationId xmlns:a16="http://schemas.microsoft.com/office/drawing/2014/main" id="{27149856-AA7B-9868-C105-ADA5C0A5E85B}"/>
+            </a:ext>
+          </a:extLst>
+        </p:cNvPr>
+        <p:cNvGrpSpPr/>
+        <p:nvPr/>
+      </p:nvGrpSpPr>
+      <p:grpSpPr>
+        <a:xfrm>
+          <a:off x="0" y="0"/>
+          <a:ext cx="0" cy="0"/>
+          <a:chOff x="0" y="0"/>
+          <a:chExt cx="0" cy="0"/>
+        </a:xfrm>
+      </p:grpSpPr>
+      <p:sp>
+        <p:nvSpPr>
+          <p:cNvPr id="2" name="Slide Image Placeholder 1">
+            <a:extLst>
+              <a:ext uri="{FF2B5EF4-FFF2-40B4-BE49-F238E27FC236}">
+                <a16:creationId xmlns:a16="http://schemas.microsoft.com/office/drawing/2014/main" id="{7B14B898-52B7-30B0-0CA9-30AD941BCF35}"/>
+              </a:ext>
+            </a:extLst>
+          </p:cNvPr>
+          <p:cNvSpPr>
+            <a:spLocks noGrp="1" noRot="1" noChangeAspect="1"/>
+          </p:cNvSpPr>
+          <p:nvPr>
+            <p:ph type="sldImg"/>
+          </p:nvPr>
+        </p:nvSpPr>
+        <p:spPr/>
+      </p:sp>
+      <p:sp>
+        <p:nvSpPr>
+          <p:cNvPr id="3" name="Notes Placeholder 2">
+            <a:extLst>
+              <a:ext uri="{FF2B5EF4-FFF2-40B4-BE49-F238E27FC236}">
+                <a16:creationId xmlns:a16="http://schemas.microsoft.com/office/drawing/2014/main" id="{DC7D0ADE-1FEE-9683-2922-EBC839163985}"/>
+              </a:ext>
+            </a:extLst>
+          </p:cNvPr>
+          <p:cNvSpPr>
+            <a:spLocks noGrp="1"/>
+          </p:cNvSpPr>
+          <p:nvPr>
+            <p:ph type="body" idx="1"/>
+          </p:nvPr>
+        </p:nvSpPr>
+        <p:spPr/>
+        <p:txBody>
+          <a:bodyPr/>
+          <a:lstStyle/>
+          <a:p>
+            <a:r>
+              <a:rPr lang="en-US" dirty="0"/>
+              <a:t>java –cp . Test</a:t>
+            </a:r>
+          </a:p>
+        </p:txBody>
+      </p:sp>
+    </p:spTree>
+    <p:extLst>
+      <p:ext uri="{BB962C8B-B14F-4D97-AF65-F5344CB8AC3E}">
+        <p14:creationId xmlns:p14="http://schemas.microsoft.com/office/powerpoint/2010/main" val="1651487637"/>
+      </p:ext>
+    </p:extLst>
+  </p:cSld>
+  <p:clrMapOvr>
+    <a:masterClrMapping/>
+  </p:clrMapOvr>
+</p:notes>
+</file>
+
 <file path=ppt/notesSlides/notesSlide2.xml><?xml version="1.0" encoding="utf-8"?>
 <p:notes xmlns:a="http://schemas.openxmlformats.org/drawingml/2006/main" xmlns:r="http://schemas.openxmlformats.org/officeDocument/2006/relationships" xmlns:p="http://schemas.openxmlformats.org/presentationml/2006/main">
   <p:cSld>
@@ -1529,7 +1750,7 @@
               <a:pPr>
                 <a:defRPr/>
               </a:pPr>
-              <a:t>Monday, January 13, 2025</a:t>
+              <a:t>Wednesday, January 15, 2025</a:t>
             </a:fld>
             <a:endParaRPr lang="en-US" dirty="0"/>
           </a:p>
@@ -1785,7 +2006,7 @@
               <a:pPr>
                 <a:defRPr/>
               </a:pPr>
-              <a:t>Monday, January 13, 2025</a:t>
+              <a:t>Wednesday, January 15, 2025</a:t>
             </a:fld>
             <a:endParaRPr lang="en-US" dirty="0"/>
           </a:p>
@@ -2740,7 +2961,7 @@
               <a:pPr>
                 <a:defRPr/>
               </a:pPr>
-              <a:t>Monday, January 13, 2025</a:t>
+              <a:t>Wednesday, January 15, 2025</a:t>
             </a:fld>
             <a:endParaRPr lang="en-US" dirty="0"/>
           </a:p>
@@ -3101,7 +3322,7 @@
               <a:pPr>
                 <a:defRPr/>
               </a:pPr>
-              <a:t>Monday, January 13, 2025</a:t>
+              <a:t>Wednesday, January 15, 2025</a:t>
             </a:fld>
             <a:endParaRPr lang="en-US" dirty="0"/>
           </a:p>
@@ -3370,7 +3591,7 @@
               <a:pPr>
                 <a:defRPr/>
               </a:pPr>
-              <a:t>Monday, January 13, 2025</a:t>
+              <a:t>Wednesday, January 15, 2025</a:t>
             </a:fld>
             <a:endParaRPr lang="en-US" dirty="0"/>
           </a:p>
@@ -3639,7 +3860,7 @@
               <a:pPr>
                 <a:defRPr/>
               </a:pPr>
-              <a:t>Monday, January 13, 2025</a:t>
+              <a:t>Wednesday, January 15, 2025</a:t>
             </a:fld>
             <a:endParaRPr lang="en-US" dirty="0"/>
           </a:p>
@@ -3883,7 +4104,7 @@
               <a:pPr>
                 <a:defRPr/>
               </a:pPr>
-              <a:t>Monday, January 13, 2025</a:t>
+              <a:t>Wednesday, January 15, 2025</a:t>
             </a:fld>
             <a:endParaRPr lang="en-US" dirty="0"/>
           </a:p>
@@ -4231,7 +4452,7 @@
               <a:pPr>
                 <a:defRPr/>
               </a:pPr>
-              <a:t>Monday, January 13, 2025</a:t>
+              <a:t>Wednesday, January 15, 2025</a:t>
             </a:fld>
             <a:endParaRPr lang="en-US" dirty="0"/>
           </a:p>
@@ -4501,7 +4722,7 @@
               <a:pPr>
                 <a:defRPr/>
               </a:pPr>
-              <a:t>Monday, January 13, 2025</a:t>
+              <a:t>Wednesday, January 15, 2025</a:t>
             </a:fld>
             <a:endParaRPr lang="en-US" dirty="0"/>
           </a:p>
@@ -4771,7 +4992,7 @@
               <a:pPr>
                 <a:defRPr/>
               </a:pPr>
-              <a:t>Monday, January 13, 2025</a:t>
+              <a:t>Wednesday, January 15, 2025</a:t>
             </a:fld>
             <a:endParaRPr lang="en-US" dirty="0"/>
           </a:p>
@@ -5016,7 +5237,7 @@
               <a:pPr>
                 <a:defRPr/>
               </a:pPr>
-              <a:t>Monday, January 13, 2025</a:t>
+              <a:t>Wednesday, January 15, 2025</a:t>
             </a:fld>
             <a:endParaRPr lang="en-US" dirty="0"/>
           </a:p>
@@ -5414,7 +5635,7 @@
               <a:pPr>
                 <a:defRPr/>
               </a:pPr>
-              <a:t>Monday, January 13, 2025</a:t>
+              <a:t>Wednesday, January 15, 2025</a:t>
             </a:fld>
             <a:endParaRPr lang="en-US" dirty="0"/>
           </a:p>
@@ -6468,7 +6689,7 @@
               <a:pPr>
                 <a:defRPr/>
               </a:pPr>
-              <a:t>Monday, January 13, 2025</a:t>
+              <a:t>Wednesday, January 15, 2025</a:t>
             </a:fld>
             <a:endParaRPr lang="en-US" dirty="0"/>
           </a:p>
@@ -7288,7 +7509,7 @@
               <a:pPr>
                 <a:defRPr/>
               </a:pPr>
-              <a:t>Monday, January 13, 2025</a:t>
+              <a:t>Wednesday, January 15, 2025</a:t>
             </a:fld>
             <a:endParaRPr lang="en-US" dirty="0"/>
           </a:p>
@@ -29603,6 +29824,3488 @@
 </p:sld>
 </file>
 
+<file path=ppt/slides/slide41.xml><?xml version="1.0" encoding="utf-8"?>
+<p:sld xmlns:a="http://schemas.openxmlformats.org/drawingml/2006/main" xmlns:r="http://schemas.openxmlformats.org/officeDocument/2006/relationships" xmlns:p="http://schemas.openxmlformats.org/presentationml/2006/main">
+  <p:cSld>
+    <p:spTree>
+      <p:nvGrpSpPr>
+        <p:cNvPr id="1" name=""/>
+        <p:cNvGrpSpPr/>
+        <p:nvPr/>
+      </p:nvGrpSpPr>
+      <p:grpSpPr>
+        <a:xfrm>
+          <a:off x="0" y="0"/>
+          <a:ext cx="0" cy="0"/>
+          <a:chOff x="0" y="0"/>
+          <a:chExt cx="0" cy="0"/>
+        </a:xfrm>
+      </p:grpSpPr>
+      <p:sp>
+        <p:nvSpPr>
+          <p:cNvPr id="5" name="Content Placeholder 4">
+            <a:extLst>
+              <a:ext uri="{FF2B5EF4-FFF2-40B4-BE49-F238E27FC236}">
+                <a16:creationId xmlns:a16="http://schemas.microsoft.com/office/drawing/2014/main" id="{8A5E6A1E-22E7-274A-31FA-363BC0FFA21D}"/>
+              </a:ext>
+            </a:extLst>
+          </p:cNvPr>
+          <p:cNvSpPr>
+            <a:spLocks noGrp="1"/>
+          </p:cNvSpPr>
+          <p:nvPr>
+            <p:ph idx="1"/>
+          </p:nvPr>
+        </p:nvSpPr>
+        <p:spPr/>
+        <p:txBody>
+          <a:bodyPr/>
+          <a:lstStyle/>
+          <a:p>
+            <a:r>
+              <a:rPr lang="en-US" dirty="0"/>
+              <a:t>Tapti Palit</a:t>
+            </a:r>
+          </a:p>
+        </p:txBody>
+      </p:sp>
+      <p:sp>
+        <p:nvSpPr>
+          <p:cNvPr id="6" name="Text Placeholder 5">
+            <a:extLst>
+              <a:ext uri="{FF2B5EF4-FFF2-40B4-BE49-F238E27FC236}">
+                <a16:creationId xmlns:a16="http://schemas.microsoft.com/office/drawing/2014/main" id="{3A9B912A-BB92-DBEC-8446-EA5306275E9E}"/>
+              </a:ext>
+            </a:extLst>
+          </p:cNvPr>
+          <p:cNvSpPr>
+            <a:spLocks noGrp="1"/>
+          </p:cNvSpPr>
+          <p:nvPr>
+            <p:ph type="body" sz="quarter" idx="13"/>
+          </p:nvPr>
+        </p:nvSpPr>
+        <p:spPr/>
+        <p:txBody>
+          <a:bodyPr/>
+          <a:lstStyle/>
+          <a:p>
+            <a:r>
+              <a:rPr lang="en-US" dirty="0"/>
+              <a:t>OO Fundamentals in Java (</a:t>
+            </a:r>
+            <a:r>
+              <a:rPr lang="en-US" dirty="0" err="1"/>
+              <a:t>contd</a:t>
+            </a:r>
+            <a:r>
+              <a:rPr lang="en-US" dirty="0"/>
+              <a:t>)</a:t>
+            </a:r>
+          </a:p>
+        </p:txBody>
+      </p:sp>
+    </p:spTree>
+    <p:extLst>
+      <p:ext uri="{BB962C8B-B14F-4D97-AF65-F5344CB8AC3E}">
+        <p14:creationId xmlns:p14="http://schemas.microsoft.com/office/powerpoint/2010/main" val="3216546697"/>
+      </p:ext>
+    </p:extLst>
+  </p:cSld>
+  <p:clrMapOvr>
+    <a:masterClrMapping/>
+  </p:clrMapOvr>
+</p:sld>
+</file>
+
+<file path=ppt/slides/slide42.xml><?xml version="1.0" encoding="utf-8"?>
+<p:sld xmlns:a="http://schemas.openxmlformats.org/drawingml/2006/main" xmlns:r="http://schemas.openxmlformats.org/officeDocument/2006/relationships" xmlns:p="http://schemas.openxmlformats.org/presentationml/2006/main">
+  <p:cSld>
+    <p:spTree>
+      <p:nvGrpSpPr>
+        <p:cNvPr id="1" name=""/>
+        <p:cNvGrpSpPr/>
+        <p:nvPr/>
+      </p:nvGrpSpPr>
+      <p:grpSpPr>
+        <a:xfrm>
+          <a:off x="0" y="0"/>
+          <a:ext cx="0" cy="0"/>
+          <a:chOff x="0" y="0"/>
+          <a:chExt cx="0" cy="0"/>
+        </a:xfrm>
+      </p:grpSpPr>
+      <p:sp>
+        <p:nvSpPr>
+          <p:cNvPr id="2" name="Content Placeholder 1">
+            <a:extLst>
+              <a:ext uri="{FF2B5EF4-FFF2-40B4-BE49-F238E27FC236}">
+                <a16:creationId xmlns:a16="http://schemas.microsoft.com/office/drawing/2014/main" id="{DD66B326-F568-6D3C-C255-B4027E434218}"/>
+              </a:ext>
+            </a:extLst>
+          </p:cNvPr>
+          <p:cNvSpPr>
+            <a:spLocks noGrp="1"/>
+          </p:cNvSpPr>
+          <p:nvPr>
+            <p:ph idx="1"/>
+          </p:nvPr>
+        </p:nvSpPr>
+        <p:spPr/>
+        <p:txBody>
+          <a:bodyPr/>
+          <a:lstStyle/>
+          <a:p>
+            <a:pPr marL="457200" indent="-457200">
+              <a:buFont typeface="Arial" panose="020B0604020202020204" pitchFamily="34" charset="0"/>
+              <a:buChar char="•"/>
+            </a:pPr>
+            <a:r>
+              <a:rPr lang="en-US" dirty="0" err="1"/>
+              <a:t>Anouncements</a:t>
+            </a:r>
+            <a:endParaRPr lang="en-US" dirty="0"/>
+          </a:p>
+          <a:p>
+            <a:pPr marL="457200" indent="-457200">
+              <a:buFont typeface="Arial" panose="020B0604020202020204" pitchFamily="34" charset="0"/>
+              <a:buChar char="•"/>
+            </a:pPr>
+            <a:r>
+              <a:rPr lang="en-US" dirty="0"/>
+              <a:t>Compilation, interpretation, and execution</a:t>
+            </a:r>
+          </a:p>
+          <a:p>
+            <a:pPr marL="457200" indent="-457200">
+              <a:buFont typeface="Arial" panose="020B0604020202020204" pitchFamily="34" charset="0"/>
+              <a:buChar char="•"/>
+            </a:pPr>
+            <a:r>
+              <a:rPr lang="en-US" dirty="0"/>
+              <a:t>Revisiting caught and uncaught exceptions</a:t>
+            </a:r>
+          </a:p>
+          <a:p>
+            <a:pPr marL="457200" indent="-457200">
+              <a:buFont typeface="Arial" panose="020B0604020202020204" pitchFamily="34" charset="0"/>
+              <a:buChar char="•"/>
+            </a:pPr>
+            <a:r>
+              <a:rPr lang="en-US" dirty="0"/>
+              <a:t>Unit testing (if time permits)</a:t>
+            </a:r>
+          </a:p>
+          <a:p>
+            <a:pPr marL="457200" indent="-457200">
+              <a:buFont typeface="Arial" panose="020B0604020202020204" pitchFamily="34" charset="0"/>
+              <a:buChar char="•"/>
+            </a:pPr>
+            <a:r>
+              <a:rPr lang="en-US" dirty="0"/>
+              <a:t>HW1 discussion continued</a:t>
+            </a:r>
+          </a:p>
+          <a:p>
+            <a:pPr marL="457200" indent="-457200">
+              <a:buFont typeface="Arial" panose="020B0604020202020204" pitchFamily="34" charset="0"/>
+              <a:buChar char="•"/>
+            </a:pPr>
+            <a:r>
+              <a:rPr lang="en-US" dirty="0"/>
+              <a:t>Redis data store</a:t>
+            </a:r>
+          </a:p>
+        </p:txBody>
+      </p:sp>
+      <p:sp>
+        <p:nvSpPr>
+          <p:cNvPr id="3" name="Title 2">
+            <a:extLst>
+              <a:ext uri="{FF2B5EF4-FFF2-40B4-BE49-F238E27FC236}">
+                <a16:creationId xmlns:a16="http://schemas.microsoft.com/office/drawing/2014/main" id="{DF45FDFA-13E1-F2F6-D36F-2E864D36CF37}"/>
+              </a:ext>
+            </a:extLst>
+          </p:cNvPr>
+          <p:cNvSpPr>
+            <a:spLocks noGrp="1"/>
+          </p:cNvSpPr>
+          <p:nvPr>
+            <p:ph type="title"/>
+          </p:nvPr>
+        </p:nvSpPr>
+        <p:spPr/>
+        <p:txBody>
+          <a:bodyPr/>
+          <a:lstStyle/>
+          <a:p>
+            <a:r>
+              <a:rPr lang="en-US" dirty="0"/>
+              <a:t>Agenda</a:t>
+            </a:r>
+          </a:p>
+        </p:txBody>
+      </p:sp>
+      <p:sp>
+        <p:nvSpPr>
+          <p:cNvPr id="4" name="Subtitle 3">
+            <a:extLst>
+              <a:ext uri="{FF2B5EF4-FFF2-40B4-BE49-F238E27FC236}">
+                <a16:creationId xmlns:a16="http://schemas.microsoft.com/office/drawing/2014/main" id="{94AE0182-9045-7FEF-30CD-85FC03CF37EE}"/>
+              </a:ext>
+            </a:extLst>
+          </p:cNvPr>
+          <p:cNvSpPr>
+            <a:spLocks noGrp="1"/>
+          </p:cNvSpPr>
+          <p:nvPr>
+            <p:ph type="subTitle" idx="13"/>
+          </p:nvPr>
+        </p:nvSpPr>
+        <p:spPr/>
+        <p:txBody>
+          <a:bodyPr/>
+          <a:lstStyle/>
+          <a:p>
+            <a:endParaRPr lang="en-US"/>
+          </a:p>
+        </p:txBody>
+      </p:sp>
+    </p:spTree>
+    <p:extLst>
+      <p:ext uri="{BB962C8B-B14F-4D97-AF65-F5344CB8AC3E}">
+        <p14:creationId xmlns:p14="http://schemas.microsoft.com/office/powerpoint/2010/main" val="2048373551"/>
+      </p:ext>
+    </p:extLst>
+  </p:cSld>
+  <p:clrMapOvr>
+    <a:masterClrMapping/>
+  </p:clrMapOvr>
+</p:sld>
+</file>
+
+<file path=ppt/slides/slide43.xml><?xml version="1.0" encoding="utf-8"?>
+<p:sld xmlns:a="http://schemas.openxmlformats.org/drawingml/2006/main" xmlns:r="http://schemas.openxmlformats.org/officeDocument/2006/relationships" xmlns:p="http://schemas.openxmlformats.org/presentationml/2006/main">
+  <p:cSld>
+    <p:spTree>
+      <p:nvGrpSpPr>
+        <p:cNvPr id="1" name=""/>
+        <p:cNvGrpSpPr/>
+        <p:nvPr/>
+      </p:nvGrpSpPr>
+      <p:grpSpPr>
+        <a:xfrm>
+          <a:off x="0" y="0"/>
+          <a:ext cx="0" cy="0"/>
+          <a:chOff x="0" y="0"/>
+          <a:chExt cx="0" cy="0"/>
+        </a:xfrm>
+      </p:grpSpPr>
+      <p:sp>
+        <p:nvSpPr>
+          <p:cNvPr id="5" name="Content Placeholder 4">
+            <a:extLst>
+              <a:ext uri="{FF2B5EF4-FFF2-40B4-BE49-F238E27FC236}">
+                <a16:creationId xmlns:a16="http://schemas.microsoft.com/office/drawing/2014/main" id="{EA60E589-68FF-AA5E-CEBE-B55E0C561F1C}"/>
+              </a:ext>
+            </a:extLst>
+          </p:cNvPr>
+          <p:cNvSpPr>
+            <a:spLocks noGrp="1"/>
+          </p:cNvSpPr>
+          <p:nvPr>
+            <p:ph idx="1"/>
+          </p:nvPr>
+        </p:nvSpPr>
+        <p:spPr/>
+        <p:txBody>
+          <a:bodyPr/>
+          <a:lstStyle/>
+          <a:p>
+            <a:pPr marL="457200" indent="-457200">
+              <a:buFont typeface="Arial" panose="020B0604020202020204" pitchFamily="34" charset="0"/>
+              <a:buChar char="•"/>
+            </a:pPr>
+            <a:r>
+              <a:rPr lang="en-US" dirty="0"/>
+              <a:t>Team registration extended till Friday 11:59 PM</a:t>
+            </a:r>
+          </a:p>
+          <a:p>
+            <a:pPr marL="457200" indent="-457200">
+              <a:buFont typeface="Arial" panose="020B0604020202020204" pitchFamily="34" charset="0"/>
+              <a:buChar char="•"/>
+            </a:pPr>
+            <a:r>
+              <a:rPr lang="en-US" dirty="0"/>
+              <a:t>Can change teams later if you have issues due to waitlisting</a:t>
+            </a:r>
+          </a:p>
+          <a:p>
+            <a:pPr marL="457200" indent="-457200">
+              <a:buFont typeface="Arial" panose="020B0604020202020204" pitchFamily="34" charset="0"/>
+              <a:buChar char="•"/>
+            </a:pPr>
+            <a:r>
+              <a:rPr lang="en-US" dirty="0"/>
+              <a:t>Can do the first homework alone before teaming up if waitlisted</a:t>
+            </a:r>
+          </a:p>
+          <a:p>
+            <a:pPr marL="457200" indent="-457200">
+              <a:buFont typeface="Arial" panose="020B0604020202020204" pitchFamily="34" charset="0"/>
+              <a:buChar char="•"/>
+            </a:pPr>
+            <a:endParaRPr lang="en-US" dirty="0"/>
+          </a:p>
+        </p:txBody>
+      </p:sp>
+      <p:sp>
+        <p:nvSpPr>
+          <p:cNvPr id="4" name="Title 3">
+            <a:extLst>
+              <a:ext uri="{FF2B5EF4-FFF2-40B4-BE49-F238E27FC236}">
+                <a16:creationId xmlns:a16="http://schemas.microsoft.com/office/drawing/2014/main" id="{37056E3B-CAF8-17D0-1CC0-F1F971632723}"/>
+              </a:ext>
+            </a:extLst>
+          </p:cNvPr>
+          <p:cNvSpPr>
+            <a:spLocks noGrp="1"/>
+          </p:cNvSpPr>
+          <p:nvPr>
+            <p:ph type="title"/>
+          </p:nvPr>
+        </p:nvSpPr>
+        <p:spPr/>
+        <p:txBody>
+          <a:bodyPr/>
+          <a:lstStyle/>
+          <a:p>
+            <a:r>
+              <a:rPr lang="en-US" dirty="0"/>
+              <a:t>Announcements</a:t>
+            </a:r>
+          </a:p>
+        </p:txBody>
+      </p:sp>
+      <p:sp>
+        <p:nvSpPr>
+          <p:cNvPr id="6" name="Subtitle 5">
+            <a:extLst>
+              <a:ext uri="{FF2B5EF4-FFF2-40B4-BE49-F238E27FC236}">
+                <a16:creationId xmlns:a16="http://schemas.microsoft.com/office/drawing/2014/main" id="{0E6098E4-376B-058D-0F42-D062797CD52E}"/>
+              </a:ext>
+            </a:extLst>
+          </p:cNvPr>
+          <p:cNvSpPr>
+            <a:spLocks noGrp="1"/>
+          </p:cNvSpPr>
+          <p:nvPr>
+            <p:ph type="subTitle" idx="13"/>
+          </p:nvPr>
+        </p:nvSpPr>
+        <p:spPr/>
+        <p:txBody>
+          <a:bodyPr/>
+          <a:lstStyle/>
+          <a:p>
+            <a:endParaRPr lang="en-US"/>
+          </a:p>
+        </p:txBody>
+      </p:sp>
+    </p:spTree>
+    <p:extLst>
+      <p:ext uri="{BB962C8B-B14F-4D97-AF65-F5344CB8AC3E}">
+        <p14:creationId xmlns:p14="http://schemas.microsoft.com/office/powerpoint/2010/main" val="1666417570"/>
+      </p:ext>
+    </p:extLst>
+  </p:cSld>
+  <p:clrMapOvr>
+    <a:masterClrMapping/>
+  </p:clrMapOvr>
+</p:sld>
+</file>
+
+<file path=ppt/slides/slide44.xml><?xml version="1.0" encoding="utf-8"?>
+<p:sld xmlns:a="http://schemas.openxmlformats.org/drawingml/2006/main" xmlns:r="http://schemas.openxmlformats.org/officeDocument/2006/relationships" xmlns:p="http://schemas.openxmlformats.org/presentationml/2006/main">
+  <p:cSld>
+    <p:spTree>
+      <p:nvGrpSpPr>
+        <p:cNvPr id="1" name="">
+          <a:extLst>
+            <a:ext uri="{FF2B5EF4-FFF2-40B4-BE49-F238E27FC236}">
+              <a16:creationId xmlns:a16="http://schemas.microsoft.com/office/drawing/2014/main" id="{A7E4FE5F-D196-C7C4-B2D6-A70822B562CA}"/>
+            </a:ext>
+          </a:extLst>
+        </p:cNvPr>
+        <p:cNvGrpSpPr/>
+        <p:nvPr/>
+      </p:nvGrpSpPr>
+      <p:grpSpPr>
+        <a:xfrm>
+          <a:off x="0" y="0"/>
+          <a:ext cx="0" cy="0"/>
+          <a:chOff x="0" y="0"/>
+          <a:chExt cx="0" cy="0"/>
+        </a:xfrm>
+      </p:grpSpPr>
+      <p:sp>
+        <p:nvSpPr>
+          <p:cNvPr id="5" name="Content Placeholder 4">
+            <a:extLst>
+              <a:ext uri="{FF2B5EF4-FFF2-40B4-BE49-F238E27FC236}">
+                <a16:creationId xmlns:a16="http://schemas.microsoft.com/office/drawing/2014/main" id="{BCB43D9C-F582-0B64-A8B2-1B5E70621F96}"/>
+              </a:ext>
+            </a:extLst>
+          </p:cNvPr>
+          <p:cNvSpPr>
+            <a:spLocks noGrp="1"/>
+          </p:cNvSpPr>
+          <p:nvPr>
+            <p:ph idx="1"/>
+          </p:nvPr>
+        </p:nvSpPr>
+        <p:spPr/>
+        <p:txBody>
+          <a:bodyPr/>
+          <a:lstStyle/>
+          <a:p>
+            <a:pPr marL="457200" indent="-457200">
+              <a:buFont typeface="Arial" panose="020B0604020202020204" pitchFamily="34" charset="0"/>
+              <a:buChar char="•"/>
+            </a:pPr>
+            <a:r>
+              <a:rPr lang="en-US" dirty="0"/>
+              <a:t>Up to waitlist #4 is very likely to get in </a:t>
+            </a:r>
+          </a:p>
+          <a:p>
+            <a:pPr marL="457200" indent="-457200">
+              <a:buFont typeface="Arial" panose="020B0604020202020204" pitchFamily="34" charset="0"/>
+              <a:buChar char="•"/>
+            </a:pPr>
+            <a:r>
+              <a:rPr lang="en-US" dirty="0"/>
+              <a:t>Potential for expanding the class size to 104, but not beyond</a:t>
+            </a:r>
+          </a:p>
+          <a:p>
+            <a:pPr marL="457200" indent="-457200">
+              <a:buFont typeface="Arial" panose="020B0604020202020204" pitchFamily="34" charset="0"/>
+              <a:buChar char="•"/>
+            </a:pPr>
+            <a:endParaRPr lang="en-US" dirty="0"/>
+          </a:p>
+        </p:txBody>
+      </p:sp>
+      <p:sp>
+        <p:nvSpPr>
+          <p:cNvPr id="4" name="Title 3">
+            <a:extLst>
+              <a:ext uri="{FF2B5EF4-FFF2-40B4-BE49-F238E27FC236}">
+                <a16:creationId xmlns:a16="http://schemas.microsoft.com/office/drawing/2014/main" id="{1EE2CF77-DBF2-4FC5-B515-297D12F8EA2B}"/>
+              </a:ext>
+            </a:extLst>
+          </p:cNvPr>
+          <p:cNvSpPr>
+            <a:spLocks noGrp="1"/>
+          </p:cNvSpPr>
+          <p:nvPr>
+            <p:ph type="title"/>
+          </p:nvPr>
+        </p:nvSpPr>
+        <p:spPr/>
+        <p:txBody>
+          <a:bodyPr/>
+          <a:lstStyle/>
+          <a:p>
+            <a:r>
+              <a:rPr lang="en-US" dirty="0"/>
+              <a:t>Announcements</a:t>
+            </a:r>
+          </a:p>
+        </p:txBody>
+      </p:sp>
+      <p:sp>
+        <p:nvSpPr>
+          <p:cNvPr id="6" name="Subtitle 5">
+            <a:extLst>
+              <a:ext uri="{FF2B5EF4-FFF2-40B4-BE49-F238E27FC236}">
+                <a16:creationId xmlns:a16="http://schemas.microsoft.com/office/drawing/2014/main" id="{639257B0-6016-A581-438E-E90021655B1E}"/>
+              </a:ext>
+            </a:extLst>
+          </p:cNvPr>
+          <p:cNvSpPr>
+            <a:spLocks noGrp="1"/>
+          </p:cNvSpPr>
+          <p:nvPr>
+            <p:ph type="subTitle" idx="13"/>
+          </p:nvPr>
+        </p:nvSpPr>
+        <p:spPr/>
+        <p:txBody>
+          <a:bodyPr/>
+          <a:lstStyle/>
+          <a:p>
+            <a:endParaRPr lang="en-US"/>
+          </a:p>
+        </p:txBody>
+      </p:sp>
+    </p:spTree>
+    <p:extLst>
+      <p:ext uri="{BB962C8B-B14F-4D97-AF65-F5344CB8AC3E}">
+        <p14:creationId xmlns:p14="http://schemas.microsoft.com/office/powerpoint/2010/main" val="2727901655"/>
+      </p:ext>
+    </p:extLst>
+  </p:cSld>
+  <p:clrMapOvr>
+    <a:masterClrMapping/>
+  </p:clrMapOvr>
+</p:sld>
+</file>
+
+<file path=ppt/slides/slide45.xml><?xml version="1.0" encoding="utf-8"?>
+<p:sld xmlns:a="http://schemas.openxmlformats.org/drawingml/2006/main" xmlns:r="http://schemas.openxmlformats.org/officeDocument/2006/relationships" xmlns:p="http://schemas.openxmlformats.org/presentationml/2006/main">
+  <p:cSld>
+    <p:spTree>
+      <p:nvGrpSpPr>
+        <p:cNvPr id="1" name="">
+          <a:extLst>
+            <a:ext uri="{FF2B5EF4-FFF2-40B4-BE49-F238E27FC236}">
+              <a16:creationId xmlns:a16="http://schemas.microsoft.com/office/drawing/2014/main" id="{00F30F66-7B4B-B81B-3392-D6F5533777BB}"/>
+            </a:ext>
+          </a:extLst>
+        </p:cNvPr>
+        <p:cNvGrpSpPr/>
+        <p:nvPr/>
+      </p:nvGrpSpPr>
+      <p:grpSpPr>
+        <a:xfrm>
+          <a:off x="0" y="0"/>
+          <a:ext cx="0" cy="0"/>
+          <a:chOff x="0" y="0"/>
+          <a:chExt cx="0" cy="0"/>
+        </a:xfrm>
+      </p:grpSpPr>
+      <p:sp>
+        <p:nvSpPr>
+          <p:cNvPr id="5" name="Content Placeholder 4">
+            <a:extLst>
+              <a:ext uri="{FF2B5EF4-FFF2-40B4-BE49-F238E27FC236}">
+                <a16:creationId xmlns:a16="http://schemas.microsoft.com/office/drawing/2014/main" id="{052594B2-CDCB-3AEA-9866-4052374408D1}"/>
+              </a:ext>
+            </a:extLst>
+          </p:cNvPr>
+          <p:cNvSpPr>
+            <a:spLocks noGrp="1"/>
+          </p:cNvSpPr>
+          <p:nvPr>
+            <p:ph idx="1"/>
+          </p:nvPr>
+        </p:nvSpPr>
+        <p:spPr/>
+        <p:txBody>
+          <a:bodyPr/>
+          <a:lstStyle/>
+          <a:p>
+            <a:pPr marL="457200" indent="-457200">
+              <a:buFont typeface="Arial" panose="020B0604020202020204" pitchFamily="34" charset="0"/>
+              <a:buChar char="•"/>
+            </a:pPr>
+            <a:r>
+              <a:rPr lang="en-US" dirty="0"/>
+              <a:t>HW1 handout updated to allow Redis data-store in addition to </a:t>
+            </a:r>
+            <a:r>
+              <a:rPr lang="en-US" dirty="0" err="1"/>
+              <a:t>Postgresql</a:t>
+            </a:r>
+            <a:endParaRPr lang="en-US" dirty="0"/>
+          </a:p>
+          <a:p>
+            <a:pPr marL="457200" indent="-457200">
+              <a:buFont typeface="Arial" panose="020B0604020202020204" pitchFamily="34" charset="0"/>
+              <a:buChar char="•"/>
+            </a:pPr>
+            <a:r>
+              <a:rPr lang="en-US" dirty="0"/>
+              <a:t>HW1 skeleton updated</a:t>
+            </a:r>
+          </a:p>
+          <a:p>
+            <a:pPr marL="1141413" lvl="1" indent="-457200"/>
+            <a:r>
+              <a:rPr lang="en-US" dirty="0"/>
+              <a:t>Please pull and run </a:t>
+            </a:r>
+            <a:r>
+              <a:rPr lang="en-US" dirty="0" err="1">
+                <a:latin typeface="Consolas" panose="020B0609020204030204" pitchFamily="49" charset="0"/>
+              </a:rPr>
+              <a:t>mvn</a:t>
+            </a:r>
+            <a:r>
+              <a:rPr lang="en-US" dirty="0">
+                <a:latin typeface="Consolas" panose="020B0609020204030204" pitchFamily="49" charset="0"/>
+              </a:rPr>
+              <a:t> clean install</a:t>
+            </a:r>
+          </a:p>
+          <a:p>
+            <a:pPr marL="1141413" lvl="1" indent="-457200"/>
+            <a:r>
+              <a:rPr lang="en-US" dirty="0">
+                <a:latin typeface="Helvetica" panose="020B0604020202020204" pitchFamily="34" charset="0"/>
+                <a:cs typeface="Helvetica" panose="020B0604020202020204" pitchFamily="34" charset="0"/>
+              </a:rPr>
+              <a:t>Will let you run </a:t>
+            </a:r>
+            <a:r>
+              <a:rPr lang="en-US" dirty="0">
+                <a:latin typeface="Consolas" panose="020B0609020204030204" pitchFamily="49" charset="0"/>
+                <a:cs typeface="Helvetica" panose="020B0604020202020204" pitchFamily="34" charset="0"/>
+              </a:rPr>
+              <a:t>jar -cp com.ecs160.MyApp</a:t>
+            </a:r>
+            <a:r>
+              <a:rPr lang="en-US" dirty="0">
+                <a:latin typeface="Helvetica" panose="020B0604020202020204" pitchFamily="34" charset="0"/>
+                <a:cs typeface="Helvetica" panose="020B0604020202020204" pitchFamily="34" charset="0"/>
+              </a:rPr>
+              <a:t>, instead of always pressing the IDE RUN button</a:t>
+            </a:r>
+          </a:p>
+          <a:p>
+            <a:pPr marL="457200" indent="-457200">
+              <a:buFont typeface="Arial" panose="020B0604020202020204" pitchFamily="34" charset="0"/>
+              <a:buChar char="•"/>
+            </a:pPr>
+            <a:r>
+              <a:rPr lang="en-US" dirty="0">
+                <a:latin typeface="Helvetica" panose="020B0604020202020204" pitchFamily="34" charset="0"/>
+                <a:cs typeface="Helvetica" panose="020B0604020202020204" pitchFamily="34" charset="0"/>
+              </a:rPr>
+              <a:t>Please follow Piazza discussions</a:t>
+            </a:r>
+          </a:p>
+          <a:p>
+            <a:pPr marL="1141413" lvl="1" indent="-457200"/>
+            <a:r>
+              <a:rPr lang="en-US" dirty="0">
+                <a:latin typeface="Helvetica" panose="020B0604020202020204" pitchFamily="34" charset="0"/>
+                <a:cs typeface="Helvetica" panose="020B0604020202020204" pitchFamily="34" charset="0"/>
+              </a:rPr>
+              <a:t>Clarifications of </a:t>
+            </a:r>
+            <a:r>
+              <a:rPr lang="en-US" dirty="0" err="1">
+                <a:latin typeface="Helvetica" panose="020B0604020202020204" pitchFamily="34" charset="0"/>
+                <a:cs typeface="Helvetica" panose="020B0604020202020204" pitchFamily="34" charset="0"/>
+              </a:rPr>
+              <a:t>homeworks</a:t>
+            </a:r>
+            <a:endParaRPr lang="en-US" dirty="0">
+              <a:latin typeface="Helvetica" panose="020B0604020202020204" pitchFamily="34" charset="0"/>
+              <a:cs typeface="Helvetica" panose="020B0604020202020204" pitchFamily="34" charset="0"/>
+            </a:endParaRPr>
+          </a:p>
+          <a:p>
+            <a:pPr marL="457200" indent="-457200">
+              <a:buFont typeface="Arial" panose="020B0604020202020204" pitchFamily="34" charset="0"/>
+              <a:buChar char="•"/>
+            </a:pPr>
+            <a:endParaRPr lang="en-US" dirty="0"/>
+          </a:p>
+        </p:txBody>
+      </p:sp>
+      <p:sp>
+        <p:nvSpPr>
+          <p:cNvPr id="4" name="Title 3">
+            <a:extLst>
+              <a:ext uri="{FF2B5EF4-FFF2-40B4-BE49-F238E27FC236}">
+                <a16:creationId xmlns:a16="http://schemas.microsoft.com/office/drawing/2014/main" id="{E6B56D09-DCC6-63AA-6264-9FC44F680A5E}"/>
+              </a:ext>
+            </a:extLst>
+          </p:cNvPr>
+          <p:cNvSpPr>
+            <a:spLocks noGrp="1"/>
+          </p:cNvSpPr>
+          <p:nvPr>
+            <p:ph type="title"/>
+          </p:nvPr>
+        </p:nvSpPr>
+        <p:spPr/>
+        <p:txBody>
+          <a:bodyPr/>
+          <a:lstStyle/>
+          <a:p>
+            <a:r>
+              <a:rPr lang="en-US" dirty="0"/>
+              <a:t>Announcements</a:t>
+            </a:r>
+          </a:p>
+        </p:txBody>
+      </p:sp>
+      <p:sp>
+        <p:nvSpPr>
+          <p:cNvPr id="6" name="Subtitle 5">
+            <a:extLst>
+              <a:ext uri="{FF2B5EF4-FFF2-40B4-BE49-F238E27FC236}">
+                <a16:creationId xmlns:a16="http://schemas.microsoft.com/office/drawing/2014/main" id="{FB4C864F-4F3F-B76E-FF70-FC2824C74FA5}"/>
+              </a:ext>
+            </a:extLst>
+          </p:cNvPr>
+          <p:cNvSpPr>
+            <a:spLocks noGrp="1"/>
+          </p:cNvSpPr>
+          <p:nvPr>
+            <p:ph type="subTitle" idx="13"/>
+          </p:nvPr>
+        </p:nvSpPr>
+        <p:spPr/>
+        <p:txBody>
+          <a:bodyPr/>
+          <a:lstStyle/>
+          <a:p>
+            <a:endParaRPr lang="en-US"/>
+          </a:p>
+        </p:txBody>
+      </p:sp>
+    </p:spTree>
+    <p:extLst>
+      <p:ext uri="{BB962C8B-B14F-4D97-AF65-F5344CB8AC3E}">
+        <p14:creationId xmlns:p14="http://schemas.microsoft.com/office/powerpoint/2010/main" val="3904560425"/>
+      </p:ext>
+    </p:extLst>
+  </p:cSld>
+  <p:clrMapOvr>
+    <a:masterClrMapping/>
+  </p:clrMapOvr>
+</p:sld>
+</file>
+
+<file path=ppt/slides/slide46.xml><?xml version="1.0" encoding="utf-8"?>
+<p:sld xmlns:a="http://schemas.openxmlformats.org/drawingml/2006/main" xmlns:r="http://schemas.openxmlformats.org/officeDocument/2006/relationships" xmlns:p="http://schemas.openxmlformats.org/presentationml/2006/main">
+  <p:cSld>
+    <p:spTree>
+      <p:nvGrpSpPr>
+        <p:cNvPr id="1" name=""/>
+        <p:cNvGrpSpPr/>
+        <p:nvPr/>
+      </p:nvGrpSpPr>
+      <p:grpSpPr>
+        <a:xfrm>
+          <a:off x="0" y="0"/>
+          <a:ext cx="0" cy="0"/>
+          <a:chOff x="0" y="0"/>
+          <a:chExt cx="0" cy="0"/>
+        </a:xfrm>
+      </p:grpSpPr>
+      <p:sp>
+        <p:nvSpPr>
+          <p:cNvPr id="2" name="Content Placeholder 1">
+            <a:extLst>
+              <a:ext uri="{FF2B5EF4-FFF2-40B4-BE49-F238E27FC236}">
+                <a16:creationId xmlns:a16="http://schemas.microsoft.com/office/drawing/2014/main" id="{654FACE7-F22C-2636-D824-6DE78A53CB4B}"/>
+              </a:ext>
+            </a:extLst>
+          </p:cNvPr>
+          <p:cNvSpPr>
+            <a:spLocks noGrp="1"/>
+          </p:cNvSpPr>
+          <p:nvPr>
+            <p:ph idx="1"/>
+          </p:nvPr>
+        </p:nvSpPr>
+        <p:spPr/>
+        <p:txBody>
+          <a:bodyPr/>
+          <a:lstStyle/>
+          <a:p>
+            <a:pPr marL="457200" indent="-457200">
+              <a:buFont typeface="Arial" panose="020B0604020202020204" pitchFamily="34" charset="0"/>
+              <a:buChar char="•"/>
+            </a:pPr>
+            <a:r>
+              <a:rPr lang="en-US" dirty="0"/>
+              <a:t>Compilation is the process of converting an application written in a human understandable programming language to “object code”</a:t>
+            </a:r>
+          </a:p>
+          <a:p>
+            <a:endParaRPr lang="en-US" dirty="0"/>
+          </a:p>
+        </p:txBody>
+      </p:sp>
+      <p:sp>
+        <p:nvSpPr>
+          <p:cNvPr id="3" name="Title 2">
+            <a:extLst>
+              <a:ext uri="{FF2B5EF4-FFF2-40B4-BE49-F238E27FC236}">
+                <a16:creationId xmlns:a16="http://schemas.microsoft.com/office/drawing/2014/main" id="{0B0E4A8C-73ED-192A-9B6F-114C52BC9A3D}"/>
+              </a:ext>
+            </a:extLst>
+          </p:cNvPr>
+          <p:cNvSpPr>
+            <a:spLocks noGrp="1"/>
+          </p:cNvSpPr>
+          <p:nvPr>
+            <p:ph type="title"/>
+          </p:nvPr>
+        </p:nvSpPr>
+        <p:spPr/>
+        <p:txBody>
+          <a:bodyPr/>
+          <a:lstStyle/>
+          <a:p>
+            <a:r>
+              <a:rPr lang="en-US" dirty="0"/>
+              <a:t>What is compilation?</a:t>
+            </a:r>
+          </a:p>
+        </p:txBody>
+      </p:sp>
+      <p:sp>
+        <p:nvSpPr>
+          <p:cNvPr id="4" name="Subtitle 3">
+            <a:extLst>
+              <a:ext uri="{FF2B5EF4-FFF2-40B4-BE49-F238E27FC236}">
+                <a16:creationId xmlns:a16="http://schemas.microsoft.com/office/drawing/2014/main" id="{1A54EF37-398C-7112-D37F-3016E066E9EE}"/>
+              </a:ext>
+            </a:extLst>
+          </p:cNvPr>
+          <p:cNvSpPr>
+            <a:spLocks noGrp="1"/>
+          </p:cNvSpPr>
+          <p:nvPr>
+            <p:ph type="subTitle" idx="13"/>
+          </p:nvPr>
+        </p:nvSpPr>
+        <p:spPr/>
+        <p:txBody>
+          <a:bodyPr/>
+          <a:lstStyle/>
+          <a:p>
+            <a:endParaRPr lang="en-US"/>
+          </a:p>
+        </p:txBody>
+      </p:sp>
+    </p:spTree>
+    <p:extLst>
+      <p:ext uri="{BB962C8B-B14F-4D97-AF65-F5344CB8AC3E}">
+        <p14:creationId xmlns:p14="http://schemas.microsoft.com/office/powerpoint/2010/main" val="2636748738"/>
+      </p:ext>
+    </p:extLst>
+  </p:cSld>
+  <p:clrMapOvr>
+    <a:masterClrMapping/>
+  </p:clrMapOvr>
+  <p:timing>
+    <p:tnLst>
+      <p:par>
+        <p:cTn id="1" dur="indefinite" restart="never" nodeType="tmRoot">
+          <p:childTnLst>
+            <p:seq concurrent="1" nextAc="seek">
+              <p:cTn id="2" dur="indefinite" nodeType="mainSeq">
+                <p:childTnLst>
+                  <p:par>
+                    <p:cTn id="3" fill="hold">
+                      <p:stCondLst>
+                        <p:cond delay="indefinite"/>
+                      </p:stCondLst>
+                      <p:childTnLst>
+                        <p:par>
+                          <p:cTn id="4" fill="hold">
+                            <p:stCondLst>
+                              <p:cond delay="0"/>
+                            </p:stCondLst>
+                            <p:childTnLst>
+                              <p:par>
+                                <p:cTn id="5" presetID="1" presetClass="entr" presetSubtype="0" fill="hold" nodeType="clickEffect">
+                                  <p:stCondLst>
+                                    <p:cond delay="0"/>
+                                  </p:stCondLst>
+                                  <p:childTnLst>
+                                    <p:set>
+                                      <p:cBhvr>
+                                        <p:cTn id="6" dur="1" fill="hold">
+                                          <p:stCondLst>
+                                            <p:cond delay="0"/>
+                                          </p:stCondLst>
+                                        </p:cTn>
+                                        <p:tgtEl>
+                                          <p:spTgt spid="2">
+                                            <p:txEl>
+                                              <p:pRg st="0" end="0"/>
+                                            </p:txEl>
+                                          </p:spTgt>
+                                        </p:tgtEl>
+                                        <p:attrNameLst>
+                                          <p:attrName>style.visibility</p:attrName>
+                                        </p:attrNameLst>
+                                      </p:cBhvr>
+                                      <p:to>
+                                        <p:strVal val="visible"/>
+                                      </p:to>
+                                    </p:set>
+                                  </p:childTnLst>
+                                </p:cTn>
+                              </p:par>
+                            </p:childTnLst>
+                          </p:cTn>
+                        </p:par>
+                      </p:childTnLst>
+                    </p:cTn>
+                  </p:par>
+                </p:childTnLst>
+              </p:cTn>
+              <p:prevCondLst>
+                <p:cond evt="onPrev" delay="0">
+                  <p:tgtEl>
+                    <p:sldTgt/>
+                  </p:tgtEl>
+                </p:cond>
+              </p:prevCondLst>
+              <p:nextCondLst>
+                <p:cond evt="onNext" delay="0">
+                  <p:tgtEl>
+                    <p:sldTgt/>
+                  </p:tgtEl>
+                </p:cond>
+              </p:nextCondLst>
+            </p:seq>
+          </p:childTnLst>
+        </p:cTn>
+      </p:par>
+    </p:tnLst>
+  </p:timing>
+</p:sld>
+</file>
+
+<file path=ppt/slides/slide47.xml><?xml version="1.0" encoding="utf-8"?>
+<p:sld xmlns:a="http://schemas.openxmlformats.org/drawingml/2006/main" xmlns:r="http://schemas.openxmlformats.org/officeDocument/2006/relationships" xmlns:p="http://schemas.openxmlformats.org/presentationml/2006/main">
+  <p:cSld>
+    <p:spTree>
+      <p:nvGrpSpPr>
+        <p:cNvPr id="1" name="">
+          <a:extLst>
+            <a:ext uri="{FF2B5EF4-FFF2-40B4-BE49-F238E27FC236}">
+              <a16:creationId xmlns:a16="http://schemas.microsoft.com/office/drawing/2014/main" id="{40C267A2-C613-B4AF-6BFB-BBD2436E8ADF}"/>
+            </a:ext>
+          </a:extLst>
+        </p:cNvPr>
+        <p:cNvGrpSpPr/>
+        <p:nvPr/>
+      </p:nvGrpSpPr>
+      <p:grpSpPr>
+        <a:xfrm>
+          <a:off x="0" y="0"/>
+          <a:ext cx="0" cy="0"/>
+          <a:chOff x="0" y="0"/>
+          <a:chExt cx="0" cy="0"/>
+        </a:xfrm>
+      </p:grpSpPr>
+      <p:sp>
+        <p:nvSpPr>
+          <p:cNvPr id="2" name="Content Placeholder 1">
+            <a:extLst>
+              <a:ext uri="{FF2B5EF4-FFF2-40B4-BE49-F238E27FC236}">
+                <a16:creationId xmlns:a16="http://schemas.microsoft.com/office/drawing/2014/main" id="{687D3B1B-77DC-8093-D917-2B181B026D9A}"/>
+              </a:ext>
+            </a:extLst>
+          </p:cNvPr>
+          <p:cNvSpPr>
+            <a:spLocks noGrp="1"/>
+          </p:cNvSpPr>
+          <p:nvPr>
+            <p:ph idx="1"/>
+          </p:nvPr>
+        </p:nvSpPr>
+        <p:spPr/>
+        <p:txBody>
+          <a:bodyPr/>
+          <a:lstStyle/>
+          <a:p>
+            <a:pPr marL="457200" indent="-457200">
+              <a:buFont typeface="Arial" panose="020B0604020202020204" pitchFamily="34" charset="0"/>
+              <a:buChar char="•"/>
+            </a:pPr>
+            <a:r>
+              <a:rPr lang="en-US" dirty="0"/>
+              <a:t>Object code is a representation of the source code at a lower level</a:t>
+            </a:r>
+          </a:p>
+          <a:p>
+            <a:pPr marL="457200" indent="-457200">
+              <a:buFont typeface="Arial" panose="020B0604020202020204" pitchFamily="34" charset="0"/>
+              <a:buChar char="•"/>
+            </a:pPr>
+            <a:r>
+              <a:rPr lang="en-US" dirty="0"/>
+              <a:t>C compiler translates it to machine code</a:t>
+            </a:r>
+          </a:p>
+          <a:p>
+            <a:pPr marL="1141413" lvl="1" indent="-457200"/>
+            <a:r>
+              <a:rPr lang="en-US" dirty="0"/>
+              <a:t>Directly runnable on the hardware (hardware specific) </a:t>
+            </a:r>
+            <a:r>
+              <a:rPr lang="en-US" b="1" dirty="0"/>
+              <a:t>[Demo: X86, ARM]</a:t>
+            </a:r>
+            <a:endParaRPr lang="en-US" dirty="0"/>
+          </a:p>
+          <a:p>
+            <a:endParaRPr lang="en-US" dirty="0"/>
+          </a:p>
+        </p:txBody>
+      </p:sp>
+      <p:sp>
+        <p:nvSpPr>
+          <p:cNvPr id="3" name="Title 2">
+            <a:extLst>
+              <a:ext uri="{FF2B5EF4-FFF2-40B4-BE49-F238E27FC236}">
+                <a16:creationId xmlns:a16="http://schemas.microsoft.com/office/drawing/2014/main" id="{D0945D14-0E80-DA70-5BB2-567FAF769A57}"/>
+              </a:ext>
+            </a:extLst>
+          </p:cNvPr>
+          <p:cNvSpPr>
+            <a:spLocks noGrp="1"/>
+          </p:cNvSpPr>
+          <p:nvPr>
+            <p:ph type="title"/>
+          </p:nvPr>
+        </p:nvSpPr>
+        <p:spPr/>
+        <p:txBody>
+          <a:bodyPr/>
+          <a:lstStyle/>
+          <a:p>
+            <a:r>
+              <a:rPr lang="en-US" dirty="0"/>
+              <a:t>What is object code?</a:t>
+            </a:r>
+          </a:p>
+        </p:txBody>
+      </p:sp>
+      <p:sp>
+        <p:nvSpPr>
+          <p:cNvPr id="4" name="Subtitle 3">
+            <a:extLst>
+              <a:ext uri="{FF2B5EF4-FFF2-40B4-BE49-F238E27FC236}">
+                <a16:creationId xmlns:a16="http://schemas.microsoft.com/office/drawing/2014/main" id="{6ED97F55-6C7B-4A22-4709-77ECA8158637}"/>
+              </a:ext>
+            </a:extLst>
+          </p:cNvPr>
+          <p:cNvSpPr>
+            <a:spLocks noGrp="1"/>
+          </p:cNvSpPr>
+          <p:nvPr>
+            <p:ph type="subTitle" idx="13"/>
+          </p:nvPr>
+        </p:nvSpPr>
+        <p:spPr/>
+        <p:txBody>
+          <a:bodyPr/>
+          <a:lstStyle/>
+          <a:p>
+            <a:endParaRPr lang="en-US"/>
+          </a:p>
+        </p:txBody>
+      </p:sp>
+      <p:pic>
+        <p:nvPicPr>
+          <p:cNvPr id="1026" name="Picture 2" descr="Download C File ICON free | FreePNGimg">
+            <a:extLst>
+              <a:ext uri="{FF2B5EF4-FFF2-40B4-BE49-F238E27FC236}">
+                <a16:creationId xmlns:a16="http://schemas.microsoft.com/office/drawing/2014/main" id="{2DFE2098-A418-0BF8-DF9F-2D8122C36FBE}"/>
+              </a:ext>
+            </a:extLst>
+          </p:cNvPr>
+          <p:cNvPicPr>
+            <a:picLocks noChangeAspect="1" noChangeArrowheads="1"/>
+          </p:cNvPicPr>
+          <p:nvPr/>
+        </p:nvPicPr>
+        <p:blipFill>
+          <a:blip r:embed="rId2">
+            <a:extLst>
+              <a:ext uri="{28A0092B-C50C-407E-A947-70E740481C1C}">
+                <a14:useLocalDpi xmlns:a14="http://schemas.microsoft.com/office/drawing/2010/main" val="0"/>
+              </a:ext>
+            </a:extLst>
+          </a:blip>
+          <a:srcRect/>
+          <a:stretch>
+            <a:fillRect/>
+          </a:stretch>
+        </p:blipFill>
+        <p:spPr bwMode="auto">
+          <a:xfrm>
+            <a:off x="2009774" y="3464166"/>
+            <a:ext cx="1729685" cy="1832831"/>
+          </a:xfrm>
+          <a:prstGeom prst="rect">
+            <a:avLst/>
+          </a:prstGeom>
+          <a:noFill/>
+          <a:extLst>
+            <a:ext uri="{909E8E84-426E-40DD-AFC4-6F175D3DCCD1}">
+              <a14:hiddenFill xmlns:a14="http://schemas.microsoft.com/office/drawing/2010/main">
+                <a:solidFill>
+                  <a:srgbClr val="FFFFFF"/>
+                </a:solidFill>
+              </a14:hiddenFill>
+            </a:ext>
+          </a:extLst>
+        </p:spPr>
+      </p:pic>
+      <p:pic>
+        <p:nvPicPr>
+          <p:cNvPr id="1028" name="Picture 4" descr="Intro to x86 Assembly with FASM – Coding">
+            <a:extLst>
+              <a:ext uri="{FF2B5EF4-FFF2-40B4-BE49-F238E27FC236}">
+                <a16:creationId xmlns:a16="http://schemas.microsoft.com/office/drawing/2014/main" id="{4C88DD94-073B-6636-DC66-888919B7561E}"/>
+              </a:ext>
+            </a:extLst>
+          </p:cNvPr>
+          <p:cNvPicPr>
+            <a:picLocks noChangeAspect="1" noChangeArrowheads="1"/>
+          </p:cNvPicPr>
+          <p:nvPr/>
+        </p:nvPicPr>
+        <p:blipFill>
+          <a:blip r:embed="rId3">
+            <a:extLst>
+              <a:ext uri="{28A0092B-C50C-407E-A947-70E740481C1C}">
+                <a14:useLocalDpi xmlns:a14="http://schemas.microsoft.com/office/drawing/2010/main" val="0"/>
+              </a:ext>
+            </a:extLst>
+          </a:blip>
+          <a:srcRect/>
+          <a:stretch>
+            <a:fillRect/>
+          </a:stretch>
+        </p:blipFill>
+        <p:spPr bwMode="auto">
+          <a:xfrm>
+            <a:off x="7800908" y="3032734"/>
+            <a:ext cx="3178364" cy="2672312"/>
+          </a:xfrm>
+          <a:prstGeom prst="rect">
+            <a:avLst/>
+          </a:prstGeom>
+          <a:noFill/>
+          <a:extLst>
+            <a:ext uri="{909E8E84-426E-40DD-AFC4-6F175D3DCCD1}">
+              <a14:hiddenFill xmlns:a14="http://schemas.microsoft.com/office/drawing/2010/main">
+                <a:solidFill>
+                  <a:srgbClr val="FFFFFF"/>
+                </a:solidFill>
+              </a14:hiddenFill>
+            </a:ext>
+          </a:extLst>
+        </p:spPr>
+      </p:pic>
+      <p:pic>
+        <p:nvPicPr>
+          <p:cNvPr id="1030" name="Picture 6" descr="What is GNU Compiler Collection (GCC) | Incredibuild">
+            <a:extLst>
+              <a:ext uri="{FF2B5EF4-FFF2-40B4-BE49-F238E27FC236}">
+                <a16:creationId xmlns:a16="http://schemas.microsoft.com/office/drawing/2014/main" id="{0F2C18E3-8A40-196E-9828-C4CB1E0DB89D}"/>
+              </a:ext>
+            </a:extLst>
+          </p:cNvPr>
+          <p:cNvPicPr>
+            <a:picLocks noChangeAspect="1" noChangeArrowheads="1"/>
+          </p:cNvPicPr>
+          <p:nvPr/>
+        </p:nvPicPr>
+        <p:blipFill>
+          <a:blip r:embed="rId4">
+            <a:extLst>
+              <a:ext uri="{28A0092B-C50C-407E-A947-70E740481C1C}">
+                <a14:useLocalDpi xmlns:a14="http://schemas.microsoft.com/office/drawing/2010/main" val="0"/>
+              </a:ext>
+            </a:extLst>
+          </a:blip>
+          <a:srcRect/>
+          <a:stretch>
+            <a:fillRect/>
+          </a:stretch>
+        </p:blipFill>
+        <p:spPr bwMode="auto">
+          <a:xfrm>
+            <a:off x="4277907" y="2853408"/>
+            <a:ext cx="2867025" cy="2857500"/>
+          </a:xfrm>
+          <a:prstGeom prst="rect">
+            <a:avLst/>
+          </a:prstGeom>
+          <a:noFill/>
+          <a:extLst>
+            <a:ext uri="{909E8E84-426E-40DD-AFC4-6F175D3DCCD1}">
+              <a14:hiddenFill xmlns:a14="http://schemas.microsoft.com/office/drawing/2010/main">
+                <a:solidFill>
+                  <a:srgbClr val="FFFFFF"/>
+                </a:solidFill>
+              </a14:hiddenFill>
+            </a:ext>
+          </a:extLst>
+        </p:spPr>
+      </p:pic>
+      <p:cxnSp>
+        <p:nvCxnSpPr>
+          <p:cNvPr id="6" name="Straight Arrow Connector 5">
+            <a:extLst>
+              <a:ext uri="{FF2B5EF4-FFF2-40B4-BE49-F238E27FC236}">
+                <a16:creationId xmlns:a16="http://schemas.microsoft.com/office/drawing/2014/main" id="{E02C081C-5BE4-2629-1C65-3883FF947E2D}"/>
+              </a:ext>
+            </a:extLst>
+          </p:cNvPr>
+          <p:cNvCxnSpPr>
+            <a:stCxn id="1026" idx="3"/>
+          </p:cNvCxnSpPr>
+          <p:nvPr/>
+        </p:nvCxnSpPr>
+        <p:spPr>
+          <a:xfrm flipV="1">
+            <a:off x="3739459" y="4380581"/>
+            <a:ext cx="1031833" cy="1"/>
+          </a:xfrm>
+          <a:prstGeom prst="straightConnector1">
+            <a:avLst/>
+          </a:prstGeom>
+          <a:ln w="41275">
+            <a:tailEnd type="triangle"/>
+          </a:ln>
+        </p:spPr>
+        <p:style>
+          <a:lnRef idx="1">
+            <a:schemeClr val="dk1"/>
+          </a:lnRef>
+          <a:fillRef idx="0">
+            <a:schemeClr val="dk1"/>
+          </a:fillRef>
+          <a:effectRef idx="0">
+            <a:schemeClr val="dk1"/>
+          </a:effectRef>
+          <a:fontRef idx="minor">
+            <a:schemeClr val="tx1"/>
+          </a:fontRef>
+        </p:style>
+      </p:cxnSp>
+      <p:cxnSp>
+        <p:nvCxnSpPr>
+          <p:cNvPr id="7" name="Straight Arrow Connector 6">
+            <a:extLst>
+              <a:ext uri="{FF2B5EF4-FFF2-40B4-BE49-F238E27FC236}">
+                <a16:creationId xmlns:a16="http://schemas.microsoft.com/office/drawing/2014/main" id="{B007ACD4-9F8E-DA01-168A-C68C14014C9D}"/>
+              </a:ext>
+            </a:extLst>
+          </p:cNvPr>
+          <p:cNvCxnSpPr>
+            <a:cxnSpLocks/>
+            <a:endCxn id="1028" idx="1"/>
+          </p:cNvCxnSpPr>
+          <p:nvPr/>
+        </p:nvCxnSpPr>
+        <p:spPr>
+          <a:xfrm>
+            <a:off x="6500977" y="4368890"/>
+            <a:ext cx="1299931" cy="0"/>
+          </a:xfrm>
+          <a:prstGeom prst="straightConnector1">
+            <a:avLst/>
+          </a:prstGeom>
+          <a:ln w="41275">
+            <a:tailEnd type="triangle"/>
+          </a:ln>
+        </p:spPr>
+        <p:style>
+          <a:lnRef idx="1">
+            <a:schemeClr val="dk1"/>
+          </a:lnRef>
+          <a:fillRef idx="0">
+            <a:schemeClr val="dk1"/>
+          </a:fillRef>
+          <a:effectRef idx="0">
+            <a:schemeClr val="dk1"/>
+          </a:effectRef>
+          <a:fontRef idx="minor">
+            <a:schemeClr val="tx1"/>
+          </a:fontRef>
+        </p:style>
+      </p:cxnSp>
+    </p:spTree>
+    <p:extLst>
+      <p:ext uri="{BB962C8B-B14F-4D97-AF65-F5344CB8AC3E}">
+        <p14:creationId xmlns:p14="http://schemas.microsoft.com/office/powerpoint/2010/main" val="4223229606"/>
+      </p:ext>
+    </p:extLst>
+  </p:cSld>
+  <p:clrMapOvr>
+    <a:masterClrMapping/>
+  </p:clrMapOvr>
+  <p:timing>
+    <p:tnLst>
+      <p:par>
+        <p:cTn id="1" dur="indefinite" restart="never" nodeType="tmRoot">
+          <p:childTnLst>
+            <p:seq concurrent="1" nextAc="seek">
+              <p:cTn id="2" dur="indefinite" nodeType="mainSeq">
+                <p:childTnLst>
+                  <p:par>
+                    <p:cTn id="3" fill="hold">
+                      <p:stCondLst>
+                        <p:cond delay="indefinite"/>
+                      </p:stCondLst>
+                      <p:childTnLst>
+                        <p:par>
+                          <p:cTn id="4" fill="hold">
+                            <p:stCondLst>
+                              <p:cond delay="0"/>
+                            </p:stCondLst>
+                            <p:childTnLst>
+                              <p:par>
+                                <p:cTn id="5" presetID="1" presetClass="entr" presetSubtype="0" fill="hold" nodeType="clickEffect">
+                                  <p:stCondLst>
+                                    <p:cond delay="0"/>
+                                  </p:stCondLst>
+                                  <p:childTnLst>
+                                    <p:set>
+                                      <p:cBhvr>
+                                        <p:cTn id="6" dur="1" fill="hold">
+                                          <p:stCondLst>
+                                            <p:cond delay="0"/>
+                                          </p:stCondLst>
+                                        </p:cTn>
+                                        <p:tgtEl>
+                                          <p:spTgt spid="2">
+                                            <p:txEl>
+                                              <p:pRg st="0" end="0"/>
+                                            </p:txEl>
+                                          </p:spTgt>
+                                        </p:tgtEl>
+                                        <p:attrNameLst>
+                                          <p:attrName>style.visibility</p:attrName>
+                                        </p:attrNameLst>
+                                      </p:cBhvr>
+                                      <p:to>
+                                        <p:strVal val="visible"/>
+                                      </p:to>
+                                    </p:set>
+                                  </p:childTnLst>
+                                </p:cTn>
+                              </p:par>
+                            </p:childTnLst>
+                          </p:cTn>
+                        </p:par>
+                      </p:childTnLst>
+                    </p:cTn>
+                  </p:par>
+                  <p:par>
+                    <p:cTn id="7" fill="hold">
+                      <p:stCondLst>
+                        <p:cond delay="indefinite"/>
+                      </p:stCondLst>
+                      <p:childTnLst>
+                        <p:par>
+                          <p:cTn id="8" fill="hold">
+                            <p:stCondLst>
+                              <p:cond delay="0"/>
+                            </p:stCondLst>
+                            <p:childTnLst>
+                              <p:par>
+                                <p:cTn id="9" presetID="1" presetClass="entr" presetSubtype="0" fill="hold" nodeType="clickEffect">
+                                  <p:stCondLst>
+                                    <p:cond delay="0"/>
+                                  </p:stCondLst>
+                                  <p:childTnLst>
+                                    <p:set>
+                                      <p:cBhvr>
+                                        <p:cTn id="10" dur="1" fill="hold">
+                                          <p:stCondLst>
+                                            <p:cond delay="0"/>
+                                          </p:stCondLst>
+                                        </p:cTn>
+                                        <p:tgtEl>
+                                          <p:spTgt spid="2">
+                                            <p:txEl>
+                                              <p:pRg st="1" end="1"/>
+                                            </p:txEl>
+                                          </p:spTgt>
+                                        </p:tgtEl>
+                                        <p:attrNameLst>
+                                          <p:attrName>style.visibility</p:attrName>
+                                        </p:attrNameLst>
+                                      </p:cBhvr>
+                                      <p:to>
+                                        <p:strVal val="visible"/>
+                                      </p:to>
+                                    </p:set>
+                                  </p:childTnLst>
+                                </p:cTn>
+                              </p:par>
+                            </p:childTnLst>
+                          </p:cTn>
+                        </p:par>
+                      </p:childTnLst>
+                    </p:cTn>
+                  </p:par>
+                  <p:par>
+                    <p:cTn id="11" fill="hold">
+                      <p:stCondLst>
+                        <p:cond delay="indefinite"/>
+                      </p:stCondLst>
+                      <p:childTnLst>
+                        <p:par>
+                          <p:cTn id="12" fill="hold">
+                            <p:stCondLst>
+                              <p:cond delay="0"/>
+                            </p:stCondLst>
+                            <p:childTnLst>
+                              <p:par>
+                                <p:cTn id="13" presetID="1" presetClass="entr" presetSubtype="0" fill="hold" nodeType="clickEffect">
+                                  <p:stCondLst>
+                                    <p:cond delay="0"/>
+                                  </p:stCondLst>
+                                  <p:childTnLst>
+                                    <p:set>
+                                      <p:cBhvr>
+                                        <p:cTn id="14" dur="1" fill="hold">
+                                          <p:stCondLst>
+                                            <p:cond delay="0"/>
+                                          </p:stCondLst>
+                                        </p:cTn>
+                                        <p:tgtEl>
+                                          <p:spTgt spid="2">
+                                            <p:txEl>
+                                              <p:pRg st="2" end="2"/>
+                                            </p:txEl>
+                                          </p:spTgt>
+                                        </p:tgtEl>
+                                        <p:attrNameLst>
+                                          <p:attrName>style.visibility</p:attrName>
+                                        </p:attrNameLst>
+                                      </p:cBhvr>
+                                      <p:to>
+                                        <p:strVal val="visible"/>
+                                      </p:to>
+                                    </p:set>
+                                  </p:childTnLst>
+                                </p:cTn>
+                              </p:par>
+                            </p:childTnLst>
+                          </p:cTn>
+                        </p:par>
+                      </p:childTnLst>
+                    </p:cTn>
+                  </p:par>
+                  <p:par>
+                    <p:cTn id="15" fill="hold">
+                      <p:stCondLst>
+                        <p:cond delay="indefinite"/>
+                      </p:stCondLst>
+                      <p:childTnLst>
+                        <p:par>
+                          <p:cTn id="16" fill="hold">
+                            <p:stCondLst>
+                              <p:cond delay="0"/>
+                            </p:stCondLst>
+                            <p:childTnLst>
+                              <p:par>
+                                <p:cTn id="17" presetID="1" presetClass="entr" presetSubtype="0" fill="hold" nodeType="clickEffect">
+                                  <p:stCondLst>
+                                    <p:cond delay="0"/>
+                                  </p:stCondLst>
+                                  <p:childTnLst>
+                                    <p:set>
+                                      <p:cBhvr>
+                                        <p:cTn id="18" dur="1" fill="hold">
+                                          <p:stCondLst>
+                                            <p:cond delay="0"/>
+                                          </p:stCondLst>
+                                        </p:cTn>
+                                        <p:tgtEl>
+                                          <p:spTgt spid="1026"/>
+                                        </p:tgtEl>
+                                        <p:attrNameLst>
+                                          <p:attrName>style.visibility</p:attrName>
+                                        </p:attrNameLst>
+                                      </p:cBhvr>
+                                      <p:to>
+                                        <p:strVal val="visible"/>
+                                      </p:to>
+                                    </p:set>
+                                  </p:childTnLst>
+                                </p:cTn>
+                              </p:par>
+                            </p:childTnLst>
+                          </p:cTn>
+                        </p:par>
+                      </p:childTnLst>
+                    </p:cTn>
+                  </p:par>
+                  <p:par>
+                    <p:cTn id="19" fill="hold">
+                      <p:stCondLst>
+                        <p:cond delay="indefinite"/>
+                      </p:stCondLst>
+                      <p:childTnLst>
+                        <p:par>
+                          <p:cTn id="20" fill="hold">
+                            <p:stCondLst>
+                              <p:cond delay="0"/>
+                            </p:stCondLst>
+                            <p:childTnLst>
+                              <p:par>
+                                <p:cTn id="21" presetID="1" presetClass="entr" presetSubtype="0" fill="hold" nodeType="clickEffect">
+                                  <p:stCondLst>
+                                    <p:cond delay="0"/>
+                                  </p:stCondLst>
+                                  <p:childTnLst>
+                                    <p:set>
+                                      <p:cBhvr>
+                                        <p:cTn id="22" dur="1" fill="hold">
+                                          <p:stCondLst>
+                                            <p:cond delay="0"/>
+                                          </p:stCondLst>
+                                        </p:cTn>
+                                        <p:tgtEl>
+                                          <p:spTgt spid="6"/>
+                                        </p:tgtEl>
+                                        <p:attrNameLst>
+                                          <p:attrName>style.visibility</p:attrName>
+                                        </p:attrNameLst>
+                                      </p:cBhvr>
+                                      <p:to>
+                                        <p:strVal val="visible"/>
+                                      </p:to>
+                                    </p:set>
+                                  </p:childTnLst>
+                                </p:cTn>
+                              </p:par>
+                              <p:par>
+                                <p:cTn id="23" presetID="1" presetClass="entr" presetSubtype="0" fill="hold" nodeType="withEffect">
+                                  <p:stCondLst>
+                                    <p:cond delay="0"/>
+                                  </p:stCondLst>
+                                  <p:childTnLst>
+                                    <p:set>
+                                      <p:cBhvr>
+                                        <p:cTn id="24" dur="1" fill="hold">
+                                          <p:stCondLst>
+                                            <p:cond delay="0"/>
+                                          </p:stCondLst>
+                                        </p:cTn>
+                                        <p:tgtEl>
+                                          <p:spTgt spid="1030"/>
+                                        </p:tgtEl>
+                                        <p:attrNameLst>
+                                          <p:attrName>style.visibility</p:attrName>
+                                        </p:attrNameLst>
+                                      </p:cBhvr>
+                                      <p:to>
+                                        <p:strVal val="visible"/>
+                                      </p:to>
+                                    </p:set>
+                                  </p:childTnLst>
+                                </p:cTn>
+                              </p:par>
+                              <p:par>
+                                <p:cTn id="25" presetID="1" presetClass="entr" presetSubtype="0" fill="hold" nodeType="withEffect">
+                                  <p:stCondLst>
+                                    <p:cond delay="0"/>
+                                  </p:stCondLst>
+                                  <p:childTnLst>
+                                    <p:set>
+                                      <p:cBhvr>
+                                        <p:cTn id="26" dur="1" fill="hold">
+                                          <p:stCondLst>
+                                            <p:cond delay="0"/>
+                                          </p:stCondLst>
+                                        </p:cTn>
+                                        <p:tgtEl>
+                                          <p:spTgt spid="7"/>
+                                        </p:tgtEl>
+                                        <p:attrNameLst>
+                                          <p:attrName>style.visibility</p:attrName>
+                                        </p:attrNameLst>
+                                      </p:cBhvr>
+                                      <p:to>
+                                        <p:strVal val="visible"/>
+                                      </p:to>
+                                    </p:set>
+                                  </p:childTnLst>
+                                </p:cTn>
+                              </p:par>
+                              <p:par>
+                                <p:cTn id="27" presetID="1" presetClass="entr" presetSubtype="0" fill="hold" nodeType="withEffect">
+                                  <p:stCondLst>
+                                    <p:cond delay="0"/>
+                                  </p:stCondLst>
+                                  <p:childTnLst>
+                                    <p:set>
+                                      <p:cBhvr>
+                                        <p:cTn id="28" dur="1" fill="hold">
+                                          <p:stCondLst>
+                                            <p:cond delay="0"/>
+                                          </p:stCondLst>
+                                        </p:cTn>
+                                        <p:tgtEl>
+                                          <p:spTgt spid="1028"/>
+                                        </p:tgtEl>
+                                        <p:attrNameLst>
+                                          <p:attrName>style.visibility</p:attrName>
+                                        </p:attrNameLst>
+                                      </p:cBhvr>
+                                      <p:to>
+                                        <p:strVal val="visible"/>
+                                      </p:to>
+                                    </p:set>
+                                  </p:childTnLst>
+                                </p:cTn>
+                              </p:par>
+                            </p:childTnLst>
+                          </p:cTn>
+                        </p:par>
+                      </p:childTnLst>
+                    </p:cTn>
+                  </p:par>
+                </p:childTnLst>
+              </p:cTn>
+              <p:prevCondLst>
+                <p:cond evt="onPrev" delay="0">
+                  <p:tgtEl>
+                    <p:sldTgt/>
+                  </p:tgtEl>
+                </p:cond>
+              </p:prevCondLst>
+              <p:nextCondLst>
+                <p:cond evt="onNext" delay="0">
+                  <p:tgtEl>
+                    <p:sldTgt/>
+                  </p:tgtEl>
+                </p:cond>
+              </p:nextCondLst>
+            </p:seq>
+          </p:childTnLst>
+        </p:cTn>
+      </p:par>
+    </p:tnLst>
+  </p:timing>
+</p:sld>
+</file>
+
+<file path=ppt/slides/slide48.xml><?xml version="1.0" encoding="utf-8"?>
+<p:sld xmlns:a="http://schemas.openxmlformats.org/drawingml/2006/main" xmlns:r="http://schemas.openxmlformats.org/officeDocument/2006/relationships" xmlns:p="http://schemas.openxmlformats.org/presentationml/2006/main">
+  <p:cSld>
+    <p:spTree>
+      <p:nvGrpSpPr>
+        <p:cNvPr id="1" name="">
+          <a:extLst>
+            <a:ext uri="{FF2B5EF4-FFF2-40B4-BE49-F238E27FC236}">
+              <a16:creationId xmlns:a16="http://schemas.microsoft.com/office/drawing/2014/main" id="{FB6944C9-5540-F04A-B985-30D603215506}"/>
+            </a:ext>
+          </a:extLst>
+        </p:cNvPr>
+        <p:cNvGrpSpPr/>
+        <p:nvPr/>
+      </p:nvGrpSpPr>
+      <p:grpSpPr>
+        <a:xfrm>
+          <a:off x="0" y="0"/>
+          <a:ext cx="0" cy="0"/>
+          <a:chOff x="0" y="0"/>
+          <a:chExt cx="0" cy="0"/>
+        </a:xfrm>
+      </p:grpSpPr>
+      <p:sp>
+        <p:nvSpPr>
+          <p:cNvPr id="2" name="Content Placeholder 1">
+            <a:extLst>
+              <a:ext uri="{FF2B5EF4-FFF2-40B4-BE49-F238E27FC236}">
+                <a16:creationId xmlns:a16="http://schemas.microsoft.com/office/drawing/2014/main" id="{9A1028C5-EFAB-A296-F739-45205AED1B63}"/>
+              </a:ext>
+            </a:extLst>
+          </p:cNvPr>
+          <p:cNvSpPr>
+            <a:spLocks noGrp="1"/>
+          </p:cNvSpPr>
+          <p:nvPr>
+            <p:ph idx="1"/>
+          </p:nvPr>
+        </p:nvSpPr>
+        <p:spPr/>
+        <p:txBody>
+          <a:bodyPr/>
+          <a:lstStyle/>
+          <a:p>
+            <a:pPr marL="457200" indent="-457200">
+              <a:buFont typeface="Arial" panose="020B0604020202020204" pitchFamily="34" charset="0"/>
+              <a:buChar char="•"/>
+            </a:pPr>
+            <a:r>
+              <a:rPr lang="en-US" dirty="0"/>
+              <a:t>Object code is a representation of the source code at a lower level</a:t>
+            </a:r>
+          </a:p>
+          <a:p>
+            <a:pPr marL="457200" indent="-457200">
+              <a:buFont typeface="Arial" panose="020B0604020202020204" pitchFamily="34" charset="0"/>
+              <a:buChar char="•"/>
+            </a:pPr>
+            <a:r>
+              <a:rPr lang="en-US" dirty="0"/>
+              <a:t>Java compiler translates it to an “Intermediate Representation (bytecode)”</a:t>
+            </a:r>
+            <a:r>
+              <a:rPr lang="en-US" b="1" dirty="0"/>
+              <a:t> [Demo]</a:t>
+            </a:r>
+            <a:endParaRPr lang="en-US" dirty="0"/>
+          </a:p>
+          <a:p>
+            <a:pPr marL="1141413" lvl="1" indent="-457200"/>
+            <a:endParaRPr lang="en-US" dirty="0"/>
+          </a:p>
+          <a:p>
+            <a:endParaRPr lang="en-US" dirty="0"/>
+          </a:p>
+        </p:txBody>
+      </p:sp>
+      <p:sp>
+        <p:nvSpPr>
+          <p:cNvPr id="3" name="Title 2">
+            <a:extLst>
+              <a:ext uri="{FF2B5EF4-FFF2-40B4-BE49-F238E27FC236}">
+                <a16:creationId xmlns:a16="http://schemas.microsoft.com/office/drawing/2014/main" id="{6FA1D853-D4A0-D121-0B02-8CE3EEFEEF0C}"/>
+              </a:ext>
+            </a:extLst>
+          </p:cNvPr>
+          <p:cNvSpPr>
+            <a:spLocks noGrp="1"/>
+          </p:cNvSpPr>
+          <p:nvPr>
+            <p:ph type="title"/>
+          </p:nvPr>
+        </p:nvSpPr>
+        <p:spPr/>
+        <p:txBody>
+          <a:bodyPr/>
+          <a:lstStyle/>
+          <a:p>
+            <a:r>
+              <a:rPr lang="en-US" dirty="0"/>
+              <a:t>What is object code?</a:t>
+            </a:r>
+          </a:p>
+        </p:txBody>
+      </p:sp>
+      <p:sp>
+        <p:nvSpPr>
+          <p:cNvPr id="4" name="Subtitle 3">
+            <a:extLst>
+              <a:ext uri="{FF2B5EF4-FFF2-40B4-BE49-F238E27FC236}">
+                <a16:creationId xmlns:a16="http://schemas.microsoft.com/office/drawing/2014/main" id="{42823C0C-4A8E-083A-01EF-F7A1F7665BCC}"/>
+              </a:ext>
+            </a:extLst>
+          </p:cNvPr>
+          <p:cNvSpPr>
+            <a:spLocks noGrp="1"/>
+          </p:cNvSpPr>
+          <p:nvPr>
+            <p:ph type="subTitle" idx="13"/>
+          </p:nvPr>
+        </p:nvSpPr>
+        <p:spPr/>
+        <p:txBody>
+          <a:bodyPr/>
+          <a:lstStyle/>
+          <a:p>
+            <a:endParaRPr lang="en-US"/>
+          </a:p>
+        </p:txBody>
+      </p:sp>
+      <p:pic>
+        <p:nvPicPr>
+          <p:cNvPr id="2050" name="Picture 2" descr="Java File Viewer - Apps on Google Play">
+            <a:extLst>
+              <a:ext uri="{FF2B5EF4-FFF2-40B4-BE49-F238E27FC236}">
+                <a16:creationId xmlns:a16="http://schemas.microsoft.com/office/drawing/2014/main" id="{E7520AF0-357E-5242-05DB-126C75B730EB}"/>
+              </a:ext>
+            </a:extLst>
+          </p:cNvPr>
+          <p:cNvPicPr>
+            <a:picLocks noChangeAspect="1" noChangeArrowheads="1"/>
+          </p:cNvPicPr>
+          <p:nvPr/>
+        </p:nvPicPr>
+        <p:blipFill>
+          <a:blip r:embed="rId2" cstate="print">
+            <a:extLst>
+              <a:ext uri="{28A0092B-C50C-407E-A947-70E740481C1C}">
+                <a14:useLocalDpi xmlns:a14="http://schemas.microsoft.com/office/drawing/2010/main" val="0"/>
+              </a:ext>
+            </a:extLst>
+          </a:blip>
+          <a:srcRect/>
+          <a:stretch>
+            <a:fillRect/>
+          </a:stretch>
+        </p:blipFill>
+        <p:spPr bwMode="auto">
+          <a:xfrm>
+            <a:off x="1828801" y="2952295"/>
+            <a:ext cx="2051538" cy="2051538"/>
+          </a:xfrm>
+          <a:prstGeom prst="rect">
+            <a:avLst/>
+          </a:prstGeom>
+          <a:noFill/>
+          <a:extLst>
+            <a:ext uri="{909E8E84-426E-40DD-AFC4-6F175D3DCCD1}">
+              <a14:hiddenFill xmlns:a14="http://schemas.microsoft.com/office/drawing/2010/main">
+                <a:solidFill>
+                  <a:srgbClr val="FFFFFF"/>
+                </a:solidFill>
+              </a14:hiddenFill>
+            </a:ext>
+          </a:extLst>
+        </p:spPr>
+      </p:pic>
+      <p:sp>
+        <p:nvSpPr>
+          <p:cNvPr id="5" name="Rectangle 4">
+            <a:extLst>
+              <a:ext uri="{FF2B5EF4-FFF2-40B4-BE49-F238E27FC236}">
+                <a16:creationId xmlns:a16="http://schemas.microsoft.com/office/drawing/2014/main" id="{D54C22E7-EFB6-0B99-5A06-F0702FDFFA39}"/>
+              </a:ext>
+            </a:extLst>
+          </p:cNvPr>
+          <p:cNvSpPr/>
+          <p:nvPr/>
+        </p:nvSpPr>
+        <p:spPr>
+          <a:xfrm>
+            <a:off x="5109558" y="3516399"/>
+            <a:ext cx="1597745" cy="923330"/>
+          </a:xfrm>
+          <a:prstGeom prst="rect">
+            <a:avLst/>
+          </a:prstGeom>
+          <a:noFill/>
+        </p:spPr>
+        <p:txBody>
+          <a:bodyPr wrap="none" lIns="91440" tIns="45720" rIns="91440" bIns="45720">
+            <a:spAutoFit/>
+          </a:bodyPr>
+          <a:lstStyle/>
+          <a:p>
+            <a:pPr algn="ctr"/>
+            <a:r>
+              <a:rPr lang="en-US" sz="5400" b="0" cap="none" spc="0" dirty="0" err="1">
+                <a:ln w="0"/>
+                <a:solidFill>
+                  <a:schemeClr val="tx1"/>
+                </a:solidFill>
+                <a:effectLst>
+                  <a:outerShdw blurRad="38100" dist="19050" dir="2700000" algn="tl" rotWithShape="0">
+                    <a:schemeClr val="dk1">
+                      <a:alpha val="40000"/>
+                    </a:schemeClr>
+                  </a:outerShdw>
+                </a:effectLst>
+              </a:rPr>
+              <a:t>javac</a:t>
+            </a:r>
+            <a:endParaRPr lang="en-US" sz="5400" b="0" cap="none" spc="0" dirty="0">
+              <a:ln w="0"/>
+              <a:solidFill>
+                <a:schemeClr val="tx1"/>
+              </a:solidFill>
+              <a:effectLst>
+                <a:outerShdw blurRad="38100" dist="19050" dir="2700000" algn="tl" rotWithShape="0">
+                  <a:schemeClr val="dk1">
+                    <a:alpha val="40000"/>
+                  </a:schemeClr>
+                </a:outerShdw>
+              </a:effectLst>
+            </a:endParaRPr>
+          </a:p>
+        </p:txBody>
+      </p:sp>
+      <p:cxnSp>
+        <p:nvCxnSpPr>
+          <p:cNvPr id="9" name="Straight Arrow Connector 8">
+            <a:extLst>
+              <a:ext uri="{FF2B5EF4-FFF2-40B4-BE49-F238E27FC236}">
+                <a16:creationId xmlns:a16="http://schemas.microsoft.com/office/drawing/2014/main" id="{89B4D50C-6C08-133D-8D28-FBC1BA58868D}"/>
+              </a:ext>
+            </a:extLst>
+          </p:cNvPr>
+          <p:cNvCxnSpPr>
+            <a:stCxn id="2050" idx="3"/>
+            <a:endCxn id="5" idx="1"/>
+          </p:cNvCxnSpPr>
+          <p:nvPr/>
+        </p:nvCxnSpPr>
+        <p:spPr>
+          <a:xfrm>
+            <a:off x="3880339" y="3978064"/>
+            <a:ext cx="1229219" cy="0"/>
+          </a:xfrm>
+          <a:prstGeom prst="straightConnector1">
+            <a:avLst/>
+          </a:prstGeom>
+          <a:ln w="34925">
+            <a:tailEnd type="triangle"/>
+          </a:ln>
+        </p:spPr>
+        <p:style>
+          <a:lnRef idx="1">
+            <a:schemeClr val="dk1"/>
+          </a:lnRef>
+          <a:fillRef idx="0">
+            <a:schemeClr val="dk1"/>
+          </a:fillRef>
+          <a:effectRef idx="0">
+            <a:schemeClr val="dk1"/>
+          </a:effectRef>
+          <a:fontRef idx="minor">
+            <a:schemeClr val="tx1"/>
+          </a:fontRef>
+        </p:style>
+      </p:cxnSp>
+      <p:sp>
+        <p:nvSpPr>
+          <p:cNvPr id="11" name="TextBox 10">
+            <a:extLst>
+              <a:ext uri="{FF2B5EF4-FFF2-40B4-BE49-F238E27FC236}">
+                <a16:creationId xmlns:a16="http://schemas.microsoft.com/office/drawing/2014/main" id="{33D844EC-7954-E84D-1F5A-AEF5493D412B}"/>
+              </a:ext>
+            </a:extLst>
+          </p:cNvPr>
+          <p:cNvSpPr txBox="1"/>
+          <p:nvPr/>
+        </p:nvSpPr>
+        <p:spPr>
+          <a:xfrm>
+            <a:off x="7688635" y="1992905"/>
+            <a:ext cx="4021016" cy="3970318"/>
+          </a:xfrm>
+          <a:prstGeom prst="rect">
+            <a:avLst/>
+          </a:prstGeom>
+          <a:noFill/>
+        </p:spPr>
+        <p:txBody>
+          <a:bodyPr wrap="square" rtlCol="0">
+            <a:spAutoFit/>
+          </a:bodyPr>
+          <a:lstStyle/>
+          <a:p>
+            <a:r>
+              <a:rPr lang="en-US" sz="1400" dirty="0"/>
+              <a:t>Compiled from "MyApp.java"</a:t>
+            </a:r>
+          </a:p>
+          <a:p>
+            <a:r>
+              <a:rPr lang="en-US" sz="1400" dirty="0"/>
+              <a:t>public class </a:t>
+            </a:r>
+            <a:r>
+              <a:rPr lang="en-US" sz="1400" dirty="0" err="1"/>
+              <a:t>MyApp</a:t>
+            </a:r>
+            <a:r>
+              <a:rPr lang="en-US" sz="1400" dirty="0"/>
+              <a:t> {</a:t>
+            </a:r>
+          </a:p>
+          <a:p>
+            <a:r>
+              <a:rPr lang="en-US" sz="1400" dirty="0"/>
+              <a:t>  public </a:t>
+            </a:r>
+            <a:r>
+              <a:rPr lang="en-US" sz="1400" dirty="0" err="1"/>
+              <a:t>MyApp</a:t>
+            </a:r>
+            <a:r>
+              <a:rPr lang="en-US" sz="1400" dirty="0"/>
+              <a:t>();</a:t>
+            </a:r>
+          </a:p>
+          <a:p>
+            <a:r>
+              <a:rPr lang="en-US" sz="1400" dirty="0"/>
+              <a:t>    Code:</a:t>
+            </a:r>
+          </a:p>
+          <a:p>
+            <a:r>
+              <a:rPr lang="en-US" sz="1400" dirty="0"/>
+              <a:t>       0: aload_0</a:t>
+            </a:r>
+          </a:p>
+          <a:p>
+            <a:r>
+              <a:rPr lang="en-US" sz="1400" dirty="0"/>
+              <a:t>       1: </a:t>
+            </a:r>
+            <a:r>
+              <a:rPr lang="en-US" sz="1400" dirty="0" err="1"/>
+              <a:t>invokespecial</a:t>
+            </a:r>
+            <a:r>
+              <a:rPr lang="en-US" sz="1400" dirty="0"/>
+              <a:t> #1                  // Method java/lang/Object."&lt;</a:t>
+            </a:r>
+            <a:r>
+              <a:rPr lang="en-US" sz="1400" dirty="0" err="1"/>
+              <a:t>init</a:t>
+            </a:r>
+            <a:r>
+              <a:rPr lang="en-US" sz="1400" dirty="0"/>
+              <a:t>&gt;":()V</a:t>
+            </a:r>
+          </a:p>
+          <a:p>
+            <a:r>
+              <a:rPr lang="en-US" sz="1400" dirty="0"/>
+              <a:t>       4: return</a:t>
+            </a:r>
+          </a:p>
+          <a:p>
+            <a:endParaRPr lang="en-US" sz="1400" dirty="0"/>
+          </a:p>
+          <a:p>
+            <a:r>
+              <a:rPr lang="en-US" sz="1400" dirty="0"/>
+              <a:t>  public static void main(</a:t>
+            </a:r>
+            <a:r>
+              <a:rPr lang="en-US" sz="1400" dirty="0" err="1"/>
+              <a:t>java.lang.String</a:t>
+            </a:r>
+            <a:r>
+              <a:rPr lang="en-US" sz="1400" dirty="0"/>
+              <a:t>[]);</a:t>
+            </a:r>
+          </a:p>
+          <a:p>
+            <a:r>
+              <a:rPr lang="en-US" sz="1400" dirty="0"/>
+              <a:t>    Code:</a:t>
+            </a:r>
+          </a:p>
+          <a:p>
+            <a:r>
+              <a:rPr lang="en-US" sz="1400" dirty="0"/>
+              <a:t>       0: </a:t>
+            </a:r>
+            <a:r>
+              <a:rPr lang="en-US" sz="1400" dirty="0" err="1"/>
+              <a:t>getstatic</a:t>
+            </a:r>
+            <a:r>
+              <a:rPr lang="en-US" sz="1400" dirty="0"/>
+              <a:t>     #7                  // Field java/lang/</a:t>
+            </a:r>
+            <a:r>
+              <a:rPr lang="en-US" sz="1400" dirty="0" err="1"/>
+              <a:t>System.out:Ljava</a:t>
+            </a:r>
+            <a:r>
+              <a:rPr lang="en-US" sz="1400" dirty="0"/>
+              <a:t>/io/</a:t>
+            </a:r>
+            <a:r>
+              <a:rPr lang="en-US" sz="1400" dirty="0" err="1"/>
+              <a:t>PrintStream</a:t>
+            </a:r>
+            <a:r>
+              <a:rPr lang="en-US" sz="1400" dirty="0"/>
+              <a:t>;</a:t>
+            </a:r>
+          </a:p>
+          <a:p>
+            <a:r>
+              <a:rPr lang="en-US" sz="1400" dirty="0"/>
+              <a:t>       3: </a:t>
+            </a:r>
+            <a:r>
+              <a:rPr lang="en-US" sz="1400" dirty="0" err="1"/>
+              <a:t>ldc</a:t>
+            </a:r>
+            <a:r>
+              <a:rPr lang="en-US" sz="1400" dirty="0"/>
+              <a:t>           #13                 // String Hello!</a:t>
+            </a:r>
+          </a:p>
+          <a:p>
+            <a:r>
+              <a:rPr lang="en-US" sz="1400" dirty="0"/>
+              <a:t>       5: </a:t>
+            </a:r>
+            <a:r>
+              <a:rPr lang="en-US" sz="1400" dirty="0" err="1"/>
+              <a:t>invokevirtual</a:t>
+            </a:r>
+            <a:r>
+              <a:rPr lang="en-US" sz="1400" dirty="0"/>
+              <a:t> #15                 // Method java/io/</a:t>
+            </a:r>
+            <a:r>
+              <a:rPr lang="en-US" sz="1400" dirty="0" err="1"/>
+              <a:t>PrintStream.println</a:t>
+            </a:r>
+            <a:r>
+              <a:rPr lang="en-US" sz="1400" dirty="0"/>
+              <a:t>:(</a:t>
+            </a:r>
+            <a:r>
+              <a:rPr lang="en-US" sz="1400" dirty="0" err="1"/>
+              <a:t>Ljava</a:t>
+            </a:r>
+            <a:r>
+              <a:rPr lang="en-US" sz="1400" dirty="0"/>
+              <a:t>/lang/String;)V</a:t>
+            </a:r>
+          </a:p>
+          <a:p>
+            <a:r>
+              <a:rPr lang="en-US" sz="1400" dirty="0"/>
+              <a:t>       8: return</a:t>
+            </a:r>
+          </a:p>
+          <a:p>
+            <a:r>
+              <a:rPr lang="en-US" sz="1400" dirty="0"/>
+              <a:t>}</a:t>
+            </a:r>
+          </a:p>
+        </p:txBody>
+      </p:sp>
+      <p:cxnSp>
+        <p:nvCxnSpPr>
+          <p:cNvPr id="12" name="Straight Arrow Connector 11">
+            <a:extLst>
+              <a:ext uri="{FF2B5EF4-FFF2-40B4-BE49-F238E27FC236}">
+                <a16:creationId xmlns:a16="http://schemas.microsoft.com/office/drawing/2014/main" id="{E8268287-BB6D-A7E6-EB7F-76386B765281}"/>
+              </a:ext>
+            </a:extLst>
+          </p:cNvPr>
+          <p:cNvCxnSpPr>
+            <a:cxnSpLocks/>
+            <a:stCxn id="5" idx="3"/>
+            <a:endCxn id="11" idx="1"/>
+          </p:cNvCxnSpPr>
+          <p:nvPr/>
+        </p:nvCxnSpPr>
+        <p:spPr>
+          <a:xfrm>
+            <a:off x="6707303" y="3978064"/>
+            <a:ext cx="981332" cy="0"/>
+          </a:xfrm>
+          <a:prstGeom prst="straightConnector1">
+            <a:avLst/>
+          </a:prstGeom>
+          <a:ln w="34925">
+            <a:tailEnd type="triangle"/>
+          </a:ln>
+        </p:spPr>
+        <p:style>
+          <a:lnRef idx="1">
+            <a:schemeClr val="dk1"/>
+          </a:lnRef>
+          <a:fillRef idx="0">
+            <a:schemeClr val="dk1"/>
+          </a:fillRef>
+          <a:effectRef idx="0">
+            <a:schemeClr val="dk1"/>
+          </a:effectRef>
+          <a:fontRef idx="minor">
+            <a:schemeClr val="tx1"/>
+          </a:fontRef>
+        </p:style>
+      </p:cxnSp>
+      <p:sp>
+        <p:nvSpPr>
+          <p:cNvPr id="18" name="TextBox 17">
+            <a:extLst>
+              <a:ext uri="{FF2B5EF4-FFF2-40B4-BE49-F238E27FC236}">
+                <a16:creationId xmlns:a16="http://schemas.microsoft.com/office/drawing/2014/main" id="{D68BCAA9-A8F5-8F7C-81B3-3E5969C09DD3}"/>
+              </a:ext>
+            </a:extLst>
+          </p:cNvPr>
+          <p:cNvSpPr txBox="1"/>
+          <p:nvPr/>
+        </p:nvSpPr>
+        <p:spPr>
+          <a:xfrm>
+            <a:off x="6224954" y="5111262"/>
+            <a:ext cx="1394934" cy="369332"/>
+          </a:xfrm>
+          <a:prstGeom prst="rect">
+            <a:avLst/>
+          </a:prstGeom>
+          <a:noFill/>
+        </p:spPr>
+        <p:txBody>
+          <a:bodyPr wrap="none" rtlCol="0">
+            <a:spAutoFit/>
+          </a:bodyPr>
+          <a:lstStyle/>
+          <a:p>
+            <a:r>
+              <a:rPr lang="en-US" b="1" i="1" dirty="0" err="1"/>
+              <a:t>MyApp.class</a:t>
+            </a:r>
+            <a:endParaRPr lang="en-US" b="1" i="1" dirty="0"/>
+          </a:p>
+        </p:txBody>
+      </p:sp>
+      <p:sp>
+        <p:nvSpPr>
+          <p:cNvPr id="19" name="TextBox 18">
+            <a:extLst>
+              <a:ext uri="{FF2B5EF4-FFF2-40B4-BE49-F238E27FC236}">
+                <a16:creationId xmlns:a16="http://schemas.microsoft.com/office/drawing/2014/main" id="{C99DF073-E8DF-D9A6-D237-978A59246F4D}"/>
+              </a:ext>
+            </a:extLst>
+          </p:cNvPr>
+          <p:cNvSpPr txBox="1"/>
+          <p:nvPr/>
+        </p:nvSpPr>
+        <p:spPr>
+          <a:xfrm>
+            <a:off x="797169" y="5123876"/>
+            <a:ext cx="1974515" cy="523220"/>
+          </a:xfrm>
+          <a:prstGeom prst="rect">
+            <a:avLst/>
+          </a:prstGeom>
+          <a:noFill/>
+        </p:spPr>
+        <p:txBody>
+          <a:bodyPr wrap="none" rtlCol="0">
+            <a:spAutoFit/>
+          </a:bodyPr>
+          <a:lstStyle/>
+          <a:p>
+            <a:r>
+              <a:rPr lang="en-US" sz="2800" b="1" dirty="0"/>
+              <a:t>MyApp.java</a:t>
+            </a:r>
+          </a:p>
+        </p:txBody>
+      </p:sp>
+    </p:spTree>
+    <p:extLst>
+      <p:ext uri="{BB962C8B-B14F-4D97-AF65-F5344CB8AC3E}">
+        <p14:creationId xmlns:p14="http://schemas.microsoft.com/office/powerpoint/2010/main" val="123021635"/>
+      </p:ext>
+    </p:extLst>
+  </p:cSld>
+  <p:clrMapOvr>
+    <a:masterClrMapping/>
+  </p:clrMapOvr>
+  <p:timing>
+    <p:tnLst>
+      <p:par>
+        <p:cTn id="1" dur="indefinite" restart="never" nodeType="tmRoot">
+          <p:childTnLst>
+            <p:seq concurrent="1" nextAc="seek">
+              <p:cTn id="2" dur="indefinite" nodeType="mainSeq">
+                <p:childTnLst>
+                  <p:par>
+                    <p:cTn id="3" fill="hold">
+                      <p:stCondLst>
+                        <p:cond delay="indefinite"/>
+                      </p:stCondLst>
+                      <p:childTnLst>
+                        <p:par>
+                          <p:cTn id="4" fill="hold">
+                            <p:stCondLst>
+                              <p:cond delay="0"/>
+                            </p:stCondLst>
+                            <p:childTnLst>
+                              <p:par>
+                                <p:cTn id="5" presetID="1" presetClass="entr" presetSubtype="0" fill="hold" nodeType="clickEffect">
+                                  <p:stCondLst>
+                                    <p:cond delay="0"/>
+                                  </p:stCondLst>
+                                  <p:childTnLst>
+                                    <p:set>
+                                      <p:cBhvr>
+                                        <p:cTn id="6" dur="1" fill="hold">
+                                          <p:stCondLst>
+                                            <p:cond delay="0"/>
+                                          </p:stCondLst>
+                                        </p:cTn>
+                                        <p:tgtEl>
+                                          <p:spTgt spid="2">
+                                            <p:txEl>
+                                              <p:pRg st="1" end="1"/>
+                                            </p:txEl>
+                                          </p:spTgt>
+                                        </p:tgtEl>
+                                        <p:attrNameLst>
+                                          <p:attrName>style.visibility</p:attrName>
+                                        </p:attrNameLst>
+                                      </p:cBhvr>
+                                      <p:to>
+                                        <p:strVal val="visible"/>
+                                      </p:to>
+                                    </p:set>
+                                  </p:childTnLst>
+                                </p:cTn>
+                              </p:par>
+                            </p:childTnLst>
+                          </p:cTn>
+                        </p:par>
+                      </p:childTnLst>
+                    </p:cTn>
+                  </p:par>
+                  <p:par>
+                    <p:cTn id="7" fill="hold">
+                      <p:stCondLst>
+                        <p:cond delay="indefinite"/>
+                      </p:stCondLst>
+                      <p:childTnLst>
+                        <p:par>
+                          <p:cTn id="8" fill="hold">
+                            <p:stCondLst>
+                              <p:cond delay="0"/>
+                            </p:stCondLst>
+                            <p:childTnLst>
+                              <p:par>
+                                <p:cTn id="9" presetID="1" presetClass="entr" presetSubtype="0" fill="hold" nodeType="clickEffect">
+                                  <p:stCondLst>
+                                    <p:cond delay="0"/>
+                                  </p:stCondLst>
+                                  <p:childTnLst>
+                                    <p:set>
+                                      <p:cBhvr>
+                                        <p:cTn id="10" dur="1" fill="hold">
+                                          <p:stCondLst>
+                                            <p:cond delay="0"/>
+                                          </p:stCondLst>
+                                        </p:cTn>
+                                        <p:tgtEl>
+                                          <p:spTgt spid="2050"/>
+                                        </p:tgtEl>
+                                        <p:attrNameLst>
+                                          <p:attrName>style.visibility</p:attrName>
+                                        </p:attrNameLst>
+                                      </p:cBhvr>
+                                      <p:to>
+                                        <p:strVal val="visible"/>
+                                      </p:to>
+                                    </p:set>
+                                  </p:childTnLst>
+                                </p:cTn>
+                              </p:par>
+                              <p:par>
+                                <p:cTn id="11" presetID="1" presetClass="entr" presetSubtype="0" fill="hold" grpId="0" nodeType="withEffect">
+                                  <p:stCondLst>
+                                    <p:cond delay="0"/>
+                                  </p:stCondLst>
+                                  <p:childTnLst>
+                                    <p:set>
+                                      <p:cBhvr>
+                                        <p:cTn id="12" dur="1" fill="hold">
+                                          <p:stCondLst>
+                                            <p:cond delay="0"/>
+                                          </p:stCondLst>
+                                        </p:cTn>
+                                        <p:tgtEl>
+                                          <p:spTgt spid="19"/>
+                                        </p:tgtEl>
+                                        <p:attrNameLst>
+                                          <p:attrName>style.visibility</p:attrName>
+                                        </p:attrNameLst>
+                                      </p:cBhvr>
+                                      <p:to>
+                                        <p:strVal val="visible"/>
+                                      </p:to>
+                                    </p:set>
+                                  </p:childTnLst>
+                                </p:cTn>
+                              </p:par>
+                            </p:childTnLst>
+                          </p:cTn>
+                        </p:par>
+                      </p:childTnLst>
+                    </p:cTn>
+                  </p:par>
+                  <p:par>
+                    <p:cTn id="13" fill="hold">
+                      <p:stCondLst>
+                        <p:cond delay="indefinite"/>
+                      </p:stCondLst>
+                      <p:childTnLst>
+                        <p:par>
+                          <p:cTn id="14" fill="hold">
+                            <p:stCondLst>
+                              <p:cond delay="0"/>
+                            </p:stCondLst>
+                            <p:childTnLst>
+                              <p:par>
+                                <p:cTn id="15" presetID="1" presetClass="entr" presetSubtype="0" fill="hold" nodeType="clickEffect">
+                                  <p:stCondLst>
+                                    <p:cond delay="0"/>
+                                  </p:stCondLst>
+                                  <p:childTnLst>
+                                    <p:set>
+                                      <p:cBhvr>
+                                        <p:cTn id="16" dur="1" fill="hold">
+                                          <p:stCondLst>
+                                            <p:cond delay="0"/>
+                                          </p:stCondLst>
+                                        </p:cTn>
+                                        <p:tgtEl>
+                                          <p:spTgt spid="9"/>
+                                        </p:tgtEl>
+                                        <p:attrNameLst>
+                                          <p:attrName>style.visibility</p:attrName>
+                                        </p:attrNameLst>
+                                      </p:cBhvr>
+                                      <p:to>
+                                        <p:strVal val="visible"/>
+                                      </p:to>
+                                    </p:set>
+                                  </p:childTnLst>
+                                </p:cTn>
+                              </p:par>
+                              <p:par>
+                                <p:cTn id="17" presetID="1" presetClass="entr" presetSubtype="0" fill="hold" grpId="0" nodeType="withEffect">
+                                  <p:stCondLst>
+                                    <p:cond delay="0"/>
+                                  </p:stCondLst>
+                                  <p:childTnLst>
+                                    <p:set>
+                                      <p:cBhvr>
+                                        <p:cTn id="18" dur="1" fill="hold">
+                                          <p:stCondLst>
+                                            <p:cond delay="0"/>
+                                          </p:stCondLst>
+                                        </p:cTn>
+                                        <p:tgtEl>
+                                          <p:spTgt spid="5"/>
+                                        </p:tgtEl>
+                                        <p:attrNameLst>
+                                          <p:attrName>style.visibility</p:attrName>
+                                        </p:attrNameLst>
+                                      </p:cBhvr>
+                                      <p:to>
+                                        <p:strVal val="visible"/>
+                                      </p:to>
+                                    </p:set>
+                                  </p:childTnLst>
+                                </p:cTn>
+                              </p:par>
+                              <p:par>
+                                <p:cTn id="19" presetID="1" presetClass="entr" presetSubtype="0" fill="hold" nodeType="withEffect">
+                                  <p:stCondLst>
+                                    <p:cond delay="0"/>
+                                  </p:stCondLst>
+                                  <p:childTnLst>
+                                    <p:set>
+                                      <p:cBhvr>
+                                        <p:cTn id="20" dur="1" fill="hold">
+                                          <p:stCondLst>
+                                            <p:cond delay="0"/>
+                                          </p:stCondLst>
+                                        </p:cTn>
+                                        <p:tgtEl>
+                                          <p:spTgt spid="12"/>
+                                        </p:tgtEl>
+                                        <p:attrNameLst>
+                                          <p:attrName>style.visibility</p:attrName>
+                                        </p:attrNameLst>
+                                      </p:cBhvr>
+                                      <p:to>
+                                        <p:strVal val="visible"/>
+                                      </p:to>
+                                    </p:set>
+                                  </p:childTnLst>
+                                </p:cTn>
+                              </p:par>
+                              <p:par>
+                                <p:cTn id="21" presetID="1" presetClass="entr" presetSubtype="0" fill="hold" grpId="0" nodeType="withEffect">
+                                  <p:stCondLst>
+                                    <p:cond delay="0"/>
+                                  </p:stCondLst>
+                                  <p:childTnLst>
+                                    <p:set>
+                                      <p:cBhvr>
+                                        <p:cTn id="22" dur="1" fill="hold">
+                                          <p:stCondLst>
+                                            <p:cond delay="0"/>
+                                          </p:stCondLst>
+                                        </p:cTn>
+                                        <p:tgtEl>
+                                          <p:spTgt spid="11"/>
+                                        </p:tgtEl>
+                                        <p:attrNameLst>
+                                          <p:attrName>style.visibility</p:attrName>
+                                        </p:attrNameLst>
+                                      </p:cBhvr>
+                                      <p:to>
+                                        <p:strVal val="visible"/>
+                                      </p:to>
+                                    </p:set>
+                                  </p:childTnLst>
+                                </p:cTn>
+                              </p:par>
+                              <p:par>
+                                <p:cTn id="23" presetID="1" presetClass="entr" presetSubtype="0" fill="hold" grpId="0" nodeType="withEffect">
+                                  <p:stCondLst>
+                                    <p:cond delay="0"/>
+                                  </p:stCondLst>
+                                  <p:childTnLst>
+                                    <p:set>
+                                      <p:cBhvr>
+                                        <p:cTn id="24" dur="1" fill="hold">
+                                          <p:stCondLst>
+                                            <p:cond delay="0"/>
+                                          </p:stCondLst>
+                                        </p:cTn>
+                                        <p:tgtEl>
+                                          <p:spTgt spid="18"/>
+                                        </p:tgtEl>
+                                        <p:attrNameLst>
+                                          <p:attrName>style.visibility</p:attrName>
+                                        </p:attrNameLst>
+                                      </p:cBhvr>
+                                      <p:to>
+                                        <p:strVal val="visible"/>
+                                      </p:to>
+                                    </p:set>
+                                  </p:childTnLst>
+                                </p:cTn>
+                              </p:par>
+                            </p:childTnLst>
+                          </p:cTn>
+                        </p:par>
+                      </p:childTnLst>
+                    </p:cTn>
+                  </p:par>
+                </p:childTnLst>
+              </p:cTn>
+              <p:prevCondLst>
+                <p:cond evt="onPrev" delay="0">
+                  <p:tgtEl>
+                    <p:sldTgt/>
+                  </p:tgtEl>
+                </p:cond>
+              </p:prevCondLst>
+              <p:nextCondLst>
+                <p:cond evt="onNext" delay="0">
+                  <p:tgtEl>
+                    <p:sldTgt/>
+                  </p:tgtEl>
+                </p:cond>
+              </p:nextCondLst>
+            </p:seq>
+          </p:childTnLst>
+        </p:cTn>
+      </p:par>
+    </p:tnLst>
+    <p:bldLst>
+      <p:bldP spid="5" grpId="0"/>
+      <p:bldP spid="11" grpId="0"/>
+      <p:bldP spid="18" grpId="0"/>
+      <p:bldP spid="19" grpId="0"/>
+    </p:bldLst>
+  </p:timing>
+</p:sld>
+</file>
+
+<file path=ppt/slides/slide49.xml><?xml version="1.0" encoding="utf-8"?>
+<p:sld xmlns:a="http://schemas.openxmlformats.org/drawingml/2006/main" xmlns:r="http://schemas.openxmlformats.org/officeDocument/2006/relationships" xmlns:p="http://schemas.openxmlformats.org/presentationml/2006/main">
+  <p:cSld>
+    <p:spTree>
+      <p:nvGrpSpPr>
+        <p:cNvPr id="1" name=""/>
+        <p:cNvGrpSpPr/>
+        <p:nvPr/>
+      </p:nvGrpSpPr>
+      <p:grpSpPr>
+        <a:xfrm>
+          <a:off x="0" y="0"/>
+          <a:ext cx="0" cy="0"/>
+          <a:chOff x="0" y="0"/>
+          <a:chExt cx="0" cy="0"/>
+        </a:xfrm>
+      </p:grpSpPr>
+      <p:sp>
+        <p:nvSpPr>
+          <p:cNvPr id="2" name="Content Placeholder 1">
+            <a:extLst>
+              <a:ext uri="{FF2B5EF4-FFF2-40B4-BE49-F238E27FC236}">
+                <a16:creationId xmlns:a16="http://schemas.microsoft.com/office/drawing/2014/main" id="{98CBE410-E5E3-4A3F-349D-8FDB1A0072DE}"/>
+              </a:ext>
+            </a:extLst>
+          </p:cNvPr>
+          <p:cNvSpPr>
+            <a:spLocks noGrp="1"/>
+          </p:cNvSpPr>
+          <p:nvPr>
+            <p:ph idx="1"/>
+          </p:nvPr>
+        </p:nvSpPr>
+        <p:spPr/>
+        <p:txBody>
+          <a:bodyPr/>
+          <a:lstStyle/>
+          <a:p>
+            <a:pPr marL="457200" indent="-457200">
+              <a:buFont typeface="Arial" panose="020B0604020202020204" pitchFamily="34" charset="0"/>
+              <a:buChar char="•"/>
+            </a:pPr>
+            <a:r>
+              <a:rPr lang="en-US" dirty="0"/>
+              <a:t>Hardware does not know how to run Java bytecode</a:t>
+            </a:r>
+          </a:p>
+          <a:p>
+            <a:pPr marL="457200" indent="-457200">
+              <a:buFont typeface="Arial" panose="020B0604020202020204" pitchFamily="34" charset="0"/>
+              <a:buChar char="•"/>
+            </a:pPr>
+            <a:r>
+              <a:rPr lang="en-US" dirty="0"/>
+              <a:t>Needs a Java Virtual Machine (JVM) to execute the bytecode instructions at runtime</a:t>
+            </a:r>
+          </a:p>
+        </p:txBody>
+      </p:sp>
+      <p:sp>
+        <p:nvSpPr>
+          <p:cNvPr id="3" name="Title 2">
+            <a:extLst>
+              <a:ext uri="{FF2B5EF4-FFF2-40B4-BE49-F238E27FC236}">
+                <a16:creationId xmlns:a16="http://schemas.microsoft.com/office/drawing/2014/main" id="{DB99CE01-2051-555A-0107-CE53AADC20DB}"/>
+              </a:ext>
+            </a:extLst>
+          </p:cNvPr>
+          <p:cNvSpPr>
+            <a:spLocks noGrp="1"/>
+          </p:cNvSpPr>
+          <p:nvPr>
+            <p:ph type="title"/>
+          </p:nvPr>
+        </p:nvSpPr>
+        <p:spPr/>
+        <p:txBody>
+          <a:bodyPr/>
+          <a:lstStyle/>
+          <a:p>
+            <a:r>
+              <a:rPr lang="en-US" dirty="0"/>
+              <a:t>Java bytecode interpretation </a:t>
+            </a:r>
+          </a:p>
+        </p:txBody>
+      </p:sp>
+      <p:sp>
+        <p:nvSpPr>
+          <p:cNvPr id="4" name="Subtitle 3">
+            <a:extLst>
+              <a:ext uri="{FF2B5EF4-FFF2-40B4-BE49-F238E27FC236}">
+                <a16:creationId xmlns:a16="http://schemas.microsoft.com/office/drawing/2014/main" id="{53F62996-C03B-725B-D932-C0F528176D58}"/>
+              </a:ext>
+            </a:extLst>
+          </p:cNvPr>
+          <p:cNvSpPr>
+            <a:spLocks noGrp="1"/>
+          </p:cNvSpPr>
+          <p:nvPr>
+            <p:ph type="subTitle" idx="13"/>
+          </p:nvPr>
+        </p:nvSpPr>
+        <p:spPr/>
+        <p:txBody>
+          <a:bodyPr/>
+          <a:lstStyle/>
+          <a:p>
+            <a:endParaRPr lang="en-US"/>
+          </a:p>
+        </p:txBody>
+      </p:sp>
+      <p:sp>
+        <p:nvSpPr>
+          <p:cNvPr id="5" name="Rectangle 4">
+            <a:extLst>
+              <a:ext uri="{FF2B5EF4-FFF2-40B4-BE49-F238E27FC236}">
+                <a16:creationId xmlns:a16="http://schemas.microsoft.com/office/drawing/2014/main" id="{C907D292-881A-D9DD-E215-615E1C82B913}"/>
+              </a:ext>
+            </a:extLst>
+          </p:cNvPr>
+          <p:cNvSpPr/>
+          <p:nvPr/>
+        </p:nvSpPr>
+        <p:spPr>
+          <a:xfrm>
+            <a:off x="653704" y="3724228"/>
+            <a:ext cx="2281394" cy="584775"/>
+          </a:xfrm>
+          <a:prstGeom prst="rect">
+            <a:avLst/>
+          </a:prstGeom>
+          <a:noFill/>
+        </p:spPr>
+        <p:txBody>
+          <a:bodyPr wrap="none" lIns="91440" tIns="45720" rIns="91440" bIns="45720">
+            <a:spAutoFit/>
+          </a:bodyPr>
+          <a:lstStyle/>
+          <a:p>
+            <a:pPr algn="ctr"/>
+            <a:r>
+              <a:rPr lang="en-US" sz="3200" b="0" cap="none" spc="0" dirty="0" err="1">
+                <a:ln w="0"/>
+                <a:solidFill>
+                  <a:schemeClr val="tx1"/>
+                </a:solidFill>
+                <a:effectLst>
+                  <a:outerShdw blurRad="38100" dist="19050" dir="2700000" algn="tl" rotWithShape="0">
+                    <a:schemeClr val="dk1">
+                      <a:alpha val="40000"/>
+                    </a:schemeClr>
+                  </a:outerShdw>
+                </a:effectLst>
+              </a:rPr>
+              <a:t>MyApp.class</a:t>
+            </a:r>
+            <a:endParaRPr lang="en-US" sz="3200" b="0" cap="none" spc="0" dirty="0">
+              <a:ln w="0"/>
+              <a:solidFill>
+                <a:schemeClr val="tx1"/>
+              </a:solidFill>
+              <a:effectLst>
+                <a:outerShdw blurRad="38100" dist="19050" dir="2700000" algn="tl" rotWithShape="0">
+                  <a:schemeClr val="dk1">
+                    <a:alpha val="40000"/>
+                  </a:schemeClr>
+                </a:outerShdw>
+              </a:effectLst>
+            </a:endParaRPr>
+          </a:p>
+        </p:txBody>
+      </p:sp>
+      <p:pic>
+        <p:nvPicPr>
+          <p:cNvPr id="3074" name="Picture 2" descr="What is JVM (Java Virtual Machine)? with Architecture: JAVA Programming  Tutorial">
+            <a:extLst>
+              <a:ext uri="{FF2B5EF4-FFF2-40B4-BE49-F238E27FC236}">
+                <a16:creationId xmlns:a16="http://schemas.microsoft.com/office/drawing/2014/main" id="{528A33B2-143B-5F78-410A-A04E92D407B9}"/>
+              </a:ext>
+            </a:extLst>
+          </p:cNvPr>
+          <p:cNvPicPr>
+            <a:picLocks noChangeAspect="1" noChangeArrowheads="1"/>
+          </p:cNvPicPr>
+          <p:nvPr/>
+        </p:nvPicPr>
+        <p:blipFill>
+          <a:blip r:embed="rId3" cstate="print">
+            <a:extLst>
+              <a:ext uri="{28A0092B-C50C-407E-A947-70E740481C1C}">
+                <a14:useLocalDpi xmlns:a14="http://schemas.microsoft.com/office/drawing/2010/main" val="0"/>
+              </a:ext>
+            </a:extLst>
+          </a:blip>
+          <a:srcRect/>
+          <a:stretch>
+            <a:fillRect/>
+          </a:stretch>
+        </p:blipFill>
+        <p:spPr bwMode="auto">
+          <a:xfrm>
+            <a:off x="3411416" y="3072909"/>
+            <a:ext cx="3355402" cy="1887414"/>
+          </a:xfrm>
+          <a:prstGeom prst="rect">
+            <a:avLst/>
+          </a:prstGeom>
+          <a:noFill/>
+          <a:extLst>
+            <a:ext uri="{909E8E84-426E-40DD-AFC4-6F175D3DCCD1}">
+              <a14:hiddenFill xmlns:a14="http://schemas.microsoft.com/office/drawing/2010/main">
+                <a:solidFill>
+                  <a:srgbClr val="FFFFFF"/>
+                </a:solidFill>
+              </a14:hiddenFill>
+            </a:ext>
+          </a:extLst>
+        </p:spPr>
+      </p:pic>
+      <p:cxnSp>
+        <p:nvCxnSpPr>
+          <p:cNvPr id="8" name="Straight Arrow Connector 7">
+            <a:extLst>
+              <a:ext uri="{FF2B5EF4-FFF2-40B4-BE49-F238E27FC236}">
+                <a16:creationId xmlns:a16="http://schemas.microsoft.com/office/drawing/2014/main" id="{68E9F0CB-AE7D-CFCC-12CC-5CFE6AA50D62}"/>
+              </a:ext>
+            </a:extLst>
+          </p:cNvPr>
+          <p:cNvCxnSpPr>
+            <a:stCxn id="5" idx="3"/>
+            <a:endCxn id="3074" idx="1"/>
+          </p:cNvCxnSpPr>
+          <p:nvPr/>
+        </p:nvCxnSpPr>
+        <p:spPr>
+          <a:xfrm>
+            <a:off x="2935098" y="4016616"/>
+            <a:ext cx="476318" cy="0"/>
+          </a:xfrm>
+          <a:prstGeom prst="straightConnector1">
+            <a:avLst/>
+          </a:prstGeom>
+          <a:ln w="34925">
+            <a:tailEnd type="triangle"/>
+          </a:ln>
+        </p:spPr>
+        <p:style>
+          <a:lnRef idx="1">
+            <a:schemeClr val="dk1"/>
+          </a:lnRef>
+          <a:fillRef idx="0">
+            <a:schemeClr val="dk1"/>
+          </a:fillRef>
+          <a:effectRef idx="0">
+            <a:schemeClr val="dk1"/>
+          </a:effectRef>
+          <a:fontRef idx="minor">
+            <a:schemeClr val="tx1"/>
+          </a:fontRef>
+        </p:style>
+      </p:cxnSp>
+      <p:cxnSp>
+        <p:nvCxnSpPr>
+          <p:cNvPr id="11" name="Connector: Elbow 10">
+            <a:extLst>
+              <a:ext uri="{FF2B5EF4-FFF2-40B4-BE49-F238E27FC236}">
+                <a16:creationId xmlns:a16="http://schemas.microsoft.com/office/drawing/2014/main" id="{DC3355A0-02AD-3121-76C2-F56736E6DFB7}"/>
+              </a:ext>
+            </a:extLst>
+          </p:cNvPr>
+          <p:cNvCxnSpPr>
+            <a:stCxn id="3074" idx="0"/>
+            <a:endCxn id="3074" idx="3"/>
+          </p:cNvCxnSpPr>
+          <p:nvPr/>
+        </p:nvCxnSpPr>
+        <p:spPr>
+          <a:xfrm rot="16200000" flipH="1">
+            <a:off x="5456113" y="2705912"/>
+            <a:ext cx="943707" cy="1677701"/>
+          </a:xfrm>
+          <a:prstGeom prst="bentConnector4">
+            <a:avLst>
+              <a:gd name="adj1" fmla="val -62733"/>
+              <a:gd name="adj2" fmla="val 154154"/>
+            </a:avLst>
+          </a:prstGeom>
+          <a:ln w="28575">
+            <a:solidFill>
+              <a:schemeClr val="tx1"/>
+            </a:solidFill>
+            <a:tailEnd type="triangle"/>
+          </a:ln>
+        </p:spPr>
+        <p:style>
+          <a:lnRef idx="1">
+            <a:schemeClr val="accent1"/>
+          </a:lnRef>
+          <a:fillRef idx="0">
+            <a:schemeClr val="accent1"/>
+          </a:fillRef>
+          <a:effectRef idx="0">
+            <a:schemeClr val="accent1"/>
+          </a:effectRef>
+          <a:fontRef idx="minor">
+            <a:schemeClr val="tx1"/>
+          </a:fontRef>
+        </p:style>
+      </p:cxnSp>
+      <p:cxnSp>
+        <p:nvCxnSpPr>
+          <p:cNvPr id="14" name="Straight Arrow Connector 13">
+            <a:extLst>
+              <a:ext uri="{FF2B5EF4-FFF2-40B4-BE49-F238E27FC236}">
+                <a16:creationId xmlns:a16="http://schemas.microsoft.com/office/drawing/2014/main" id="{7DB8F1E0-AD85-2573-19CA-6F0B3A12B490}"/>
+              </a:ext>
+            </a:extLst>
+          </p:cNvPr>
+          <p:cNvCxnSpPr>
+            <a:cxnSpLocks/>
+          </p:cNvCxnSpPr>
+          <p:nvPr/>
+        </p:nvCxnSpPr>
+        <p:spPr>
+          <a:xfrm>
+            <a:off x="6766817" y="4527651"/>
+            <a:ext cx="3221245" cy="0"/>
+          </a:xfrm>
+          <a:prstGeom prst="straightConnector1">
+            <a:avLst/>
+          </a:prstGeom>
+          <a:ln w="34925">
+            <a:tailEnd type="triangle"/>
+          </a:ln>
+        </p:spPr>
+        <p:style>
+          <a:lnRef idx="1">
+            <a:schemeClr val="dk1"/>
+          </a:lnRef>
+          <a:fillRef idx="0">
+            <a:schemeClr val="dk1"/>
+          </a:fillRef>
+          <a:effectRef idx="0">
+            <a:schemeClr val="dk1"/>
+          </a:effectRef>
+          <a:fontRef idx="minor">
+            <a:schemeClr val="tx1"/>
+          </a:fontRef>
+        </p:style>
+      </p:cxnSp>
+      <p:sp>
+        <p:nvSpPr>
+          <p:cNvPr id="16" name="Rectangle: Rounded Corners 15">
+            <a:extLst>
+              <a:ext uri="{FF2B5EF4-FFF2-40B4-BE49-F238E27FC236}">
+                <a16:creationId xmlns:a16="http://schemas.microsoft.com/office/drawing/2014/main" id="{B8FA26CD-1582-32D2-6F38-AB1B3DCC6D29}"/>
+              </a:ext>
+            </a:extLst>
+          </p:cNvPr>
+          <p:cNvSpPr/>
+          <p:nvPr/>
+        </p:nvSpPr>
+        <p:spPr>
+          <a:xfrm>
+            <a:off x="6766817" y="2201774"/>
+            <a:ext cx="1676399" cy="633046"/>
+          </a:xfrm>
+          <a:prstGeom prst="roundRect">
+            <a:avLst/>
+          </a:prstGeom>
+        </p:spPr>
+        <p:style>
+          <a:lnRef idx="2">
+            <a:schemeClr val="accent1">
+              <a:shade val="15000"/>
+            </a:schemeClr>
+          </a:lnRef>
+          <a:fillRef idx="1">
+            <a:schemeClr val="accent1"/>
+          </a:fillRef>
+          <a:effectRef idx="0">
+            <a:schemeClr val="accent1"/>
+          </a:effectRef>
+          <a:fontRef idx="minor">
+            <a:schemeClr val="lt1"/>
+          </a:fontRef>
+        </p:style>
+        <p:txBody>
+          <a:bodyPr rtlCol="0" anchor="ctr"/>
+          <a:lstStyle/>
+          <a:p>
+            <a:pPr algn="ctr"/>
+            <a:r>
+              <a:rPr lang="en-US" sz="2000" i="1" dirty="0">
+                <a:ln w="0"/>
+                <a:solidFill>
+                  <a:schemeClr val="tx1"/>
+                </a:solidFill>
+                <a:effectLst>
+                  <a:outerShdw blurRad="38100" dist="19050" dir="2700000" algn="tl" rotWithShape="0">
+                    <a:schemeClr val="dk1">
+                      <a:alpha val="40000"/>
+                    </a:schemeClr>
+                  </a:outerShdw>
+                </a:effectLst>
+              </a:rPr>
+              <a:t>INTERPRETER</a:t>
+            </a:r>
+            <a:endParaRPr lang="en-US" b="1" i="1" dirty="0"/>
+          </a:p>
+        </p:txBody>
+      </p:sp>
+      <p:sp>
+        <p:nvSpPr>
+          <p:cNvPr id="17" name="Rectangle: Rounded Corners 16">
+            <a:extLst>
+              <a:ext uri="{FF2B5EF4-FFF2-40B4-BE49-F238E27FC236}">
+                <a16:creationId xmlns:a16="http://schemas.microsoft.com/office/drawing/2014/main" id="{7402C5F9-8B6D-0DF1-040C-2D40974EAFE8}"/>
+              </a:ext>
+            </a:extLst>
+          </p:cNvPr>
+          <p:cNvSpPr/>
+          <p:nvPr/>
+        </p:nvSpPr>
+        <p:spPr>
+          <a:xfrm>
+            <a:off x="7605016" y="4211128"/>
+            <a:ext cx="1676399" cy="633046"/>
+          </a:xfrm>
+          <a:prstGeom prst="roundRect">
+            <a:avLst/>
+          </a:prstGeom>
+          <a:solidFill>
+            <a:schemeClr val="accent2"/>
+          </a:solidFill>
+        </p:spPr>
+        <p:style>
+          <a:lnRef idx="2">
+            <a:schemeClr val="accent1">
+              <a:shade val="15000"/>
+            </a:schemeClr>
+          </a:lnRef>
+          <a:fillRef idx="1">
+            <a:schemeClr val="accent1"/>
+          </a:fillRef>
+          <a:effectRef idx="0">
+            <a:schemeClr val="accent1"/>
+          </a:effectRef>
+          <a:fontRef idx="minor">
+            <a:schemeClr val="lt1"/>
+          </a:fontRef>
+        </p:style>
+        <p:txBody>
+          <a:bodyPr rtlCol="0" anchor="ctr"/>
+          <a:lstStyle/>
+          <a:p>
+            <a:pPr algn="ctr"/>
+            <a:r>
+              <a:rPr lang="en-US" sz="2000" i="1" dirty="0">
+                <a:ln w="0"/>
+                <a:solidFill>
+                  <a:schemeClr val="tx1"/>
+                </a:solidFill>
+                <a:effectLst>
+                  <a:outerShdw blurRad="38100" dist="19050" dir="2700000" algn="tl" rotWithShape="0">
+                    <a:schemeClr val="dk1">
+                      <a:alpha val="40000"/>
+                    </a:schemeClr>
+                  </a:outerShdw>
+                </a:effectLst>
+              </a:rPr>
+              <a:t>Just-in-Time Compiler</a:t>
+            </a:r>
+            <a:endParaRPr lang="en-US" b="1" i="1" dirty="0"/>
+          </a:p>
+        </p:txBody>
+      </p:sp>
+      <p:pic>
+        <p:nvPicPr>
+          <p:cNvPr id="31" name="Picture 4" descr="Intro to x86 Assembly with FASM – Coding">
+            <a:extLst>
+              <a:ext uri="{FF2B5EF4-FFF2-40B4-BE49-F238E27FC236}">
+                <a16:creationId xmlns:a16="http://schemas.microsoft.com/office/drawing/2014/main" id="{BF6E4F2B-2EB4-0ACA-EDC8-A2A4EC1482D3}"/>
+              </a:ext>
+            </a:extLst>
+          </p:cNvPr>
+          <p:cNvPicPr>
+            <a:picLocks noChangeAspect="1" noChangeArrowheads="1"/>
+          </p:cNvPicPr>
+          <p:nvPr/>
+        </p:nvPicPr>
+        <p:blipFill>
+          <a:blip r:embed="rId4">
+            <a:extLst>
+              <a:ext uri="{28A0092B-C50C-407E-A947-70E740481C1C}">
+                <a14:useLocalDpi xmlns:a14="http://schemas.microsoft.com/office/drawing/2010/main" val="0"/>
+              </a:ext>
+            </a:extLst>
+          </a:blip>
+          <a:srcRect/>
+          <a:stretch>
+            <a:fillRect/>
+          </a:stretch>
+        </p:blipFill>
+        <p:spPr bwMode="auto">
+          <a:xfrm>
+            <a:off x="9988062" y="3724228"/>
+            <a:ext cx="2026514" cy="1703857"/>
+          </a:xfrm>
+          <a:prstGeom prst="rect">
+            <a:avLst/>
+          </a:prstGeom>
+          <a:noFill/>
+          <a:extLst>
+            <a:ext uri="{909E8E84-426E-40DD-AFC4-6F175D3DCCD1}">
+              <a14:hiddenFill xmlns:a14="http://schemas.microsoft.com/office/drawing/2010/main">
+                <a:solidFill>
+                  <a:srgbClr val="FFFFFF"/>
+                </a:solidFill>
+              </a14:hiddenFill>
+            </a:ext>
+          </a:extLst>
+        </p:spPr>
+      </p:pic>
+      <p:sp>
+        <p:nvSpPr>
+          <p:cNvPr id="32" name="TextBox 31">
+            <a:extLst>
+              <a:ext uri="{FF2B5EF4-FFF2-40B4-BE49-F238E27FC236}">
+                <a16:creationId xmlns:a16="http://schemas.microsoft.com/office/drawing/2014/main" id="{B34F9741-801D-78CD-4995-12D9907C1E7C}"/>
+              </a:ext>
+            </a:extLst>
+          </p:cNvPr>
+          <p:cNvSpPr txBox="1"/>
+          <p:nvPr/>
+        </p:nvSpPr>
+        <p:spPr>
+          <a:xfrm>
+            <a:off x="3962400" y="5205046"/>
+            <a:ext cx="986167" cy="523220"/>
+          </a:xfrm>
+          <a:prstGeom prst="rect">
+            <a:avLst/>
+          </a:prstGeom>
+          <a:noFill/>
+        </p:spPr>
+        <p:txBody>
+          <a:bodyPr wrap="none" rtlCol="0">
+            <a:spAutoFit/>
+          </a:bodyPr>
+          <a:lstStyle/>
+          <a:p>
+            <a:r>
+              <a:rPr lang="en-US" sz="2800" dirty="0"/>
+              <a:t>[java]</a:t>
+            </a:r>
+          </a:p>
+        </p:txBody>
+      </p:sp>
+    </p:spTree>
+    <p:extLst>
+      <p:ext uri="{BB962C8B-B14F-4D97-AF65-F5344CB8AC3E}">
+        <p14:creationId xmlns:p14="http://schemas.microsoft.com/office/powerpoint/2010/main" val="827112876"/>
+      </p:ext>
+    </p:extLst>
+  </p:cSld>
+  <p:clrMapOvr>
+    <a:masterClrMapping/>
+  </p:clrMapOvr>
+  <p:timing>
+    <p:tnLst>
+      <p:par>
+        <p:cTn id="1" dur="indefinite" restart="never" nodeType="tmRoot">
+          <p:childTnLst>
+            <p:seq concurrent="1" nextAc="seek">
+              <p:cTn id="2" dur="indefinite" nodeType="mainSeq">
+                <p:childTnLst>
+                  <p:par>
+                    <p:cTn id="3" fill="hold">
+                      <p:stCondLst>
+                        <p:cond delay="indefinite"/>
+                      </p:stCondLst>
+                      <p:childTnLst>
+                        <p:par>
+                          <p:cTn id="4" fill="hold">
+                            <p:stCondLst>
+                              <p:cond delay="0"/>
+                            </p:stCondLst>
+                            <p:childTnLst>
+                              <p:par>
+                                <p:cTn id="5" presetID="1" presetClass="entr" presetSubtype="0" fill="hold" grpId="0" nodeType="clickEffect">
+                                  <p:stCondLst>
+                                    <p:cond delay="0"/>
+                                  </p:stCondLst>
+                                  <p:childTnLst>
+                                    <p:set>
+                                      <p:cBhvr>
+                                        <p:cTn id="6" dur="1" fill="hold">
+                                          <p:stCondLst>
+                                            <p:cond delay="0"/>
+                                          </p:stCondLst>
+                                        </p:cTn>
+                                        <p:tgtEl>
+                                          <p:spTgt spid="5"/>
+                                        </p:tgtEl>
+                                        <p:attrNameLst>
+                                          <p:attrName>style.visibility</p:attrName>
+                                        </p:attrNameLst>
+                                      </p:cBhvr>
+                                      <p:to>
+                                        <p:strVal val="visible"/>
+                                      </p:to>
+                                    </p:set>
+                                  </p:childTnLst>
+                                </p:cTn>
+                              </p:par>
+                              <p:par>
+                                <p:cTn id="7" presetID="1" presetClass="entr" presetSubtype="0" fill="hold" nodeType="withEffect">
+                                  <p:stCondLst>
+                                    <p:cond delay="0"/>
+                                  </p:stCondLst>
+                                  <p:childTnLst>
+                                    <p:set>
+                                      <p:cBhvr>
+                                        <p:cTn id="8" dur="1" fill="hold">
+                                          <p:stCondLst>
+                                            <p:cond delay="0"/>
+                                          </p:stCondLst>
+                                        </p:cTn>
+                                        <p:tgtEl>
+                                          <p:spTgt spid="8"/>
+                                        </p:tgtEl>
+                                        <p:attrNameLst>
+                                          <p:attrName>style.visibility</p:attrName>
+                                        </p:attrNameLst>
+                                      </p:cBhvr>
+                                      <p:to>
+                                        <p:strVal val="visible"/>
+                                      </p:to>
+                                    </p:set>
+                                  </p:childTnLst>
+                                </p:cTn>
+                              </p:par>
+                              <p:par>
+                                <p:cTn id="9" presetID="1" presetClass="entr" presetSubtype="0" fill="hold" nodeType="withEffect">
+                                  <p:stCondLst>
+                                    <p:cond delay="0"/>
+                                  </p:stCondLst>
+                                  <p:childTnLst>
+                                    <p:set>
+                                      <p:cBhvr>
+                                        <p:cTn id="10" dur="1" fill="hold">
+                                          <p:stCondLst>
+                                            <p:cond delay="0"/>
+                                          </p:stCondLst>
+                                        </p:cTn>
+                                        <p:tgtEl>
+                                          <p:spTgt spid="3074"/>
+                                        </p:tgtEl>
+                                        <p:attrNameLst>
+                                          <p:attrName>style.visibility</p:attrName>
+                                        </p:attrNameLst>
+                                      </p:cBhvr>
+                                      <p:to>
+                                        <p:strVal val="visible"/>
+                                      </p:to>
+                                    </p:set>
+                                  </p:childTnLst>
+                                </p:cTn>
+                              </p:par>
+                            </p:childTnLst>
+                          </p:cTn>
+                        </p:par>
+                      </p:childTnLst>
+                    </p:cTn>
+                  </p:par>
+                  <p:par>
+                    <p:cTn id="11" fill="hold">
+                      <p:stCondLst>
+                        <p:cond delay="indefinite"/>
+                      </p:stCondLst>
+                      <p:childTnLst>
+                        <p:par>
+                          <p:cTn id="12" fill="hold">
+                            <p:stCondLst>
+                              <p:cond delay="0"/>
+                            </p:stCondLst>
+                            <p:childTnLst>
+                              <p:par>
+                                <p:cTn id="13" presetID="1" presetClass="entr" presetSubtype="0" fill="hold" nodeType="clickEffect">
+                                  <p:stCondLst>
+                                    <p:cond delay="0"/>
+                                  </p:stCondLst>
+                                  <p:childTnLst>
+                                    <p:set>
+                                      <p:cBhvr>
+                                        <p:cTn id="14" dur="1" fill="hold">
+                                          <p:stCondLst>
+                                            <p:cond delay="0"/>
+                                          </p:stCondLst>
+                                        </p:cTn>
+                                        <p:tgtEl>
+                                          <p:spTgt spid="11"/>
+                                        </p:tgtEl>
+                                        <p:attrNameLst>
+                                          <p:attrName>style.visibility</p:attrName>
+                                        </p:attrNameLst>
+                                      </p:cBhvr>
+                                      <p:to>
+                                        <p:strVal val="visible"/>
+                                      </p:to>
+                                    </p:set>
+                                  </p:childTnLst>
+                                </p:cTn>
+                              </p:par>
+                              <p:par>
+                                <p:cTn id="15" presetID="1" presetClass="entr" presetSubtype="0" fill="hold" grpId="0" nodeType="withEffect">
+                                  <p:stCondLst>
+                                    <p:cond delay="0"/>
+                                  </p:stCondLst>
+                                  <p:childTnLst>
+                                    <p:set>
+                                      <p:cBhvr>
+                                        <p:cTn id="16" dur="1" fill="hold">
+                                          <p:stCondLst>
+                                            <p:cond delay="0"/>
+                                          </p:stCondLst>
+                                        </p:cTn>
+                                        <p:tgtEl>
+                                          <p:spTgt spid="16"/>
+                                        </p:tgtEl>
+                                        <p:attrNameLst>
+                                          <p:attrName>style.visibility</p:attrName>
+                                        </p:attrNameLst>
+                                      </p:cBhvr>
+                                      <p:to>
+                                        <p:strVal val="visible"/>
+                                      </p:to>
+                                    </p:set>
+                                  </p:childTnLst>
+                                </p:cTn>
+                              </p:par>
+                            </p:childTnLst>
+                          </p:cTn>
+                        </p:par>
+                      </p:childTnLst>
+                    </p:cTn>
+                  </p:par>
+                  <p:par>
+                    <p:cTn id="17" fill="hold">
+                      <p:stCondLst>
+                        <p:cond delay="indefinite"/>
+                      </p:stCondLst>
+                      <p:childTnLst>
+                        <p:par>
+                          <p:cTn id="18" fill="hold">
+                            <p:stCondLst>
+                              <p:cond delay="0"/>
+                            </p:stCondLst>
+                            <p:childTnLst>
+                              <p:par>
+                                <p:cTn id="19" presetID="1" presetClass="entr" presetSubtype="0" fill="hold" nodeType="clickEffect">
+                                  <p:stCondLst>
+                                    <p:cond delay="0"/>
+                                  </p:stCondLst>
+                                  <p:childTnLst>
+                                    <p:set>
+                                      <p:cBhvr>
+                                        <p:cTn id="20" dur="1" fill="hold">
+                                          <p:stCondLst>
+                                            <p:cond delay="0"/>
+                                          </p:stCondLst>
+                                        </p:cTn>
+                                        <p:tgtEl>
+                                          <p:spTgt spid="14"/>
+                                        </p:tgtEl>
+                                        <p:attrNameLst>
+                                          <p:attrName>style.visibility</p:attrName>
+                                        </p:attrNameLst>
+                                      </p:cBhvr>
+                                      <p:to>
+                                        <p:strVal val="visible"/>
+                                      </p:to>
+                                    </p:set>
+                                  </p:childTnLst>
+                                </p:cTn>
+                              </p:par>
+                              <p:par>
+                                <p:cTn id="21" presetID="1" presetClass="entr" presetSubtype="0" fill="hold" grpId="0" nodeType="withEffect">
+                                  <p:stCondLst>
+                                    <p:cond delay="0"/>
+                                  </p:stCondLst>
+                                  <p:childTnLst>
+                                    <p:set>
+                                      <p:cBhvr>
+                                        <p:cTn id="22" dur="1" fill="hold">
+                                          <p:stCondLst>
+                                            <p:cond delay="0"/>
+                                          </p:stCondLst>
+                                        </p:cTn>
+                                        <p:tgtEl>
+                                          <p:spTgt spid="17"/>
+                                        </p:tgtEl>
+                                        <p:attrNameLst>
+                                          <p:attrName>style.visibility</p:attrName>
+                                        </p:attrNameLst>
+                                      </p:cBhvr>
+                                      <p:to>
+                                        <p:strVal val="visible"/>
+                                      </p:to>
+                                    </p:set>
+                                  </p:childTnLst>
+                                </p:cTn>
+                              </p:par>
+                              <p:par>
+                                <p:cTn id="23" presetID="1" presetClass="entr" presetSubtype="0" fill="hold" nodeType="withEffect">
+                                  <p:stCondLst>
+                                    <p:cond delay="0"/>
+                                  </p:stCondLst>
+                                  <p:childTnLst>
+                                    <p:set>
+                                      <p:cBhvr>
+                                        <p:cTn id="24" dur="1" fill="hold">
+                                          <p:stCondLst>
+                                            <p:cond delay="0"/>
+                                          </p:stCondLst>
+                                        </p:cTn>
+                                        <p:tgtEl>
+                                          <p:spTgt spid="31"/>
+                                        </p:tgtEl>
+                                        <p:attrNameLst>
+                                          <p:attrName>style.visibility</p:attrName>
+                                        </p:attrNameLst>
+                                      </p:cBhvr>
+                                      <p:to>
+                                        <p:strVal val="visible"/>
+                                      </p:to>
+                                    </p:set>
+                                  </p:childTnLst>
+                                </p:cTn>
+                              </p:par>
+                            </p:childTnLst>
+                          </p:cTn>
+                        </p:par>
+                      </p:childTnLst>
+                    </p:cTn>
+                  </p:par>
+                </p:childTnLst>
+              </p:cTn>
+              <p:prevCondLst>
+                <p:cond evt="onPrev" delay="0">
+                  <p:tgtEl>
+                    <p:sldTgt/>
+                  </p:tgtEl>
+                </p:cond>
+              </p:prevCondLst>
+              <p:nextCondLst>
+                <p:cond evt="onNext" delay="0">
+                  <p:tgtEl>
+                    <p:sldTgt/>
+                  </p:tgtEl>
+                </p:cond>
+              </p:nextCondLst>
+            </p:seq>
+          </p:childTnLst>
+        </p:cTn>
+      </p:par>
+    </p:tnLst>
+    <p:bldLst>
+      <p:bldP spid="5" grpId="0"/>
+      <p:bldP spid="16" grpId="0" animBg="1"/>
+      <p:bldP spid="17" grpId="0" animBg="1"/>
+    </p:bldLst>
+  </p:timing>
+</p:sld>
+</file>
+
 <file path=ppt/slides/slide5.xml><?xml version="1.0" encoding="utf-8"?>
 <p:sld xmlns:a="http://schemas.openxmlformats.org/drawingml/2006/main" xmlns:r="http://schemas.openxmlformats.org/officeDocument/2006/relationships" xmlns:p="http://schemas.openxmlformats.org/presentationml/2006/main">
   <p:cSld>
@@ -30476,6 +34179,2882 @@
   <p:clrMapOvr>
     <a:masterClrMapping/>
   </p:clrMapOvr>
+</p:sld>
+</file>
+
+<file path=ppt/slides/slide50.xml><?xml version="1.0" encoding="utf-8"?>
+<p:sld xmlns:a="http://schemas.openxmlformats.org/drawingml/2006/main" xmlns:r="http://schemas.openxmlformats.org/officeDocument/2006/relationships" xmlns:p="http://schemas.openxmlformats.org/presentationml/2006/main">
+  <p:cSld>
+    <p:spTree>
+      <p:nvGrpSpPr>
+        <p:cNvPr id="1" name=""/>
+        <p:cNvGrpSpPr/>
+        <p:nvPr/>
+      </p:nvGrpSpPr>
+      <p:grpSpPr>
+        <a:xfrm>
+          <a:off x="0" y="0"/>
+          <a:ext cx="0" cy="0"/>
+          <a:chOff x="0" y="0"/>
+          <a:chExt cx="0" cy="0"/>
+        </a:xfrm>
+      </p:grpSpPr>
+      <p:sp>
+        <p:nvSpPr>
+          <p:cNvPr id="2" name="Content Placeholder 1">
+            <a:extLst>
+              <a:ext uri="{FF2B5EF4-FFF2-40B4-BE49-F238E27FC236}">
+                <a16:creationId xmlns:a16="http://schemas.microsoft.com/office/drawing/2014/main" id="{6F385EB0-A350-F99C-AAD7-A35FD27E9279}"/>
+              </a:ext>
+            </a:extLst>
+          </p:cNvPr>
+          <p:cNvSpPr>
+            <a:spLocks noGrp="1"/>
+          </p:cNvSpPr>
+          <p:nvPr>
+            <p:ph idx="1"/>
+          </p:nvPr>
+        </p:nvSpPr>
+        <p:spPr/>
+        <p:txBody>
+          <a:bodyPr/>
+          <a:lstStyle/>
+          <a:p>
+            <a:endParaRPr lang="en-US" dirty="0"/>
+          </a:p>
+        </p:txBody>
+      </p:sp>
+      <p:sp>
+        <p:nvSpPr>
+          <p:cNvPr id="3" name="Title 2">
+            <a:extLst>
+              <a:ext uri="{FF2B5EF4-FFF2-40B4-BE49-F238E27FC236}">
+                <a16:creationId xmlns:a16="http://schemas.microsoft.com/office/drawing/2014/main" id="{CBBD6F94-EAEF-47A1-29DA-E912ECFDA05C}"/>
+              </a:ext>
+            </a:extLst>
+          </p:cNvPr>
+          <p:cNvSpPr>
+            <a:spLocks noGrp="1"/>
+          </p:cNvSpPr>
+          <p:nvPr>
+            <p:ph type="title"/>
+          </p:nvPr>
+        </p:nvSpPr>
+        <p:spPr/>
+        <p:txBody>
+          <a:bodyPr/>
+          <a:lstStyle/>
+          <a:p>
+            <a:r>
+              <a:rPr lang="en-US" dirty="0"/>
+              <a:t>TL;DR</a:t>
+            </a:r>
+          </a:p>
+        </p:txBody>
+      </p:sp>
+      <p:sp>
+        <p:nvSpPr>
+          <p:cNvPr id="4" name="Subtitle 3">
+            <a:extLst>
+              <a:ext uri="{FF2B5EF4-FFF2-40B4-BE49-F238E27FC236}">
+                <a16:creationId xmlns:a16="http://schemas.microsoft.com/office/drawing/2014/main" id="{B8686829-DDF5-C5B2-842F-F204F3F56FD3}"/>
+              </a:ext>
+            </a:extLst>
+          </p:cNvPr>
+          <p:cNvSpPr>
+            <a:spLocks noGrp="1"/>
+          </p:cNvSpPr>
+          <p:nvPr>
+            <p:ph type="subTitle" idx="13"/>
+          </p:nvPr>
+        </p:nvSpPr>
+        <p:spPr/>
+        <p:txBody>
+          <a:bodyPr/>
+          <a:lstStyle/>
+          <a:p>
+            <a:endParaRPr lang="en-US"/>
+          </a:p>
+        </p:txBody>
+      </p:sp>
+      <p:sp>
+        <p:nvSpPr>
+          <p:cNvPr id="43" name="TextBox 42">
+            <a:extLst>
+              <a:ext uri="{FF2B5EF4-FFF2-40B4-BE49-F238E27FC236}">
+                <a16:creationId xmlns:a16="http://schemas.microsoft.com/office/drawing/2014/main" id="{8889DD8A-6AEB-AAA2-3F21-554AC925E404}"/>
+              </a:ext>
+            </a:extLst>
+          </p:cNvPr>
+          <p:cNvSpPr txBox="1"/>
+          <p:nvPr/>
+        </p:nvSpPr>
+        <p:spPr>
+          <a:xfrm>
+            <a:off x="1782723" y="5126797"/>
+            <a:ext cx="9165714" cy="584775"/>
+          </a:xfrm>
+          <a:prstGeom prst="rect">
+            <a:avLst/>
+          </a:prstGeom>
+          <a:noFill/>
+        </p:spPr>
+        <p:txBody>
+          <a:bodyPr wrap="none" rtlCol="0">
+            <a:spAutoFit/>
+          </a:bodyPr>
+          <a:lstStyle/>
+          <a:p>
+            <a:r>
+              <a:rPr lang="en-US" sz="3200" b="1" i="1" dirty="0"/>
+              <a:t>Both steps performed when we press RUN on the IDE</a:t>
+            </a:r>
+          </a:p>
+        </p:txBody>
+      </p:sp>
+      <p:pic>
+        <p:nvPicPr>
+          <p:cNvPr id="5" name="Picture 2" descr="Java File Viewer - Apps on Google Play">
+            <a:extLst>
+              <a:ext uri="{FF2B5EF4-FFF2-40B4-BE49-F238E27FC236}">
+                <a16:creationId xmlns:a16="http://schemas.microsoft.com/office/drawing/2014/main" id="{884BB8E2-CD2F-24EE-4766-DE60BE233E45}"/>
+              </a:ext>
+            </a:extLst>
+          </p:cNvPr>
+          <p:cNvPicPr>
+            <a:picLocks noChangeAspect="1" noChangeArrowheads="1"/>
+          </p:cNvPicPr>
+          <p:nvPr/>
+        </p:nvPicPr>
+        <p:blipFill>
+          <a:blip r:embed="rId2" cstate="print">
+            <a:extLst>
+              <a:ext uri="{28A0092B-C50C-407E-A947-70E740481C1C}">
+                <a14:useLocalDpi xmlns:a14="http://schemas.microsoft.com/office/drawing/2010/main" val="0"/>
+              </a:ext>
+            </a:extLst>
+          </a:blip>
+          <a:srcRect/>
+          <a:stretch>
+            <a:fillRect/>
+          </a:stretch>
+        </p:blipFill>
+        <p:spPr bwMode="auto">
+          <a:xfrm>
+            <a:off x="399186" y="2063683"/>
+            <a:ext cx="1405453" cy="1405453"/>
+          </a:xfrm>
+          <a:prstGeom prst="rect">
+            <a:avLst/>
+          </a:prstGeom>
+          <a:noFill/>
+          <a:extLst>
+            <a:ext uri="{909E8E84-426E-40DD-AFC4-6F175D3DCCD1}">
+              <a14:hiddenFill xmlns:a14="http://schemas.microsoft.com/office/drawing/2010/main">
+                <a:solidFill>
+                  <a:srgbClr val="FFFFFF"/>
+                </a:solidFill>
+              </a14:hiddenFill>
+            </a:ext>
+          </a:extLst>
+        </p:spPr>
+      </p:pic>
+      <p:sp>
+        <p:nvSpPr>
+          <p:cNvPr id="6" name="Rectangle 5">
+            <a:extLst>
+              <a:ext uri="{FF2B5EF4-FFF2-40B4-BE49-F238E27FC236}">
+                <a16:creationId xmlns:a16="http://schemas.microsoft.com/office/drawing/2014/main" id="{22531007-323F-3C35-FBB9-FCBE39F65E5D}"/>
+              </a:ext>
+            </a:extLst>
+          </p:cNvPr>
+          <p:cNvSpPr/>
+          <p:nvPr/>
+        </p:nvSpPr>
+        <p:spPr>
+          <a:xfrm>
+            <a:off x="2204874" y="2381688"/>
+            <a:ext cx="1337226" cy="769441"/>
+          </a:xfrm>
+          <a:prstGeom prst="rect">
+            <a:avLst/>
+          </a:prstGeom>
+          <a:noFill/>
+        </p:spPr>
+        <p:txBody>
+          <a:bodyPr wrap="none" lIns="91440" tIns="45720" rIns="91440" bIns="45720">
+            <a:spAutoFit/>
+          </a:bodyPr>
+          <a:lstStyle/>
+          <a:p>
+            <a:pPr algn="ctr"/>
+            <a:r>
+              <a:rPr lang="en-US" sz="4400" b="0" cap="none" spc="0" dirty="0" err="1">
+                <a:ln w="0"/>
+                <a:solidFill>
+                  <a:schemeClr val="tx1"/>
+                </a:solidFill>
+                <a:effectLst>
+                  <a:outerShdw blurRad="38100" dist="19050" dir="2700000" algn="tl" rotWithShape="0">
+                    <a:schemeClr val="dk1">
+                      <a:alpha val="40000"/>
+                    </a:schemeClr>
+                  </a:outerShdw>
+                </a:effectLst>
+              </a:rPr>
+              <a:t>javac</a:t>
+            </a:r>
+            <a:endParaRPr lang="en-US" sz="4400" b="0" cap="none" spc="0" dirty="0">
+              <a:ln w="0"/>
+              <a:solidFill>
+                <a:schemeClr val="tx1"/>
+              </a:solidFill>
+              <a:effectLst>
+                <a:outerShdw blurRad="38100" dist="19050" dir="2700000" algn="tl" rotWithShape="0">
+                  <a:schemeClr val="dk1">
+                    <a:alpha val="40000"/>
+                  </a:schemeClr>
+                </a:outerShdw>
+              </a:effectLst>
+            </a:endParaRPr>
+          </a:p>
+        </p:txBody>
+      </p:sp>
+      <p:cxnSp>
+        <p:nvCxnSpPr>
+          <p:cNvPr id="7" name="Straight Arrow Connector 6">
+            <a:extLst>
+              <a:ext uri="{FF2B5EF4-FFF2-40B4-BE49-F238E27FC236}">
+                <a16:creationId xmlns:a16="http://schemas.microsoft.com/office/drawing/2014/main" id="{4EBB784D-D091-3AC1-0DF6-4379730F2426}"/>
+              </a:ext>
+            </a:extLst>
+          </p:cNvPr>
+          <p:cNvCxnSpPr>
+            <a:stCxn id="5" idx="3"/>
+            <a:endCxn id="6" idx="1"/>
+          </p:cNvCxnSpPr>
+          <p:nvPr/>
+        </p:nvCxnSpPr>
+        <p:spPr>
+          <a:xfrm flipV="1">
+            <a:off x="1804639" y="2766409"/>
+            <a:ext cx="400235" cy="1"/>
+          </a:xfrm>
+          <a:prstGeom prst="straightConnector1">
+            <a:avLst/>
+          </a:prstGeom>
+          <a:ln w="34925">
+            <a:tailEnd type="triangle"/>
+          </a:ln>
+        </p:spPr>
+        <p:style>
+          <a:lnRef idx="1">
+            <a:schemeClr val="dk1"/>
+          </a:lnRef>
+          <a:fillRef idx="0">
+            <a:schemeClr val="dk1"/>
+          </a:fillRef>
+          <a:effectRef idx="0">
+            <a:schemeClr val="dk1"/>
+          </a:effectRef>
+          <a:fontRef idx="minor">
+            <a:schemeClr val="tx1"/>
+          </a:fontRef>
+        </p:style>
+      </p:cxnSp>
+      <p:sp>
+        <p:nvSpPr>
+          <p:cNvPr id="8" name="TextBox 7">
+            <a:extLst>
+              <a:ext uri="{FF2B5EF4-FFF2-40B4-BE49-F238E27FC236}">
+                <a16:creationId xmlns:a16="http://schemas.microsoft.com/office/drawing/2014/main" id="{FC7533D0-0505-CE0E-710A-DCE13F3D0234}"/>
+              </a:ext>
+            </a:extLst>
+          </p:cNvPr>
+          <p:cNvSpPr txBox="1"/>
+          <p:nvPr/>
+        </p:nvSpPr>
+        <p:spPr>
+          <a:xfrm>
+            <a:off x="4065347" y="1750745"/>
+            <a:ext cx="2175520" cy="2031325"/>
+          </a:xfrm>
+          <a:prstGeom prst="rect">
+            <a:avLst/>
+          </a:prstGeom>
+          <a:noFill/>
+        </p:spPr>
+        <p:txBody>
+          <a:bodyPr wrap="square" rtlCol="0">
+            <a:spAutoFit/>
+          </a:bodyPr>
+          <a:lstStyle/>
+          <a:p>
+            <a:r>
+              <a:rPr lang="en-US" sz="700" dirty="0"/>
+              <a:t>Compiled from "MyApp.java"</a:t>
+            </a:r>
+          </a:p>
+          <a:p>
+            <a:r>
+              <a:rPr lang="en-US" sz="700" dirty="0"/>
+              <a:t>public class </a:t>
+            </a:r>
+            <a:r>
+              <a:rPr lang="en-US" sz="700" dirty="0" err="1"/>
+              <a:t>MyApp</a:t>
+            </a:r>
+            <a:r>
+              <a:rPr lang="en-US" sz="700" dirty="0"/>
+              <a:t> {</a:t>
+            </a:r>
+          </a:p>
+          <a:p>
+            <a:r>
+              <a:rPr lang="en-US" sz="700" dirty="0"/>
+              <a:t>  public </a:t>
+            </a:r>
+            <a:r>
+              <a:rPr lang="en-US" sz="700" dirty="0" err="1"/>
+              <a:t>MyApp</a:t>
+            </a:r>
+            <a:r>
+              <a:rPr lang="en-US" sz="700" dirty="0"/>
+              <a:t>();</a:t>
+            </a:r>
+          </a:p>
+          <a:p>
+            <a:r>
+              <a:rPr lang="en-US" sz="700" dirty="0"/>
+              <a:t>    Code:</a:t>
+            </a:r>
+          </a:p>
+          <a:p>
+            <a:r>
+              <a:rPr lang="en-US" sz="700" dirty="0"/>
+              <a:t>       0: aload_0</a:t>
+            </a:r>
+          </a:p>
+          <a:p>
+            <a:r>
+              <a:rPr lang="en-US" sz="700" dirty="0"/>
+              <a:t>       1: </a:t>
+            </a:r>
+            <a:r>
+              <a:rPr lang="en-US" sz="700" dirty="0" err="1"/>
+              <a:t>invokespecial</a:t>
+            </a:r>
+            <a:r>
+              <a:rPr lang="en-US" sz="700" dirty="0"/>
+              <a:t> #1                  // Method java/lang/Object."&lt;</a:t>
+            </a:r>
+            <a:r>
+              <a:rPr lang="en-US" sz="700" dirty="0" err="1"/>
+              <a:t>init</a:t>
+            </a:r>
+            <a:r>
+              <a:rPr lang="en-US" sz="700" dirty="0"/>
+              <a:t>&gt;":()V</a:t>
+            </a:r>
+          </a:p>
+          <a:p>
+            <a:r>
+              <a:rPr lang="en-US" sz="700" dirty="0"/>
+              <a:t>       4: return</a:t>
+            </a:r>
+          </a:p>
+          <a:p>
+            <a:endParaRPr lang="en-US" sz="700" dirty="0"/>
+          </a:p>
+          <a:p>
+            <a:r>
+              <a:rPr lang="en-US" sz="700" dirty="0"/>
+              <a:t>  public static void main(</a:t>
+            </a:r>
+            <a:r>
+              <a:rPr lang="en-US" sz="700" dirty="0" err="1"/>
+              <a:t>java.lang.String</a:t>
+            </a:r>
+            <a:r>
+              <a:rPr lang="en-US" sz="700" dirty="0"/>
+              <a:t>[]);</a:t>
+            </a:r>
+          </a:p>
+          <a:p>
+            <a:r>
+              <a:rPr lang="en-US" sz="700" dirty="0"/>
+              <a:t>    Code:</a:t>
+            </a:r>
+          </a:p>
+          <a:p>
+            <a:r>
+              <a:rPr lang="en-US" sz="700" dirty="0"/>
+              <a:t>       0: </a:t>
+            </a:r>
+            <a:r>
+              <a:rPr lang="en-US" sz="700" dirty="0" err="1"/>
+              <a:t>getstatic</a:t>
+            </a:r>
+            <a:r>
+              <a:rPr lang="en-US" sz="700" dirty="0"/>
+              <a:t>     #7                  // Field java/lang/</a:t>
+            </a:r>
+            <a:r>
+              <a:rPr lang="en-US" sz="700" dirty="0" err="1"/>
+              <a:t>System.out:Ljava</a:t>
+            </a:r>
+            <a:r>
+              <a:rPr lang="en-US" sz="700" dirty="0"/>
+              <a:t>/io/</a:t>
+            </a:r>
+            <a:r>
+              <a:rPr lang="en-US" sz="700" dirty="0" err="1"/>
+              <a:t>PrintStream</a:t>
+            </a:r>
+            <a:r>
+              <a:rPr lang="en-US" sz="700" dirty="0"/>
+              <a:t>;</a:t>
+            </a:r>
+          </a:p>
+          <a:p>
+            <a:r>
+              <a:rPr lang="en-US" sz="700" dirty="0"/>
+              <a:t>       3: </a:t>
+            </a:r>
+            <a:r>
+              <a:rPr lang="en-US" sz="700" dirty="0" err="1"/>
+              <a:t>ldc</a:t>
+            </a:r>
+            <a:r>
+              <a:rPr lang="en-US" sz="700" dirty="0"/>
+              <a:t>           #13                 // String Hello!</a:t>
+            </a:r>
+          </a:p>
+          <a:p>
+            <a:r>
+              <a:rPr lang="en-US" sz="700" dirty="0"/>
+              <a:t>       5: </a:t>
+            </a:r>
+            <a:r>
+              <a:rPr lang="en-US" sz="700" dirty="0" err="1"/>
+              <a:t>invokevirtual</a:t>
+            </a:r>
+            <a:r>
+              <a:rPr lang="en-US" sz="700" dirty="0"/>
+              <a:t> #15                 // Method java/io/</a:t>
+            </a:r>
+            <a:r>
+              <a:rPr lang="en-US" sz="700" dirty="0" err="1"/>
+              <a:t>PrintStream.println</a:t>
+            </a:r>
+            <a:r>
+              <a:rPr lang="en-US" sz="700" dirty="0"/>
+              <a:t>:(</a:t>
+            </a:r>
+            <a:r>
+              <a:rPr lang="en-US" sz="700" dirty="0" err="1"/>
+              <a:t>Ljava</a:t>
+            </a:r>
+            <a:r>
+              <a:rPr lang="en-US" sz="700" dirty="0"/>
+              <a:t>/lang/String;)V</a:t>
+            </a:r>
+          </a:p>
+          <a:p>
+            <a:r>
+              <a:rPr lang="en-US" sz="700" dirty="0"/>
+              <a:t>       8: return</a:t>
+            </a:r>
+          </a:p>
+          <a:p>
+            <a:r>
+              <a:rPr lang="en-US" sz="700" dirty="0"/>
+              <a:t>}</a:t>
+            </a:r>
+          </a:p>
+        </p:txBody>
+      </p:sp>
+      <p:cxnSp>
+        <p:nvCxnSpPr>
+          <p:cNvPr id="10" name="Straight Arrow Connector 9">
+            <a:extLst>
+              <a:ext uri="{FF2B5EF4-FFF2-40B4-BE49-F238E27FC236}">
+                <a16:creationId xmlns:a16="http://schemas.microsoft.com/office/drawing/2014/main" id="{BD6FF4E2-41E6-A27C-D6B9-CF938C87C744}"/>
+              </a:ext>
+            </a:extLst>
+          </p:cNvPr>
+          <p:cNvCxnSpPr>
+            <a:cxnSpLocks/>
+            <a:stCxn id="6" idx="3"/>
+            <a:endCxn id="8" idx="1"/>
+          </p:cNvCxnSpPr>
+          <p:nvPr/>
+        </p:nvCxnSpPr>
+        <p:spPr>
+          <a:xfrm flipV="1">
+            <a:off x="3542100" y="2766408"/>
+            <a:ext cx="523247" cy="1"/>
+          </a:xfrm>
+          <a:prstGeom prst="straightConnector1">
+            <a:avLst/>
+          </a:prstGeom>
+          <a:ln w="34925">
+            <a:tailEnd type="triangle"/>
+          </a:ln>
+        </p:spPr>
+        <p:style>
+          <a:lnRef idx="1">
+            <a:schemeClr val="dk1"/>
+          </a:lnRef>
+          <a:fillRef idx="0">
+            <a:schemeClr val="dk1"/>
+          </a:fillRef>
+          <a:effectRef idx="0">
+            <a:schemeClr val="dk1"/>
+          </a:effectRef>
+          <a:fontRef idx="minor">
+            <a:schemeClr val="tx1"/>
+          </a:fontRef>
+        </p:style>
+      </p:cxnSp>
+      <p:sp>
+        <p:nvSpPr>
+          <p:cNvPr id="13" name="TextBox 12">
+            <a:extLst>
+              <a:ext uri="{FF2B5EF4-FFF2-40B4-BE49-F238E27FC236}">
+                <a16:creationId xmlns:a16="http://schemas.microsoft.com/office/drawing/2014/main" id="{611A02A9-9137-2E8C-0611-0F2E25159F56}"/>
+              </a:ext>
+            </a:extLst>
+          </p:cNvPr>
+          <p:cNvSpPr txBox="1"/>
+          <p:nvPr/>
+        </p:nvSpPr>
+        <p:spPr>
+          <a:xfrm>
+            <a:off x="4297323" y="3979728"/>
+            <a:ext cx="1394934" cy="369332"/>
+          </a:xfrm>
+          <a:prstGeom prst="rect">
+            <a:avLst/>
+          </a:prstGeom>
+          <a:noFill/>
+        </p:spPr>
+        <p:txBody>
+          <a:bodyPr wrap="none" rtlCol="0">
+            <a:spAutoFit/>
+          </a:bodyPr>
+          <a:lstStyle/>
+          <a:p>
+            <a:r>
+              <a:rPr lang="en-US" b="1" i="1" dirty="0" err="1"/>
+              <a:t>MyApp.class</a:t>
+            </a:r>
+            <a:endParaRPr lang="en-US" b="1" i="1" dirty="0"/>
+          </a:p>
+        </p:txBody>
+      </p:sp>
+      <p:sp>
+        <p:nvSpPr>
+          <p:cNvPr id="14" name="TextBox 13">
+            <a:extLst>
+              <a:ext uri="{FF2B5EF4-FFF2-40B4-BE49-F238E27FC236}">
+                <a16:creationId xmlns:a16="http://schemas.microsoft.com/office/drawing/2014/main" id="{CA24088C-CDAD-A8AE-B859-AA0128B9CFB0}"/>
+              </a:ext>
+            </a:extLst>
+          </p:cNvPr>
+          <p:cNvSpPr txBox="1"/>
+          <p:nvPr/>
+        </p:nvSpPr>
+        <p:spPr>
+          <a:xfrm>
+            <a:off x="450563" y="3741805"/>
+            <a:ext cx="1351652" cy="369332"/>
+          </a:xfrm>
+          <a:prstGeom prst="rect">
+            <a:avLst/>
+          </a:prstGeom>
+          <a:noFill/>
+        </p:spPr>
+        <p:txBody>
+          <a:bodyPr wrap="none" rtlCol="0">
+            <a:spAutoFit/>
+          </a:bodyPr>
+          <a:lstStyle/>
+          <a:p>
+            <a:r>
+              <a:rPr lang="en-US" b="1" i="1" dirty="0"/>
+              <a:t>MyApp.java</a:t>
+            </a:r>
+          </a:p>
+        </p:txBody>
+      </p:sp>
+      <p:pic>
+        <p:nvPicPr>
+          <p:cNvPr id="21" name="Picture 2" descr="What is JVM (Java Virtual Machine)? with Architecture: JAVA Programming  Tutorial">
+            <a:extLst>
+              <a:ext uri="{FF2B5EF4-FFF2-40B4-BE49-F238E27FC236}">
+                <a16:creationId xmlns:a16="http://schemas.microsoft.com/office/drawing/2014/main" id="{865BB954-BFAD-5B1D-CB6D-7CD2AAF08ADC}"/>
+              </a:ext>
+            </a:extLst>
+          </p:cNvPr>
+          <p:cNvPicPr>
+            <a:picLocks noChangeAspect="1" noChangeArrowheads="1"/>
+          </p:cNvPicPr>
+          <p:nvPr/>
+        </p:nvPicPr>
+        <p:blipFill>
+          <a:blip r:embed="rId3" cstate="print">
+            <a:extLst>
+              <a:ext uri="{28A0092B-C50C-407E-A947-70E740481C1C}">
+                <a14:useLocalDpi xmlns:a14="http://schemas.microsoft.com/office/drawing/2010/main" val="0"/>
+              </a:ext>
+            </a:extLst>
+          </a:blip>
+          <a:srcRect/>
+          <a:stretch>
+            <a:fillRect/>
+          </a:stretch>
+        </p:blipFill>
+        <p:spPr bwMode="auto">
+          <a:xfrm>
+            <a:off x="6947514" y="2270055"/>
+            <a:ext cx="1764807" cy="992704"/>
+          </a:xfrm>
+          <a:prstGeom prst="rect">
+            <a:avLst/>
+          </a:prstGeom>
+          <a:noFill/>
+          <a:extLst>
+            <a:ext uri="{909E8E84-426E-40DD-AFC4-6F175D3DCCD1}">
+              <a14:hiddenFill xmlns:a14="http://schemas.microsoft.com/office/drawing/2010/main">
+                <a:solidFill>
+                  <a:srgbClr val="FFFFFF"/>
+                </a:solidFill>
+              </a14:hiddenFill>
+            </a:ext>
+          </a:extLst>
+        </p:spPr>
+      </p:pic>
+      <p:cxnSp>
+        <p:nvCxnSpPr>
+          <p:cNvPr id="22" name="Connector: Elbow 21">
+            <a:extLst>
+              <a:ext uri="{FF2B5EF4-FFF2-40B4-BE49-F238E27FC236}">
+                <a16:creationId xmlns:a16="http://schemas.microsoft.com/office/drawing/2014/main" id="{CB4FDD60-D06F-AFF4-D6DB-CF810F7EE179}"/>
+              </a:ext>
+            </a:extLst>
+          </p:cNvPr>
+          <p:cNvCxnSpPr>
+            <a:stCxn id="21" idx="0"/>
+            <a:endCxn id="21" idx="3"/>
+          </p:cNvCxnSpPr>
+          <p:nvPr/>
+        </p:nvCxnSpPr>
+        <p:spPr>
+          <a:xfrm rot="16200000" flipH="1">
+            <a:off x="8022943" y="2077030"/>
+            <a:ext cx="496352" cy="882403"/>
+          </a:xfrm>
+          <a:prstGeom prst="bentConnector4">
+            <a:avLst>
+              <a:gd name="adj1" fmla="val -46056"/>
+              <a:gd name="adj2" fmla="val 125907"/>
+            </a:avLst>
+          </a:prstGeom>
+          <a:ln w="28575">
+            <a:solidFill>
+              <a:schemeClr val="tx1"/>
+            </a:solidFill>
+            <a:tailEnd type="triangle"/>
+          </a:ln>
+        </p:spPr>
+        <p:style>
+          <a:lnRef idx="1">
+            <a:schemeClr val="accent1"/>
+          </a:lnRef>
+          <a:fillRef idx="0">
+            <a:schemeClr val="accent1"/>
+          </a:fillRef>
+          <a:effectRef idx="0">
+            <a:schemeClr val="accent1"/>
+          </a:effectRef>
+          <a:fontRef idx="minor">
+            <a:schemeClr val="tx1"/>
+          </a:fontRef>
+        </p:style>
+      </p:cxnSp>
+      <p:cxnSp>
+        <p:nvCxnSpPr>
+          <p:cNvPr id="23" name="Straight Arrow Connector 22">
+            <a:extLst>
+              <a:ext uri="{FF2B5EF4-FFF2-40B4-BE49-F238E27FC236}">
+                <a16:creationId xmlns:a16="http://schemas.microsoft.com/office/drawing/2014/main" id="{5CC8314C-D9ED-FFFA-D3F2-680951061D00}"/>
+              </a:ext>
+            </a:extLst>
+          </p:cNvPr>
+          <p:cNvCxnSpPr>
+            <a:cxnSpLocks/>
+            <a:endCxn id="27" idx="1"/>
+          </p:cNvCxnSpPr>
+          <p:nvPr/>
+        </p:nvCxnSpPr>
+        <p:spPr>
+          <a:xfrm>
+            <a:off x="8712321" y="3014584"/>
+            <a:ext cx="1916414" cy="0"/>
+          </a:xfrm>
+          <a:prstGeom prst="straightConnector1">
+            <a:avLst/>
+          </a:prstGeom>
+          <a:ln w="34925">
+            <a:tailEnd type="triangle"/>
+          </a:ln>
+        </p:spPr>
+        <p:style>
+          <a:lnRef idx="1">
+            <a:schemeClr val="dk1"/>
+          </a:lnRef>
+          <a:fillRef idx="0">
+            <a:schemeClr val="dk1"/>
+          </a:fillRef>
+          <a:effectRef idx="0">
+            <a:schemeClr val="dk1"/>
+          </a:effectRef>
+          <a:fontRef idx="minor">
+            <a:schemeClr val="tx1"/>
+          </a:fontRef>
+        </p:style>
+      </p:cxnSp>
+      <p:sp>
+        <p:nvSpPr>
+          <p:cNvPr id="24" name="Rectangle: Rounded Corners 23">
+            <a:extLst>
+              <a:ext uri="{FF2B5EF4-FFF2-40B4-BE49-F238E27FC236}">
+                <a16:creationId xmlns:a16="http://schemas.microsoft.com/office/drawing/2014/main" id="{DD53644C-3433-6C37-255A-DB842901A3A6}"/>
+              </a:ext>
+            </a:extLst>
+          </p:cNvPr>
+          <p:cNvSpPr/>
+          <p:nvPr/>
+        </p:nvSpPr>
+        <p:spPr>
+          <a:xfrm>
+            <a:off x="8083929" y="1564664"/>
+            <a:ext cx="1676399" cy="633046"/>
+          </a:xfrm>
+          <a:prstGeom prst="roundRect">
+            <a:avLst/>
+          </a:prstGeom>
+        </p:spPr>
+        <p:style>
+          <a:lnRef idx="2">
+            <a:schemeClr val="accent1">
+              <a:shade val="15000"/>
+            </a:schemeClr>
+          </a:lnRef>
+          <a:fillRef idx="1">
+            <a:schemeClr val="accent1"/>
+          </a:fillRef>
+          <a:effectRef idx="0">
+            <a:schemeClr val="accent1"/>
+          </a:effectRef>
+          <a:fontRef idx="minor">
+            <a:schemeClr val="lt1"/>
+          </a:fontRef>
+        </p:style>
+        <p:txBody>
+          <a:bodyPr rtlCol="0" anchor="ctr"/>
+          <a:lstStyle/>
+          <a:p>
+            <a:pPr algn="ctr"/>
+            <a:r>
+              <a:rPr lang="en-US" sz="2000" i="1" dirty="0">
+                <a:ln w="0"/>
+                <a:solidFill>
+                  <a:schemeClr val="tx1"/>
+                </a:solidFill>
+                <a:effectLst>
+                  <a:outerShdw blurRad="38100" dist="19050" dir="2700000" algn="tl" rotWithShape="0">
+                    <a:schemeClr val="dk1">
+                      <a:alpha val="40000"/>
+                    </a:schemeClr>
+                  </a:outerShdw>
+                </a:effectLst>
+              </a:rPr>
+              <a:t>INTERPRETER</a:t>
+            </a:r>
+            <a:endParaRPr lang="en-US" b="1" i="1" dirty="0"/>
+          </a:p>
+        </p:txBody>
+      </p:sp>
+      <p:sp>
+        <p:nvSpPr>
+          <p:cNvPr id="26" name="Rectangle: Rounded Corners 25">
+            <a:extLst>
+              <a:ext uri="{FF2B5EF4-FFF2-40B4-BE49-F238E27FC236}">
+                <a16:creationId xmlns:a16="http://schemas.microsoft.com/office/drawing/2014/main" id="{1566E787-B7FE-07C0-4EEB-3FB409A640DC}"/>
+              </a:ext>
+            </a:extLst>
+          </p:cNvPr>
+          <p:cNvSpPr/>
+          <p:nvPr/>
+        </p:nvSpPr>
+        <p:spPr>
+          <a:xfrm>
+            <a:off x="9080478" y="2716352"/>
+            <a:ext cx="1054204" cy="633046"/>
+          </a:xfrm>
+          <a:prstGeom prst="roundRect">
+            <a:avLst/>
+          </a:prstGeom>
+          <a:solidFill>
+            <a:schemeClr val="accent2"/>
+          </a:solidFill>
+        </p:spPr>
+        <p:style>
+          <a:lnRef idx="2">
+            <a:schemeClr val="accent1">
+              <a:shade val="15000"/>
+            </a:schemeClr>
+          </a:lnRef>
+          <a:fillRef idx="1">
+            <a:schemeClr val="accent1"/>
+          </a:fillRef>
+          <a:effectRef idx="0">
+            <a:schemeClr val="accent1"/>
+          </a:effectRef>
+          <a:fontRef idx="minor">
+            <a:schemeClr val="lt1"/>
+          </a:fontRef>
+        </p:style>
+        <p:txBody>
+          <a:bodyPr rtlCol="0" anchor="ctr"/>
+          <a:lstStyle/>
+          <a:p>
+            <a:pPr algn="ctr"/>
+            <a:r>
+              <a:rPr lang="en-US" sz="1600" i="1" dirty="0">
+                <a:ln w="0"/>
+                <a:solidFill>
+                  <a:schemeClr val="tx1"/>
+                </a:solidFill>
+                <a:effectLst>
+                  <a:outerShdw blurRad="38100" dist="19050" dir="2700000" algn="tl" rotWithShape="0">
+                    <a:schemeClr val="dk1">
+                      <a:alpha val="40000"/>
+                    </a:schemeClr>
+                  </a:outerShdw>
+                </a:effectLst>
+              </a:rPr>
+              <a:t>Just-in-Time Compiler</a:t>
+            </a:r>
+            <a:endParaRPr lang="en-US" sz="1400" b="1" i="1" dirty="0"/>
+          </a:p>
+        </p:txBody>
+      </p:sp>
+      <p:pic>
+        <p:nvPicPr>
+          <p:cNvPr id="27" name="Picture 4" descr="Intro to x86 Assembly with FASM – Coding">
+            <a:extLst>
+              <a:ext uri="{FF2B5EF4-FFF2-40B4-BE49-F238E27FC236}">
+                <a16:creationId xmlns:a16="http://schemas.microsoft.com/office/drawing/2014/main" id="{87A529D5-9756-5C86-68B9-2F6754ADBF95}"/>
+              </a:ext>
+            </a:extLst>
+          </p:cNvPr>
+          <p:cNvPicPr>
+            <a:picLocks noChangeAspect="1" noChangeArrowheads="1"/>
+          </p:cNvPicPr>
+          <p:nvPr/>
+        </p:nvPicPr>
+        <p:blipFill>
+          <a:blip r:embed="rId4" cstate="print">
+            <a:extLst>
+              <a:ext uri="{28A0092B-C50C-407E-A947-70E740481C1C}">
+                <a14:useLocalDpi xmlns:a14="http://schemas.microsoft.com/office/drawing/2010/main" val="0"/>
+              </a:ext>
+            </a:extLst>
+          </a:blip>
+          <a:srcRect/>
+          <a:stretch>
+            <a:fillRect/>
+          </a:stretch>
+        </p:blipFill>
+        <p:spPr bwMode="auto">
+          <a:xfrm>
+            <a:off x="10628735" y="2466329"/>
+            <a:ext cx="1304153" cy="1096509"/>
+          </a:xfrm>
+          <a:prstGeom prst="rect">
+            <a:avLst/>
+          </a:prstGeom>
+          <a:noFill/>
+          <a:extLst>
+            <a:ext uri="{909E8E84-426E-40DD-AFC4-6F175D3DCCD1}">
+              <a14:hiddenFill xmlns:a14="http://schemas.microsoft.com/office/drawing/2010/main">
+                <a:solidFill>
+                  <a:srgbClr val="FFFFFF"/>
+                </a:solidFill>
+              </a14:hiddenFill>
+            </a:ext>
+          </a:extLst>
+        </p:spPr>
+      </p:pic>
+      <p:sp>
+        <p:nvSpPr>
+          <p:cNvPr id="30" name="TextBox 29">
+            <a:extLst>
+              <a:ext uri="{FF2B5EF4-FFF2-40B4-BE49-F238E27FC236}">
+                <a16:creationId xmlns:a16="http://schemas.microsoft.com/office/drawing/2014/main" id="{A20B7AA0-0AD3-6AEA-B819-2D57056C5A79}"/>
+              </a:ext>
+            </a:extLst>
+          </p:cNvPr>
+          <p:cNvSpPr txBox="1"/>
+          <p:nvPr/>
+        </p:nvSpPr>
+        <p:spPr>
+          <a:xfrm>
+            <a:off x="7278127" y="3218585"/>
+            <a:ext cx="1025537" cy="523220"/>
+          </a:xfrm>
+          <a:prstGeom prst="rect">
+            <a:avLst/>
+          </a:prstGeom>
+          <a:noFill/>
+        </p:spPr>
+        <p:txBody>
+          <a:bodyPr wrap="none" rtlCol="0">
+            <a:spAutoFit/>
+          </a:bodyPr>
+          <a:lstStyle/>
+          <a:p>
+            <a:r>
+              <a:rPr lang="en-US" sz="2800" b="1" dirty="0"/>
+              <a:t>[java]</a:t>
+            </a:r>
+          </a:p>
+        </p:txBody>
+      </p:sp>
+      <p:cxnSp>
+        <p:nvCxnSpPr>
+          <p:cNvPr id="31" name="Straight Arrow Connector 30">
+            <a:extLst>
+              <a:ext uri="{FF2B5EF4-FFF2-40B4-BE49-F238E27FC236}">
+                <a16:creationId xmlns:a16="http://schemas.microsoft.com/office/drawing/2014/main" id="{3584F1DB-A369-A3AC-7746-30416703DB5A}"/>
+              </a:ext>
+            </a:extLst>
+          </p:cNvPr>
+          <p:cNvCxnSpPr>
+            <a:cxnSpLocks/>
+            <a:stCxn id="8" idx="3"/>
+            <a:endCxn id="21" idx="1"/>
+          </p:cNvCxnSpPr>
+          <p:nvPr/>
+        </p:nvCxnSpPr>
+        <p:spPr>
+          <a:xfrm flipV="1">
+            <a:off x="6240867" y="2766407"/>
+            <a:ext cx="706647" cy="1"/>
+          </a:xfrm>
+          <a:prstGeom prst="straightConnector1">
+            <a:avLst/>
+          </a:prstGeom>
+          <a:ln w="34925">
+            <a:tailEnd type="triangle"/>
+          </a:ln>
+        </p:spPr>
+        <p:style>
+          <a:lnRef idx="1">
+            <a:schemeClr val="dk1"/>
+          </a:lnRef>
+          <a:fillRef idx="0">
+            <a:schemeClr val="dk1"/>
+          </a:fillRef>
+          <a:effectRef idx="0">
+            <a:schemeClr val="dk1"/>
+          </a:effectRef>
+          <a:fontRef idx="minor">
+            <a:schemeClr val="tx1"/>
+          </a:fontRef>
+        </p:style>
+      </p:cxnSp>
+      <p:sp>
+        <p:nvSpPr>
+          <p:cNvPr id="47" name="TextBox 46">
+            <a:extLst>
+              <a:ext uri="{FF2B5EF4-FFF2-40B4-BE49-F238E27FC236}">
+                <a16:creationId xmlns:a16="http://schemas.microsoft.com/office/drawing/2014/main" id="{1B14B39E-505D-1010-575D-611FC014BC35}"/>
+              </a:ext>
+            </a:extLst>
+          </p:cNvPr>
+          <p:cNvSpPr txBox="1"/>
+          <p:nvPr/>
+        </p:nvSpPr>
+        <p:spPr>
+          <a:xfrm>
+            <a:off x="10346503" y="3741761"/>
+            <a:ext cx="1519455" cy="369332"/>
+          </a:xfrm>
+          <a:prstGeom prst="rect">
+            <a:avLst/>
+          </a:prstGeom>
+          <a:noFill/>
+        </p:spPr>
+        <p:txBody>
+          <a:bodyPr wrap="none" rtlCol="0">
+            <a:spAutoFit/>
+          </a:bodyPr>
+          <a:lstStyle/>
+          <a:p>
+            <a:r>
+              <a:rPr lang="en-US" b="1" i="1" dirty="0"/>
+              <a:t>Machine code</a:t>
+            </a:r>
+          </a:p>
+        </p:txBody>
+      </p:sp>
+    </p:spTree>
+    <p:extLst>
+      <p:ext uri="{BB962C8B-B14F-4D97-AF65-F5344CB8AC3E}">
+        <p14:creationId xmlns:p14="http://schemas.microsoft.com/office/powerpoint/2010/main" val="3330123154"/>
+      </p:ext>
+    </p:extLst>
+  </p:cSld>
+  <p:clrMapOvr>
+    <a:masterClrMapping/>
+  </p:clrMapOvr>
+</p:sld>
+</file>
+
+<file path=ppt/slides/slide51.xml><?xml version="1.0" encoding="utf-8"?>
+<p:sld xmlns:a="http://schemas.openxmlformats.org/drawingml/2006/main" xmlns:r="http://schemas.openxmlformats.org/officeDocument/2006/relationships" xmlns:p="http://schemas.openxmlformats.org/presentationml/2006/main">
+  <p:cSld>
+    <p:spTree>
+      <p:nvGrpSpPr>
+        <p:cNvPr id="1" name=""/>
+        <p:cNvGrpSpPr/>
+        <p:nvPr/>
+      </p:nvGrpSpPr>
+      <p:grpSpPr>
+        <a:xfrm>
+          <a:off x="0" y="0"/>
+          <a:ext cx="0" cy="0"/>
+          <a:chOff x="0" y="0"/>
+          <a:chExt cx="0" cy="0"/>
+        </a:xfrm>
+      </p:grpSpPr>
+      <p:sp>
+        <p:nvSpPr>
+          <p:cNvPr id="2" name="Content Placeholder 1">
+            <a:extLst>
+              <a:ext uri="{FF2B5EF4-FFF2-40B4-BE49-F238E27FC236}">
+                <a16:creationId xmlns:a16="http://schemas.microsoft.com/office/drawing/2014/main" id="{70E053F4-0A97-2C61-DA87-58704AD6E633}"/>
+              </a:ext>
+            </a:extLst>
+          </p:cNvPr>
+          <p:cNvSpPr>
+            <a:spLocks noGrp="1"/>
+          </p:cNvSpPr>
+          <p:nvPr>
+            <p:ph idx="1"/>
+          </p:nvPr>
+        </p:nvSpPr>
+        <p:spPr/>
+        <p:txBody>
+          <a:bodyPr>
+            <a:normAutofit lnSpcReduction="10000"/>
+          </a:bodyPr>
+          <a:lstStyle/>
+          <a:p>
+            <a:pPr marL="457200" indent="-457200">
+              <a:buFont typeface="Arial" panose="020B0604020202020204" pitchFamily="34" charset="0"/>
+              <a:buChar char="•"/>
+            </a:pPr>
+            <a:r>
+              <a:rPr lang="en-US" dirty="0"/>
+              <a:t>Some checks happen at compile time</a:t>
+            </a:r>
+          </a:p>
+          <a:p>
+            <a:pPr marL="1141413" lvl="1" indent="-457200"/>
+            <a:r>
+              <a:rPr lang="en-US" dirty="0"/>
+              <a:t>Syntax checking</a:t>
+            </a:r>
+          </a:p>
+          <a:p>
+            <a:pPr marL="1141413" lvl="1" indent="-457200"/>
+            <a:r>
+              <a:rPr lang="en-US" dirty="0"/>
+              <a:t>Type-checking, generic type checking </a:t>
+            </a:r>
+          </a:p>
+          <a:p>
+            <a:pPr marL="1141413" lvl="1" indent="-457200"/>
+            <a:r>
+              <a:rPr lang="en-US" dirty="0"/>
+              <a:t>… and so on</a:t>
+            </a:r>
+          </a:p>
+          <a:p>
+            <a:pPr marL="457200" indent="-457200">
+              <a:buFont typeface="Arial" panose="020B0604020202020204" pitchFamily="34" charset="0"/>
+              <a:buChar char="•"/>
+            </a:pPr>
+            <a:r>
+              <a:rPr lang="en-US" dirty="0"/>
+              <a:t>Other checks happen at run time</a:t>
+            </a:r>
+          </a:p>
+          <a:p>
+            <a:pPr marL="1141413" lvl="1" indent="-457200"/>
+            <a:r>
+              <a:rPr lang="en-US" dirty="0"/>
+              <a:t>Runtime polymorphism</a:t>
+            </a:r>
+          </a:p>
+          <a:p>
+            <a:pPr marL="1141413" lvl="1" indent="-457200"/>
+            <a:r>
+              <a:rPr lang="en-US" dirty="0"/>
+              <a:t>Array index out of bounds access</a:t>
+            </a:r>
+          </a:p>
+          <a:p>
+            <a:pPr marL="1141413" lvl="1" indent="-457200"/>
+            <a:r>
+              <a:rPr lang="en-US" dirty="0"/>
+              <a:t>Null pointer access</a:t>
+            </a:r>
+          </a:p>
+          <a:p>
+            <a:pPr marL="1141413" lvl="1" indent="-457200"/>
+            <a:r>
+              <a:rPr lang="en-US" dirty="0"/>
+              <a:t>File not found checks</a:t>
+            </a:r>
+          </a:p>
+        </p:txBody>
+      </p:sp>
+      <p:sp>
+        <p:nvSpPr>
+          <p:cNvPr id="3" name="Title 2">
+            <a:extLst>
+              <a:ext uri="{FF2B5EF4-FFF2-40B4-BE49-F238E27FC236}">
+                <a16:creationId xmlns:a16="http://schemas.microsoft.com/office/drawing/2014/main" id="{26A958CC-2E4A-01B0-AB8A-394A44BB0883}"/>
+              </a:ext>
+            </a:extLst>
+          </p:cNvPr>
+          <p:cNvSpPr>
+            <a:spLocks noGrp="1"/>
+          </p:cNvSpPr>
+          <p:nvPr>
+            <p:ph type="title"/>
+          </p:nvPr>
+        </p:nvSpPr>
+        <p:spPr/>
+        <p:txBody>
+          <a:bodyPr/>
+          <a:lstStyle/>
+          <a:p>
+            <a:r>
+              <a:rPr lang="en-US" dirty="0"/>
+              <a:t>Why does it matter?</a:t>
+            </a:r>
+          </a:p>
+        </p:txBody>
+      </p:sp>
+      <p:sp>
+        <p:nvSpPr>
+          <p:cNvPr id="4" name="Subtitle 3">
+            <a:extLst>
+              <a:ext uri="{FF2B5EF4-FFF2-40B4-BE49-F238E27FC236}">
+                <a16:creationId xmlns:a16="http://schemas.microsoft.com/office/drawing/2014/main" id="{E247FF72-E5EF-4130-1F81-861ACF44FC6E}"/>
+              </a:ext>
+            </a:extLst>
+          </p:cNvPr>
+          <p:cNvSpPr>
+            <a:spLocks noGrp="1"/>
+          </p:cNvSpPr>
+          <p:nvPr>
+            <p:ph type="subTitle" idx="13"/>
+          </p:nvPr>
+        </p:nvSpPr>
+        <p:spPr/>
+        <p:txBody>
+          <a:bodyPr/>
+          <a:lstStyle/>
+          <a:p>
+            <a:endParaRPr lang="en-US"/>
+          </a:p>
+        </p:txBody>
+      </p:sp>
+    </p:spTree>
+    <p:extLst>
+      <p:ext uri="{BB962C8B-B14F-4D97-AF65-F5344CB8AC3E}">
+        <p14:creationId xmlns:p14="http://schemas.microsoft.com/office/powerpoint/2010/main" val="329066650"/>
+      </p:ext>
+    </p:extLst>
+  </p:cSld>
+  <p:clrMapOvr>
+    <a:masterClrMapping/>
+  </p:clrMapOvr>
+</p:sld>
+</file>
+
+<file path=ppt/slides/slide52.xml><?xml version="1.0" encoding="utf-8"?>
+<p:sld xmlns:a="http://schemas.openxmlformats.org/drawingml/2006/main" xmlns:r="http://schemas.openxmlformats.org/officeDocument/2006/relationships" xmlns:p="http://schemas.openxmlformats.org/presentationml/2006/main">
+  <p:cSld>
+    <p:spTree>
+      <p:nvGrpSpPr>
+        <p:cNvPr id="1" name=""/>
+        <p:cNvGrpSpPr/>
+        <p:nvPr/>
+      </p:nvGrpSpPr>
+      <p:grpSpPr>
+        <a:xfrm>
+          <a:off x="0" y="0"/>
+          <a:ext cx="0" cy="0"/>
+          <a:chOff x="0" y="0"/>
+          <a:chExt cx="0" cy="0"/>
+        </a:xfrm>
+      </p:grpSpPr>
+      <p:sp>
+        <p:nvSpPr>
+          <p:cNvPr id="2" name="Content Placeholder 1">
+            <a:extLst>
+              <a:ext uri="{FF2B5EF4-FFF2-40B4-BE49-F238E27FC236}">
+                <a16:creationId xmlns:a16="http://schemas.microsoft.com/office/drawing/2014/main" id="{EE4F9207-0330-9FBC-F876-69173DE7DEB8}"/>
+              </a:ext>
+            </a:extLst>
+          </p:cNvPr>
+          <p:cNvSpPr>
+            <a:spLocks noGrp="1"/>
+          </p:cNvSpPr>
+          <p:nvPr>
+            <p:ph idx="1"/>
+          </p:nvPr>
+        </p:nvSpPr>
+        <p:spPr/>
+        <p:txBody>
+          <a:bodyPr/>
+          <a:lstStyle/>
+          <a:p>
+            <a:pPr marL="457200" indent="-457200">
+              <a:buFont typeface="Arial" panose="020B0604020202020204" pitchFamily="34" charset="0"/>
+              <a:buChar char="•"/>
+            </a:pPr>
+            <a:r>
+              <a:rPr lang="en-US" dirty="0"/>
+              <a:t>Recall: The Java JVM throws an exception when unexpected situation disrupts normal program flow</a:t>
+            </a:r>
+          </a:p>
+          <a:p>
+            <a:pPr marL="1141413" lvl="1" indent="-457200"/>
+            <a:r>
+              <a:rPr lang="en-US" dirty="0"/>
+              <a:t>Programmer can specify a try-catch block to try to recover from the exception</a:t>
+            </a:r>
+          </a:p>
+          <a:p>
+            <a:pPr marL="457200" indent="-457200"/>
+            <a:endParaRPr lang="en-US" dirty="0"/>
+          </a:p>
+          <a:p>
+            <a:pPr marL="457200" indent="-457200">
+              <a:buFont typeface="Arial" panose="020B0604020202020204" pitchFamily="34" charset="0"/>
+              <a:buChar char="•"/>
+            </a:pPr>
+            <a:endParaRPr lang="en-US" dirty="0"/>
+          </a:p>
+          <a:p>
+            <a:pPr marL="457200" indent="-457200">
+              <a:buFont typeface="Arial" panose="020B0604020202020204" pitchFamily="34" charset="0"/>
+              <a:buChar char="•"/>
+            </a:pPr>
+            <a:endParaRPr lang="en-US" dirty="0"/>
+          </a:p>
+          <a:p>
+            <a:pPr marL="457200" indent="-457200">
+              <a:buFont typeface="Arial" panose="020B0604020202020204" pitchFamily="34" charset="0"/>
+              <a:buChar char="•"/>
+            </a:pPr>
+            <a:endParaRPr lang="en-US" dirty="0"/>
+          </a:p>
+          <a:p>
+            <a:pPr marL="1141413" lvl="1" indent="-457200"/>
+            <a:endParaRPr lang="en-US" dirty="0"/>
+          </a:p>
+        </p:txBody>
+      </p:sp>
+      <p:sp>
+        <p:nvSpPr>
+          <p:cNvPr id="3" name="Title 2">
+            <a:extLst>
+              <a:ext uri="{FF2B5EF4-FFF2-40B4-BE49-F238E27FC236}">
+                <a16:creationId xmlns:a16="http://schemas.microsoft.com/office/drawing/2014/main" id="{D554DD28-14CF-43D9-4269-047A335FD0E9}"/>
+              </a:ext>
+            </a:extLst>
+          </p:cNvPr>
+          <p:cNvSpPr>
+            <a:spLocks noGrp="1"/>
+          </p:cNvSpPr>
+          <p:nvPr>
+            <p:ph type="title"/>
+          </p:nvPr>
+        </p:nvSpPr>
+        <p:spPr/>
+        <p:txBody>
+          <a:bodyPr/>
+          <a:lstStyle/>
+          <a:p>
+            <a:r>
+              <a:rPr lang="en-US" dirty="0"/>
+              <a:t>Caught and uncaught exceptions revisited</a:t>
+            </a:r>
+          </a:p>
+        </p:txBody>
+      </p:sp>
+      <p:sp>
+        <p:nvSpPr>
+          <p:cNvPr id="4" name="Subtitle 3">
+            <a:extLst>
+              <a:ext uri="{FF2B5EF4-FFF2-40B4-BE49-F238E27FC236}">
+                <a16:creationId xmlns:a16="http://schemas.microsoft.com/office/drawing/2014/main" id="{580FC6F9-B3E4-CCC5-D8BF-39CB8A8AD3CD}"/>
+              </a:ext>
+            </a:extLst>
+          </p:cNvPr>
+          <p:cNvSpPr>
+            <a:spLocks noGrp="1"/>
+          </p:cNvSpPr>
+          <p:nvPr>
+            <p:ph type="subTitle" idx="13"/>
+          </p:nvPr>
+        </p:nvSpPr>
+        <p:spPr/>
+        <p:txBody>
+          <a:bodyPr/>
+          <a:lstStyle/>
+          <a:p>
+            <a:endParaRPr lang="en-US"/>
+          </a:p>
+        </p:txBody>
+      </p:sp>
+    </p:spTree>
+    <p:extLst>
+      <p:ext uri="{BB962C8B-B14F-4D97-AF65-F5344CB8AC3E}">
+        <p14:creationId xmlns:p14="http://schemas.microsoft.com/office/powerpoint/2010/main" val="279859949"/>
+      </p:ext>
+    </p:extLst>
+  </p:cSld>
+  <p:clrMapOvr>
+    <a:masterClrMapping/>
+  </p:clrMapOvr>
+</p:sld>
+</file>
+
+<file path=ppt/slides/slide53.xml><?xml version="1.0" encoding="utf-8"?>
+<p:sld xmlns:a="http://schemas.openxmlformats.org/drawingml/2006/main" xmlns:r="http://schemas.openxmlformats.org/officeDocument/2006/relationships" xmlns:p="http://schemas.openxmlformats.org/presentationml/2006/main">
+  <p:cSld>
+    <p:spTree>
+      <p:nvGrpSpPr>
+        <p:cNvPr id="1" name="">
+          <a:extLst>
+            <a:ext uri="{FF2B5EF4-FFF2-40B4-BE49-F238E27FC236}">
+              <a16:creationId xmlns:a16="http://schemas.microsoft.com/office/drawing/2014/main" id="{E06999E0-6423-E0E2-882D-1A959FB81722}"/>
+            </a:ext>
+          </a:extLst>
+        </p:cNvPr>
+        <p:cNvGrpSpPr/>
+        <p:nvPr/>
+      </p:nvGrpSpPr>
+      <p:grpSpPr>
+        <a:xfrm>
+          <a:off x="0" y="0"/>
+          <a:ext cx="0" cy="0"/>
+          <a:chOff x="0" y="0"/>
+          <a:chExt cx="0" cy="0"/>
+        </a:xfrm>
+      </p:grpSpPr>
+      <p:sp>
+        <p:nvSpPr>
+          <p:cNvPr id="2" name="Content Placeholder 1">
+            <a:extLst>
+              <a:ext uri="{FF2B5EF4-FFF2-40B4-BE49-F238E27FC236}">
+                <a16:creationId xmlns:a16="http://schemas.microsoft.com/office/drawing/2014/main" id="{B6CCB5E4-A4F8-E815-02A0-E013819A39F9}"/>
+              </a:ext>
+            </a:extLst>
+          </p:cNvPr>
+          <p:cNvSpPr>
+            <a:spLocks noGrp="1"/>
+          </p:cNvSpPr>
+          <p:nvPr>
+            <p:ph idx="1"/>
+          </p:nvPr>
+        </p:nvSpPr>
+        <p:spPr/>
+        <p:txBody>
+          <a:bodyPr/>
+          <a:lstStyle/>
+          <a:p>
+            <a:pPr marL="457200" indent="-457200">
+              <a:buFont typeface="Arial" panose="020B0604020202020204" pitchFamily="34" charset="0"/>
+              <a:buChar char="•"/>
+            </a:pPr>
+            <a:r>
+              <a:rPr lang="en-US" dirty="0"/>
+              <a:t>Uncaught exceptions – </a:t>
+            </a:r>
+            <a:r>
+              <a:rPr lang="en-US" dirty="0" err="1"/>
+              <a:t>javac</a:t>
+            </a:r>
+            <a:r>
+              <a:rPr lang="en-US" dirty="0"/>
+              <a:t> compiler </a:t>
+            </a:r>
+            <a:r>
+              <a:rPr lang="en-US" b="1" dirty="0"/>
+              <a:t>does not </a:t>
+            </a:r>
+            <a:r>
+              <a:rPr lang="en-US" dirty="0"/>
+              <a:t>require you to handle it</a:t>
+            </a:r>
+          </a:p>
+          <a:p>
+            <a:pPr marL="1141413" lvl="1" indent="-457200"/>
+            <a:r>
+              <a:rPr lang="en-US" dirty="0"/>
+              <a:t>Extends </a:t>
+            </a:r>
+            <a:r>
+              <a:rPr lang="en-US" dirty="0" err="1">
+                <a:latin typeface="Consolas" panose="020B0609020204030204" pitchFamily="49" charset="0"/>
+              </a:rPr>
+              <a:t>RuntimeException</a:t>
+            </a:r>
+            <a:endParaRPr lang="en-US" dirty="0">
+              <a:latin typeface="Consolas" panose="020B0609020204030204" pitchFamily="49" charset="0"/>
+            </a:endParaRPr>
+          </a:p>
+          <a:p>
+            <a:pPr marL="1141413" lvl="1" indent="-457200"/>
+            <a:r>
+              <a:rPr lang="en-US" dirty="0" err="1">
+                <a:latin typeface="Consolas" panose="020B0609020204030204" pitchFamily="49" charset="0"/>
+              </a:rPr>
+              <a:t>NullPointerException</a:t>
+            </a:r>
+            <a:r>
+              <a:rPr lang="en-US" dirty="0"/>
+              <a:t>, </a:t>
+            </a:r>
+            <a:r>
+              <a:rPr lang="en-US" dirty="0" err="1">
+                <a:latin typeface="Consolas" panose="020B0609020204030204" pitchFamily="49" charset="0"/>
+              </a:rPr>
+              <a:t>DivideByZeroException</a:t>
+            </a:r>
+            <a:endParaRPr lang="en-US" dirty="0">
+              <a:latin typeface="Consolas" panose="020B0609020204030204" pitchFamily="49" charset="0"/>
+            </a:endParaRPr>
+          </a:p>
+          <a:p>
+            <a:pPr marL="457200" indent="-457200">
+              <a:buFont typeface="Arial" panose="020B0604020202020204" pitchFamily="34" charset="0"/>
+              <a:buChar char="•"/>
+            </a:pPr>
+            <a:r>
+              <a:rPr lang="en-US" dirty="0"/>
+              <a:t>You </a:t>
+            </a:r>
+            <a:r>
+              <a:rPr lang="en-US" i="1" dirty="0"/>
+              <a:t>may </a:t>
+            </a:r>
+            <a:r>
+              <a:rPr lang="en-US" dirty="0"/>
+              <a:t>handle it using a try catch block</a:t>
+            </a:r>
+          </a:p>
+          <a:p>
+            <a:pPr marL="457200" indent="-457200">
+              <a:buFont typeface="Arial" panose="020B0604020202020204" pitchFamily="34" charset="0"/>
+              <a:buChar char="•"/>
+            </a:pPr>
+            <a:r>
+              <a:rPr lang="en-US" dirty="0"/>
+              <a:t>If you don’t handle it and the exception occurs at runtime, the app will crash </a:t>
+            </a:r>
+            <a:r>
+              <a:rPr lang="en-US" b="1" dirty="0"/>
+              <a:t>[Demo]</a:t>
+            </a:r>
+            <a:endParaRPr lang="en-US" dirty="0"/>
+          </a:p>
+          <a:p>
+            <a:endParaRPr lang="en-US" dirty="0"/>
+          </a:p>
+          <a:p>
+            <a:pPr marL="457200" indent="-457200"/>
+            <a:endParaRPr lang="en-US" dirty="0"/>
+          </a:p>
+          <a:p>
+            <a:pPr marL="457200" indent="-457200">
+              <a:buFont typeface="Arial" panose="020B0604020202020204" pitchFamily="34" charset="0"/>
+              <a:buChar char="•"/>
+            </a:pPr>
+            <a:endParaRPr lang="en-US" dirty="0"/>
+          </a:p>
+          <a:p>
+            <a:pPr marL="457200" indent="-457200">
+              <a:buFont typeface="Arial" panose="020B0604020202020204" pitchFamily="34" charset="0"/>
+              <a:buChar char="•"/>
+            </a:pPr>
+            <a:endParaRPr lang="en-US" dirty="0"/>
+          </a:p>
+          <a:p>
+            <a:pPr marL="457200" indent="-457200">
+              <a:buFont typeface="Arial" panose="020B0604020202020204" pitchFamily="34" charset="0"/>
+              <a:buChar char="•"/>
+            </a:pPr>
+            <a:endParaRPr lang="en-US" dirty="0"/>
+          </a:p>
+          <a:p>
+            <a:pPr marL="1141413" lvl="1" indent="-457200"/>
+            <a:endParaRPr lang="en-US" dirty="0"/>
+          </a:p>
+        </p:txBody>
+      </p:sp>
+      <p:sp>
+        <p:nvSpPr>
+          <p:cNvPr id="3" name="Title 2">
+            <a:extLst>
+              <a:ext uri="{FF2B5EF4-FFF2-40B4-BE49-F238E27FC236}">
+                <a16:creationId xmlns:a16="http://schemas.microsoft.com/office/drawing/2014/main" id="{A3C19AD4-0578-A50E-0B04-451B7C4E0D0A}"/>
+              </a:ext>
+            </a:extLst>
+          </p:cNvPr>
+          <p:cNvSpPr>
+            <a:spLocks noGrp="1"/>
+          </p:cNvSpPr>
+          <p:nvPr>
+            <p:ph type="title"/>
+          </p:nvPr>
+        </p:nvSpPr>
+        <p:spPr/>
+        <p:txBody>
+          <a:bodyPr/>
+          <a:lstStyle/>
+          <a:p>
+            <a:r>
+              <a:rPr lang="en-US" dirty="0"/>
+              <a:t>Caught and uncaught exceptions revisited</a:t>
+            </a:r>
+          </a:p>
+        </p:txBody>
+      </p:sp>
+      <p:sp>
+        <p:nvSpPr>
+          <p:cNvPr id="4" name="Subtitle 3">
+            <a:extLst>
+              <a:ext uri="{FF2B5EF4-FFF2-40B4-BE49-F238E27FC236}">
+                <a16:creationId xmlns:a16="http://schemas.microsoft.com/office/drawing/2014/main" id="{57A69765-0AE3-39B7-027A-BCA7B69288FB}"/>
+              </a:ext>
+            </a:extLst>
+          </p:cNvPr>
+          <p:cNvSpPr>
+            <a:spLocks noGrp="1"/>
+          </p:cNvSpPr>
+          <p:nvPr>
+            <p:ph type="subTitle" idx="13"/>
+          </p:nvPr>
+        </p:nvSpPr>
+        <p:spPr/>
+        <p:txBody>
+          <a:bodyPr/>
+          <a:lstStyle/>
+          <a:p>
+            <a:endParaRPr lang="en-US"/>
+          </a:p>
+        </p:txBody>
+      </p:sp>
+    </p:spTree>
+    <p:extLst>
+      <p:ext uri="{BB962C8B-B14F-4D97-AF65-F5344CB8AC3E}">
+        <p14:creationId xmlns:p14="http://schemas.microsoft.com/office/powerpoint/2010/main" val="1559966696"/>
+      </p:ext>
+    </p:extLst>
+  </p:cSld>
+  <p:clrMapOvr>
+    <a:masterClrMapping/>
+  </p:clrMapOvr>
+</p:sld>
+</file>
+
+<file path=ppt/slides/slide54.xml><?xml version="1.0" encoding="utf-8"?>
+<p:sld xmlns:a="http://schemas.openxmlformats.org/drawingml/2006/main" xmlns:r="http://schemas.openxmlformats.org/officeDocument/2006/relationships" xmlns:p="http://schemas.openxmlformats.org/presentationml/2006/main">
+  <p:cSld>
+    <p:spTree>
+      <p:nvGrpSpPr>
+        <p:cNvPr id="1" name="">
+          <a:extLst>
+            <a:ext uri="{FF2B5EF4-FFF2-40B4-BE49-F238E27FC236}">
+              <a16:creationId xmlns:a16="http://schemas.microsoft.com/office/drawing/2014/main" id="{301AE124-5147-C8E0-E26D-3210D23F747A}"/>
+            </a:ext>
+          </a:extLst>
+        </p:cNvPr>
+        <p:cNvGrpSpPr/>
+        <p:nvPr/>
+      </p:nvGrpSpPr>
+      <p:grpSpPr>
+        <a:xfrm>
+          <a:off x="0" y="0"/>
+          <a:ext cx="0" cy="0"/>
+          <a:chOff x="0" y="0"/>
+          <a:chExt cx="0" cy="0"/>
+        </a:xfrm>
+      </p:grpSpPr>
+      <p:sp>
+        <p:nvSpPr>
+          <p:cNvPr id="2" name="Content Placeholder 1">
+            <a:extLst>
+              <a:ext uri="{FF2B5EF4-FFF2-40B4-BE49-F238E27FC236}">
+                <a16:creationId xmlns:a16="http://schemas.microsoft.com/office/drawing/2014/main" id="{29E72BBF-DB05-AF07-B9C8-9F3785B9B565}"/>
+              </a:ext>
+            </a:extLst>
+          </p:cNvPr>
+          <p:cNvSpPr>
+            <a:spLocks noGrp="1"/>
+          </p:cNvSpPr>
+          <p:nvPr>
+            <p:ph idx="1"/>
+          </p:nvPr>
+        </p:nvSpPr>
+        <p:spPr/>
+        <p:txBody>
+          <a:bodyPr/>
+          <a:lstStyle/>
+          <a:p>
+            <a:endParaRPr lang="en-US" dirty="0"/>
+          </a:p>
+        </p:txBody>
+      </p:sp>
+      <p:sp>
+        <p:nvSpPr>
+          <p:cNvPr id="3" name="Title 2">
+            <a:extLst>
+              <a:ext uri="{FF2B5EF4-FFF2-40B4-BE49-F238E27FC236}">
+                <a16:creationId xmlns:a16="http://schemas.microsoft.com/office/drawing/2014/main" id="{E5FB9F9D-ACD1-DD57-CD5F-FCF45F39B18D}"/>
+              </a:ext>
+            </a:extLst>
+          </p:cNvPr>
+          <p:cNvSpPr>
+            <a:spLocks noGrp="1"/>
+          </p:cNvSpPr>
+          <p:nvPr>
+            <p:ph type="title"/>
+          </p:nvPr>
+        </p:nvSpPr>
+        <p:spPr/>
+        <p:txBody>
+          <a:bodyPr/>
+          <a:lstStyle/>
+          <a:p>
+            <a:r>
+              <a:rPr lang="en-US" dirty="0"/>
+              <a:t>Caught and uncaught exceptions revisited</a:t>
+            </a:r>
+          </a:p>
+        </p:txBody>
+      </p:sp>
+      <p:sp>
+        <p:nvSpPr>
+          <p:cNvPr id="4" name="Subtitle 3">
+            <a:extLst>
+              <a:ext uri="{FF2B5EF4-FFF2-40B4-BE49-F238E27FC236}">
+                <a16:creationId xmlns:a16="http://schemas.microsoft.com/office/drawing/2014/main" id="{EE1456A3-A337-0AC7-7467-AEAB7FE41557}"/>
+              </a:ext>
+            </a:extLst>
+          </p:cNvPr>
+          <p:cNvSpPr>
+            <a:spLocks noGrp="1"/>
+          </p:cNvSpPr>
+          <p:nvPr>
+            <p:ph type="subTitle" idx="13"/>
+          </p:nvPr>
+        </p:nvSpPr>
+        <p:spPr/>
+        <p:txBody>
+          <a:bodyPr/>
+          <a:lstStyle/>
+          <a:p>
+            <a:endParaRPr lang="en-US"/>
+          </a:p>
+        </p:txBody>
+      </p:sp>
+      <p:pic>
+        <p:nvPicPr>
+          <p:cNvPr id="5" name="Picture 2" descr="Java File Viewer - Apps on Google Play">
+            <a:extLst>
+              <a:ext uri="{FF2B5EF4-FFF2-40B4-BE49-F238E27FC236}">
+                <a16:creationId xmlns:a16="http://schemas.microsoft.com/office/drawing/2014/main" id="{696D958A-BC3A-F1FB-F073-17583D718C24}"/>
+              </a:ext>
+            </a:extLst>
+          </p:cNvPr>
+          <p:cNvPicPr>
+            <a:picLocks noChangeAspect="1" noChangeArrowheads="1"/>
+          </p:cNvPicPr>
+          <p:nvPr/>
+        </p:nvPicPr>
+        <p:blipFill>
+          <a:blip r:embed="rId2" cstate="print">
+            <a:extLst>
+              <a:ext uri="{28A0092B-C50C-407E-A947-70E740481C1C}">
+                <a14:useLocalDpi xmlns:a14="http://schemas.microsoft.com/office/drawing/2010/main" val="0"/>
+              </a:ext>
+            </a:extLst>
+          </a:blip>
+          <a:srcRect/>
+          <a:stretch>
+            <a:fillRect/>
+          </a:stretch>
+        </p:blipFill>
+        <p:spPr bwMode="auto">
+          <a:xfrm>
+            <a:off x="399186" y="2063683"/>
+            <a:ext cx="1405453" cy="1405453"/>
+          </a:xfrm>
+          <a:prstGeom prst="rect">
+            <a:avLst/>
+          </a:prstGeom>
+          <a:noFill/>
+          <a:extLst>
+            <a:ext uri="{909E8E84-426E-40DD-AFC4-6F175D3DCCD1}">
+              <a14:hiddenFill xmlns:a14="http://schemas.microsoft.com/office/drawing/2010/main">
+                <a:solidFill>
+                  <a:srgbClr val="FFFFFF"/>
+                </a:solidFill>
+              </a14:hiddenFill>
+            </a:ext>
+          </a:extLst>
+        </p:spPr>
+      </p:pic>
+      <p:sp>
+        <p:nvSpPr>
+          <p:cNvPr id="6" name="Rectangle 5">
+            <a:extLst>
+              <a:ext uri="{FF2B5EF4-FFF2-40B4-BE49-F238E27FC236}">
+                <a16:creationId xmlns:a16="http://schemas.microsoft.com/office/drawing/2014/main" id="{B8E196EB-9B36-491B-81AA-8187F24BE3F6}"/>
+              </a:ext>
+            </a:extLst>
+          </p:cNvPr>
+          <p:cNvSpPr/>
+          <p:nvPr/>
+        </p:nvSpPr>
+        <p:spPr>
+          <a:xfrm>
+            <a:off x="2204874" y="2381688"/>
+            <a:ext cx="1337226" cy="769441"/>
+          </a:xfrm>
+          <a:prstGeom prst="rect">
+            <a:avLst/>
+          </a:prstGeom>
+          <a:noFill/>
+        </p:spPr>
+        <p:txBody>
+          <a:bodyPr wrap="none" lIns="91440" tIns="45720" rIns="91440" bIns="45720">
+            <a:spAutoFit/>
+          </a:bodyPr>
+          <a:lstStyle/>
+          <a:p>
+            <a:pPr algn="ctr"/>
+            <a:r>
+              <a:rPr lang="en-US" sz="4400" b="0" cap="none" spc="0" dirty="0" err="1">
+                <a:ln w="0"/>
+                <a:solidFill>
+                  <a:schemeClr val="tx1"/>
+                </a:solidFill>
+                <a:effectLst>
+                  <a:outerShdw blurRad="38100" dist="19050" dir="2700000" algn="tl" rotWithShape="0">
+                    <a:schemeClr val="dk1">
+                      <a:alpha val="40000"/>
+                    </a:schemeClr>
+                  </a:outerShdw>
+                </a:effectLst>
+              </a:rPr>
+              <a:t>javac</a:t>
+            </a:r>
+            <a:endParaRPr lang="en-US" sz="4400" b="0" cap="none" spc="0" dirty="0">
+              <a:ln w="0"/>
+              <a:solidFill>
+                <a:schemeClr val="tx1"/>
+              </a:solidFill>
+              <a:effectLst>
+                <a:outerShdw blurRad="38100" dist="19050" dir="2700000" algn="tl" rotWithShape="0">
+                  <a:schemeClr val="dk1">
+                    <a:alpha val="40000"/>
+                  </a:schemeClr>
+                </a:outerShdw>
+              </a:effectLst>
+            </a:endParaRPr>
+          </a:p>
+        </p:txBody>
+      </p:sp>
+      <p:cxnSp>
+        <p:nvCxnSpPr>
+          <p:cNvPr id="7" name="Straight Arrow Connector 6">
+            <a:extLst>
+              <a:ext uri="{FF2B5EF4-FFF2-40B4-BE49-F238E27FC236}">
+                <a16:creationId xmlns:a16="http://schemas.microsoft.com/office/drawing/2014/main" id="{05A95259-16A0-55FE-9607-B2F0DA2E4A82}"/>
+              </a:ext>
+            </a:extLst>
+          </p:cNvPr>
+          <p:cNvCxnSpPr>
+            <a:stCxn id="5" idx="3"/>
+            <a:endCxn id="6" idx="1"/>
+          </p:cNvCxnSpPr>
+          <p:nvPr/>
+        </p:nvCxnSpPr>
+        <p:spPr>
+          <a:xfrm flipV="1">
+            <a:off x="1804639" y="2766409"/>
+            <a:ext cx="400235" cy="1"/>
+          </a:xfrm>
+          <a:prstGeom prst="straightConnector1">
+            <a:avLst/>
+          </a:prstGeom>
+          <a:ln w="34925">
+            <a:tailEnd type="triangle"/>
+          </a:ln>
+        </p:spPr>
+        <p:style>
+          <a:lnRef idx="1">
+            <a:schemeClr val="dk1"/>
+          </a:lnRef>
+          <a:fillRef idx="0">
+            <a:schemeClr val="dk1"/>
+          </a:fillRef>
+          <a:effectRef idx="0">
+            <a:schemeClr val="dk1"/>
+          </a:effectRef>
+          <a:fontRef idx="minor">
+            <a:schemeClr val="tx1"/>
+          </a:fontRef>
+        </p:style>
+      </p:cxnSp>
+      <p:sp>
+        <p:nvSpPr>
+          <p:cNvPr id="8" name="TextBox 7">
+            <a:extLst>
+              <a:ext uri="{FF2B5EF4-FFF2-40B4-BE49-F238E27FC236}">
+                <a16:creationId xmlns:a16="http://schemas.microsoft.com/office/drawing/2014/main" id="{229F62F9-3CF5-3837-3753-3F73BED545B3}"/>
+              </a:ext>
+            </a:extLst>
+          </p:cNvPr>
+          <p:cNvSpPr txBox="1"/>
+          <p:nvPr/>
+        </p:nvSpPr>
+        <p:spPr>
+          <a:xfrm>
+            <a:off x="4065347" y="1750745"/>
+            <a:ext cx="2175520" cy="2031325"/>
+          </a:xfrm>
+          <a:prstGeom prst="rect">
+            <a:avLst/>
+          </a:prstGeom>
+          <a:noFill/>
+        </p:spPr>
+        <p:txBody>
+          <a:bodyPr wrap="square" rtlCol="0">
+            <a:spAutoFit/>
+          </a:bodyPr>
+          <a:lstStyle/>
+          <a:p>
+            <a:r>
+              <a:rPr lang="en-US" sz="700" dirty="0"/>
+              <a:t>Compiled from "MyApp.java"</a:t>
+            </a:r>
+          </a:p>
+          <a:p>
+            <a:r>
+              <a:rPr lang="en-US" sz="700" dirty="0"/>
+              <a:t>public class </a:t>
+            </a:r>
+            <a:r>
+              <a:rPr lang="en-US" sz="700" dirty="0" err="1"/>
+              <a:t>MyApp</a:t>
+            </a:r>
+            <a:r>
+              <a:rPr lang="en-US" sz="700" dirty="0"/>
+              <a:t> {</a:t>
+            </a:r>
+          </a:p>
+          <a:p>
+            <a:r>
+              <a:rPr lang="en-US" sz="700" dirty="0"/>
+              <a:t>  public </a:t>
+            </a:r>
+            <a:r>
+              <a:rPr lang="en-US" sz="700" dirty="0" err="1"/>
+              <a:t>MyApp</a:t>
+            </a:r>
+            <a:r>
+              <a:rPr lang="en-US" sz="700" dirty="0"/>
+              <a:t>();</a:t>
+            </a:r>
+          </a:p>
+          <a:p>
+            <a:r>
+              <a:rPr lang="en-US" sz="700" dirty="0"/>
+              <a:t>    Code:</a:t>
+            </a:r>
+          </a:p>
+          <a:p>
+            <a:r>
+              <a:rPr lang="en-US" sz="700" dirty="0"/>
+              <a:t>       0: aload_0</a:t>
+            </a:r>
+          </a:p>
+          <a:p>
+            <a:r>
+              <a:rPr lang="en-US" sz="700" dirty="0"/>
+              <a:t>       1: </a:t>
+            </a:r>
+            <a:r>
+              <a:rPr lang="en-US" sz="700" dirty="0" err="1"/>
+              <a:t>invokespecial</a:t>
+            </a:r>
+            <a:r>
+              <a:rPr lang="en-US" sz="700" dirty="0"/>
+              <a:t> #1                  // Method java/lang/Object."&lt;</a:t>
+            </a:r>
+            <a:r>
+              <a:rPr lang="en-US" sz="700" dirty="0" err="1"/>
+              <a:t>init</a:t>
+            </a:r>
+            <a:r>
+              <a:rPr lang="en-US" sz="700" dirty="0"/>
+              <a:t>&gt;":()V</a:t>
+            </a:r>
+          </a:p>
+          <a:p>
+            <a:r>
+              <a:rPr lang="en-US" sz="700" dirty="0"/>
+              <a:t>       4: return</a:t>
+            </a:r>
+          </a:p>
+          <a:p>
+            <a:endParaRPr lang="en-US" sz="700" dirty="0"/>
+          </a:p>
+          <a:p>
+            <a:r>
+              <a:rPr lang="en-US" sz="700" dirty="0"/>
+              <a:t>  public static void main(</a:t>
+            </a:r>
+            <a:r>
+              <a:rPr lang="en-US" sz="700" dirty="0" err="1"/>
+              <a:t>java.lang.String</a:t>
+            </a:r>
+            <a:r>
+              <a:rPr lang="en-US" sz="700" dirty="0"/>
+              <a:t>[]);</a:t>
+            </a:r>
+          </a:p>
+          <a:p>
+            <a:r>
+              <a:rPr lang="en-US" sz="700" dirty="0"/>
+              <a:t>    Code:</a:t>
+            </a:r>
+          </a:p>
+          <a:p>
+            <a:r>
+              <a:rPr lang="en-US" sz="700" dirty="0"/>
+              <a:t>       0: </a:t>
+            </a:r>
+            <a:r>
+              <a:rPr lang="en-US" sz="700" dirty="0" err="1"/>
+              <a:t>getstatic</a:t>
+            </a:r>
+            <a:r>
+              <a:rPr lang="en-US" sz="700" dirty="0"/>
+              <a:t>     #7                  // Field java/lang/</a:t>
+            </a:r>
+            <a:r>
+              <a:rPr lang="en-US" sz="700" dirty="0" err="1"/>
+              <a:t>System.out:Ljava</a:t>
+            </a:r>
+            <a:r>
+              <a:rPr lang="en-US" sz="700" dirty="0"/>
+              <a:t>/io/</a:t>
+            </a:r>
+            <a:r>
+              <a:rPr lang="en-US" sz="700" dirty="0" err="1"/>
+              <a:t>PrintStream</a:t>
+            </a:r>
+            <a:r>
+              <a:rPr lang="en-US" sz="700" dirty="0"/>
+              <a:t>;</a:t>
+            </a:r>
+          </a:p>
+          <a:p>
+            <a:r>
+              <a:rPr lang="en-US" sz="700" dirty="0"/>
+              <a:t>       3: </a:t>
+            </a:r>
+            <a:r>
+              <a:rPr lang="en-US" sz="700" dirty="0" err="1"/>
+              <a:t>ldc</a:t>
+            </a:r>
+            <a:r>
+              <a:rPr lang="en-US" sz="700" dirty="0"/>
+              <a:t>           #13                 // String Hello!</a:t>
+            </a:r>
+          </a:p>
+          <a:p>
+            <a:r>
+              <a:rPr lang="en-US" sz="700" dirty="0"/>
+              <a:t>       5: </a:t>
+            </a:r>
+            <a:r>
+              <a:rPr lang="en-US" sz="700" dirty="0" err="1"/>
+              <a:t>invokevirtual</a:t>
+            </a:r>
+            <a:r>
+              <a:rPr lang="en-US" sz="700" dirty="0"/>
+              <a:t> #15                 // Method java/io/</a:t>
+            </a:r>
+            <a:r>
+              <a:rPr lang="en-US" sz="700" dirty="0" err="1"/>
+              <a:t>PrintStream.println</a:t>
+            </a:r>
+            <a:r>
+              <a:rPr lang="en-US" sz="700" dirty="0"/>
+              <a:t>:(</a:t>
+            </a:r>
+            <a:r>
+              <a:rPr lang="en-US" sz="700" dirty="0" err="1"/>
+              <a:t>Ljava</a:t>
+            </a:r>
+            <a:r>
+              <a:rPr lang="en-US" sz="700" dirty="0"/>
+              <a:t>/lang/String;)V</a:t>
+            </a:r>
+          </a:p>
+          <a:p>
+            <a:r>
+              <a:rPr lang="en-US" sz="700" dirty="0"/>
+              <a:t>       8: return</a:t>
+            </a:r>
+          </a:p>
+          <a:p>
+            <a:r>
+              <a:rPr lang="en-US" sz="700" dirty="0"/>
+              <a:t>}</a:t>
+            </a:r>
+          </a:p>
+        </p:txBody>
+      </p:sp>
+      <p:cxnSp>
+        <p:nvCxnSpPr>
+          <p:cNvPr id="10" name="Straight Arrow Connector 9">
+            <a:extLst>
+              <a:ext uri="{FF2B5EF4-FFF2-40B4-BE49-F238E27FC236}">
+                <a16:creationId xmlns:a16="http://schemas.microsoft.com/office/drawing/2014/main" id="{7779A0E4-17AB-9F71-4A40-FF733185CD5B}"/>
+              </a:ext>
+            </a:extLst>
+          </p:cNvPr>
+          <p:cNvCxnSpPr>
+            <a:cxnSpLocks/>
+            <a:stCxn id="6" idx="3"/>
+            <a:endCxn id="8" idx="1"/>
+          </p:cNvCxnSpPr>
+          <p:nvPr/>
+        </p:nvCxnSpPr>
+        <p:spPr>
+          <a:xfrm flipV="1">
+            <a:off x="3542100" y="2766408"/>
+            <a:ext cx="523247" cy="1"/>
+          </a:xfrm>
+          <a:prstGeom prst="straightConnector1">
+            <a:avLst/>
+          </a:prstGeom>
+          <a:ln w="34925">
+            <a:tailEnd type="triangle"/>
+          </a:ln>
+        </p:spPr>
+        <p:style>
+          <a:lnRef idx="1">
+            <a:schemeClr val="dk1"/>
+          </a:lnRef>
+          <a:fillRef idx="0">
+            <a:schemeClr val="dk1"/>
+          </a:fillRef>
+          <a:effectRef idx="0">
+            <a:schemeClr val="dk1"/>
+          </a:effectRef>
+          <a:fontRef idx="minor">
+            <a:schemeClr val="tx1"/>
+          </a:fontRef>
+        </p:style>
+      </p:cxnSp>
+      <p:sp>
+        <p:nvSpPr>
+          <p:cNvPr id="13" name="TextBox 12">
+            <a:extLst>
+              <a:ext uri="{FF2B5EF4-FFF2-40B4-BE49-F238E27FC236}">
+                <a16:creationId xmlns:a16="http://schemas.microsoft.com/office/drawing/2014/main" id="{08C3D279-F939-3434-240B-6CFC46788943}"/>
+              </a:ext>
+            </a:extLst>
+          </p:cNvPr>
+          <p:cNvSpPr txBox="1"/>
+          <p:nvPr/>
+        </p:nvSpPr>
+        <p:spPr>
+          <a:xfrm>
+            <a:off x="4297323" y="3979728"/>
+            <a:ext cx="1394934" cy="369332"/>
+          </a:xfrm>
+          <a:prstGeom prst="rect">
+            <a:avLst/>
+          </a:prstGeom>
+          <a:noFill/>
+        </p:spPr>
+        <p:txBody>
+          <a:bodyPr wrap="none" rtlCol="0">
+            <a:spAutoFit/>
+          </a:bodyPr>
+          <a:lstStyle/>
+          <a:p>
+            <a:r>
+              <a:rPr lang="en-US" b="1" i="1" dirty="0" err="1"/>
+              <a:t>MyApp.class</a:t>
+            </a:r>
+            <a:endParaRPr lang="en-US" b="1" i="1" dirty="0"/>
+          </a:p>
+        </p:txBody>
+      </p:sp>
+      <p:sp>
+        <p:nvSpPr>
+          <p:cNvPr id="14" name="TextBox 13">
+            <a:extLst>
+              <a:ext uri="{FF2B5EF4-FFF2-40B4-BE49-F238E27FC236}">
+                <a16:creationId xmlns:a16="http://schemas.microsoft.com/office/drawing/2014/main" id="{23516673-E05E-4B23-75CC-957338ADEF39}"/>
+              </a:ext>
+            </a:extLst>
+          </p:cNvPr>
+          <p:cNvSpPr txBox="1"/>
+          <p:nvPr/>
+        </p:nvSpPr>
+        <p:spPr>
+          <a:xfrm>
+            <a:off x="450563" y="3741805"/>
+            <a:ext cx="1351652" cy="369332"/>
+          </a:xfrm>
+          <a:prstGeom prst="rect">
+            <a:avLst/>
+          </a:prstGeom>
+          <a:noFill/>
+        </p:spPr>
+        <p:txBody>
+          <a:bodyPr wrap="none" rtlCol="0">
+            <a:spAutoFit/>
+          </a:bodyPr>
+          <a:lstStyle/>
+          <a:p>
+            <a:r>
+              <a:rPr lang="en-US" b="1" i="1" dirty="0"/>
+              <a:t>MyApp.java</a:t>
+            </a:r>
+          </a:p>
+        </p:txBody>
+      </p:sp>
+      <p:pic>
+        <p:nvPicPr>
+          <p:cNvPr id="21" name="Picture 2" descr="What is JVM (Java Virtual Machine)? with Architecture: JAVA Programming  Tutorial">
+            <a:extLst>
+              <a:ext uri="{FF2B5EF4-FFF2-40B4-BE49-F238E27FC236}">
+                <a16:creationId xmlns:a16="http://schemas.microsoft.com/office/drawing/2014/main" id="{1ECE494B-CD63-4A6A-9C26-2464D98DF90A}"/>
+              </a:ext>
+            </a:extLst>
+          </p:cNvPr>
+          <p:cNvPicPr>
+            <a:picLocks noChangeAspect="1" noChangeArrowheads="1"/>
+          </p:cNvPicPr>
+          <p:nvPr/>
+        </p:nvPicPr>
+        <p:blipFill>
+          <a:blip r:embed="rId3" cstate="print">
+            <a:extLst>
+              <a:ext uri="{28A0092B-C50C-407E-A947-70E740481C1C}">
+                <a14:useLocalDpi xmlns:a14="http://schemas.microsoft.com/office/drawing/2010/main" val="0"/>
+              </a:ext>
+            </a:extLst>
+          </a:blip>
+          <a:srcRect/>
+          <a:stretch>
+            <a:fillRect/>
+          </a:stretch>
+        </p:blipFill>
+        <p:spPr bwMode="auto">
+          <a:xfrm>
+            <a:off x="6947514" y="2270055"/>
+            <a:ext cx="1764807" cy="992704"/>
+          </a:xfrm>
+          <a:prstGeom prst="rect">
+            <a:avLst/>
+          </a:prstGeom>
+          <a:noFill/>
+          <a:extLst>
+            <a:ext uri="{909E8E84-426E-40DD-AFC4-6F175D3DCCD1}">
+              <a14:hiddenFill xmlns:a14="http://schemas.microsoft.com/office/drawing/2010/main">
+                <a:solidFill>
+                  <a:srgbClr val="FFFFFF"/>
+                </a:solidFill>
+              </a14:hiddenFill>
+            </a:ext>
+          </a:extLst>
+        </p:spPr>
+      </p:pic>
+      <p:cxnSp>
+        <p:nvCxnSpPr>
+          <p:cNvPr id="22" name="Connector: Elbow 21">
+            <a:extLst>
+              <a:ext uri="{FF2B5EF4-FFF2-40B4-BE49-F238E27FC236}">
+                <a16:creationId xmlns:a16="http://schemas.microsoft.com/office/drawing/2014/main" id="{D188D600-D28D-54FF-D4C9-C1300CE5C8B1}"/>
+              </a:ext>
+            </a:extLst>
+          </p:cNvPr>
+          <p:cNvCxnSpPr>
+            <a:stCxn id="21" idx="0"/>
+            <a:endCxn id="21" idx="3"/>
+          </p:cNvCxnSpPr>
+          <p:nvPr/>
+        </p:nvCxnSpPr>
+        <p:spPr>
+          <a:xfrm rot="16200000" flipH="1">
+            <a:off x="8022943" y="2077030"/>
+            <a:ext cx="496352" cy="882403"/>
+          </a:xfrm>
+          <a:prstGeom prst="bentConnector4">
+            <a:avLst>
+              <a:gd name="adj1" fmla="val -46056"/>
+              <a:gd name="adj2" fmla="val 125907"/>
+            </a:avLst>
+          </a:prstGeom>
+          <a:ln w="28575">
+            <a:solidFill>
+              <a:schemeClr val="tx1"/>
+            </a:solidFill>
+            <a:tailEnd type="triangle"/>
+          </a:ln>
+        </p:spPr>
+        <p:style>
+          <a:lnRef idx="1">
+            <a:schemeClr val="accent1"/>
+          </a:lnRef>
+          <a:fillRef idx="0">
+            <a:schemeClr val="accent1"/>
+          </a:fillRef>
+          <a:effectRef idx="0">
+            <a:schemeClr val="accent1"/>
+          </a:effectRef>
+          <a:fontRef idx="minor">
+            <a:schemeClr val="tx1"/>
+          </a:fontRef>
+        </p:style>
+      </p:cxnSp>
+      <p:cxnSp>
+        <p:nvCxnSpPr>
+          <p:cNvPr id="23" name="Straight Arrow Connector 22">
+            <a:extLst>
+              <a:ext uri="{FF2B5EF4-FFF2-40B4-BE49-F238E27FC236}">
+                <a16:creationId xmlns:a16="http://schemas.microsoft.com/office/drawing/2014/main" id="{DE0542E4-6AA1-E142-D123-9BFB71BD1377}"/>
+              </a:ext>
+            </a:extLst>
+          </p:cNvPr>
+          <p:cNvCxnSpPr>
+            <a:cxnSpLocks/>
+            <a:endCxn id="27" idx="1"/>
+          </p:cNvCxnSpPr>
+          <p:nvPr/>
+        </p:nvCxnSpPr>
+        <p:spPr>
+          <a:xfrm>
+            <a:off x="8712321" y="3014584"/>
+            <a:ext cx="1916414" cy="0"/>
+          </a:xfrm>
+          <a:prstGeom prst="straightConnector1">
+            <a:avLst/>
+          </a:prstGeom>
+          <a:ln w="34925">
+            <a:tailEnd type="triangle"/>
+          </a:ln>
+        </p:spPr>
+        <p:style>
+          <a:lnRef idx="1">
+            <a:schemeClr val="dk1"/>
+          </a:lnRef>
+          <a:fillRef idx="0">
+            <a:schemeClr val="dk1"/>
+          </a:fillRef>
+          <a:effectRef idx="0">
+            <a:schemeClr val="dk1"/>
+          </a:effectRef>
+          <a:fontRef idx="minor">
+            <a:schemeClr val="tx1"/>
+          </a:fontRef>
+        </p:style>
+      </p:cxnSp>
+      <p:sp>
+        <p:nvSpPr>
+          <p:cNvPr id="24" name="Rectangle: Rounded Corners 23">
+            <a:extLst>
+              <a:ext uri="{FF2B5EF4-FFF2-40B4-BE49-F238E27FC236}">
+                <a16:creationId xmlns:a16="http://schemas.microsoft.com/office/drawing/2014/main" id="{988F38DA-0C40-4FE5-AE28-417433BC942D}"/>
+              </a:ext>
+            </a:extLst>
+          </p:cNvPr>
+          <p:cNvSpPr/>
+          <p:nvPr/>
+        </p:nvSpPr>
+        <p:spPr>
+          <a:xfrm>
+            <a:off x="8083929" y="1564664"/>
+            <a:ext cx="1676399" cy="633046"/>
+          </a:xfrm>
+          <a:prstGeom prst="roundRect">
+            <a:avLst/>
+          </a:prstGeom>
+        </p:spPr>
+        <p:style>
+          <a:lnRef idx="2">
+            <a:schemeClr val="accent1">
+              <a:shade val="15000"/>
+            </a:schemeClr>
+          </a:lnRef>
+          <a:fillRef idx="1">
+            <a:schemeClr val="accent1"/>
+          </a:fillRef>
+          <a:effectRef idx="0">
+            <a:schemeClr val="accent1"/>
+          </a:effectRef>
+          <a:fontRef idx="minor">
+            <a:schemeClr val="lt1"/>
+          </a:fontRef>
+        </p:style>
+        <p:txBody>
+          <a:bodyPr rtlCol="0" anchor="ctr"/>
+          <a:lstStyle/>
+          <a:p>
+            <a:pPr algn="ctr"/>
+            <a:r>
+              <a:rPr lang="en-US" sz="2000" i="1" dirty="0">
+                <a:ln w="0"/>
+                <a:solidFill>
+                  <a:schemeClr val="tx1"/>
+                </a:solidFill>
+                <a:effectLst>
+                  <a:outerShdw blurRad="38100" dist="19050" dir="2700000" algn="tl" rotWithShape="0">
+                    <a:schemeClr val="dk1">
+                      <a:alpha val="40000"/>
+                    </a:schemeClr>
+                  </a:outerShdw>
+                </a:effectLst>
+              </a:rPr>
+              <a:t>INTERPRETER</a:t>
+            </a:r>
+            <a:endParaRPr lang="en-US" b="1" i="1" dirty="0"/>
+          </a:p>
+        </p:txBody>
+      </p:sp>
+      <p:sp>
+        <p:nvSpPr>
+          <p:cNvPr id="26" name="Rectangle: Rounded Corners 25">
+            <a:extLst>
+              <a:ext uri="{FF2B5EF4-FFF2-40B4-BE49-F238E27FC236}">
+                <a16:creationId xmlns:a16="http://schemas.microsoft.com/office/drawing/2014/main" id="{878D352B-4677-7AD6-CE0B-C37921676286}"/>
+              </a:ext>
+            </a:extLst>
+          </p:cNvPr>
+          <p:cNvSpPr/>
+          <p:nvPr/>
+        </p:nvSpPr>
+        <p:spPr>
+          <a:xfrm>
+            <a:off x="9080478" y="2716352"/>
+            <a:ext cx="1054204" cy="633046"/>
+          </a:xfrm>
+          <a:prstGeom prst="roundRect">
+            <a:avLst/>
+          </a:prstGeom>
+          <a:solidFill>
+            <a:schemeClr val="accent2"/>
+          </a:solidFill>
+        </p:spPr>
+        <p:style>
+          <a:lnRef idx="2">
+            <a:schemeClr val="accent1">
+              <a:shade val="15000"/>
+            </a:schemeClr>
+          </a:lnRef>
+          <a:fillRef idx="1">
+            <a:schemeClr val="accent1"/>
+          </a:fillRef>
+          <a:effectRef idx="0">
+            <a:schemeClr val="accent1"/>
+          </a:effectRef>
+          <a:fontRef idx="minor">
+            <a:schemeClr val="lt1"/>
+          </a:fontRef>
+        </p:style>
+        <p:txBody>
+          <a:bodyPr rtlCol="0" anchor="ctr"/>
+          <a:lstStyle/>
+          <a:p>
+            <a:pPr algn="ctr"/>
+            <a:r>
+              <a:rPr lang="en-US" sz="1600" i="1" dirty="0">
+                <a:ln w="0"/>
+                <a:solidFill>
+                  <a:schemeClr val="tx1"/>
+                </a:solidFill>
+                <a:effectLst>
+                  <a:outerShdw blurRad="38100" dist="19050" dir="2700000" algn="tl" rotWithShape="0">
+                    <a:schemeClr val="dk1">
+                      <a:alpha val="40000"/>
+                    </a:schemeClr>
+                  </a:outerShdw>
+                </a:effectLst>
+              </a:rPr>
+              <a:t>Just-in-Time Compiler</a:t>
+            </a:r>
+            <a:endParaRPr lang="en-US" sz="1400" b="1" i="1" dirty="0"/>
+          </a:p>
+        </p:txBody>
+      </p:sp>
+      <p:pic>
+        <p:nvPicPr>
+          <p:cNvPr id="27" name="Picture 4" descr="Intro to x86 Assembly with FASM – Coding">
+            <a:extLst>
+              <a:ext uri="{FF2B5EF4-FFF2-40B4-BE49-F238E27FC236}">
+                <a16:creationId xmlns:a16="http://schemas.microsoft.com/office/drawing/2014/main" id="{2A3DA26D-7164-1E9F-F887-C28951F3F08A}"/>
+              </a:ext>
+            </a:extLst>
+          </p:cNvPr>
+          <p:cNvPicPr>
+            <a:picLocks noChangeAspect="1" noChangeArrowheads="1"/>
+          </p:cNvPicPr>
+          <p:nvPr/>
+        </p:nvPicPr>
+        <p:blipFill>
+          <a:blip r:embed="rId4" cstate="print">
+            <a:extLst>
+              <a:ext uri="{28A0092B-C50C-407E-A947-70E740481C1C}">
+                <a14:useLocalDpi xmlns:a14="http://schemas.microsoft.com/office/drawing/2010/main" val="0"/>
+              </a:ext>
+            </a:extLst>
+          </a:blip>
+          <a:srcRect/>
+          <a:stretch>
+            <a:fillRect/>
+          </a:stretch>
+        </p:blipFill>
+        <p:spPr bwMode="auto">
+          <a:xfrm>
+            <a:off x="10628735" y="2466329"/>
+            <a:ext cx="1304153" cy="1096509"/>
+          </a:xfrm>
+          <a:prstGeom prst="rect">
+            <a:avLst/>
+          </a:prstGeom>
+          <a:noFill/>
+          <a:extLst>
+            <a:ext uri="{909E8E84-426E-40DD-AFC4-6F175D3DCCD1}">
+              <a14:hiddenFill xmlns:a14="http://schemas.microsoft.com/office/drawing/2010/main">
+                <a:solidFill>
+                  <a:srgbClr val="FFFFFF"/>
+                </a:solidFill>
+              </a14:hiddenFill>
+            </a:ext>
+          </a:extLst>
+        </p:spPr>
+      </p:pic>
+      <p:sp>
+        <p:nvSpPr>
+          <p:cNvPr id="30" name="TextBox 29">
+            <a:extLst>
+              <a:ext uri="{FF2B5EF4-FFF2-40B4-BE49-F238E27FC236}">
+                <a16:creationId xmlns:a16="http://schemas.microsoft.com/office/drawing/2014/main" id="{4F67669E-4116-6D5C-3088-3C154FF3A19B}"/>
+              </a:ext>
+            </a:extLst>
+          </p:cNvPr>
+          <p:cNvSpPr txBox="1"/>
+          <p:nvPr/>
+        </p:nvSpPr>
+        <p:spPr>
+          <a:xfrm>
+            <a:off x="7278127" y="3218585"/>
+            <a:ext cx="1025537" cy="523220"/>
+          </a:xfrm>
+          <a:prstGeom prst="rect">
+            <a:avLst/>
+          </a:prstGeom>
+          <a:noFill/>
+        </p:spPr>
+        <p:txBody>
+          <a:bodyPr wrap="none" rtlCol="0">
+            <a:spAutoFit/>
+          </a:bodyPr>
+          <a:lstStyle/>
+          <a:p>
+            <a:r>
+              <a:rPr lang="en-US" sz="2800" b="1" dirty="0"/>
+              <a:t>[java]</a:t>
+            </a:r>
+          </a:p>
+        </p:txBody>
+      </p:sp>
+      <p:cxnSp>
+        <p:nvCxnSpPr>
+          <p:cNvPr id="31" name="Straight Arrow Connector 30">
+            <a:extLst>
+              <a:ext uri="{FF2B5EF4-FFF2-40B4-BE49-F238E27FC236}">
+                <a16:creationId xmlns:a16="http://schemas.microsoft.com/office/drawing/2014/main" id="{1AEC1971-9935-4249-8324-EC9EBF306C15}"/>
+              </a:ext>
+            </a:extLst>
+          </p:cNvPr>
+          <p:cNvCxnSpPr>
+            <a:cxnSpLocks/>
+            <a:stCxn id="8" idx="3"/>
+            <a:endCxn id="21" idx="1"/>
+          </p:cNvCxnSpPr>
+          <p:nvPr/>
+        </p:nvCxnSpPr>
+        <p:spPr>
+          <a:xfrm flipV="1">
+            <a:off x="6240867" y="2766407"/>
+            <a:ext cx="706647" cy="1"/>
+          </a:xfrm>
+          <a:prstGeom prst="straightConnector1">
+            <a:avLst/>
+          </a:prstGeom>
+          <a:ln w="34925">
+            <a:tailEnd type="triangle"/>
+          </a:ln>
+        </p:spPr>
+        <p:style>
+          <a:lnRef idx="1">
+            <a:schemeClr val="dk1"/>
+          </a:lnRef>
+          <a:fillRef idx="0">
+            <a:schemeClr val="dk1"/>
+          </a:fillRef>
+          <a:effectRef idx="0">
+            <a:schemeClr val="dk1"/>
+          </a:effectRef>
+          <a:fontRef idx="minor">
+            <a:schemeClr val="tx1"/>
+          </a:fontRef>
+        </p:style>
+      </p:cxnSp>
+      <p:sp>
+        <p:nvSpPr>
+          <p:cNvPr id="47" name="TextBox 46">
+            <a:extLst>
+              <a:ext uri="{FF2B5EF4-FFF2-40B4-BE49-F238E27FC236}">
+                <a16:creationId xmlns:a16="http://schemas.microsoft.com/office/drawing/2014/main" id="{CEA3F2AE-4137-08C3-4046-A52FD791C1C7}"/>
+              </a:ext>
+            </a:extLst>
+          </p:cNvPr>
+          <p:cNvSpPr txBox="1"/>
+          <p:nvPr/>
+        </p:nvSpPr>
+        <p:spPr>
+          <a:xfrm>
+            <a:off x="10346503" y="3741761"/>
+            <a:ext cx="1519455" cy="369332"/>
+          </a:xfrm>
+          <a:prstGeom prst="rect">
+            <a:avLst/>
+          </a:prstGeom>
+          <a:noFill/>
+        </p:spPr>
+        <p:txBody>
+          <a:bodyPr wrap="none" rtlCol="0">
+            <a:spAutoFit/>
+          </a:bodyPr>
+          <a:lstStyle/>
+          <a:p>
+            <a:r>
+              <a:rPr lang="en-US" b="1" i="1" dirty="0"/>
+              <a:t>Machine code</a:t>
+            </a:r>
+          </a:p>
+        </p:txBody>
+      </p:sp>
+      <p:sp>
+        <p:nvSpPr>
+          <p:cNvPr id="9" name="Speech Bubble: Oval 8">
+            <a:extLst>
+              <a:ext uri="{FF2B5EF4-FFF2-40B4-BE49-F238E27FC236}">
+                <a16:creationId xmlns:a16="http://schemas.microsoft.com/office/drawing/2014/main" id="{A73CBE6A-447F-8EC1-3EDF-B1D515AF5588}"/>
+              </a:ext>
+            </a:extLst>
+          </p:cNvPr>
+          <p:cNvSpPr/>
+          <p:nvPr/>
+        </p:nvSpPr>
+        <p:spPr>
+          <a:xfrm>
+            <a:off x="1899138" y="3979728"/>
+            <a:ext cx="2497016" cy="1483225"/>
+          </a:xfrm>
+          <a:prstGeom prst="wedgeEllipseCallout">
+            <a:avLst>
+              <a:gd name="adj1" fmla="val -10410"/>
+              <a:gd name="adj2" fmla="val -118138"/>
+            </a:avLst>
+          </a:prstGeom>
+        </p:spPr>
+        <p:style>
+          <a:lnRef idx="2">
+            <a:schemeClr val="accent2">
+              <a:shade val="15000"/>
+            </a:schemeClr>
+          </a:lnRef>
+          <a:fillRef idx="1">
+            <a:schemeClr val="accent2"/>
+          </a:fillRef>
+          <a:effectRef idx="0">
+            <a:schemeClr val="accent2"/>
+          </a:effectRef>
+          <a:fontRef idx="minor">
+            <a:schemeClr val="lt1"/>
+          </a:fontRef>
+        </p:style>
+        <p:txBody>
+          <a:bodyPr rtlCol="0" anchor="ctr"/>
+          <a:lstStyle/>
+          <a:p>
+            <a:pPr algn="ctr"/>
+            <a:r>
+              <a:rPr lang="en-US" dirty="0">
+                <a:ln w="0"/>
+                <a:solidFill>
+                  <a:schemeClr val="tx1"/>
+                </a:solidFill>
+                <a:effectLst>
+                  <a:outerShdw blurRad="38100" dist="19050" dir="2700000" algn="tl" rotWithShape="0">
+                    <a:schemeClr val="dk1">
+                      <a:alpha val="40000"/>
+                    </a:schemeClr>
+                  </a:outerShdw>
+                </a:effectLst>
+              </a:rPr>
+              <a:t>Checks if try-catch blocks exist for caught exceptions</a:t>
+            </a:r>
+          </a:p>
+        </p:txBody>
+      </p:sp>
+      <p:sp>
+        <p:nvSpPr>
+          <p:cNvPr id="11" name="Speech Bubble: Oval 10">
+            <a:extLst>
+              <a:ext uri="{FF2B5EF4-FFF2-40B4-BE49-F238E27FC236}">
+                <a16:creationId xmlns:a16="http://schemas.microsoft.com/office/drawing/2014/main" id="{59BF0B21-2EB7-B45E-2445-2D479E263939}"/>
+              </a:ext>
+            </a:extLst>
+          </p:cNvPr>
+          <p:cNvSpPr/>
+          <p:nvPr/>
+        </p:nvSpPr>
+        <p:spPr>
+          <a:xfrm>
+            <a:off x="7362091" y="4408253"/>
+            <a:ext cx="2497016" cy="1483225"/>
+          </a:xfrm>
+          <a:prstGeom prst="wedgeEllipseCallout">
+            <a:avLst>
+              <a:gd name="adj1" fmla="val -15105"/>
+              <a:gd name="adj2" fmla="val -129203"/>
+            </a:avLst>
+          </a:prstGeom>
+        </p:spPr>
+        <p:style>
+          <a:lnRef idx="2">
+            <a:schemeClr val="accent2">
+              <a:shade val="15000"/>
+            </a:schemeClr>
+          </a:lnRef>
+          <a:fillRef idx="1">
+            <a:schemeClr val="accent2"/>
+          </a:fillRef>
+          <a:effectRef idx="0">
+            <a:schemeClr val="accent2"/>
+          </a:effectRef>
+          <a:fontRef idx="minor">
+            <a:schemeClr val="lt1"/>
+          </a:fontRef>
+        </p:style>
+        <p:txBody>
+          <a:bodyPr rtlCol="0" anchor="ctr"/>
+          <a:lstStyle/>
+          <a:p>
+            <a:pPr algn="ctr"/>
+            <a:r>
+              <a:rPr lang="en-US" dirty="0">
+                <a:ln w="0"/>
+                <a:solidFill>
+                  <a:schemeClr val="tx1"/>
+                </a:solidFill>
+                <a:effectLst>
+                  <a:outerShdw blurRad="38100" dist="19050" dir="2700000" algn="tl" rotWithShape="0">
+                    <a:schemeClr val="dk1">
+                      <a:alpha val="40000"/>
+                    </a:schemeClr>
+                  </a:outerShdw>
+                </a:effectLst>
+              </a:rPr>
+              <a:t>Detects if exception conditions are arising at runtime</a:t>
+            </a:r>
+          </a:p>
+        </p:txBody>
+      </p:sp>
+    </p:spTree>
+    <p:extLst>
+      <p:ext uri="{BB962C8B-B14F-4D97-AF65-F5344CB8AC3E}">
+        <p14:creationId xmlns:p14="http://schemas.microsoft.com/office/powerpoint/2010/main" val="2450500795"/>
+      </p:ext>
+    </p:extLst>
+  </p:cSld>
+  <p:clrMapOvr>
+    <a:masterClrMapping/>
+  </p:clrMapOvr>
+  <p:timing>
+    <p:tnLst>
+      <p:par>
+        <p:cTn id="1" dur="indefinite" restart="never" nodeType="tmRoot">
+          <p:childTnLst>
+            <p:seq concurrent="1" nextAc="seek">
+              <p:cTn id="2" dur="indefinite" nodeType="mainSeq">
+                <p:childTnLst>
+                  <p:par>
+                    <p:cTn id="3" fill="hold">
+                      <p:stCondLst>
+                        <p:cond delay="indefinite"/>
+                      </p:stCondLst>
+                      <p:childTnLst>
+                        <p:par>
+                          <p:cTn id="4" fill="hold">
+                            <p:stCondLst>
+                              <p:cond delay="0"/>
+                            </p:stCondLst>
+                            <p:childTnLst>
+                              <p:par>
+                                <p:cTn id="5" presetID="1" presetClass="entr" presetSubtype="0" fill="hold" grpId="0" nodeType="clickEffect">
+                                  <p:stCondLst>
+                                    <p:cond delay="0"/>
+                                  </p:stCondLst>
+                                  <p:childTnLst>
+                                    <p:set>
+                                      <p:cBhvr>
+                                        <p:cTn id="6" dur="1" fill="hold">
+                                          <p:stCondLst>
+                                            <p:cond delay="0"/>
+                                          </p:stCondLst>
+                                        </p:cTn>
+                                        <p:tgtEl>
+                                          <p:spTgt spid="9"/>
+                                        </p:tgtEl>
+                                        <p:attrNameLst>
+                                          <p:attrName>style.visibility</p:attrName>
+                                        </p:attrNameLst>
+                                      </p:cBhvr>
+                                      <p:to>
+                                        <p:strVal val="visible"/>
+                                      </p:to>
+                                    </p:set>
+                                  </p:childTnLst>
+                                </p:cTn>
+                              </p:par>
+                            </p:childTnLst>
+                          </p:cTn>
+                        </p:par>
+                      </p:childTnLst>
+                    </p:cTn>
+                  </p:par>
+                  <p:par>
+                    <p:cTn id="7" fill="hold">
+                      <p:stCondLst>
+                        <p:cond delay="indefinite"/>
+                      </p:stCondLst>
+                      <p:childTnLst>
+                        <p:par>
+                          <p:cTn id="8" fill="hold">
+                            <p:stCondLst>
+                              <p:cond delay="0"/>
+                            </p:stCondLst>
+                            <p:childTnLst>
+                              <p:par>
+                                <p:cTn id="9" presetID="1" presetClass="entr" presetSubtype="0" fill="hold" grpId="0" nodeType="clickEffect">
+                                  <p:stCondLst>
+                                    <p:cond delay="0"/>
+                                  </p:stCondLst>
+                                  <p:childTnLst>
+                                    <p:set>
+                                      <p:cBhvr>
+                                        <p:cTn id="10" dur="1" fill="hold">
+                                          <p:stCondLst>
+                                            <p:cond delay="0"/>
+                                          </p:stCondLst>
+                                        </p:cTn>
+                                        <p:tgtEl>
+                                          <p:spTgt spid="11"/>
+                                        </p:tgtEl>
+                                        <p:attrNameLst>
+                                          <p:attrName>style.visibility</p:attrName>
+                                        </p:attrNameLst>
+                                      </p:cBhvr>
+                                      <p:to>
+                                        <p:strVal val="visible"/>
+                                      </p:to>
+                                    </p:set>
+                                  </p:childTnLst>
+                                </p:cTn>
+                              </p:par>
+                            </p:childTnLst>
+                          </p:cTn>
+                        </p:par>
+                      </p:childTnLst>
+                    </p:cTn>
+                  </p:par>
+                </p:childTnLst>
+              </p:cTn>
+              <p:prevCondLst>
+                <p:cond evt="onPrev" delay="0">
+                  <p:tgtEl>
+                    <p:sldTgt/>
+                  </p:tgtEl>
+                </p:cond>
+              </p:prevCondLst>
+              <p:nextCondLst>
+                <p:cond evt="onNext" delay="0">
+                  <p:tgtEl>
+                    <p:sldTgt/>
+                  </p:tgtEl>
+                </p:cond>
+              </p:nextCondLst>
+            </p:seq>
+          </p:childTnLst>
+        </p:cTn>
+      </p:par>
+    </p:tnLst>
+    <p:bldLst>
+      <p:bldP spid="9" grpId="0" animBg="1"/>
+      <p:bldP spid="11" grpId="0" animBg="1"/>
+    </p:bldLst>
+  </p:timing>
 </p:sld>
 </file>
 
